--- a/relocate/Trivial Relocation - St. Louis 06-2024.pptx
+++ b/relocate/Trivial Relocation - St. Louis 06-2024.pptx
@@ -5,7 +5,7 @@
     <p:sldMasterId id="2147483648" r:id="rId1"/>
   </p:sldMasterIdLst>
   <p:notesMasterIdLst>
-    <p:notesMasterId r:id="rId47"/>
+    <p:notesMasterId r:id="rId48"/>
   </p:notesMasterIdLst>
   <p:sldIdLst>
     <p:sldId id="256" r:id="rId2"/>
@@ -36,23 +36,24 @@
     <p:sldId id="352" r:id="rId27"/>
     <p:sldId id="353" r:id="rId28"/>
     <p:sldId id="361" r:id="rId29"/>
-    <p:sldId id="355" r:id="rId30"/>
-    <p:sldId id="394" r:id="rId31"/>
-    <p:sldId id="360" r:id="rId32"/>
-    <p:sldId id="395" r:id="rId33"/>
-    <p:sldId id="359" r:id="rId34"/>
-    <p:sldId id="397" r:id="rId35"/>
-    <p:sldId id="398" r:id="rId36"/>
-    <p:sldId id="402" r:id="rId37"/>
-    <p:sldId id="403" r:id="rId38"/>
-    <p:sldId id="404" r:id="rId39"/>
-    <p:sldId id="405" r:id="rId40"/>
-    <p:sldId id="406" r:id="rId41"/>
-    <p:sldId id="407" r:id="rId42"/>
-    <p:sldId id="396" r:id="rId43"/>
-    <p:sldId id="393" r:id="rId44"/>
-    <p:sldId id="362" r:id="rId45"/>
-    <p:sldId id="358" r:id="rId46"/>
+    <p:sldId id="408" r:id="rId30"/>
+    <p:sldId id="355" r:id="rId31"/>
+    <p:sldId id="394" r:id="rId32"/>
+    <p:sldId id="360" r:id="rId33"/>
+    <p:sldId id="395" r:id="rId34"/>
+    <p:sldId id="359" r:id="rId35"/>
+    <p:sldId id="397" r:id="rId36"/>
+    <p:sldId id="398" r:id="rId37"/>
+    <p:sldId id="402" r:id="rId38"/>
+    <p:sldId id="403" r:id="rId39"/>
+    <p:sldId id="404" r:id="rId40"/>
+    <p:sldId id="405" r:id="rId41"/>
+    <p:sldId id="406" r:id="rId42"/>
+    <p:sldId id="407" r:id="rId43"/>
+    <p:sldId id="396" r:id="rId44"/>
+    <p:sldId id="393" r:id="rId45"/>
+    <p:sldId id="362" r:id="rId46"/>
+    <p:sldId id="358" r:id="rId47"/>
   </p:sldIdLst>
   <p:sldSz cx="12192000" cy="6858000"/>
   <p:notesSz cx="6858000" cy="9144000"/>
@@ -241,7 +242,7 @@
           <a:p>
             <a:fld id="{CEFB5EEE-3E28-483D-83CF-7CFBAD280CA5}" type="datetimeFigureOut">
               <a:rPr lang="en-US" smtClean="0"/>
-              <a:t>6/11/2024</a:t>
+              <a:t>6/19/2024</a:t>
             </a:fld>
             <a:endParaRPr lang="en-US"/>
           </a:p>
@@ -1008,7 +1009,7 @@
           <a:p>
             <a:fld id="{02C5BE3E-DC87-4987-AF70-1F906EC5439D}" type="datetime1">
               <a:rPr lang="en-US" smtClean="0"/>
-              <a:t>6/11/2024</a:t>
+              <a:t>6/19/2024</a:t>
             </a:fld>
             <a:endParaRPr lang="en-US"/>
           </a:p>
@@ -1301,7 +1302,7 @@
           <a:p>
             <a:fld id="{23D892F7-AA30-4A4C-B959-E3F3A9EC8524}" type="datetime1">
               <a:rPr lang="en-US" smtClean="0"/>
-              <a:t>6/11/2024</a:t>
+              <a:t>6/19/2024</a:t>
             </a:fld>
             <a:endParaRPr lang="en-US"/>
           </a:p>
@@ -1547,7 +1548,7 @@
           <a:p>
             <a:fld id="{272C4D85-EDE8-4C6C-815F-2FEBAB7C380E}" type="datetime1">
               <a:rPr lang="en-US" smtClean="0"/>
-              <a:t>6/11/2024</a:t>
+              <a:t>6/19/2024</a:t>
             </a:fld>
             <a:endParaRPr lang="en-US"/>
           </a:p>
@@ -2085,7 +2086,7 @@
           <a:p>
             <a:fld id="{4F67D4DA-9BCF-452F-B904-BB8D0316B67C}" type="datetime1">
               <a:rPr lang="en-US" smtClean="0"/>
-              <a:t>6/11/2024</a:t>
+              <a:t>6/19/2024</a:t>
             </a:fld>
             <a:endParaRPr lang="en-US"/>
           </a:p>
@@ -2331,7 +2332,7 @@
           <a:p>
             <a:fld id="{E2226ABC-75D3-4A22-ADAE-704E445553F8}" type="datetime1">
               <a:rPr lang="en-US" smtClean="0"/>
-              <a:t>6/11/2024</a:t>
+              <a:t>6/19/2024</a:t>
             </a:fld>
             <a:endParaRPr lang="en-US"/>
           </a:p>
@@ -2861,7 +2862,7 @@
           <a:p>
             <a:fld id="{B3EB47DD-4F4F-4521-809A-910C6446A8E9}" type="datetime1">
               <a:rPr lang="en-US" smtClean="0"/>
-              <a:t>6/11/2024</a:t>
+              <a:t>6/19/2024</a:t>
             </a:fld>
             <a:endParaRPr lang="en-US"/>
           </a:p>
@@ -3156,7 +3157,7 @@
           <a:p>
             <a:fld id="{D5C1893C-E788-48A8-9A18-B793B108C2CE}" type="datetime1">
               <a:rPr lang="en-US" smtClean="0"/>
-              <a:t>6/11/2024</a:t>
+              <a:t>6/19/2024</a:t>
             </a:fld>
             <a:endParaRPr lang="en-US"/>
           </a:p>
@@ -3327,7 +3328,7 @@
           <a:p>
             <a:fld id="{89F61247-4C9D-47C0-9657-80C96CCB02A1}" type="datetime1">
               <a:rPr lang="en-US" smtClean="0"/>
-              <a:t>6/11/2024</a:t>
+              <a:t>6/19/2024</a:t>
             </a:fld>
             <a:endParaRPr lang="en-US"/>
           </a:p>
@@ -3504,7 +3505,7 @@
           <a:p>
             <a:fld id="{2BB2F593-965F-47F8-9F01-94BF3B3362FD}" type="datetime1">
               <a:rPr lang="en-US" smtClean="0"/>
-              <a:t>6/11/2024</a:t>
+              <a:t>6/19/2024</a:t>
             </a:fld>
             <a:endParaRPr lang="en-US"/>
           </a:p>
@@ -3686,7 +3687,7 @@
           <a:p>
             <a:fld id="{D1A98742-6638-43AC-A30F-B0F4E802E4B2}" type="datetime1">
               <a:rPr lang="en-US" smtClean="0"/>
-              <a:t>6/11/2024</a:t>
+              <a:t>6/19/2024</a:t>
             </a:fld>
             <a:endParaRPr lang="en-US"/>
           </a:p>
@@ -3940,7 +3941,7 @@
           <a:p>
             <a:fld id="{E04F68CC-AE29-43DC-8C36-74D991BDD660}" type="datetime1">
               <a:rPr lang="en-US" smtClean="0"/>
-              <a:t>6/11/2024</a:t>
+              <a:t>6/19/2024</a:t>
             </a:fld>
             <a:endParaRPr lang="en-US"/>
           </a:p>
@@ -4238,7 +4239,7 @@
           <a:p>
             <a:fld id="{06ABA9E8-E98F-4A61-AF76-7349863B9923}" type="datetime1">
               <a:rPr lang="en-US" smtClean="0"/>
-              <a:t>6/11/2024</a:t>
+              <a:t>6/19/2024</a:t>
             </a:fld>
             <a:endParaRPr lang="en-US"/>
           </a:p>
@@ -4696,7 +4697,7 @@
           <a:p>
             <a:fld id="{508BABE2-3DC8-4D39-B4AF-CCF82C82E0F0}" type="datetime1">
               <a:rPr lang="en-US" smtClean="0"/>
-              <a:t>6/11/2024</a:t>
+              <a:t>6/19/2024</a:t>
             </a:fld>
             <a:endParaRPr lang="en-US"/>
           </a:p>
@@ -4832,7 +4833,7 @@
           <a:p>
             <a:fld id="{64601F53-FE17-4660-BE69-DE27478D4CCC}" type="datetime1">
               <a:rPr lang="en-US" smtClean="0"/>
-              <a:t>6/11/2024</a:t>
+              <a:t>6/19/2024</a:t>
             </a:fld>
             <a:endParaRPr lang="en-US"/>
           </a:p>
@@ -4941,7 +4942,7 @@
           <a:p>
             <a:fld id="{DDF66756-33DB-4322-A7AB-33F3A7E33A2D}" type="datetime1">
               <a:rPr lang="en-US" smtClean="0"/>
-              <a:t>6/11/2024</a:t>
+              <a:t>6/19/2024</a:t>
             </a:fld>
             <a:endParaRPr lang="en-US"/>
           </a:p>
@@ -5231,7 +5232,7 @@
           <a:p>
             <a:fld id="{E9CE1D7A-DAAA-4183-B469-EDEECE92431D}" type="datetime1">
               <a:rPr lang="en-US" smtClean="0"/>
-              <a:t>6/11/2024</a:t>
+              <a:t>6/19/2024</a:t>
             </a:fld>
             <a:endParaRPr lang="en-US"/>
           </a:p>
@@ -5519,7 +5520,7 @@
           <a:p>
             <a:fld id="{E393BBCA-9B99-451E-A2F9-AA382E63F3EB}" type="datetime1">
               <a:rPr lang="en-US" smtClean="0"/>
-              <a:t>6/11/2024</a:t>
+              <a:t>6/19/2024</a:t>
             </a:fld>
             <a:endParaRPr lang="en-US"/>
           </a:p>
@@ -6046,7 +6047,7 @@
           <a:p>
             <a:fld id="{D6E2F156-B823-4FCD-8500-2C801BEF89A0}" type="datetime1">
               <a:rPr lang="en-US" smtClean="0"/>
-              <a:t>6/11/2024</a:t>
+              <a:t>6/19/2024</a:t>
             </a:fld>
             <a:endParaRPr lang="en-US"/>
           </a:p>
@@ -6793,7 +6794,7 @@
           <a:p>
             <a:fld id="{64601F53-FE17-4660-BE69-DE27478D4CCC}" type="datetime1">
               <a:rPr lang="en-US" smtClean="0"/>
-              <a:t>6/11/2024</a:t>
+              <a:t>6/19/2024</a:t>
             </a:fld>
             <a:endParaRPr lang="en-US"/>
           </a:p>
@@ -7379,7 +7380,7 @@
           <a:p>
             <a:fld id="{64601F53-FE17-4660-BE69-DE27478D4CCC}" type="datetime1">
               <a:rPr lang="en-US" smtClean="0"/>
-              <a:t>6/11/2024</a:t>
+              <a:t>6/19/2024</a:t>
             </a:fld>
             <a:endParaRPr lang="en-US"/>
           </a:p>
@@ -7871,7 +7872,7 @@
           <a:p>
             <a:fld id="{64601F53-FE17-4660-BE69-DE27478D4CCC}" type="datetime1">
               <a:rPr lang="en-US" smtClean="0"/>
-              <a:t>6/11/2024</a:t>
+              <a:t>6/19/2024</a:t>
             </a:fld>
             <a:endParaRPr lang="en-US"/>
           </a:p>
@@ -8471,7 +8472,7 @@
           <a:p>
             <a:fld id="{64601F53-FE17-4660-BE69-DE27478D4CCC}" type="datetime1">
               <a:rPr lang="en-US" smtClean="0"/>
-              <a:t>6/11/2024</a:t>
+              <a:t>6/19/2024</a:t>
             </a:fld>
             <a:endParaRPr lang="en-US"/>
           </a:p>
@@ -9244,7 +9245,7 @@
           <a:p>
             <a:fld id="{64601F53-FE17-4660-BE69-DE27478D4CCC}" type="datetime1">
               <a:rPr lang="en-US" smtClean="0"/>
-              <a:t>6/11/2024</a:t>
+              <a:t>6/19/2024</a:t>
             </a:fld>
             <a:endParaRPr lang="en-US"/>
           </a:p>
@@ -10007,7 +10008,7 @@
           <a:p>
             <a:fld id="{64601F53-FE17-4660-BE69-DE27478D4CCC}" type="datetime1">
               <a:rPr lang="en-US" smtClean="0"/>
-              <a:t>6/11/2024</a:t>
+              <a:t>6/19/2024</a:t>
             </a:fld>
             <a:endParaRPr lang="en-US"/>
           </a:p>
@@ -10777,7 +10778,7 @@
           <a:p>
             <a:fld id="{D1A98742-6638-43AC-A30F-B0F4E802E4B2}" type="datetime1">
               <a:rPr lang="en-US" smtClean="0"/>
-              <a:t>6/11/2024</a:t>
+              <a:t>6/19/2024</a:t>
             </a:fld>
             <a:endParaRPr lang="en-US"/>
           </a:p>
@@ -10987,7 +10988,7 @@
           <a:p>
             <a:fld id="{D1A98742-6638-43AC-A30F-B0F4E802E4B2}" type="datetime1">
               <a:rPr lang="en-US" smtClean="0"/>
-              <a:t>6/11/2024</a:t>
+              <a:t>6/19/2024</a:t>
             </a:fld>
             <a:endParaRPr lang="en-US"/>
           </a:p>
@@ -11198,7 +11199,7 @@
               <a:rPr lang="en-US" dirty="0">
                 <a:hlinkClick r:id="rId2"/>
               </a:rPr>
-              <a:t>http://wg21.link/D3239R0</a:t>
+              <a:t>http://wg21.link/P3239R0</a:t>
             </a:r>
             <a:r>
               <a:rPr lang="en-US" dirty="0"/>
@@ -11212,7 +11213,7 @@
             </a:r>
             <a:r>
               <a:rPr lang="en-US" b="1" i="1" dirty="0"/>
-              <a:t>P3262</a:t>
+              <a:t>D3262R0</a:t>
             </a:r>
             <a:r>
               <a:rPr lang="en-US" i="1" dirty="0"/>
@@ -11248,7 +11249,7 @@
           <a:p>
             <a:fld id="{D1A98742-6638-43AC-A30F-B0F4E802E4B2}" type="datetime1">
               <a:rPr lang="en-US" smtClean="0"/>
-              <a:t>6/11/2024</a:t>
+              <a:t>6/19/2024</a:t>
             </a:fld>
             <a:endParaRPr lang="en-US"/>
           </a:p>
@@ -11463,7 +11464,7 @@
           <a:p>
             <a:fld id="{D1A98742-6638-43AC-A30F-B0F4E802E4B2}" type="datetime1">
               <a:rPr lang="en-US" smtClean="0"/>
-              <a:t>6/11/2024</a:t>
+              <a:t>6/19/2024</a:t>
             </a:fld>
             <a:endParaRPr lang="en-US"/>
           </a:p>
@@ -11679,7 +11680,7 @@
           <a:p>
             <a:fld id="{D1A98742-6638-43AC-A30F-B0F4E802E4B2}" type="datetime1">
               <a:rPr lang="en-US" smtClean="0"/>
-              <a:t>6/11/2024</a:t>
+              <a:t>6/19/2024</a:t>
             </a:fld>
             <a:endParaRPr lang="en-US"/>
           </a:p>
@@ -11950,7 +11951,7 @@
           <a:p>
             <a:fld id="{D1A98742-6638-43AC-A30F-B0F4E802E4B2}" type="datetime1">
               <a:rPr lang="en-US" smtClean="0"/>
-              <a:t>6/11/2024</a:t>
+              <a:t>6/19/2024</a:t>
             </a:fld>
             <a:endParaRPr lang="en-US"/>
           </a:p>
@@ -12095,7 +12096,7 @@
           <a:p>
             <a:fld id="{64601F53-FE17-4660-BE69-DE27478D4CCC}" type="datetime1">
               <a:rPr lang="en-US" smtClean="0"/>
-              <a:t>6/11/2024</a:t>
+              <a:t>6/19/2024</a:t>
             </a:fld>
             <a:endParaRPr lang="en-US"/>
           </a:p>
@@ -12422,7 +12423,7 @@
                 </a:solidFill>
                 <a:latin typeface="Consolas" panose="020B0609020204030204" pitchFamily="49" charset="0"/>
               </a:rPr>
-              <a:t>c4(c2&amp;&amp;)</a:t>
+              <a:t>c4(c4&amp;&amp;)</a:t>
             </a:r>
             <a:r>
               <a:rPr lang="en-US" dirty="0">
@@ -12785,7 +12786,7 @@
             </a:r>
             <a:r>
               <a:rPr lang="en-US" dirty="0"/>
-              <a:t> predicate to make trivial relocatability conditional.</a:t>
+              <a:t> predicate to make trivial relocatability conditional at compile time.</a:t>
             </a:r>
           </a:p>
         </p:txBody>
@@ -12813,7 +12814,7 @@
           <a:p>
             <a:fld id="{D1A98742-6638-43AC-A30F-B0F4E802E4B2}" type="datetime1">
               <a:rPr lang="en-US" smtClean="0"/>
-              <a:t>6/11/2024</a:t>
+              <a:t>6/19/2024</a:t>
             </a:fld>
             <a:endParaRPr lang="en-US"/>
           </a:p>
@@ -13260,7 +13261,7 @@
           <a:p>
             <a:fld id="{D1A98742-6638-43AC-A30F-B0F4E802E4B2}" type="datetime1">
               <a:rPr lang="en-US" smtClean="0"/>
-              <a:t>6/11/2024</a:t>
+              <a:t>6/19/2024</a:t>
             </a:fld>
             <a:endParaRPr lang="en-US"/>
           </a:p>
@@ -13494,7 +13495,7 @@
           <a:p>
             <a:fld id="{D1A98742-6638-43AC-A30F-B0F4E802E4B2}" type="datetime1">
               <a:rPr lang="en-US" smtClean="0"/>
-              <a:t>6/11/2024</a:t>
+              <a:t>6/19/2024</a:t>
             </a:fld>
             <a:endParaRPr lang="en-US"/>
           </a:p>
@@ -13766,12 +13767,14 @@
         </p:nvSpPr>
         <p:spPr>
           <a:xfrm>
-            <a:off x="1484310" y="1887167"/>
-            <a:ext cx="10018713" cy="4255508"/>
+            <a:off x="1484310" y="1832982"/>
+            <a:ext cx="10018713" cy="4459447"/>
           </a:xfrm>
         </p:spPr>
         <p:txBody>
-          <a:bodyPr/>
+          <a:bodyPr>
+            <a:normAutofit/>
+          </a:bodyPr>
           <a:lstStyle/>
           <a:p>
             <a:r>
@@ -13989,7 +13992,18 @@
           <a:p>
             <a:r>
               <a:rPr lang="en-US" dirty="0"/>
-              <a:t>Optimized to use byte copies for contiguous iterators of trivially relocatable types, else relocates via element-by-element move-construction and destruction.</a:t>
+              <a:t>Relocates via element-by-element move-construction and destruction in the general case, but optimized to use byte copies for trivially relocatable types and further optimized as a single </a:t>
+            </a:r>
+            <a:r>
+              <a:rPr lang="en-US" dirty="0" err="1">
+                <a:latin typeface="Courier New" panose="02070309020205020404" pitchFamily="49" charset="0"/>
+                <a:cs typeface="Courier New" panose="02070309020205020404" pitchFamily="49" charset="0"/>
+              </a:rPr>
+              <a:t>memmove</a:t>
+            </a:r>
+            <a:r>
+              <a:rPr lang="en-US" dirty="0"/>
+              <a:t>-like operation for contiguous iterators.</a:t>
             </a:r>
           </a:p>
           <a:p>
@@ -14023,7 +14037,7 @@
           <a:p>
             <a:fld id="{D1A98742-6638-43AC-A30F-B0F4E802E4B2}" type="datetime1">
               <a:rPr lang="en-US" smtClean="0"/>
-              <a:t>6/13/2024</a:t>
+              <a:t>6/19/2024</a:t>
             </a:fld>
             <a:endParaRPr lang="en-US"/>
           </a:p>
@@ -14307,7 +14321,7 @@
           <a:p>
             <a:fld id="{D1A98742-6638-43AC-A30F-B0F4E802E4B2}" type="datetime1">
               <a:rPr lang="en-US" smtClean="0"/>
-              <a:t>6/11/2024</a:t>
+              <a:t>6/19/2024</a:t>
             </a:fld>
             <a:endParaRPr lang="en-US"/>
           </a:p>
@@ -14523,7 +14537,7 @@
           <a:p>
             <a:fld id="{D1A98742-6638-43AC-A30F-B0F4E802E4B2}" type="datetime1">
               <a:rPr lang="en-US" smtClean="0"/>
-              <a:t>6/11/2024</a:t>
+              <a:t>6/19/2024</a:t>
             </a:fld>
             <a:endParaRPr lang="en-US" dirty="0"/>
           </a:p>
@@ -15725,10 +15739,7 @@
             <a:endParaRPr lang="en-US" sz="1800" dirty="0"/>
           </a:p>
           <a:p>
-            <a:r>
-              <a:rPr lang="en-US" dirty="0"/>
-              <a:t>For reference types, construction and assignment are very different.</a:t>
-            </a:r>
+            <a:endParaRPr lang="en-US" dirty="0"/>
           </a:p>
         </p:txBody>
       </p:sp>
@@ -15755,7 +15766,7 @@
           <a:p>
             <a:fld id="{D1A98742-6638-43AC-A30F-B0F4E802E4B2}" type="datetime1">
               <a:rPr lang="en-US" smtClean="0"/>
-              <a:t>6/11/2024</a:t>
+              <a:t>6/19/2024</a:t>
             </a:fld>
             <a:endParaRPr lang="en-US" dirty="0"/>
           </a:p>
@@ -16103,168 +16114,6 @@
                 <a:latin typeface="Consolas" panose="020B0609020204030204" pitchFamily="49" charset="0"/>
               </a:rPr>
               <a:t>sector</a:t>
-            </a:r>
-          </a:p>
-        </p:txBody>
-      </p:sp>
-      <p:sp>
-        <p:nvSpPr>
-          <p:cNvPr id="10" name="Rectangle 9">
-            <a:extLst>
-              <a:ext uri="{FF2B5EF4-FFF2-40B4-BE49-F238E27FC236}">
-                <a16:creationId xmlns:a16="http://schemas.microsoft.com/office/drawing/2014/main" id="{B3DA0999-6DBB-2C6B-7269-DD92D7E491C0}"/>
-              </a:ext>
-            </a:extLst>
-          </p:cNvPr>
-          <p:cNvSpPr/>
-          <p:nvPr/>
-        </p:nvSpPr>
-        <p:spPr>
-          <a:xfrm>
-            <a:off x="1831385" y="5152364"/>
-            <a:ext cx="9396054" cy="922581"/>
-          </a:xfrm>
-          <a:prstGeom prst="rect">
-            <a:avLst/>
-          </a:prstGeom>
-        </p:spPr>
-        <p:style>
-          <a:lnRef idx="2">
-            <a:schemeClr val="dk1">
-              <a:shade val="15000"/>
-            </a:schemeClr>
-          </a:lnRef>
-          <a:fillRef idx="1">
-            <a:schemeClr val="dk1"/>
-          </a:fillRef>
-          <a:effectRef idx="0">
-            <a:schemeClr val="dk1"/>
-          </a:effectRef>
-          <a:fontRef idx="minor">
-            <a:schemeClr val="lt1"/>
-          </a:fontRef>
-        </p:style>
-        <p:txBody>
-          <a:bodyPr rtlCol="0" anchor="t"/>
-          <a:lstStyle/>
-          <a:p>
-            <a:r>
-              <a:rPr lang="en-US" dirty="0">
-                <a:latin typeface="Consolas" panose="020B0609020204030204" pitchFamily="49" charset="0"/>
-              </a:rPr>
-              <a:t>std::tuple&lt;int&amp;&gt; ta{</a:t>
-            </a:r>
-            <a:r>
-              <a:rPr lang="en-US" dirty="0">
-                <a:solidFill>
-                  <a:srgbClr val="FFFF00"/>
-                </a:solidFill>
-                <a:latin typeface="Consolas" panose="020B0609020204030204" pitchFamily="49" charset="0"/>
-              </a:rPr>
-              <a:t>a</a:t>
-            </a:r>
-            <a:r>
-              <a:rPr lang="en-US" dirty="0">
-                <a:latin typeface="Consolas" panose="020B0609020204030204" pitchFamily="49" charset="0"/>
-              </a:rPr>
-              <a:t>}, tb{</a:t>
-            </a:r>
-            <a:r>
-              <a:rPr lang="en-US" dirty="0">
-                <a:solidFill>
-                  <a:srgbClr val="00B0F0"/>
-                </a:solidFill>
-                <a:latin typeface="Consolas" panose="020B0609020204030204" pitchFamily="49" charset="0"/>
-              </a:rPr>
-              <a:t>b</a:t>
-            </a:r>
-            <a:r>
-              <a:rPr lang="en-US" dirty="0">
-                <a:latin typeface="Consolas" panose="020B0609020204030204" pitchFamily="49" charset="0"/>
-              </a:rPr>
-              <a:t>};</a:t>
-            </a:r>
-          </a:p>
-          <a:p>
-            <a:r>
-              <a:rPr lang="en-US" dirty="0">
-                <a:latin typeface="Consolas" panose="020B0609020204030204" pitchFamily="49" charset="0"/>
-              </a:rPr>
-              <a:t>std::swap(ta, tb);  // </a:t>
-            </a:r>
-            <a:r>
-              <a:rPr lang="en-US" i="1" dirty="0">
-                <a:latin typeface="Consolas" panose="020B0609020204030204" pitchFamily="49" charset="0"/>
-              </a:rPr>
-              <a:t>Swaps</a:t>
-            </a:r>
-            <a:r>
-              <a:rPr lang="en-US" dirty="0">
-                <a:latin typeface="Consolas" panose="020B0609020204030204" pitchFamily="49" charset="0"/>
-              </a:rPr>
-              <a:t> </a:t>
-            </a:r>
-            <a:r>
-              <a:rPr lang="en-US" dirty="0">
-                <a:solidFill>
-                  <a:srgbClr val="FFFF00"/>
-                </a:solidFill>
-                <a:latin typeface="Consolas" panose="020B0609020204030204" pitchFamily="49" charset="0"/>
-              </a:rPr>
-              <a:t>a</a:t>
-            </a:r>
-            <a:r>
-              <a:rPr lang="en-US" dirty="0">
-                <a:latin typeface="Consolas" panose="020B0609020204030204" pitchFamily="49" charset="0"/>
-              </a:rPr>
-              <a:t> </a:t>
-            </a:r>
-            <a:r>
-              <a:rPr lang="en-US" i="1" dirty="0">
-                <a:latin typeface="Consolas" panose="020B0609020204030204" pitchFamily="49" charset="0"/>
-              </a:rPr>
-              <a:t>and</a:t>
-            </a:r>
-            <a:r>
-              <a:rPr lang="en-US" dirty="0">
-                <a:latin typeface="Consolas" panose="020B0609020204030204" pitchFamily="49" charset="0"/>
-              </a:rPr>
-              <a:t> </a:t>
-            </a:r>
-            <a:r>
-              <a:rPr lang="en-US" dirty="0">
-                <a:solidFill>
-                  <a:srgbClr val="00B0F0"/>
-                </a:solidFill>
-                <a:latin typeface="Consolas" panose="020B0609020204030204" pitchFamily="49" charset="0"/>
-              </a:rPr>
-              <a:t>b</a:t>
-            </a:r>
-            <a:r>
-              <a:rPr lang="en-US" dirty="0">
-                <a:latin typeface="Consolas" panose="020B0609020204030204" pitchFamily="49" charset="0"/>
-              </a:rPr>
-              <a:t>, </a:t>
-            </a:r>
-            <a:r>
-              <a:rPr lang="en-US" i="1" dirty="0">
-                <a:latin typeface="Consolas" panose="020B0609020204030204" pitchFamily="49" charset="0"/>
-              </a:rPr>
-              <a:t>as if by using assignment</a:t>
-            </a:r>
-          </a:p>
-          <a:p>
-            <a:r>
-              <a:rPr lang="en-US" dirty="0">
-                <a:latin typeface="Consolas" panose="020B0609020204030204" pitchFamily="49" charset="0"/>
-              </a:rPr>
-              <a:t>assert(&amp;get&lt;0&gt;(ta) == &amp;a &amp;&amp; &amp;get&lt;0&gt;(tb) == &amp;b);  // </a:t>
-            </a:r>
-            <a:r>
-              <a:rPr lang="en-US" i="1" dirty="0">
-                <a:latin typeface="Consolas" panose="020B0609020204030204" pitchFamily="49" charset="0"/>
-              </a:rPr>
-              <a:t>No ref relocations</a:t>
             </a:r>
           </a:p>
         </p:txBody>
@@ -16304,7 +16153,7 @@
           <p:cNvPr id="2" name="Title 1">
             <a:extLst>
               <a:ext uri="{FF2B5EF4-FFF2-40B4-BE49-F238E27FC236}">
-                <a16:creationId xmlns:a16="http://schemas.microsoft.com/office/drawing/2014/main" id="{467B5CFB-AF45-FFEF-76D4-C48AA8105C6F}"/>
+                <a16:creationId xmlns:a16="http://schemas.microsoft.com/office/drawing/2014/main" id="{441DEA7F-A717-15F6-CBCE-13C3496363F2}"/>
               </a:ext>
             </a:extLst>
           </p:cNvPr>
@@ -16322,13 +16171,8 @@
           <a:p>
             <a:r>
               <a:rPr lang="en-US" dirty="0"/>
-              <a:t>Don't </a:t>
-            </a:r>
-            <a:r>
-              <a:rPr lang="en-US" dirty="0" err="1"/>
-              <a:t>Overconstrain</a:t>
-            </a:r>
-            <a:endParaRPr lang="en-US" dirty="0"/>
+              <a:t>Swapping Through References</a:t>
+            </a:r>
           </a:p>
         </p:txBody>
       </p:sp>
@@ -16337,7 +16181,7 @@
           <p:cNvPr id="3" name="Content Placeholder 2">
             <a:extLst>
               <a:ext uri="{FF2B5EF4-FFF2-40B4-BE49-F238E27FC236}">
-                <a16:creationId xmlns:a16="http://schemas.microsoft.com/office/drawing/2014/main" id="{AD728CAD-0E09-6EEA-48E3-5717311C259B}"/>
+                <a16:creationId xmlns:a16="http://schemas.microsoft.com/office/drawing/2014/main" id="{8B9CCED9-F76A-27ED-2DEA-C15DCECF427E}"/>
               </a:ext>
             </a:extLst>
           </p:cNvPr>
@@ -16348,12 +16192,7 @@
             <p:ph idx="1"/>
           </p:nvPr>
         </p:nvSpPr>
-        <p:spPr>
-          <a:xfrm>
-            <a:off x="1484310" y="1887167"/>
-            <a:ext cx="10018713" cy="4239364"/>
-          </a:xfrm>
-        </p:spPr>
+        <p:spPr/>
         <p:txBody>
           <a:bodyPr>
             <a:normAutofit/>
@@ -16362,56 +16201,30 @@
           <a:p>
             <a:r>
               <a:rPr lang="en-US" dirty="0"/>
-              <a:t>In P1144, a trivially relocatable type is assumed to be </a:t>
-            </a:r>
-            <a:r>
-              <a:rPr lang="en-US" i="1" dirty="0"/>
-              <a:t>bytewise swappable</a:t>
-            </a:r>
+              <a:t>For reference types, construction and assignment are very different.</a:t>
+            </a:r>
+          </a:p>
+          <a:p>
+            <a:endParaRPr lang="en-US" dirty="0"/>
+          </a:p>
+          <a:p>
+            <a:endParaRPr lang="en-US" dirty="0"/>
+          </a:p>
+          <a:p>
             <a:r>
               <a:rPr lang="en-US" dirty="0"/>
-              <a:t>.</a:t>
-            </a:r>
-          </a:p>
-          <a:p>
-            <a:pPr lvl="1"/>
+              <a:t>Changing the meaning of </a:t>
+            </a:r>
+            <a:r>
+              <a:rPr lang="en-US" dirty="0">
+                <a:latin typeface="Courier New" panose="02070309020205020404" pitchFamily="49" charset="0"/>
+                <a:cs typeface="Courier New" panose="02070309020205020404" pitchFamily="49" charset="0"/>
+              </a:rPr>
+              <a:t>swap</a:t>
+            </a:r>
             <a:r>
               <a:rPr lang="en-US" dirty="0"/>
-              <a:t>It creates an arbitrary and unnecessary connection between relocation and assignment.</a:t>
-            </a:r>
-          </a:p>
-          <a:p>
-            <a:pPr lvl="1"/>
-            <a:r>
-              <a:rPr lang="en-US" dirty="0"/>
-              <a:t>Over-eager optimization introduces another avenue for UB and erroneous behavior.</a:t>
-            </a:r>
-          </a:p>
-          <a:p>
-            <a:pPr lvl="1"/>
-            <a:r>
-              <a:rPr lang="en-US" dirty="0"/>
-              <a:t>Even P3236 (which promotes P1144 over P2967) agrees that many otherwise-relocatable types are excluded by P1144's overly narrow definition.</a:t>
-            </a:r>
-          </a:p>
-          <a:p>
-            <a:r>
-              <a:rPr lang="en-US" dirty="0"/>
-              <a:t>Why limit all relocation optimizations just because some are not available?</a:t>
-            </a:r>
-          </a:p>
-          <a:p>
-            <a:r>
-              <a:rPr lang="en-US" dirty="0"/>
-              <a:t>P3239 proposes </a:t>
-            </a:r>
-            <a:r>
-              <a:rPr lang="en-US" i="1" dirty="0"/>
-              <a:t>separate</a:t>
-            </a:r>
-            <a:r>
-              <a:rPr lang="en-US" dirty="0"/>
-              <a:t> trivially relocatable &amp; bytewise-swappable traits, where the latter implies the former (details are still being refined).</a:t>
+              <a:t> for a trivially relocatable type containing references would break existing code.</a:t>
             </a:r>
           </a:p>
         </p:txBody>
@@ -16421,7 +16234,7 @@
           <p:cNvPr id="4" name="Date Placeholder 3">
             <a:extLst>
               <a:ext uri="{FF2B5EF4-FFF2-40B4-BE49-F238E27FC236}">
-                <a16:creationId xmlns:a16="http://schemas.microsoft.com/office/drawing/2014/main" id="{055B9CCE-83AC-C875-0D54-BA93679EE7E6}"/>
+                <a16:creationId xmlns:a16="http://schemas.microsoft.com/office/drawing/2014/main" id="{423E443D-F273-DDC1-D001-6F80C7F553E8}"/>
               </a:ext>
             </a:extLst>
           </p:cNvPr>
@@ -16439,9 +16252,9 @@
           <a:p>
             <a:fld id="{D1A98742-6638-43AC-A30F-B0F4E802E4B2}" type="datetime1">
               <a:rPr lang="en-US" smtClean="0"/>
-              <a:t>6/11/2024</a:t>
+              <a:t>6/19/2024</a:t>
             </a:fld>
-            <a:endParaRPr lang="en-US"/>
+            <a:endParaRPr lang="en-US" dirty="0"/>
           </a:p>
         </p:txBody>
       </p:sp>
@@ -16450,7 +16263,7 @@
           <p:cNvPr id="5" name="Footer Placeholder 4">
             <a:extLst>
               <a:ext uri="{FF2B5EF4-FFF2-40B4-BE49-F238E27FC236}">
-                <a16:creationId xmlns:a16="http://schemas.microsoft.com/office/drawing/2014/main" id="{7ECD938B-DB9A-1DB9-4DBA-FAA92FF18B2F}"/>
+                <a16:creationId xmlns:a16="http://schemas.microsoft.com/office/drawing/2014/main" id="{02A3F8A0-0F70-464E-36D0-13326C671DA6}"/>
               </a:ext>
             </a:extLst>
           </p:cNvPr>
@@ -16467,7 +16280,7 @@
           <a:lstStyle/>
           <a:p>
             <a:r>
-              <a:rPr lang="en-US"/>
+              <a:rPr lang="en-US" dirty="0"/>
               <a:t>Pablo Halpern, 2024 (CC BY 4.0)</a:t>
             </a:r>
           </a:p>
@@ -16478,7 +16291,7 @@
           <p:cNvPr id="6" name="Slide Number Placeholder 5">
             <a:extLst>
               <a:ext uri="{FF2B5EF4-FFF2-40B4-BE49-F238E27FC236}">
-                <a16:creationId xmlns:a16="http://schemas.microsoft.com/office/drawing/2014/main" id="{A21389DD-769E-2F4B-2C10-FE4305E50DDB}"/>
+                <a16:creationId xmlns:a16="http://schemas.microsoft.com/office/drawing/2014/main" id="{3FAFFE31-DA6F-E436-0D23-527846EE1DBC}"/>
               </a:ext>
             </a:extLst>
           </p:cNvPr>
@@ -16499,20 +16312,655 @@
               <a:pPr/>
               <a:t>29</a:t>
             </a:fld>
-            <a:endParaRPr lang="en-US"/>
+            <a:endParaRPr lang="en-US" dirty="0"/>
+          </a:p>
+        </p:txBody>
+      </p:sp>
+      <p:sp>
+        <p:nvSpPr>
+          <p:cNvPr id="10" name="Rectangle 9">
+            <a:extLst>
+              <a:ext uri="{FF2B5EF4-FFF2-40B4-BE49-F238E27FC236}">
+                <a16:creationId xmlns:a16="http://schemas.microsoft.com/office/drawing/2014/main" id="{B3DA0999-6DBB-2C6B-7269-DD92D7E491C0}"/>
+              </a:ext>
+            </a:extLst>
+          </p:cNvPr>
+          <p:cNvSpPr/>
+          <p:nvPr/>
+        </p:nvSpPr>
+        <p:spPr>
+          <a:xfrm>
+            <a:off x="1831385" y="2354977"/>
+            <a:ext cx="9396054" cy="922581"/>
+          </a:xfrm>
+          <a:prstGeom prst="rect">
+            <a:avLst/>
+          </a:prstGeom>
+        </p:spPr>
+        <p:style>
+          <a:lnRef idx="2">
+            <a:schemeClr val="dk1">
+              <a:shade val="15000"/>
+            </a:schemeClr>
+          </a:lnRef>
+          <a:fillRef idx="1">
+            <a:schemeClr val="dk1"/>
+          </a:fillRef>
+          <a:effectRef idx="0">
+            <a:schemeClr val="dk1"/>
+          </a:effectRef>
+          <a:fontRef idx="minor">
+            <a:schemeClr val="lt1"/>
+          </a:fontRef>
+        </p:style>
+        <p:txBody>
+          <a:bodyPr rtlCol="0" anchor="t"/>
+          <a:lstStyle/>
+          <a:p>
+            <a:r>
+              <a:rPr lang="en-US" dirty="0">
+                <a:latin typeface="Consolas" panose="020B0609020204030204" pitchFamily="49" charset="0"/>
+              </a:rPr>
+              <a:t>std::tuple&lt;int&amp;&gt; ta{</a:t>
+            </a:r>
+            <a:r>
+              <a:rPr lang="en-US" dirty="0">
+                <a:solidFill>
+                  <a:srgbClr val="FFFF00"/>
+                </a:solidFill>
+                <a:latin typeface="Consolas" panose="020B0609020204030204" pitchFamily="49" charset="0"/>
+              </a:rPr>
+              <a:t>a</a:t>
+            </a:r>
+            <a:r>
+              <a:rPr lang="en-US" dirty="0">
+                <a:latin typeface="Consolas" panose="020B0609020204030204" pitchFamily="49" charset="0"/>
+              </a:rPr>
+              <a:t>}, tb{</a:t>
+            </a:r>
+            <a:r>
+              <a:rPr lang="en-US" dirty="0">
+                <a:solidFill>
+                  <a:srgbClr val="00B0F0"/>
+                </a:solidFill>
+                <a:latin typeface="Consolas" panose="020B0609020204030204" pitchFamily="49" charset="0"/>
+              </a:rPr>
+              <a:t>b</a:t>
+            </a:r>
+            <a:r>
+              <a:rPr lang="en-US" dirty="0">
+                <a:latin typeface="Consolas" panose="020B0609020204030204" pitchFamily="49" charset="0"/>
+              </a:rPr>
+              <a:t>};</a:t>
+            </a:r>
+          </a:p>
+          <a:p>
+            <a:r>
+              <a:rPr lang="en-US" dirty="0">
+                <a:latin typeface="Consolas" panose="020B0609020204030204" pitchFamily="49" charset="0"/>
+              </a:rPr>
+              <a:t>std::swap(ta, tb);  // </a:t>
+            </a:r>
+            <a:r>
+              <a:rPr lang="en-US" i="1" dirty="0">
+                <a:latin typeface="Consolas" panose="020B0609020204030204" pitchFamily="49" charset="0"/>
+              </a:rPr>
+              <a:t>Swaps</a:t>
+            </a:r>
+            <a:r>
+              <a:rPr lang="en-US" dirty="0">
+                <a:latin typeface="Consolas" panose="020B0609020204030204" pitchFamily="49" charset="0"/>
+              </a:rPr>
+              <a:t> </a:t>
+            </a:r>
+            <a:r>
+              <a:rPr lang="en-US" dirty="0">
+                <a:solidFill>
+                  <a:srgbClr val="FFFF00"/>
+                </a:solidFill>
+                <a:latin typeface="Consolas" panose="020B0609020204030204" pitchFamily="49" charset="0"/>
+              </a:rPr>
+              <a:t>a</a:t>
+            </a:r>
+            <a:r>
+              <a:rPr lang="en-US" dirty="0">
+                <a:latin typeface="Consolas" panose="020B0609020204030204" pitchFamily="49" charset="0"/>
+              </a:rPr>
+              <a:t> </a:t>
+            </a:r>
+            <a:r>
+              <a:rPr lang="en-US" i="1" dirty="0">
+                <a:latin typeface="Consolas" panose="020B0609020204030204" pitchFamily="49" charset="0"/>
+              </a:rPr>
+              <a:t>and</a:t>
+            </a:r>
+            <a:r>
+              <a:rPr lang="en-US" dirty="0">
+                <a:latin typeface="Consolas" panose="020B0609020204030204" pitchFamily="49" charset="0"/>
+              </a:rPr>
+              <a:t> </a:t>
+            </a:r>
+            <a:r>
+              <a:rPr lang="en-US" dirty="0">
+                <a:solidFill>
+                  <a:srgbClr val="00B0F0"/>
+                </a:solidFill>
+                <a:latin typeface="Consolas" panose="020B0609020204030204" pitchFamily="49" charset="0"/>
+              </a:rPr>
+              <a:t>b</a:t>
+            </a:r>
+            <a:r>
+              <a:rPr lang="en-US" dirty="0">
+                <a:latin typeface="Consolas" panose="020B0609020204030204" pitchFamily="49" charset="0"/>
+              </a:rPr>
+              <a:t>, </a:t>
+            </a:r>
+            <a:r>
+              <a:rPr lang="en-US" i="1" dirty="0">
+                <a:latin typeface="Consolas" panose="020B0609020204030204" pitchFamily="49" charset="0"/>
+              </a:rPr>
+              <a:t>as if by using assignment</a:t>
+            </a:r>
+          </a:p>
+          <a:p>
+            <a:r>
+              <a:rPr lang="en-US" dirty="0">
+                <a:latin typeface="Consolas" panose="020B0609020204030204" pitchFamily="49" charset="0"/>
+              </a:rPr>
+              <a:t>assert(&amp;get&lt;0&gt;(ta) == &amp;a &amp;&amp; &amp;get&lt;0&gt;(tb) == &amp;b);  // </a:t>
+            </a:r>
+            <a:r>
+              <a:rPr lang="en-US" i="1" dirty="0">
+                <a:latin typeface="Consolas" panose="020B0609020204030204" pitchFamily="49" charset="0"/>
+              </a:rPr>
+              <a:t>No ref relocations</a:t>
+            </a:r>
+          </a:p>
+        </p:txBody>
+      </p:sp>
+      <p:sp>
+        <p:nvSpPr>
+          <p:cNvPr id="7" name="Rectangle 6">
+            <a:extLst>
+              <a:ext uri="{FF2B5EF4-FFF2-40B4-BE49-F238E27FC236}">
+                <a16:creationId xmlns:a16="http://schemas.microsoft.com/office/drawing/2014/main" id="{9C5CCDD0-3B22-EC81-D280-EF73CD9368CC}"/>
+              </a:ext>
+            </a:extLst>
+          </p:cNvPr>
+          <p:cNvSpPr/>
+          <p:nvPr/>
+        </p:nvSpPr>
+        <p:spPr>
+          <a:xfrm>
+            <a:off x="1831385" y="4248123"/>
+            <a:ext cx="9396054" cy="2010888"/>
+          </a:xfrm>
+          <a:prstGeom prst="rect">
+            <a:avLst/>
+          </a:prstGeom>
+        </p:spPr>
+        <p:style>
+          <a:lnRef idx="2">
+            <a:schemeClr val="dk1">
+              <a:shade val="15000"/>
+            </a:schemeClr>
+          </a:lnRef>
+          <a:fillRef idx="1">
+            <a:schemeClr val="dk1"/>
+          </a:fillRef>
+          <a:effectRef idx="0">
+            <a:schemeClr val="dk1"/>
+          </a:effectRef>
+          <a:fontRef idx="minor">
+            <a:schemeClr val="lt1"/>
+          </a:fontRef>
+        </p:style>
+        <p:txBody>
+          <a:bodyPr rtlCol="0" anchor="t"/>
+          <a:lstStyle/>
+          <a:p>
+            <a:r>
+              <a:rPr lang="en-US" dirty="0">
+                <a:latin typeface="Consolas" panose="020B0609020204030204" pitchFamily="49" charset="0"/>
+              </a:rPr>
+              <a:t>using std::swap;</a:t>
+            </a:r>
+          </a:p>
+          <a:p>
+            <a:r>
+              <a:rPr lang="en-US" dirty="0">
+                <a:latin typeface="Consolas" panose="020B0609020204030204" pitchFamily="49" charset="0"/>
+              </a:rPr>
+              <a:t>class C {</a:t>
+            </a:r>
+          </a:p>
+          <a:p>
+            <a:r>
+              <a:rPr lang="en-US" dirty="0">
+                <a:latin typeface="Consolas" panose="020B0609020204030204" pitchFamily="49" charset="0"/>
+              </a:rPr>
+              <a:t>  int x, y;</a:t>
+            </a:r>
+          </a:p>
+          <a:p>
+            <a:endParaRPr lang="en-US" dirty="0">
+              <a:latin typeface="Consolas" panose="020B0609020204030204" pitchFamily="49" charset="0"/>
+            </a:endParaRPr>
+          </a:p>
+          <a:p>
+            <a:r>
+              <a:rPr lang="en-US" dirty="0">
+                <a:latin typeface="Consolas" panose="020B0609020204030204" pitchFamily="49" charset="0"/>
+              </a:rPr>
+              <a:t>  void swap(C&amp; </a:t>
+            </a:r>
+            <a:r>
+              <a:rPr lang="en-US" dirty="0" err="1">
+                <a:latin typeface="Consolas" panose="020B0609020204030204" pitchFamily="49" charset="0"/>
+              </a:rPr>
+              <a:t>rhs</a:t>
+            </a:r>
+            <a:r>
+              <a:rPr lang="en-US" dirty="0">
+                <a:latin typeface="Consolas" panose="020B0609020204030204" pitchFamily="49" charset="0"/>
+              </a:rPr>
+              <a:t>)</a:t>
+            </a:r>
+          </a:p>
+          <a:p>
+            <a:r>
+              <a:rPr lang="en-US" dirty="0">
+                <a:latin typeface="Consolas" panose="020B0609020204030204" pitchFamily="49" charset="0"/>
+              </a:rPr>
+              <a:t>    { auto l = std::tie(x, y), r = std::tie(</a:t>
+            </a:r>
+            <a:r>
+              <a:rPr lang="en-US" dirty="0" err="1">
+                <a:latin typeface="Consolas" panose="020B0609020204030204" pitchFamily="49" charset="0"/>
+              </a:rPr>
+              <a:t>rhs.x</a:t>
+            </a:r>
+            <a:r>
+              <a:rPr lang="en-US" dirty="0">
+                <a:latin typeface="Consolas" panose="020B0609020204030204" pitchFamily="49" charset="0"/>
+              </a:rPr>
+              <a:t>, </a:t>
+            </a:r>
+            <a:r>
+              <a:rPr lang="en-US" dirty="0" err="1">
+                <a:latin typeface="Consolas" panose="020B0609020204030204" pitchFamily="49" charset="0"/>
+              </a:rPr>
+              <a:t>rhs.y</a:t>
+            </a:r>
+            <a:r>
+              <a:rPr lang="en-US" dirty="0">
+                <a:latin typeface="Consolas" panose="020B0609020204030204" pitchFamily="49" charset="0"/>
+              </a:rPr>
+              <a:t>); </a:t>
+            </a:r>
+            <a:r>
+              <a:rPr lang="en-US" dirty="0">
+                <a:solidFill>
+                  <a:srgbClr val="FFFF00"/>
+                </a:solidFill>
+                <a:latin typeface="Consolas" panose="020B0609020204030204" pitchFamily="49" charset="0"/>
+              </a:rPr>
+              <a:t>swap(l, r)</a:t>
+            </a:r>
+            <a:r>
+              <a:rPr lang="en-US" dirty="0">
+                <a:latin typeface="Consolas" panose="020B0609020204030204" pitchFamily="49" charset="0"/>
+              </a:rPr>
+              <a:t>; }</a:t>
+            </a:r>
+          </a:p>
+          <a:p>
+            <a:r>
+              <a:rPr lang="en-US" dirty="0">
+                <a:latin typeface="Consolas" panose="020B0609020204030204" pitchFamily="49" charset="0"/>
+              </a:rPr>
+              <a:t>};</a:t>
+            </a:r>
+          </a:p>
+        </p:txBody>
+      </p:sp>
+      <p:sp>
+        <p:nvSpPr>
+          <p:cNvPr id="8" name="Speech Bubble: Rectangle with Corners Rounded 7">
+            <a:extLst>
+              <a:ext uri="{FF2B5EF4-FFF2-40B4-BE49-F238E27FC236}">
+                <a16:creationId xmlns:a16="http://schemas.microsoft.com/office/drawing/2014/main" id="{6CAAC1F1-B478-AE23-AD97-B05132A15C88}"/>
+              </a:ext>
+            </a:extLst>
+          </p:cNvPr>
+          <p:cNvSpPr/>
+          <p:nvPr/>
+        </p:nvSpPr>
+        <p:spPr>
+          <a:xfrm>
+            <a:off x="6493666" y="4468705"/>
+            <a:ext cx="4438242" cy="643466"/>
+          </a:xfrm>
+          <a:prstGeom prst="wedgeRoundRectCallout">
+            <a:avLst>
+              <a:gd name="adj1" fmla="val 20127"/>
+              <a:gd name="adj2" fmla="val 125840"/>
+              <a:gd name="adj3" fmla="val 16667"/>
+            </a:avLst>
+          </a:prstGeom>
+          <a:solidFill>
+            <a:srgbClr val="0070C0"/>
+          </a:solidFill>
+          <a:ln>
+            <a:solidFill>
+              <a:srgbClr val="FFFF00"/>
+            </a:solidFill>
+          </a:ln>
+        </p:spPr>
+        <p:style>
+          <a:lnRef idx="2">
+            <a:schemeClr val="accent1">
+              <a:shade val="15000"/>
+            </a:schemeClr>
+          </a:lnRef>
+          <a:fillRef idx="1">
+            <a:schemeClr val="accent1"/>
+          </a:fillRef>
+          <a:effectRef idx="0">
+            <a:schemeClr val="accent1"/>
+          </a:effectRef>
+          <a:fontRef idx="minor">
+            <a:schemeClr val="lt1"/>
+          </a:fontRef>
+        </p:style>
+        <p:txBody>
+          <a:bodyPr rtlCol="0" anchor="ctr"/>
+          <a:lstStyle/>
+          <a:p>
+            <a:pPr algn="ctr"/>
+            <a:r>
+              <a:rPr lang="en-US" dirty="0"/>
+              <a:t>Swap </a:t>
+            </a:r>
+            <a:r>
+              <a:rPr lang="en-US" dirty="0">
+                <a:latin typeface="Courier New" panose="02070309020205020404" pitchFamily="49" charset="0"/>
+                <a:cs typeface="Courier New" panose="02070309020205020404" pitchFamily="49" charset="0"/>
+              </a:rPr>
+              <a:t>x</a:t>
+            </a:r>
+            <a:r>
+              <a:rPr lang="en-US" dirty="0"/>
+              <a:t> and </a:t>
+            </a:r>
+            <a:r>
+              <a:rPr lang="en-US" dirty="0">
+                <a:latin typeface="Courier New" panose="02070309020205020404" pitchFamily="49" charset="0"/>
+                <a:cs typeface="Courier New" panose="02070309020205020404" pitchFamily="49" charset="0"/>
+              </a:rPr>
+              <a:t>y</a:t>
+            </a:r>
+            <a:r>
+              <a:rPr lang="en-US" dirty="0"/>
+              <a:t> members referenced through tuples of references created by </a:t>
+            </a:r>
+            <a:r>
+              <a:rPr lang="en-US" dirty="0">
+                <a:latin typeface="Courier New" panose="02070309020205020404" pitchFamily="49" charset="0"/>
+                <a:cs typeface="Courier New" panose="02070309020205020404" pitchFamily="49" charset="0"/>
+              </a:rPr>
+              <a:t>tie</a:t>
+            </a:r>
+            <a:r>
+              <a:rPr lang="en-US" dirty="0"/>
+              <a:t>.</a:t>
+            </a:r>
           </a:p>
         </p:txBody>
       </p:sp>
     </p:spTree>
     <p:extLst>
       <p:ext uri="{BB962C8B-B14F-4D97-AF65-F5344CB8AC3E}">
-        <p14:creationId xmlns:p14="http://schemas.microsoft.com/office/powerpoint/2010/main" val="4166340020"/>
+        <p14:creationId xmlns:p14="http://schemas.microsoft.com/office/powerpoint/2010/main" val="2582821415"/>
       </p:ext>
     </p:extLst>
   </p:cSld>
   <p:clrMapOvr>
     <a:masterClrMapping/>
   </p:clrMapOvr>
+  <p:timing>
+    <p:tnLst>
+      <p:par>
+        <p:cTn id="1" dur="indefinite" restart="never" nodeType="tmRoot">
+          <p:childTnLst>
+            <p:seq concurrent="1" nextAc="seek">
+              <p:cTn id="2" dur="indefinite" nodeType="mainSeq">
+                <p:childTnLst>
+                  <p:par>
+                    <p:cTn id="3" fill="hold">
+                      <p:stCondLst>
+                        <p:cond delay="indefinite"/>
+                      </p:stCondLst>
+                      <p:childTnLst>
+                        <p:par>
+                          <p:cTn id="4" fill="hold">
+                            <p:stCondLst>
+                              <p:cond delay="0"/>
+                            </p:stCondLst>
+                            <p:childTnLst>
+                              <p:par>
+                                <p:cTn id="5" presetID="1" presetClass="entr" presetSubtype="0" fill="hold" grpId="0" nodeType="clickEffect">
+                                  <p:stCondLst>
+                                    <p:cond delay="0"/>
+                                  </p:stCondLst>
+                                  <p:childTnLst>
+                                    <p:set>
+                                      <p:cBhvr>
+                                        <p:cTn id="6" dur="1" fill="hold">
+                                          <p:stCondLst>
+                                            <p:cond delay="0"/>
+                                          </p:stCondLst>
+                                        </p:cTn>
+                                        <p:tgtEl>
+                                          <p:spTgt spid="3">
+                                            <p:txEl>
+                                              <p:pRg st="0" end="0"/>
+                                            </p:txEl>
+                                          </p:spTgt>
+                                        </p:tgtEl>
+                                        <p:attrNameLst>
+                                          <p:attrName>style.visibility</p:attrName>
+                                        </p:attrNameLst>
+                                      </p:cBhvr>
+                                      <p:to>
+                                        <p:strVal val="visible"/>
+                                      </p:to>
+                                    </p:set>
+                                  </p:childTnLst>
+                                </p:cTn>
+                              </p:par>
+                              <p:par>
+                                <p:cTn id="7" presetID="1" presetClass="entr" presetSubtype="0" fill="hold" grpId="0" nodeType="withEffect">
+                                  <p:stCondLst>
+                                    <p:cond delay="0"/>
+                                  </p:stCondLst>
+                                  <p:childTnLst>
+                                    <p:set>
+                                      <p:cBhvr>
+                                        <p:cTn id="8" dur="1" fill="hold">
+                                          <p:stCondLst>
+                                            <p:cond delay="0"/>
+                                          </p:stCondLst>
+                                        </p:cTn>
+                                        <p:tgtEl>
+                                          <p:spTgt spid="10"/>
+                                        </p:tgtEl>
+                                        <p:attrNameLst>
+                                          <p:attrName>style.visibility</p:attrName>
+                                        </p:attrNameLst>
+                                      </p:cBhvr>
+                                      <p:to>
+                                        <p:strVal val="visible"/>
+                                      </p:to>
+                                    </p:set>
+                                  </p:childTnLst>
+                                </p:cTn>
+                              </p:par>
+                            </p:childTnLst>
+                          </p:cTn>
+                        </p:par>
+                      </p:childTnLst>
+                    </p:cTn>
+                  </p:par>
+                  <p:par>
+                    <p:cTn id="9" fill="hold">
+                      <p:stCondLst>
+                        <p:cond delay="indefinite"/>
+                      </p:stCondLst>
+                      <p:childTnLst>
+                        <p:par>
+                          <p:cTn id="10" fill="hold">
+                            <p:stCondLst>
+                              <p:cond delay="0"/>
+                            </p:stCondLst>
+                            <p:childTnLst>
+                              <p:par>
+                                <p:cTn id="11" presetID="1" presetClass="entr" presetSubtype="0" fill="hold" grpId="0" nodeType="clickEffect">
+                                  <p:stCondLst>
+                                    <p:cond delay="0"/>
+                                  </p:stCondLst>
+                                  <p:childTnLst>
+                                    <p:set>
+                                      <p:cBhvr>
+                                        <p:cTn id="12" dur="1" fill="hold">
+                                          <p:stCondLst>
+                                            <p:cond delay="0"/>
+                                          </p:stCondLst>
+                                        </p:cTn>
+                                        <p:tgtEl>
+                                          <p:spTgt spid="3">
+                                            <p:txEl>
+                                              <p:pRg st="3" end="3"/>
+                                            </p:txEl>
+                                          </p:spTgt>
+                                        </p:tgtEl>
+                                        <p:attrNameLst>
+                                          <p:attrName>style.visibility</p:attrName>
+                                        </p:attrNameLst>
+                                      </p:cBhvr>
+                                      <p:to>
+                                        <p:strVal val="visible"/>
+                                      </p:to>
+                                    </p:set>
+                                  </p:childTnLst>
+                                </p:cTn>
+                              </p:par>
+                              <p:par>
+                                <p:cTn id="13" presetID="1" presetClass="entr" presetSubtype="0" fill="hold" grpId="0" nodeType="withEffect">
+                                  <p:stCondLst>
+                                    <p:cond delay="0"/>
+                                  </p:stCondLst>
+                                  <p:childTnLst>
+                                    <p:set>
+                                      <p:cBhvr>
+                                        <p:cTn id="14" dur="1" fill="hold">
+                                          <p:stCondLst>
+                                            <p:cond delay="0"/>
+                                          </p:stCondLst>
+                                        </p:cTn>
+                                        <p:tgtEl>
+                                          <p:spTgt spid="7"/>
+                                        </p:tgtEl>
+                                        <p:attrNameLst>
+                                          <p:attrName>style.visibility</p:attrName>
+                                        </p:attrNameLst>
+                                      </p:cBhvr>
+                                      <p:to>
+                                        <p:strVal val="visible"/>
+                                      </p:to>
+                                    </p:set>
+                                  </p:childTnLst>
+                                </p:cTn>
+                              </p:par>
+                            </p:childTnLst>
+                          </p:cTn>
+                        </p:par>
+                      </p:childTnLst>
+                    </p:cTn>
+                  </p:par>
+                  <p:par>
+                    <p:cTn id="15" fill="hold">
+                      <p:stCondLst>
+                        <p:cond delay="indefinite"/>
+                      </p:stCondLst>
+                      <p:childTnLst>
+                        <p:par>
+                          <p:cTn id="16" fill="hold">
+                            <p:stCondLst>
+                              <p:cond delay="0"/>
+                            </p:stCondLst>
+                            <p:childTnLst>
+                              <p:par>
+                                <p:cTn id="17" presetID="1" presetClass="entr" presetSubtype="0" fill="hold" grpId="0" nodeType="clickEffect">
+                                  <p:stCondLst>
+                                    <p:cond delay="0"/>
+                                  </p:stCondLst>
+                                  <p:childTnLst>
+                                    <p:set>
+                                      <p:cBhvr>
+                                        <p:cTn id="18" dur="1" fill="hold">
+                                          <p:stCondLst>
+                                            <p:cond delay="0"/>
+                                          </p:stCondLst>
+                                        </p:cTn>
+                                        <p:tgtEl>
+                                          <p:spTgt spid="8"/>
+                                        </p:tgtEl>
+                                        <p:attrNameLst>
+                                          <p:attrName>style.visibility</p:attrName>
+                                        </p:attrNameLst>
+                                      </p:cBhvr>
+                                      <p:to>
+                                        <p:strVal val="visible"/>
+                                      </p:to>
+                                    </p:set>
+                                  </p:childTnLst>
+                                </p:cTn>
+                              </p:par>
+                            </p:childTnLst>
+                          </p:cTn>
+                        </p:par>
+                      </p:childTnLst>
+                    </p:cTn>
+                  </p:par>
+                </p:childTnLst>
+              </p:cTn>
+              <p:prevCondLst>
+                <p:cond evt="onPrev" delay="0">
+                  <p:tgtEl>
+                    <p:sldTgt/>
+                  </p:tgtEl>
+                </p:cond>
+              </p:prevCondLst>
+              <p:nextCondLst>
+                <p:cond evt="onNext" delay="0">
+                  <p:tgtEl>
+                    <p:sldTgt/>
+                  </p:tgtEl>
+                </p:cond>
+              </p:nextCondLst>
+            </p:seq>
+          </p:childTnLst>
+        </p:cTn>
+      </p:par>
+    </p:tnLst>
+    <p:bldLst>
+      <p:bldP spid="3" grpId="0" uiExpand="1" build="p"/>
+      <p:bldP spid="10" grpId="0" animBg="1"/>
+      <p:bldP spid="7" grpId="0" animBg="1"/>
+      <p:bldP spid="8" grpId="0" animBg="1"/>
+    </p:bldLst>
+  </p:timing>
 </p:sld>
 </file>
 
@@ -16828,7 +17276,7 @@
           <a:p>
             <a:fld id="{D1A98742-6638-43AC-A30F-B0F4E802E4B2}" type="datetime1">
               <a:rPr lang="en-US" smtClean="0"/>
-              <a:t>6/11/2024</a:t>
+              <a:t>6/19/2024</a:t>
             </a:fld>
             <a:endParaRPr lang="en-US"/>
           </a:p>
@@ -17249,6 +17697,240 @@
           <p:cNvPr id="2" name="Title 1">
             <a:extLst>
               <a:ext uri="{FF2B5EF4-FFF2-40B4-BE49-F238E27FC236}">
+                <a16:creationId xmlns:a16="http://schemas.microsoft.com/office/drawing/2014/main" id="{467B5CFB-AF45-FFEF-76D4-C48AA8105C6F}"/>
+              </a:ext>
+            </a:extLst>
+          </p:cNvPr>
+          <p:cNvSpPr>
+            <a:spLocks noGrp="1"/>
+          </p:cNvSpPr>
+          <p:nvPr>
+            <p:ph type="title"/>
+          </p:nvPr>
+        </p:nvSpPr>
+        <p:spPr/>
+        <p:txBody>
+          <a:bodyPr/>
+          <a:lstStyle/>
+          <a:p>
+            <a:r>
+              <a:rPr lang="en-US" dirty="0"/>
+              <a:t>Don't </a:t>
+            </a:r>
+            <a:r>
+              <a:rPr lang="en-US" dirty="0" err="1"/>
+              <a:t>Overconstrain</a:t>
+            </a:r>
+            <a:endParaRPr lang="en-US" dirty="0"/>
+          </a:p>
+        </p:txBody>
+      </p:sp>
+      <p:sp>
+        <p:nvSpPr>
+          <p:cNvPr id="3" name="Content Placeholder 2">
+            <a:extLst>
+              <a:ext uri="{FF2B5EF4-FFF2-40B4-BE49-F238E27FC236}">
+                <a16:creationId xmlns:a16="http://schemas.microsoft.com/office/drawing/2014/main" id="{AD728CAD-0E09-6EEA-48E3-5717311C259B}"/>
+              </a:ext>
+            </a:extLst>
+          </p:cNvPr>
+          <p:cNvSpPr>
+            <a:spLocks noGrp="1"/>
+          </p:cNvSpPr>
+          <p:nvPr>
+            <p:ph idx="1"/>
+          </p:nvPr>
+        </p:nvSpPr>
+        <p:spPr>
+          <a:xfrm>
+            <a:off x="1484310" y="1887167"/>
+            <a:ext cx="10018713" cy="4239364"/>
+          </a:xfrm>
+        </p:spPr>
+        <p:txBody>
+          <a:bodyPr>
+            <a:normAutofit/>
+          </a:bodyPr>
+          <a:lstStyle/>
+          <a:p>
+            <a:r>
+              <a:rPr lang="en-US" dirty="0"/>
+              <a:t>In P1144, a trivially relocatable type is assumed to be </a:t>
+            </a:r>
+            <a:r>
+              <a:rPr lang="en-US" i="1" dirty="0"/>
+              <a:t>bytewise swappable</a:t>
+            </a:r>
+            <a:r>
+              <a:rPr lang="en-US" dirty="0"/>
+              <a:t>.</a:t>
+            </a:r>
+          </a:p>
+          <a:p>
+            <a:pPr lvl="1"/>
+            <a:r>
+              <a:rPr lang="en-US" dirty="0"/>
+              <a:t>It creates an arbitrary and unnecessary connection between relocation and assignment.</a:t>
+            </a:r>
+          </a:p>
+          <a:p>
+            <a:pPr lvl="1"/>
+            <a:r>
+              <a:rPr lang="en-US" dirty="0"/>
+              <a:t>Over-eager optimization introduces another avenue for UB and erroneous behavior.</a:t>
+            </a:r>
+          </a:p>
+          <a:p>
+            <a:pPr lvl="1"/>
+            <a:r>
+              <a:rPr lang="en-US" dirty="0"/>
+              <a:t>Even P3236 (which promotes P1144 over P2967) agrees that many otherwise-relocatable types are excluded by P1144's overly narrow definition.</a:t>
+            </a:r>
+          </a:p>
+          <a:p>
+            <a:r>
+              <a:rPr lang="en-US" dirty="0"/>
+              <a:t>Why limit all relocation optimizations just because some are not available?</a:t>
+            </a:r>
+          </a:p>
+          <a:p>
+            <a:r>
+              <a:rPr lang="en-US" dirty="0"/>
+              <a:t>P3239 proposes </a:t>
+            </a:r>
+            <a:r>
+              <a:rPr lang="en-US" i="1" dirty="0"/>
+              <a:t>separate</a:t>
+            </a:r>
+            <a:r>
+              <a:rPr lang="en-US" dirty="0"/>
+              <a:t> trivially relocatable &amp; bytewise-swappable traits, where the latter implies the former (details are still being refined).</a:t>
+            </a:r>
+          </a:p>
+        </p:txBody>
+      </p:sp>
+      <p:sp>
+        <p:nvSpPr>
+          <p:cNvPr id="4" name="Date Placeholder 3">
+            <a:extLst>
+              <a:ext uri="{FF2B5EF4-FFF2-40B4-BE49-F238E27FC236}">
+                <a16:creationId xmlns:a16="http://schemas.microsoft.com/office/drawing/2014/main" id="{055B9CCE-83AC-C875-0D54-BA93679EE7E6}"/>
+              </a:ext>
+            </a:extLst>
+          </p:cNvPr>
+          <p:cNvSpPr>
+            <a:spLocks noGrp="1"/>
+          </p:cNvSpPr>
+          <p:nvPr>
+            <p:ph type="dt" sz="half" idx="10"/>
+          </p:nvPr>
+        </p:nvSpPr>
+        <p:spPr/>
+        <p:txBody>
+          <a:bodyPr/>
+          <a:lstStyle/>
+          <a:p>
+            <a:fld id="{D1A98742-6638-43AC-A30F-B0F4E802E4B2}" type="datetime1">
+              <a:rPr lang="en-US" smtClean="0"/>
+              <a:t>6/19/2024</a:t>
+            </a:fld>
+            <a:endParaRPr lang="en-US"/>
+          </a:p>
+        </p:txBody>
+      </p:sp>
+      <p:sp>
+        <p:nvSpPr>
+          <p:cNvPr id="5" name="Footer Placeholder 4">
+            <a:extLst>
+              <a:ext uri="{FF2B5EF4-FFF2-40B4-BE49-F238E27FC236}">
+                <a16:creationId xmlns:a16="http://schemas.microsoft.com/office/drawing/2014/main" id="{7ECD938B-DB9A-1DB9-4DBA-FAA92FF18B2F}"/>
+              </a:ext>
+            </a:extLst>
+          </p:cNvPr>
+          <p:cNvSpPr>
+            <a:spLocks noGrp="1"/>
+          </p:cNvSpPr>
+          <p:nvPr>
+            <p:ph type="ftr" sz="quarter" idx="11"/>
+          </p:nvPr>
+        </p:nvSpPr>
+        <p:spPr/>
+        <p:txBody>
+          <a:bodyPr/>
+          <a:lstStyle/>
+          <a:p>
+            <a:r>
+              <a:rPr lang="en-US"/>
+              <a:t>Pablo Halpern, 2024 (CC BY 4.0)</a:t>
+            </a:r>
+          </a:p>
+        </p:txBody>
+      </p:sp>
+      <p:sp>
+        <p:nvSpPr>
+          <p:cNvPr id="6" name="Slide Number Placeholder 5">
+            <a:extLst>
+              <a:ext uri="{FF2B5EF4-FFF2-40B4-BE49-F238E27FC236}">
+                <a16:creationId xmlns:a16="http://schemas.microsoft.com/office/drawing/2014/main" id="{A21389DD-769E-2F4B-2C10-FE4305E50DDB}"/>
+              </a:ext>
+            </a:extLst>
+          </p:cNvPr>
+          <p:cNvSpPr>
+            <a:spLocks noGrp="1"/>
+          </p:cNvSpPr>
+          <p:nvPr>
+            <p:ph type="sldNum" sz="quarter" idx="12"/>
+          </p:nvPr>
+        </p:nvSpPr>
+        <p:spPr/>
+        <p:txBody>
+          <a:bodyPr/>
+          <a:lstStyle/>
+          <a:p>
+            <a:fld id="{D57F1E4F-1CFF-5643-939E-217C01CDF565}" type="slidenum">
+              <a:rPr lang="en-US" smtClean="0"/>
+              <a:pPr/>
+              <a:t>30</a:t>
+            </a:fld>
+            <a:endParaRPr lang="en-US"/>
+          </a:p>
+        </p:txBody>
+      </p:sp>
+    </p:spTree>
+    <p:extLst>
+      <p:ext uri="{BB962C8B-B14F-4D97-AF65-F5344CB8AC3E}">
+        <p14:creationId xmlns:p14="http://schemas.microsoft.com/office/powerpoint/2010/main" val="4166340020"/>
+      </p:ext>
+    </p:extLst>
+  </p:cSld>
+  <p:clrMapOvr>
+    <a:masterClrMapping/>
+  </p:clrMapOvr>
+</p:sld>
+</file>
+
+<file path=ppt/slides/slide31.xml><?xml version="1.0" encoding="utf-8"?>
+<p:sld xmlns:a="http://schemas.openxmlformats.org/drawingml/2006/main" xmlns:r="http://schemas.openxmlformats.org/officeDocument/2006/relationships" xmlns:p="http://schemas.openxmlformats.org/presentationml/2006/main">
+  <p:cSld>
+    <p:spTree>
+      <p:nvGrpSpPr>
+        <p:cNvPr id="1" name=""/>
+        <p:cNvGrpSpPr/>
+        <p:nvPr/>
+      </p:nvGrpSpPr>
+      <p:grpSpPr>
+        <a:xfrm>
+          <a:off x="0" y="0"/>
+          <a:ext cx="0" cy="0"/>
+          <a:chOff x="0" y="0"/>
+          <a:chExt cx="0" cy="0"/>
+        </a:xfrm>
+      </p:grpSpPr>
+      <p:sp>
+        <p:nvSpPr>
+          <p:cNvPr id="2" name="Title 1">
+            <a:extLst>
+              <a:ext uri="{FF2B5EF4-FFF2-40B4-BE49-F238E27FC236}">
                 <a16:creationId xmlns:a16="http://schemas.microsoft.com/office/drawing/2014/main" id="{D91D02E7-5B7B-5D8B-B506-3EB072DCEF2A}"/>
               </a:ext>
             </a:extLst>
@@ -17304,7 +17986,7 @@
           <a:p>
             <a:r>
               <a:rPr lang="en-US" dirty="0"/>
-              <a:t>P2786/P3239: Relocating move optimizations within containers but no relocating swap optimizations.</a:t>
+              <a:t>P2786/P3239: Permits relocating move optimizations within containers but no relocating swap optimizations.</a:t>
             </a:r>
           </a:p>
           <a:p>
@@ -17349,7 +18031,7 @@
           <a:p>
             <a:fld id="{64601F53-FE17-4660-BE69-DE27478D4CCC}" type="datetime1">
               <a:rPr lang="en-US" smtClean="0"/>
-              <a:t>6/14/2024</a:t>
+              <a:t>6/19/2024</a:t>
             </a:fld>
             <a:endParaRPr lang="en-US"/>
           </a:p>
@@ -17407,7 +18089,7 @@
             <a:fld id="{D57F1E4F-1CFF-5643-939E-217C01CDF565}" type="slidenum">
               <a:rPr lang="en-US" smtClean="0"/>
               <a:pPr/>
-              <a:t>30</a:t>
+              <a:t>31</a:t>
             </a:fld>
             <a:endParaRPr lang="en-US"/>
           </a:p>
@@ -18099,329 +18781,6 @@
 </p:sld>
 </file>
 
-<file path=ppt/slides/slide31.xml><?xml version="1.0" encoding="utf-8"?>
-<p:sld xmlns:a="http://schemas.openxmlformats.org/drawingml/2006/main" xmlns:r="http://schemas.openxmlformats.org/officeDocument/2006/relationships" xmlns:p="http://schemas.openxmlformats.org/presentationml/2006/main">
-  <p:cSld>
-    <p:spTree>
-      <p:nvGrpSpPr>
-        <p:cNvPr id="1" name=""/>
-        <p:cNvGrpSpPr/>
-        <p:nvPr/>
-      </p:nvGrpSpPr>
-      <p:grpSpPr>
-        <a:xfrm>
-          <a:off x="0" y="0"/>
-          <a:ext cx="0" cy="0"/>
-          <a:chOff x="0" y="0"/>
-          <a:chExt cx="0" cy="0"/>
-        </a:xfrm>
-      </p:grpSpPr>
-      <p:sp>
-        <p:nvSpPr>
-          <p:cNvPr id="2" name="Title 1">
-            <a:extLst>
-              <a:ext uri="{FF2B5EF4-FFF2-40B4-BE49-F238E27FC236}">
-                <a16:creationId xmlns:a16="http://schemas.microsoft.com/office/drawing/2014/main" id="{ACD1B181-43A2-FEC3-5257-F03223F15394}"/>
-              </a:ext>
-            </a:extLst>
-          </p:cNvPr>
-          <p:cNvSpPr>
-            <a:spLocks noGrp="1"/>
-          </p:cNvSpPr>
-          <p:nvPr>
-            <p:ph type="title"/>
-          </p:nvPr>
-        </p:nvSpPr>
-        <p:spPr/>
-        <p:txBody>
-          <a:bodyPr/>
-          <a:lstStyle/>
-          <a:p>
-            <a:r>
-              <a:rPr lang="en-US" dirty="0"/>
-              <a:t>What P3239 proposes</a:t>
-            </a:r>
-          </a:p>
-        </p:txBody>
-      </p:sp>
-      <p:sp>
-        <p:nvSpPr>
-          <p:cNvPr id="3" name="Content Placeholder 2">
-            <a:extLst>
-              <a:ext uri="{FF2B5EF4-FFF2-40B4-BE49-F238E27FC236}">
-                <a16:creationId xmlns:a16="http://schemas.microsoft.com/office/drawing/2014/main" id="{D8687F9E-08F9-D09C-37E3-7C0684258C1D}"/>
-              </a:ext>
-            </a:extLst>
-          </p:cNvPr>
-          <p:cNvSpPr>
-            <a:spLocks noGrp="1"/>
-          </p:cNvSpPr>
-          <p:nvPr>
-            <p:ph idx="1"/>
-          </p:nvPr>
-        </p:nvSpPr>
-        <p:spPr>
-          <a:xfrm>
-            <a:off x="1484310" y="1887167"/>
-            <a:ext cx="10018713" cy="4255508"/>
-          </a:xfrm>
-        </p:spPr>
-        <p:txBody>
-          <a:bodyPr>
-            <a:normAutofit/>
-          </a:bodyPr>
-          <a:lstStyle/>
-          <a:p>
-            <a:r>
-              <a:rPr lang="en-US" dirty="0">
-                <a:solidFill>
-                  <a:srgbClr val="7030A0"/>
-                </a:solidFill>
-              </a:rPr>
-              <a:t>Some details are still being worked out. </a:t>
-            </a:r>
-            <a:r>
-              <a:rPr lang="en-US" b="1" dirty="0">
-                <a:solidFill>
-                  <a:srgbClr val="7030A0"/>
-                </a:solidFill>
-              </a:rPr>
-              <a:t>Names are placeholders.</a:t>
-            </a:r>
-            <a:endParaRPr lang="en-US" dirty="0"/>
-          </a:p>
-          <a:p>
-            <a:r>
-              <a:rPr lang="en-US" dirty="0"/>
-              <a:t>New magic function, </a:t>
-            </a:r>
-            <a:r>
-              <a:rPr lang="en-US" dirty="0" err="1">
-                <a:solidFill>
-                  <a:srgbClr val="7030A0"/>
-                </a:solidFill>
-                <a:latin typeface="Courier New" panose="02070309020205020404" pitchFamily="49" charset="0"/>
-                <a:cs typeface="Courier New" panose="02070309020205020404" pitchFamily="49" charset="0"/>
-              </a:rPr>
-              <a:t>swap_value_representations</a:t>
-            </a:r>
-            <a:r>
-              <a:rPr lang="en-US" dirty="0"/>
-              <a:t>, exchanges only the </a:t>
-            </a:r>
-            <a:r>
-              <a:rPr lang="en-US" b="1" i="1" dirty="0"/>
-              <a:t>value representation</a:t>
-            </a:r>
-            <a:r>
-              <a:rPr lang="en-US" dirty="0"/>
-              <a:t> of its arguments (safe to use for empty </a:t>
-            </a:r>
-            <a:r>
-              <a:rPr lang="en-US" dirty="0" err="1"/>
-              <a:t>subobjects</a:t>
-            </a:r>
-            <a:r>
-              <a:rPr lang="en-US" dirty="0"/>
-              <a:t>).</a:t>
-            </a:r>
-          </a:p>
-          <a:p>
-            <a:r>
-              <a:rPr lang="en-US" dirty="0">
-                <a:cs typeface="Courier New" panose="02070309020205020404" pitchFamily="49" charset="0"/>
-              </a:rPr>
-              <a:t>Separate </a:t>
-            </a:r>
-            <a:r>
-              <a:rPr lang="en-US" dirty="0" err="1">
-                <a:solidFill>
-                  <a:srgbClr val="7030A0"/>
-                </a:solidFill>
-                <a:latin typeface="Courier New" panose="02070309020205020404" pitchFamily="49" charset="0"/>
-                <a:cs typeface="Courier New" panose="02070309020205020404" pitchFamily="49" charset="0"/>
-              </a:rPr>
-              <a:t>swap_uses_value_representations_v</a:t>
-            </a:r>
-            <a:r>
-              <a:rPr lang="en-US" dirty="0"/>
-              <a:t> trait is </a:t>
-            </a:r>
-            <a:r>
-              <a:rPr lang="en-US" dirty="0">
-                <a:cs typeface="Courier New" panose="02070309020205020404" pitchFamily="49" charset="0"/>
-              </a:rPr>
-              <a:t>true</a:t>
-            </a:r>
-            <a:r>
-              <a:rPr lang="en-US" dirty="0"/>
-              <a:t> for a subset of </a:t>
-            </a:r>
-            <a:r>
-              <a:rPr lang="en-US" dirty="0" err="1">
-                <a:latin typeface="Courier New" panose="02070309020205020404" pitchFamily="49" charset="0"/>
-                <a:cs typeface="Courier New" panose="02070309020205020404" pitchFamily="49" charset="0"/>
-              </a:rPr>
-              <a:t>is_trivially_relocatable_v</a:t>
-            </a:r>
-            <a:r>
-              <a:rPr lang="en-US" dirty="0"/>
-              <a:t> types. The former is implicitly true in most cases where the latter is implicitly true.</a:t>
-            </a:r>
-          </a:p>
-          <a:p>
-            <a:r>
-              <a:rPr lang="en-US" dirty="0">
-                <a:latin typeface="Courier New" panose="02070309020205020404" pitchFamily="49" charset="0"/>
-                <a:cs typeface="Courier New" panose="02070309020205020404" pitchFamily="49" charset="0"/>
-              </a:rPr>
-              <a:t>std::swap</a:t>
-            </a:r>
-            <a:r>
-              <a:rPr lang="en-US" dirty="0">
-                <a:cs typeface="Courier New" panose="02070309020205020404" pitchFamily="49" charset="0"/>
-              </a:rPr>
-              <a:t> and other standard algorithms are permitted to use </a:t>
-            </a:r>
-            <a:r>
-              <a:rPr lang="en-US" dirty="0" err="1">
-                <a:solidFill>
-                  <a:srgbClr val="7030A0"/>
-                </a:solidFill>
-                <a:latin typeface="Courier New" panose="02070309020205020404" pitchFamily="49" charset="0"/>
-                <a:cs typeface="Courier New" panose="02070309020205020404" pitchFamily="49" charset="0"/>
-              </a:rPr>
-              <a:t>swap_value_representations</a:t>
-            </a:r>
-            <a:r>
-              <a:rPr lang="en-US" dirty="0">
-                <a:cs typeface="Courier New" panose="02070309020205020404" pitchFamily="49" charset="0"/>
-              </a:rPr>
-              <a:t> when </a:t>
-            </a:r>
-            <a:r>
-              <a:rPr lang="en-US" dirty="0" err="1">
-                <a:solidFill>
-                  <a:srgbClr val="7030A0"/>
-                </a:solidFill>
-                <a:latin typeface="Courier New" panose="02070309020205020404" pitchFamily="49" charset="0"/>
-                <a:cs typeface="Courier New" panose="02070309020205020404" pitchFamily="49" charset="0"/>
-              </a:rPr>
-              <a:t>swap_uses_value_representations_v</a:t>
-            </a:r>
-            <a:r>
-              <a:rPr lang="en-US" dirty="0">
-                <a:cs typeface="Courier New" panose="02070309020205020404" pitchFamily="49" charset="0"/>
-              </a:rPr>
-              <a:t> is true.</a:t>
-            </a:r>
-            <a:endParaRPr lang="en-US" dirty="0">
-              <a:latin typeface="Courier New" panose="02070309020205020404" pitchFamily="49" charset="0"/>
-              <a:cs typeface="Courier New" panose="02070309020205020404" pitchFamily="49" charset="0"/>
-            </a:endParaRPr>
-          </a:p>
-        </p:txBody>
-      </p:sp>
-      <p:sp>
-        <p:nvSpPr>
-          <p:cNvPr id="4" name="Date Placeholder 3">
-            <a:extLst>
-              <a:ext uri="{FF2B5EF4-FFF2-40B4-BE49-F238E27FC236}">
-                <a16:creationId xmlns:a16="http://schemas.microsoft.com/office/drawing/2014/main" id="{F3432AB1-E8C6-B294-F697-E9A3C8D7875A}"/>
-              </a:ext>
-            </a:extLst>
-          </p:cNvPr>
-          <p:cNvSpPr>
-            <a:spLocks noGrp="1"/>
-          </p:cNvSpPr>
-          <p:nvPr>
-            <p:ph type="dt" sz="half" idx="10"/>
-          </p:nvPr>
-        </p:nvSpPr>
-        <p:spPr/>
-        <p:txBody>
-          <a:bodyPr/>
-          <a:lstStyle/>
-          <a:p>
-            <a:fld id="{D1A98742-6638-43AC-A30F-B0F4E802E4B2}" type="datetime1">
-              <a:rPr lang="en-US" smtClean="0"/>
-              <a:t>6/11/2024</a:t>
-            </a:fld>
-            <a:endParaRPr lang="en-US"/>
-          </a:p>
-        </p:txBody>
-      </p:sp>
-      <p:sp>
-        <p:nvSpPr>
-          <p:cNvPr id="5" name="Footer Placeholder 4">
-            <a:extLst>
-              <a:ext uri="{FF2B5EF4-FFF2-40B4-BE49-F238E27FC236}">
-                <a16:creationId xmlns:a16="http://schemas.microsoft.com/office/drawing/2014/main" id="{3A92185B-FF7D-42AE-A552-F425EE6A05D3}"/>
-              </a:ext>
-            </a:extLst>
-          </p:cNvPr>
-          <p:cNvSpPr>
-            <a:spLocks noGrp="1"/>
-          </p:cNvSpPr>
-          <p:nvPr>
-            <p:ph type="ftr" sz="quarter" idx="11"/>
-          </p:nvPr>
-        </p:nvSpPr>
-        <p:spPr/>
-        <p:txBody>
-          <a:bodyPr/>
-          <a:lstStyle/>
-          <a:p>
-            <a:r>
-              <a:rPr lang="en-US"/>
-              <a:t>Pablo Halpern, 2024 (CC BY 4.0)</a:t>
-            </a:r>
-          </a:p>
-        </p:txBody>
-      </p:sp>
-      <p:sp>
-        <p:nvSpPr>
-          <p:cNvPr id="6" name="Slide Number Placeholder 5">
-            <a:extLst>
-              <a:ext uri="{FF2B5EF4-FFF2-40B4-BE49-F238E27FC236}">
-                <a16:creationId xmlns:a16="http://schemas.microsoft.com/office/drawing/2014/main" id="{1C9D076D-A96C-ADDC-9939-0A1C86CF9C29}"/>
-              </a:ext>
-            </a:extLst>
-          </p:cNvPr>
-          <p:cNvSpPr>
-            <a:spLocks noGrp="1"/>
-          </p:cNvSpPr>
-          <p:nvPr>
-            <p:ph type="sldNum" sz="quarter" idx="12"/>
-          </p:nvPr>
-        </p:nvSpPr>
-        <p:spPr/>
-        <p:txBody>
-          <a:bodyPr/>
-          <a:lstStyle/>
-          <a:p>
-            <a:fld id="{D57F1E4F-1CFF-5643-939E-217C01CDF565}" type="slidenum">
-              <a:rPr lang="en-US" smtClean="0"/>
-              <a:pPr/>
-              <a:t>31</a:t>
-            </a:fld>
-            <a:endParaRPr lang="en-US"/>
-          </a:p>
-        </p:txBody>
-      </p:sp>
-    </p:spTree>
-    <p:extLst>
-      <p:ext uri="{BB962C8B-B14F-4D97-AF65-F5344CB8AC3E}">
-        <p14:creationId xmlns:p14="http://schemas.microsoft.com/office/powerpoint/2010/main" val="3908784799"/>
-      </p:ext>
-    </p:extLst>
-  </p:cSld>
-  <p:clrMapOvr>
-    <a:masterClrMapping/>
-  </p:clrMapOvr>
-</p:sld>
-</file>
-
 <file path=ppt/slides/slide32.xml><?xml version="1.0" encoding="utf-8"?>
 <p:sld xmlns:a="http://schemas.openxmlformats.org/drawingml/2006/main" xmlns:r="http://schemas.openxmlformats.org/officeDocument/2006/relationships" xmlns:p="http://schemas.openxmlformats.org/presentationml/2006/main">
   <p:cSld>
@@ -18444,7 +18803,7 @@
           <p:cNvPr id="2" name="Title 1">
             <a:extLst>
               <a:ext uri="{FF2B5EF4-FFF2-40B4-BE49-F238E27FC236}">
-                <a16:creationId xmlns:a16="http://schemas.microsoft.com/office/drawing/2014/main" id="{0E5F4130-313A-BCA5-0ED2-0AE9A0116128}"/>
+                <a16:creationId xmlns:a16="http://schemas.microsoft.com/office/drawing/2014/main" id="{ACD1B181-43A2-FEC3-5257-F03223F15394}"/>
               </a:ext>
             </a:extLst>
           </p:cNvPr>
@@ -18456,6 +18815,39 @@
           </p:nvPr>
         </p:nvSpPr>
         <p:spPr/>
+        <p:txBody>
+          <a:bodyPr/>
+          <a:lstStyle/>
+          <a:p>
+            <a:r>
+              <a:rPr lang="en-US" dirty="0"/>
+              <a:t>What P3239 proposes</a:t>
+            </a:r>
+          </a:p>
+        </p:txBody>
+      </p:sp>
+      <p:sp>
+        <p:nvSpPr>
+          <p:cNvPr id="3" name="Content Placeholder 2">
+            <a:extLst>
+              <a:ext uri="{FF2B5EF4-FFF2-40B4-BE49-F238E27FC236}">
+                <a16:creationId xmlns:a16="http://schemas.microsoft.com/office/drawing/2014/main" id="{D8687F9E-08F9-D09C-37E3-7C0684258C1D}"/>
+              </a:ext>
+            </a:extLst>
+          </p:cNvPr>
+          <p:cNvSpPr>
+            <a:spLocks noGrp="1"/>
+          </p:cNvSpPr>
+          <p:nvPr>
+            <p:ph idx="1"/>
+          </p:nvPr>
+        </p:nvSpPr>
+        <p:spPr>
+          <a:xfrm>
+            <a:off x="1484310" y="1887167"/>
+            <a:ext cx="10018713" cy="4255508"/>
+          </a:xfrm>
+        </p:spPr>
         <p:txBody>
           <a:bodyPr>
             <a:normAutofit/>
@@ -18463,26 +18855,161 @@
           <a:lstStyle/>
           <a:p>
             <a:r>
+              <a:rPr lang="en-US" dirty="0">
+                <a:solidFill>
+                  <a:srgbClr val="7030A0"/>
+                </a:solidFill>
+              </a:rPr>
+              <a:t>Some details are still being worked out. </a:t>
+            </a:r>
+            <a:r>
+              <a:rPr lang="en-US" b="1" dirty="0">
+                <a:solidFill>
+                  <a:srgbClr val="7030A0"/>
+                </a:solidFill>
+              </a:rPr>
+              <a:t>Names are placeholders.</a:t>
+            </a:r>
+            <a:endParaRPr lang="en-US" dirty="0"/>
+          </a:p>
+          <a:p>
+            <a:r>
               <a:rPr lang="en-US" dirty="0"/>
-              <a:t>Allowable Relocation Optimizations</a:t>
-            </a:r>
-            <a:br>
+              <a:t>New magic function, </a:t>
+            </a:r>
+            <a:r>
+              <a:rPr lang="en-US" dirty="0" err="1">
+                <a:solidFill>
+                  <a:srgbClr val="7030A0"/>
+                </a:solidFill>
+                <a:latin typeface="Courier New" panose="02070309020205020404" pitchFamily="49" charset="0"/>
+                <a:cs typeface="Courier New" panose="02070309020205020404" pitchFamily="49" charset="0"/>
+              </a:rPr>
+              <a:t>swap_value_representations</a:t>
+            </a:r>
+            <a:r>
               <a:rPr lang="en-US" dirty="0"/>
-            </a:br>
-            <a:r>
-              <a:rPr lang="en-US" sz="3200" dirty="0"/>
-              <a:t>assuming bytewise-swappable trait appropriately applied</a:t>
-            </a:r>
-            <a:endParaRPr lang="en-US" dirty="0"/>
-          </a:p>
-        </p:txBody>
-      </p:sp>
-      <p:sp>
-        <p:nvSpPr>
-          <p:cNvPr id="3" name="Date Placeholder 2">
-            <a:extLst>
-              <a:ext uri="{FF2B5EF4-FFF2-40B4-BE49-F238E27FC236}">
-                <a16:creationId xmlns:a16="http://schemas.microsoft.com/office/drawing/2014/main" id="{1FBE742B-1930-90C0-C694-D13F82475A36}"/>
+              <a:t>, exchanges only the </a:t>
+            </a:r>
+            <a:r>
+              <a:rPr lang="en-US" b="1" i="1" dirty="0"/>
+              <a:t>value representation</a:t>
+            </a:r>
+            <a:r>
+              <a:rPr lang="en-US" dirty="0"/>
+              <a:t> of its arguments (safe to use for empty </a:t>
+            </a:r>
+            <a:r>
+              <a:rPr lang="en-US" dirty="0" err="1"/>
+              <a:t>subobjects</a:t>
+            </a:r>
+            <a:r>
+              <a:rPr lang="en-US" dirty="0"/>
+              <a:t>).</a:t>
+            </a:r>
+          </a:p>
+          <a:p>
+            <a:r>
+              <a:rPr lang="en-US" dirty="0">
+                <a:cs typeface="Courier New" panose="02070309020205020404" pitchFamily="49" charset="0"/>
+              </a:rPr>
+              <a:t>Separate </a:t>
+            </a:r>
+            <a:r>
+              <a:rPr lang="en-US" dirty="0" err="1">
+                <a:solidFill>
+                  <a:srgbClr val="7030A0"/>
+                </a:solidFill>
+                <a:latin typeface="Courier New" panose="02070309020205020404" pitchFamily="49" charset="0"/>
+                <a:cs typeface="Courier New" panose="02070309020205020404" pitchFamily="49" charset="0"/>
+              </a:rPr>
+              <a:t>swap_uses_value_representations_v</a:t>
+            </a:r>
+            <a:r>
+              <a:rPr lang="en-US" dirty="0"/>
+              <a:t> trait is </a:t>
+            </a:r>
+            <a:r>
+              <a:rPr lang="en-US" dirty="0">
+                <a:cs typeface="Courier New" panose="02070309020205020404" pitchFamily="49" charset="0"/>
+              </a:rPr>
+              <a:t>true</a:t>
+            </a:r>
+            <a:r>
+              <a:rPr lang="en-US" dirty="0"/>
+              <a:t> for a subset of </a:t>
+            </a:r>
+            <a:r>
+              <a:rPr lang="en-US" dirty="0" err="1">
+                <a:latin typeface="Courier New" panose="02070309020205020404" pitchFamily="49" charset="0"/>
+                <a:cs typeface="Courier New" panose="02070309020205020404" pitchFamily="49" charset="0"/>
+              </a:rPr>
+              <a:t>is_trivially_relocatable_v</a:t>
+            </a:r>
+            <a:r>
+              <a:rPr lang="en-US" dirty="0"/>
+              <a:t> types. The former is implicitly true in most cases where the latter is implicitly true.</a:t>
+            </a:r>
+          </a:p>
+          <a:p>
+            <a:r>
+              <a:rPr lang="en-US" dirty="0">
+                <a:latin typeface="Courier New" panose="02070309020205020404" pitchFamily="49" charset="0"/>
+                <a:cs typeface="Courier New" panose="02070309020205020404" pitchFamily="49" charset="0"/>
+              </a:rPr>
+              <a:t>std::swap</a:t>
+            </a:r>
+            <a:r>
+              <a:rPr lang="en-US" dirty="0">
+                <a:cs typeface="Courier New" panose="02070309020205020404" pitchFamily="49" charset="0"/>
+              </a:rPr>
+              <a:t> and other standard algorithms are permitted to use </a:t>
+            </a:r>
+            <a:r>
+              <a:rPr lang="en-US" dirty="0" err="1">
+                <a:solidFill>
+                  <a:srgbClr val="7030A0"/>
+                </a:solidFill>
+                <a:latin typeface="Courier New" panose="02070309020205020404" pitchFamily="49" charset="0"/>
+                <a:cs typeface="Courier New" panose="02070309020205020404" pitchFamily="49" charset="0"/>
+              </a:rPr>
+              <a:t>swap_value_representations</a:t>
+            </a:r>
+            <a:r>
+              <a:rPr lang="en-US" dirty="0">
+                <a:cs typeface="Courier New" panose="02070309020205020404" pitchFamily="49" charset="0"/>
+              </a:rPr>
+              <a:t> when </a:t>
+            </a:r>
+            <a:r>
+              <a:rPr lang="en-US" dirty="0" err="1">
+                <a:solidFill>
+                  <a:srgbClr val="7030A0"/>
+                </a:solidFill>
+                <a:latin typeface="Courier New" panose="02070309020205020404" pitchFamily="49" charset="0"/>
+                <a:cs typeface="Courier New" panose="02070309020205020404" pitchFamily="49" charset="0"/>
+              </a:rPr>
+              <a:t>swap_uses_value_representations_v</a:t>
+            </a:r>
+            <a:r>
+              <a:rPr lang="en-US" dirty="0">
+                <a:cs typeface="Courier New" panose="02070309020205020404" pitchFamily="49" charset="0"/>
+              </a:rPr>
+              <a:t> is true.</a:t>
+            </a:r>
+            <a:endParaRPr lang="en-US" dirty="0">
+              <a:latin typeface="Courier New" panose="02070309020205020404" pitchFamily="49" charset="0"/>
+              <a:cs typeface="Courier New" panose="02070309020205020404" pitchFamily="49" charset="0"/>
+            </a:endParaRPr>
+          </a:p>
+        </p:txBody>
+      </p:sp>
+      <p:sp>
+        <p:nvSpPr>
+          <p:cNvPr id="4" name="Date Placeholder 3">
+            <a:extLst>
+              <a:ext uri="{FF2B5EF4-FFF2-40B4-BE49-F238E27FC236}">
+                <a16:creationId xmlns:a16="http://schemas.microsoft.com/office/drawing/2014/main" id="{F3432AB1-E8C6-B294-F697-E9A3C8D7875A}"/>
               </a:ext>
             </a:extLst>
           </p:cNvPr>
@@ -18498,9 +19025,9 @@
           <a:bodyPr/>
           <a:lstStyle/>
           <a:p>
-            <a:fld id="{64601F53-FE17-4660-BE69-DE27478D4CCC}" type="datetime1">
+            <a:fld id="{D1A98742-6638-43AC-A30F-B0F4E802E4B2}" type="datetime1">
               <a:rPr lang="en-US" smtClean="0"/>
-              <a:t>6/14/2024</a:t>
+              <a:t>6/19/2024</a:t>
             </a:fld>
             <a:endParaRPr lang="en-US"/>
           </a:p>
@@ -18508,10 +19035,10 @@
       </p:sp>
       <p:sp>
         <p:nvSpPr>
-          <p:cNvPr id="4" name="Footer Placeholder 3">
-            <a:extLst>
-              <a:ext uri="{FF2B5EF4-FFF2-40B4-BE49-F238E27FC236}">
-                <a16:creationId xmlns:a16="http://schemas.microsoft.com/office/drawing/2014/main" id="{5D621A38-A884-DA8F-9FF9-EC67C0ED2BE9}"/>
+          <p:cNvPr id="5" name="Footer Placeholder 4">
+            <a:extLst>
+              <a:ext uri="{FF2B5EF4-FFF2-40B4-BE49-F238E27FC236}">
+                <a16:creationId xmlns:a16="http://schemas.microsoft.com/office/drawing/2014/main" id="{3A92185B-FF7D-42AE-A552-F425EE6A05D3}"/>
               </a:ext>
             </a:extLst>
           </p:cNvPr>
@@ -18528,7 +19055,7 @@
           <a:lstStyle/>
           <a:p>
             <a:r>
-              <a:rPr lang="en-US" dirty="0"/>
+              <a:rPr lang="en-US"/>
               <a:t>Pablo Halpern, 2024 (CC BY 4.0)</a:t>
             </a:r>
           </a:p>
@@ -18536,10 +19063,10 @@
       </p:sp>
       <p:sp>
         <p:nvSpPr>
-          <p:cNvPr id="5" name="Slide Number Placeholder 4">
-            <a:extLst>
-              <a:ext uri="{FF2B5EF4-FFF2-40B4-BE49-F238E27FC236}">
-                <a16:creationId xmlns:a16="http://schemas.microsoft.com/office/drawing/2014/main" id="{7258AA1F-A011-72C8-B556-3B59B9A67FE4}"/>
+          <p:cNvPr id="6" name="Slide Number Placeholder 5">
+            <a:extLst>
+              <a:ext uri="{FF2B5EF4-FFF2-40B4-BE49-F238E27FC236}">
+                <a16:creationId xmlns:a16="http://schemas.microsoft.com/office/drawing/2014/main" id="{1C9D076D-A96C-ADDC-9939-0A1C86CF9C29}"/>
               </a:ext>
             </a:extLst>
           </p:cNvPr>
@@ -18564,1065 +19091,10 @@
           </a:p>
         </p:txBody>
       </p:sp>
-      <p:sp>
-        <p:nvSpPr>
-          <p:cNvPr id="8" name="TextBox 7">
-            <a:extLst>
-              <a:ext uri="{FF2B5EF4-FFF2-40B4-BE49-F238E27FC236}">
-                <a16:creationId xmlns:a16="http://schemas.microsoft.com/office/drawing/2014/main" id="{DC258FC3-C611-4BAA-E8C9-9C5A22B234E7}"/>
-              </a:ext>
-            </a:extLst>
-          </p:cNvPr>
-          <p:cNvSpPr txBox="1"/>
-          <p:nvPr/>
-        </p:nvSpPr>
-        <p:spPr>
-          <a:xfrm>
-            <a:off x="3740796" y="2187781"/>
-            <a:ext cx="8012853" cy="4023360"/>
-          </a:xfrm>
-          <a:prstGeom prst="rect">
-            <a:avLst/>
-          </a:prstGeom>
-          <a:solidFill>
-            <a:schemeClr val="bg1"/>
-          </a:solidFill>
-          <a:ln w="19050">
-            <a:solidFill>
-              <a:schemeClr val="tx1"/>
-            </a:solidFill>
-          </a:ln>
-        </p:spPr>
-        <p:txBody>
-          <a:bodyPr wrap="square" rtlCol="0">
-            <a:spAutoFit/>
-          </a:bodyPr>
-          <a:lstStyle/>
-          <a:p>
-            <a:r>
-              <a:rPr lang="en-US" sz="1600" dirty="0">
-                <a:latin typeface="Consolas" panose="020B0609020204030204" pitchFamily="49" charset="0"/>
-              </a:rPr>
-              <a:t>set&lt;T&gt;, map&lt;T, U&gt;  </a:t>
-            </a:r>
-            <a:r>
-              <a:rPr lang="en-US" sz="1600" i="1" dirty="0"/>
-              <a:t>(using sentinel node)</a:t>
-            </a:r>
-          </a:p>
-          <a:p>
-            <a:r>
-              <a:rPr lang="en-US" sz="1600" dirty="0" err="1">
-                <a:latin typeface="Consolas" panose="020B0609020204030204" pitchFamily="49" charset="0"/>
-              </a:rPr>
-              <a:t>offset_ptr</a:t>
-            </a:r>
-            <a:r>
-              <a:rPr lang="en-US" sz="1600" dirty="0">
-                <a:latin typeface="Consolas" panose="020B0609020204030204" pitchFamily="49" charset="0"/>
-              </a:rPr>
-              <a:t>&lt;T&gt;</a:t>
-            </a:r>
-          </a:p>
-          <a:p>
-            <a:r>
-              <a:rPr lang="en-US" sz="1600" dirty="0">
-                <a:latin typeface="Consolas" panose="020B0609020204030204" pitchFamily="49" charset="0"/>
-              </a:rPr>
-              <a:t>tuple&lt;T&amp;&gt;, pair&lt;T&amp;, U&amp;&gt; </a:t>
-            </a:r>
-          </a:p>
-          <a:p>
-            <a:r>
-              <a:rPr lang="en-US" sz="1600" dirty="0" err="1">
-                <a:latin typeface="Consolas" panose="020B0609020204030204" pitchFamily="49" charset="0"/>
-              </a:rPr>
-              <a:t>pmr</a:t>
-            </a:r>
-            <a:r>
-              <a:rPr lang="en-US" sz="1600" dirty="0">
-                <a:latin typeface="Consolas" panose="020B0609020204030204" pitchFamily="49" charset="0"/>
-              </a:rPr>
-              <a:t>::vector&lt;T&gt;</a:t>
-            </a:r>
-          </a:p>
-          <a:p>
-            <a:r>
-              <a:rPr lang="en-US" sz="1600" dirty="0">
-                <a:latin typeface="Consolas" panose="020B0609020204030204" pitchFamily="49" charset="0"/>
-              </a:rPr>
-              <a:t>int</a:t>
-            </a:r>
-          </a:p>
-          <a:p>
-            <a:r>
-              <a:rPr lang="en-US" sz="1600" dirty="0">
-                <a:latin typeface="Consolas" panose="020B0609020204030204" pitchFamily="49" charset="0"/>
-              </a:rPr>
-              <a:t>vector&lt;T&gt;, deque&lt;T&gt;</a:t>
-            </a:r>
-          </a:p>
-          <a:p>
-            <a:pPr>
-              <a:spcBef>
-                <a:spcPts val="100"/>
-              </a:spcBef>
-            </a:pPr>
-            <a:r>
-              <a:rPr lang="en-US" sz="1600" dirty="0" err="1">
-                <a:latin typeface="Consolas" panose="020B0609020204030204" pitchFamily="49" charset="0"/>
-              </a:rPr>
-              <a:t>unique_ptr</a:t>
-            </a:r>
-            <a:r>
-              <a:rPr lang="en-US" sz="1600" dirty="0">
-                <a:latin typeface="Consolas" panose="020B0609020204030204" pitchFamily="49" charset="0"/>
-              </a:rPr>
-              <a:t>&lt;T&gt;</a:t>
-            </a:r>
-          </a:p>
-          <a:p>
-            <a:r>
-              <a:rPr lang="en-US" sz="1600" dirty="0" err="1">
-                <a:latin typeface="Consolas" panose="020B0609020204030204" pitchFamily="49" charset="0"/>
-              </a:rPr>
-              <a:t>shared_ptr</a:t>
-            </a:r>
-            <a:r>
-              <a:rPr lang="en-US" sz="1600" dirty="0">
-                <a:latin typeface="Consolas" panose="020B0609020204030204" pitchFamily="49" charset="0"/>
-              </a:rPr>
-              <a:t>&lt;T&gt;</a:t>
-            </a:r>
-          </a:p>
-          <a:p>
-            <a:r>
-              <a:rPr lang="en-US" sz="1600" dirty="0" err="1">
-                <a:latin typeface="Consolas" panose="020B0609020204030204" pitchFamily="49" charset="0"/>
-              </a:rPr>
-              <a:t>string_view</a:t>
-            </a:r>
-            <a:endParaRPr lang="en-US" sz="1600" dirty="0">
-              <a:latin typeface="Consolas" panose="020B0609020204030204" pitchFamily="49" charset="0"/>
-            </a:endParaRPr>
-          </a:p>
-          <a:p>
-            <a:r>
-              <a:rPr lang="en-US" sz="1600" dirty="0" err="1">
-                <a:latin typeface="Consolas" panose="020B0609020204030204" pitchFamily="49" charset="0"/>
-              </a:rPr>
-              <a:t>reference_wrapper</a:t>
-            </a:r>
-            <a:r>
-              <a:rPr lang="en-US" sz="1600" dirty="0">
-                <a:latin typeface="Consolas" panose="020B0609020204030204" pitchFamily="49" charset="0"/>
-              </a:rPr>
-              <a:t>&lt;T&gt;</a:t>
-            </a:r>
-          </a:p>
-          <a:p>
-            <a:r>
-              <a:rPr lang="en-US" sz="1600" dirty="0">
-                <a:latin typeface="Consolas" panose="020B0609020204030204" pitchFamily="49" charset="0"/>
-              </a:rPr>
-              <a:t>optional&lt;int&gt;</a:t>
-            </a:r>
-          </a:p>
-          <a:p>
-            <a:r>
-              <a:rPr lang="en-US" sz="1600" dirty="0">
-                <a:latin typeface="Consolas" panose="020B0609020204030204" pitchFamily="49" charset="0"/>
-              </a:rPr>
-              <a:t>optional&lt;T&amp;&gt;</a:t>
-            </a:r>
-          </a:p>
-          <a:p>
-            <a:r>
-              <a:rPr lang="en-US" sz="1600" dirty="0">
-                <a:latin typeface="Consolas" panose="020B0609020204030204" pitchFamily="49" charset="0"/>
-              </a:rPr>
-              <a:t>struct Composed { Composed(); </a:t>
-            </a:r>
-            <a:r>
-              <a:rPr lang="en-US" sz="1600" dirty="0" err="1">
-                <a:latin typeface="Consolas" panose="020B0609020204030204" pitchFamily="49" charset="0"/>
-              </a:rPr>
-              <a:t>unique_ptr</a:t>
-            </a:r>
-            <a:r>
-              <a:rPr lang="en-US" sz="1600" dirty="0">
-                <a:latin typeface="Consolas" panose="020B0609020204030204" pitchFamily="49" charset="0"/>
-              </a:rPr>
-              <a:t>&lt;T&gt; m_; };</a:t>
-            </a:r>
-          </a:p>
-          <a:p>
-            <a:r>
-              <a:rPr lang="en-US" sz="1600" dirty="0">
-                <a:latin typeface="Consolas" panose="020B0609020204030204" pitchFamily="49" charset="0"/>
-              </a:rPr>
-              <a:t>struct Unaware { </a:t>
-            </a:r>
-            <a:r>
-              <a:rPr lang="en-US" sz="1600" dirty="0" err="1">
-                <a:latin typeface="Consolas" panose="020B0609020204030204" pitchFamily="49" charset="0"/>
-              </a:rPr>
-              <a:t>pmr</a:t>
-            </a:r>
-            <a:r>
-              <a:rPr lang="en-US" sz="1600" dirty="0">
-                <a:latin typeface="Consolas" panose="020B0609020204030204" pitchFamily="49" charset="0"/>
-              </a:rPr>
-              <a:t>::vector&lt;T&gt; m_; };</a:t>
-            </a:r>
-          </a:p>
-          <a:p>
-            <a:r>
-              <a:rPr lang="en-US" sz="1600" dirty="0">
-                <a:latin typeface="Consolas" panose="020B0609020204030204" pitchFamily="49" charset="0"/>
-              </a:rPr>
-              <a:t>struct </a:t>
-            </a:r>
-            <a:r>
-              <a:rPr lang="en-US" sz="1600" dirty="0" err="1">
-                <a:latin typeface="Consolas" panose="020B0609020204030204" pitchFamily="49" charset="0"/>
-              </a:rPr>
-              <a:t>Cpy</a:t>
-            </a:r>
-            <a:r>
-              <a:rPr lang="en-US" sz="1600" dirty="0">
-                <a:latin typeface="Consolas" panose="020B0609020204030204" pitchFamily="49" charset="0"/>
-              </a:rPr>
-              <a:t> { int </a:t>
-            </a:r>
-            <a:r>
-              <a:rPr lang="en-US" sz="1600" dirty="0" err="1">
-                <a:latin typeface="Consolas" panose="020B0609020204030204" pitchFamily="49" charset="0"/>
-              </a:rPr>
-              <a:t>i</a:t>
-            </a:r>
-            <a:r>
-              <a:rPr lang="en-US" sz="1600" dirty="0">
-                <a:latin typeface="Consolas" panose="020B0609020204030204" pitchFamily="49" charset="0"/>
-              </a:rPr>
-              <a:t>; </a:t>
-            </a:r>
-            <a:r>
-              <a:rPr lang="en-US" sz="1600" dirty="0" err="1">
-                <a:latin typeface="Consolas" panose="020B0609020204030204" pitchFamily="49" charset="0"/>
-              </a:rPr>
-              <a:t>Cpy</a:t>
-            </a:r>
-            <a:r>
-              <a:rPr lang="en-US" sz="1600" dirty="0">
-                <a:latin typeface="Consolas" panose="020B0609020204030204" pitchFamily="49" charset="0"/>
-              </a:rPr>
-              <a:t>(const </a:t>
-            </a:r>
-            <a:r>
-              <a:rPr lang="en-US" sz="1600" dirty="0" err="1">
-                <a:latin typeface="Consolas" panose="020B0609020204030204" pitchFamily="49" charset="0"/>
-              </a:rPr>
-              <a:t>Cpy</a:t>
-            </a:r>
-            <a:r>
-              <a:rPr lang="en-US" sz="1600" dirty="0">
-                <a:latin typeface="Consolas" panose="020B0609020204030204" pitchFamily="49" charset="0"/>
-              </a:rPr>
-              <a:t>&amp;) = default; </a:t>
-            </a:r>
-            <a:r>
-              <a:rPr lang="en-US" sz="1600" dirty="0" err="1">
-                <a:solidFill>
-                  <a:srgbClr val="C00000"/>
-                </a:solidFill>
-                <a:latin typeface="Consolas" panose="020B0609020204030204" pitchFamily="49" charset="0"/>
-              </a:rPr>
-              <a:t>Cpy</a:t>
-            </a:r>
-            <a:r>
-              <a:rPr lang="en-US" sz="1600" dirty="0">
-                <a:solidFill>
-                  <a:srgbClr val="C00000"/>
-                </a:solidFill>
-                <a:latin typeface="Consolas" panose="020B0609020204030204" pitchFamily="49" charset="0"/>
-              </a:rPr>
-              <a:t>(</a:t>
-            </a:r>
-            <a:r>
-              <a:rPr lang="en-US" sz="1600" dirty="0" err="1">
-                <a:solidFill>
-                  <a:srgbClr val="C00000"/>
-                </a:solidFill>
-                <a:latin typeface="Consolas" panose="020B0609020204030204" pitchFamily="49" charset="0"/>
-              </a:rPr>
-              <a:t>Cpy</a:t>
-            </a:r>
-            <a:r>
-              <a:rPr lang="en-US" sz="1600" dirty="0">
-                <a:solidFill>
-                  <a:srgbClr val="C00000"/>
-                </a:solidFill>
-                <a:latin typeface="Consolas" panose="020B0609020204030204" pitchFamily="49" charset="0"/>
-              </a:rPr>
-              <a:t>&amp;&amp;) = delete;</a:t>
-            </a:r>
-            <a:r>
-              <a:rPr lang="en-US" sz="1600" dirty="0">
-                <a:latin typeface="Consolas" panose="020B0609020204030204" pitchFamily="49" charset="0"/>
-              </a:rPr>
-              <a:t> };</a:t>
-            </a:r>
-          </a:p>
-          <a:p>
-            <a:r>
-              <a:rPr lang="en-US" sz="1600" dirty="0">
-                <a:latin typeface="Consolas" panose="020B0609020204030204" pitchFamily="49" charset="0"/>
-              </a:rPr>
-              <a:t>struct </a:t>
-            </a:r>
-            <a:r>
-              <a:rPr lang="en-US" sz="1600" dirty="0" err="1">
-                <a:latin typeface="Consolas" panose="020B0609020204030204" pitchFamily="49" charset="0"/>
-              </a:rPr>
-              <a:t>Falso</a:t>
-            </a:r>
-            <a:r>
-              <a:rPr lang="en-US" sz="1600" dirty="0">
-                <a:latin typeface="Consolas" panose="020B0609020204030204" pitchFamily="49" charset="0"/>
-              </a:rPr>
-              <a:t> </a:t>
-            </a:r>
-            <a:r>
-              <a:rPr lang="en-US" sz="1600" dirty="0" err="1">
-                <a:solidFill>
-                  <a:srgbClr val="C00000"/>
-                </a:solidFill>
-                <a:latin typeface="Consolas" panose="020B0609020204030204" pitchFamily="49" charset="0"/>
-              </a:rPr>
-              <a:t>trivially_relocatable</a:t>
-            </a:r>
-            <a:r>
-              <a:rPr lang="en-US" sz="1600" dirty="0">
-                <a:solidFill>
-                  <a:srgbClr val="C00000"/>
-                </a:solidFill>
-                <a:latin typeface="Consolas" panose="020B0609020204030204" pitchFamily="49" charset="0"/>
-              </a:rPr>
-              <a:t>(false)</a:t>
-            </a:r>
-            <a:r>
-              <a:rPr lang="en-US" sz="1600" dirty="0">
-                <a:latin typeface="Consolas" panose="020B0609020204030204" pitchFamily="49" charset="0"/>
-              </a:rPr>
-              <a:t> {};</a:t>
-            </a:r>
-          </a:p>
-        </p:txBody>
-      </p:sp>
-      <p:sp>
-        <p:nvSpPr>
-          <p:cNvPr id="10" name="TextBox 9">
-            <a:extLst>
-              <a:ext uri="{FF2B5EF4-FFF2-40B4-BE49-F238E27FC236}">
-                <a16:creationId xmlns:a16="http://schemas.microsoft.com/office/drawing/2014/main" id="{9CC622BA-2523-35EC-BDC1-82BBD8F78F65}"/>
-              </a:ext>
-            </a:extLst>
-          </p:cNvPr>
-          <p:cNvSpPr txBox="1"/>
-          <p:nvPr/>
-        </p:nvSpPr>
-        <p:spPr>
-          <a:xfrm>
-            <a:off x="2472267" y="2187782"/>
-            <a:ext cx="1268529" cy="4023360"/>
-          </a:xfrm>
-          <a:prstGeom prst="rect">
-            <a:avLst/>
-          </a:prstGeom>
-          <a:solidFill>
-            <a:schemeClr val="bg1"/>
-          </a:solidFill>
-          <a:ln w="19050">
-            <a:solidFill>
-              <a:schemeClr val="tx1"/>
-            </a:solidFill>
-          </a:ln>
-        </p:spPr>
-        <p:txBody>
-          <a:bodyPr wrap="square" rtlCol="0">
-            <a:spAutoFit/>
-          </a:bodyPr>
-          <a:lstStyle/>
-          <a:p>
-            <a:pPr algn="ctr"/>
-            <a:r>
-              <a:rPr lang="en-US" sz="1600" dirty="0">
-                <a:effectLst/>
-                <a:latin typeface="Consolas" panose="020B0609020204030204" pitchFamily="49" charset="0"/>
-                <a:ea typeface="Times New Roman" panose="02020603050405020304" pitchFamily="18" charset="0"/>
-                <a:cs typeface="Segoe UI Emoji" panose="020B0502040204020203" pitchFamily="34" charset="0"/>
-              </a:rPr>
-              <a:t>❌</a:t>
-            </a:r>
-            <a:r>
-              <a:rPr lang="en-US" sz="1600" dirty="0">
-                <a:latin typeface="Consolas" panose="020B0609020204030204" pitchFamily="49" charset="0"/>
-              </a:rPr>
-              <a:t> </a:t>
-            </a:r>
-            <a:r>
-              <a:rPr lang="en-US" sz="1600" dirty="0">
-                <a:effectLst/>
-                <a:latin typeface="Consolas" panose="020B0609020204030204" pitchFamily="49" charset="0"/>
-                <a:ea typeface="Times New Roman" panose="02020603050405020304" pitchFamily="18" charset="0"/>
-                <a:cs typeface="Segoe UI Emoji" panose="020B0502040204020203" pitchFamily="34" charset="0"/>
-              </a:rPr>
-              <a:t>❌</a:t>
-            </a:r>
-            <a:endParaRPr lang="en-US" sz="1600" dirty="0">
-              <a:latin typeface="Consolas" panose="020B0609020204030204" pitchFamily="49" charset="0"/>
-            </a:endParaRPr>
-          </a:p>
-          <a:p>
-            <a:pPr algn="ctr"/>
-            <a:r>
-              <a:rPr lang="en-US" sz="1600" dirty="0">
-                <a:effectLst/>
-                <a:latin typeface="Consolas" panose="020B0609020204030204" pitchFamily="49" charset="0"/>
-                <a:ea typeface="Times New Roman" panose="02020603050405020304" pitchFamily="18" charset="0"/>
-                <a:cs typeface="Segoe UI Emoji" panose="020B0502040204020203" pitchFamily="34" charset="0"/>
-              </a:rPr>
-              <a:t>❌</a:t>
-            </a:r>
-            <a:r>
-              <a:rPr lang="en-US" sz="1600" dirty="0">
-                <a:latin typeface="Consolas" panose="020B0609020204030204" pitchFamily="49" charset="0"/>
-              </a:rPr>
-              <a:t> </a:t>
-            </a:r>
-            <a:r>
-              <a:rPr lang="en-US" sz="1600" dirty="0">
-                <a:effectLst/>
-                <a:latin typeface="Consolas" panose="020B0609020204030204" pitchFamily="49" charset="0"/>
-                <a:ea typeface="Times New Roman" panose="02020603050405020304" pitchFamily="18" charset="0"/>
-                <a:cs typeface="Segoe UI Emoji" panose="020B0502040204020203" pitchFamily="34" charset="0"/>
-              </a:rPr>
-              <a:t>❌</a:t>
-            </a:r>
-          </a:p>
-          <a:p>
-            <a:pPr algn="ctr"/>
-            <a:r>
-              <a:rPr lang="en-US" sz="1600" dirty="0">
-                <a:latin typeface="Consolas" panose="020B0609020204030204" pitchFamily="49" charset="0"/>
-              </a:rPr>
-              <a:t>✅ </a:t>
-            </a:r>
-            <a:r>
-              <a:rPr lang="en-US" sz="1600" dirty="0">
-                <a:effectLst/>
-                <a:latin typeface="Consolas" panose="020B0609020204030204" pitchFamily="49" charset="0"/>
-                <a:ea typeface="Times New Roman" panose="02020603050405020304" pitchFamily="18" charset="0"/>
-                <a:cs typeface="Segoe UI Emoji" panose="020B0502040204020203" pitchFamily="34" charset="0"/>
-              </a:rPr>
-              <a:t>❌</a:t>
-            </a:r>
-          </a:p>
-          <a:p>
-            <a:pPr algn="ctr"/>
-            <a:r>
-              <a:rPr lang="en-US" sz="1600" dirty="0">
-                <a:latin typeface="Consolas" panose="020B0609020204030204" pitchFamily="49" charset="0"/>
-              </a:rPr>
-              <a:t>✅ </a:t>
-            </a:r>
-            <a:r>
-              <a:rPr lang="en-US" sz="1600" dirty="0">
-                <a:effectLst/>
-                <a:latin typeface="Consolas" panose="020B0609020204030204" pitchFamily="49" charset="0"/>
-                <a:ea typeface="Times New Roman" panose="02020603050405020304" pitchFamily="18" charset="0"/>
-                <a:cs typeface="Segoe UI Emoji" panose="020B0502040204020203" pitchFamily="34" charset="0"/>
-              </a:rPr>
-              <a:t>❌</a:t>
-            </a:r>
-            <a:endParaRPr lang="en-US" sz="1600" dirty="0">
-              <a:latin typeface="Consolas" panose="020B0609020204030204" pitchFamily="49" charset="0"/>
-            </a:endParaRPr>
-          </a:p>
-          <a:p>
-            <a:pPr algn="ctr"/>
-            <a:r>
-              <a:rPr lang="en-US" sz="1600" dirty="0">
-                <a:latin typeface="Consolas" panose="020B0609020204030204" pitchFamily="49" charset="0"/>
-              </a:rPr>
-              <a:t>✅ ✅</a:t>
-            </a:r>
-          </a:p>
-          <a:p>
-            <a:pPr algn="ctr"/>
-            <a:r>
-              <a:rPr lang="en-US" sz="1600" dirty="0">
-                <a:latin typeface="Consolas" panose="020B0609020204030204" pitchFamily="49" charset="0"/>
-              </a:rPr>
-              <a:t>✅ ✅</a:t>
-            </a:r>
-          </a:p>
-          <a:p>
-            <a:pPr algn="ctr"/>
-            <a:r>
-              <a:rPr lang="en-US" sz="1600" dirty="0">
-                <a:latin typeface="Consolas" panose="020B0609020204030204" pitchFamily="49" charset="0"/>
-              </a:rPr>
-              <a:t>✅ ✅</a:t>
-            </a:r>
-          </a:p>
-          <a:p>
-            <a:pPr algn="ctr"/>
-            <a:r>
-              <a:rPr lang="en-US" sz="1600" dirty="0">
-                <a:latin typeface="Consolas" panose="020B0609020204030204" pitchFamily="49" charset="0"/>
-              </a:rPr>
-              <a:t>✅ ✅</a:t>
-            </a:r>
-          </a:p>
-          <a:p>
-            <a:pPr algn="ctr"/>
-            <a:r>
-              <a:rPr lang="en-US" sz="1600" dirty="0">
-                <a:latin typeface="Consolas" panose="020B0609020204030204" pitchFamily="49" charset="0"/>
-              </a:rPr>
-              <a:t>✅ ✅</a:t>
-            </a:r>
-          </a:p>
-          <a:p>
-            <a:pPr algn="ctr"/>
-            <a:r>
-              <a:rPr lang="en-US" sz="1600" dirty="0">
-                <a:latin typeface="Consolas" panose="020B0609020204030204" pitchFamily="49" charset="0"/>
-              </a:rPr>
-              <a:t>✅ ✅</a:t>
-            </a:r>
-          </a:p>
-          <a:p>
-            <a:pPr algn="ctr"/>
-            <a:r>
-              <a:rPr lang="en-US" sz="1600" dirty="0">
-                <a:latin typeface="Consolas" panose="020B0609020204030204" pitchFamily="49" charset="0"/>
-              </a:rPr>
-              <a:t>✅ ✅</a:t>
-            </a:r>
-          </a:p>
-          <a:p>
-            <a:pPr algn="ctr"/>
-            <a:r>
-              <a:rPr lang="en-US" sz="1600" dirty="0">
-                <a:latin typeface="Consolas" panose="020B0609020204030204" pitchFamily="49" charset="0"/>
-              </a:rPr>
-              <a:t>✅ ✅</a:t>
-            </a:r>
-            <a:endParaRPr lang="en-US" sz="1600" dirty="0">
-              <a:effectLst/>
-              <a:latin typeface="Consolas" panose="020B0609020204030204" pitchFamily="49" charset="0"/>
-              <a:ea typeface="Times New Roman" panose="02020603050405020304" pitchFamily="18" charset="0"/>
-              <a:cs typeface="Segoe UI Emoji" panose="020B0502040204020203" pitchFamily="34" charset="0"/>
-            </a:endParaRPr>
-          </a:p>
-          <a:p>
-            <a:pPr algn="ctr"/>
-            <a:r>
-              <a:rPr lang="en-US" sz="1600" dirty="0">
-                <a:latin typeface="Consolas" panose="020B0609020204030204" pitchFamily="49" charset="0"/>
-              </a:rPr>
-              <a:t>✅ ✅</a:t>
-            </a:r>
-          </a:p>
-          <a:p>
-            <a:pPr algn="ctr"/>
-            <a:r>
-              <a:rPr lang="en-US" sz="1600" dirty="0">
-                <a:latin typeface="Consolas" panose="020B0609020204030204" pitchFamily="49" charset="0"/>
-              </a:rPr>
-              <a:t>✅ ✅</a:t>
-            </a:r>
-          </a:p>
-          <a:p>
-            <a:pPr algn="ctr"/>
-            <a:r>
-              <a:rPr lang="en-US" sz="1600" dirty="0">
-                <a:effectLst/>
-                <a:latin typeface="Consolas" panose="020B0609020204030204" pitchFamily="49" charset="0"/>
-                <a:ea typeface="Times New Roman" panose="02020603050405020304" pitchFamily="18" charset="0"/>
-                <a:cs typeface="Segoe UI Emoji" panose="020B0502040204020203" pitchFamily="34" charset="0"/>
-              </a:rPr>
-              <a:t>❌</a:t>
-            </a:r>
-            <a:r>
-              <a:rPr lang="en-US" sz="1600" dirty="0">
-                <a:latin typeface="Consolas" panose="020B0609020204030204" pitchFamily="49" charset="0"/>
-              </a:rPr>
-              <a:t> </a:t>
-            </a:r>
-            <a:r>
-              <a:rPr lang="en-US" sz="1600" dirty="0">
-                <a:effectLst/>
-                <a:latin typeface="Consolas" panose="020B0609020204030204" pitchFamily="49" charset="0"/>
-                <a:ea typeface="Times New Roman" panose="02020603050405020304" pitchFamily="18" charset="0"/>
-                <a:cs typeface="Segoe UI Emoji" panose="020B0502040204020203" pitchFamily="34" charset="0"/>
-              </a:rPr>
-              <a:t>❌</a:t>
-            </a:r>
-          </a:p>
-          <a:p>
-            <a:pPr algn="ctr"/>
-            <a:r>
-              <a:rPr lang="en-US" sz="1600" dirty="0">
-                <a:effectLst/>
-                <a:latin typeface="Consolas" panose="020B0609020204030204" pitchFamily="49" charset="0"/>
-                <a:ea typeface="Times New Roman" panose="02020603050405020304" pitchFamily="18" charset="0"/>
-                <a:cs typeface="Segoe UI Emoji" panose="020B0502040204020203" pitchFamily="34" charset="0"/>
-              </a:rPr>
-              <a:t>❌</a:t>
-            </a:r>
-            <a:r>
-              <a:rPr lang="en-US" sz="1600" dirty="0">
-                <a:latin typeface="Consolas" panose="020B0609020204030204" pitchFamily="49" charset="0"/>
-              </a:rPr>
-              <a:t> </a:t>
-            </a:r>
-            <a:r>
-              <a:rPr lang="en-US" sz="1600" dirty="0">
-                <a:effectLst/>
-                <a:latin typeface="Consolas" panose="020B0609020204030204" pitchFamily="49" charset="0"/>
-                <a:ea typeface="Times New Roman" panose="02020603050405020304" pitchFamily="18" charset="0"/>
-                <a:cs typeface="Segoe UI Emoji" panose="020B0502040204020203" pitchFamily="34" charset="0"/>
-              </a:rPr>
-              <a:t>❌</a:t>
-            </a:r>
-            <a:endParaRPr lang="en-US" sz="1600" dirty="0">
-              <a:latin typeface="Consolas" panose="020B0609020204030204" pitchFamily="49" charset="0"/>
-            </a:endParaRPr>
-          </a:p>
-        </p:txBody>
-      </p:sp>
-      <p:sp>
-        <p:nvSpPr>
-          <p:cNvPr id="11" name="TextBox 10">
-            <a:extLst>
-              <a:ext uri="{FF2B5EF4-FFF2-40B4-BE49-F238E27FC236}">
-                <a16:creationId xmlns:a16="http://schemas.microsoft.com/office/drawing/2014/main" id="{ED8339E8-81D7-B62D-1B5B-DA742B6C17EB}"/>
-              </a:ext>
-            </a:extLst>
-          </p:cNvPr>
-          <p:cNvSpPr txBox="1"/>
-          <p:nvPr/>
-        </p:nvSpPr>
-        <p:spPr>
-          <a:xfrm>
-            <a:off x="3740796" y="1818450"/>
-            <a:ext cx="8310288" cy="369332"/>
-          </a:xfrm>
-          <a:prstGeom prst="rect">
-            <a:avLst/>
-          </a:prstGeom>
-          <a:noFill/>
-        </p:spPr>
-        <p:txBody>
-          <a:bodyPr wrap="none" rtlCol="0">
-            <a:spAutoFit/>
-          </a:bodyPr>
-          <a:lstStyle/>
-          <a:p>
-            <a:r>
-              <a:rPr lang="en-US" dirty="0"/>
-              <a:t>R = Relocate optimization, S = Swap optimization, ⚠️ = Overrides programmer choice</a:t>
-            </a:r>
-          </a:p>
-        </p:txBody>
-      </p:sp>
-      <p:sp>
-        <p:nvSpPr>
-          <p:cNvPr id="13" name="TextBox 12">
-            <a:extLst>
-              <a:ext uri="{FF2B5EF4-FFF2-40B4-BE49-F238E27FC236}">
-                <a16:creationId xmlns:a16="http://schemas.microsoft.com/office/drawing/2014/main" id="{97BC83C7-9077-248C-DCA6-CB7E58C8D0B9}"/>
-              </a:ext>
-            </a:extLst>
-          </p:cNvPr>
-          <p:cNvSpPr txBox="1"/>
-          <p:nvPr/>
-        </p:nvSpPr>
-        <p:spPr>
-          <a:xfrm>
-            <a:off x="2472267" y="1600309"/>
-            <a:ext cx="1268529" cy="584775"/>
-          </a:xfrm>
-          <a:prstGeom prst="rect">
-            <a:avLst/>
-          </a:prstGeom>
-          <a:solidFill>
-            <a:schemeClr val="accent1">
-              <a:lumMod val="20000"/>
-              <a:lumOff val="80000"/>
-            </a:schemeClr>
-          </a:solidFill>
-          <a:ln w="19050">
-            <a:solidFill>
-              <a:schemeClr val="tx1"/>
-            </a:solidFill>
-          </a:ln>
-        </p:spPr>
-        <p:txBody>
-          <a:bodyPr wrap="square" rtlCol="0">
-            <a:spAutoFit/>
-          </a:bodyPr>
-          <a:lstStyle/>
-          <a:p>
-            <a:pPr algn="ctr"/>
-            <a:r>
-              <a:rPr lang="en-US" sz="1600" dirty="0"/>
-              <a:t>P2786/P3239</a:t>
-            </a:r>
-            <a:br>
-              <a:rPr lang="en-US" sz="1600" dirty="0"/>
-            </a:br>
-            <a:r>
-              <a:rPr lang="en-US" sz="1600" b="1" dirty="0"/>
-              <a:t>R      S</a:t>
-            </a:r>
-          </a:p>
-        </p:txBody>
-      </p:sp>
-      <p:sp>
-        <p:nvSpPr>
-          <p:cNvPr id="15" name="TextBox 14">
-            <a:extLst>
-              <a:ext uri="{FF2B5EF4-FFF2-40B4-BE49-F238E27FC236}">
-                <a16:creationId xmlns:a16="http://schemas.microsoft.com/office/drawing/2014/main" id="{433052DB-8E3D-A467-E7D9-8780A4F57003}"/>
-              </a:ext>
-            </a:extLst>
-          </p:cNvPr>
-          <p:cNvSpPr txBox="1"/>
-          <p:nvPr/>
-        </p:nvSpPr>
-        <p:spPr>
-          <a:xfrm>
-            <a:off x="1203738" y="1600309"/>
-            <a:ext cx="1268529" cy="584775"/>
-          </a:xfrm>
-          <a:prstGeom prst="rect">
-            <a:avLst/>
-          </a:prstGeom>
-          <a:solidFill>
-            <a:schemeClr val="accent1">
-              <a:lumMod val="20000"/>
-              <a:lumOff val="80000"/>
-            </a:schemeClr>
-          </a:solidFill>
-          <a:ln w="19050">
-            <a:solidFill>
-              <a:schemeClr val="tx1"/>
-            </a:solidFill>
-          </a:ln>
-        </p:spPr>
-        <p:txBody>
-          <a:bodyPr wrap="square" rtlCol="0">
-            <a:spAutoFit/>
-          </a:bodyPr>
-          <a:lstStyle/>
-          <a:p>
-            <a:pPr algn="ctr"/>
-            <a:r>
-              <a:rPr lang="en-US" sz="1600" dirty="0"/>
-              <a:t>P1144</a:t>
-            </a:r>
-            <a:br>
-              <a:rPr lang="en-US" sz="1600" dirty="0"/>
-            </a:br>
-            <a:r>
-              <a:rPr lang="en-US" sz="1600" b="1" dirty="0"/>
-              <a:t>R      S</a:t>
-            </a:r>
-          </a:p>
-        </p:txBody>
-      </p:sp>
-      <p:sp>
-        <p:nvSpPr>
-          <p:cNvPr id="16" name="TextBox 15">
-            <a:extLst>
-              <a:ext uri="{FF2B5EF4-FFF2-40B4-BE49-F238E27FC236}">
-                <a16:creationId xmlns:a16="http://schemas.microsoft.com/office/drawing/2014/main" id="{F577A179-C9D5-7292-7F37-65A845916F50}"/>
-              </a:ext>
-            </a:extLst>
-          </p:cNvPr>
-          <p:cNvSpPr txBox="1"/>
-          <p:nvPr/>
-        </p:nvSpPr>
-        <p:spPr>
-          <a:xfrm>
-            <a:off x="1203737" y="2185084"/>
-            <a:ext cx="1268529" cy="4023360"/>
-          </a:xfrm>
-          <a:prstGeom prst="rect">
-            <a:avLst/>
-          </a:prstGeom>
-          <a:solidFill>
-            <a:schemeClr val="bg1"/>
-          </a:solidFill>
-          <a:ln w="19050">
-            <a:solidFill>
-              <a:schemeClr val="tx1"/>
-            </a:solidFill>
-          </a:ln>
-        </p:spPr>
-        <p:txBody>
-          <a:bodyPr wrap="square" rtlCol="0">
-            <a:spAutoFit/>
-          </a:bodyPr>
-          <a:lstStyle/>
-          <a:p>
-            <a:pPr algn="ctr"/>
-            <a:r>
-              <a:rPr lang="en-US" sz="1600" dirty="0">
-                <a:effectLst/>
-                <a:latin typeface="Consolas" panose="020B0609020204030204" pitchFamily="49" charset="0"/>
-                <a:ea typeface="Times New Roman" panose="02020603050405020304" pitchFamily="18" charset="0"/>
-                <a:cs typeface="Segoe UI Emoji" panose="020B0502040204020203" pitchFamily="34" charset="0"/>
-              </a:rPr>
-              <a:t>❌</a:t>
-            </a:r>
-            <a:r>
-              <a:rPr lang="en-US" sz="1600" dirty="0">
-                <a:latin typeface="Consolas" panose="020B0609020204030204" pitchFamily="49" charset="0"/>
-              </a:rPr>
-              <a:t> </a:t>
-            </a:r>
-            <a:r>
-              <a:rPr lang="en-US" sz="1600" dirty="0">
-                <a:effectLst/>
-                <a:latin typeface="Consolas" panose="020B0609020204030204" pitchFamily="49" charset="0"/>
-                <a:ea typeface="Times New Roman" panose="02020603050405020304" pitchFamily="18" charset="0"/>
-                <a:cs typeface="Segoe UI Emoji" panose="020B0502040204020203" pitchFamily="34" charset="0"/>
-              </a:rPr>
-              <a:t>❌</a:t>
-            </a:r>
-            <a:endParaRPr lang="en-US" sz="1600" dirty="0">
-              <a:latin typeface="Consolas" panose="020B0609020204030204" pitchFamily="49" charset="0"/>
-            </a:endParaRPr>
-          </a:p>
-          <a:p>
-            <a:pPr algn="ctr"/>
-            <a:r>
-              <a:rPr lang="en-US" sz="1600" dirty="0">
-                <a:effectLst/>
-                <a:latin typeface="Consolas" panose="020B0609020204030204" pitchFamily="49" charset="0"/>
-                <a:ea typeface="Times New Roman" panose="02020603050405020304" pitchFamily="18" charset="0"/>
-                <a:cs typeface="Segoe UI Emoji" panose="020B0502040204020203" pitchFamily="34" charset="0"/>
-              </a:rPr>
-              <a:t>❌</a:t>
-            </a:r>
-            <a:r>
-              <a:rPr lang="en-US" sz="1600" dirty="0">
-                <a:latin typeface="Consolas" panose="020B0609020204030204" pitchFamily="49" charset="0"/>
-              </a:rPr>
-              <a:t> </a:t>
-            </a:r>
-            <a:r>
-              <a:rPr lang="en-US" sz="1600" dirty="0">
-                <a:effectLst/>
-                <a:latin typeface="Consolas" panose="020B0609020204030204" pitchFamily="49" charset="0"/>
-                <a:ea typeface="Times New Roman" panose="02020603050405020304" pitchFamily="18" charset="0"/>
-                <a:cs typeface="Segoe UI Emoji" panose="020B0502040204020203" pitchFamily="34" charset="0"/>
-              </a:rPr>
-              <a:t>❌</a:t>
-            </a:r>
-          </a:p>
-          <a:p>
-            <a:pPr algn="ctr"/>
-            <a:r>
-              <a:rPr lang="en-US" sz="1600" dirty="0">
-                <a:effectLst/>
-                <a:latin typeface="Consolas" panose="020B0609020204030204" pitchFamily="49" charset="0"/>
-                <a:ea typeface="Times New Roman" panose="02020603050405020304" pitchFamily="18" charset="0"/>
-                <a:cs typeface="Segoe UI Emoji" panose="020B0502040204020203" pitchFamily="34" charset="0"/>
-              </a:rPr>
-              <a:t>❌</a:t>
-            </a:r>
-            <a:r>
-              <a:rPr lang="en-US" sz="1600" dirty="0">
-                <a:latin typeface="Consolas" panose="020B0609020204030204" pitchFamily="49" charset="0"/>
-              </a:rPr>
-              <a:t> </a:t>
-            </a:r>
-            <a:r>
-              <a:rPr lang="en-US" sz="1600" dirty="0">
-                <a:effectLst/>
-                <a:latin typeface="Consolas" panose="020B0609020204030204" pitchFamily="49" charset="0"/>
-                <a:ea typeface="Times New Roman" panose="02020603050405020304" pitchFamily="18" charset="0"/>
-                <a:cs typeface="Segoe UI Emoji" panose="020B0502040204020203" pitchFamily="34" charset="0"/>
-              </a:rPr>
-              <a:t>❌</a:t>
-            </a:r>
-            <a:endParaRPr lang="en-US" sz="1600" dirty="0">
-              <a:latin typeface="Consolas" panose="020B0609020204030204" pitchFamily="49" charset="0"/>
-            </a:endParaRPr>
-          </a:p>
-          <a:p>
-            <a:pPr algn="ctr"/>
-            <a:r>
-              <a:rPr lang="en-US" sz="1600" dirty="0">
-                <a:effectLst/>
-                <a:latin typeface="Consolas" panose="020B0609020204030204" pitchFamily="49" charset="0"/>
-                <a:ea typeface="Times New Roman" panose="02020603050405020304" pitchFamily="18" charset="0"/>
-                <a:cs typeface="Segoe UI Emoji" panose="020B0502040204020203" pitchFamily="34" charset="0"/>
-              </a:rPr>
-              <a:t>❌</a:t>
-            </a:r>
-            <a:r>
-              <a:rPr lang="en-US" sz="1600" dirty="0">
-                <a:latin typeface="Consolas" panose="020B0609020204030204" pitchFamily="49" charset="0"/>
-              </a:rPr>
-              <a:t> </a:t>
-            </a:r>
-            <a:r>
-              <a:rPr lang="en-US" sz="1600" dirty="0">
-                <a:effectLst/>
-                <a:latin typeface="Consolas" panose="020B0609020204030204" pitchFamily="49" charset="0"/>
-                <a:ea typeface="Times New Roman" panose="02020603050405020304" pitchFamily="18" charset="0"/>
-                <a:cs typeface="Segoe UI Emoji" panose="020B0502040204020203" pitchFamily="34" charset="0"/>
-              </a:rPr>
-              <a:t>❌</a:t>
-            </a:r>
-            <a:endParaRPr lang="en-US" sz="1600" dirty="0">
-              <a:latin typeface="Consolas" panose="020B0609020204030204" pitchFamily="49" charset="0"/>
-            </a:endParaRPr>
-          </a:p>
-          <a:p>
-            <a:pPr algn="ctr"/>
-            <a:r>
-              <a:rPr lang="en-US" sz="1600" dirty="0">
-                <a:latin typeface="Consolas" panose="020B0609020204030204" pitchFamily="49" charset="0"/>
-              </a:rPr>
-              <a:t>✅ ✅</a:t>
-            </a:r>
-          </a:p>
-          <a:p>
-            <a:pPr algn="ctr"/>
-            <a:r>
-              <a:rPr lang="en-US" sz="1600" dirty="0">
-                <a:latin typeface="Consolas" panose="020B0609020204030204" pitchFamily="49" charset="0"/>
-              </a:rPr>
-              <a:t>✅ ✅</a:t>
-            </a:r>
-          </a:p>
-          <a:p>
-            <a:pPr algn="ctr"/>
-            <a:r>
-              <a:rPr lang="en-US" sz="1600" dirty="0">
-                <a:latin typeface="Consolas" panose="020B0609020204030204" pitchFamily="49" charset="0"/>
-              </a:rPr>
-              <a:t>✅ ✅</a:t>
-            </a:r>
-          </a:p>
-          <a:p>
-            <a:pPr algn="ctr"/>
-            <a:r>
-              <a:rPr lang="en-US" sz="1600" dirty="0">
-                <a:latin typeface="Consolas" panose="020B0609020204030204" pitchFamily="49" charset="0"/>
-              </a:rPr>
-              <a:t>✅ ✅</a:t>
-            </a:r>
-          </a:p>
-          <a:p>
-            <a:pPr algn="ctr"/>
-            <a:r>
-              <a:rPr lang="en-US" sz="1600" dirty="0">
-                <a:latin typeface="Consolas" panose="020B0609020204030204" pitchFamily="49" charset="0"/>
-              </a:rPr>
-              <a:t>✅ ✅</a:t>
-            </a:r>
-          </a:p>
-          <a:p>
-            <a:pPr algn="ctr"/>
-            <a:r>
-              <a:rPr lang="en-US" sz="1600" dirty="0">
-                <a:latin typeface="Consolas" panose="020B0609020204030204" pitchFamily="49" charset="0"/>
-              </a:rPr>
-              <a:t>✅ ✅</a:t>
-            </a:r>
-          </a:p>
-          <a:p>
-            <a:pPr algn="ctr"/>
-            <a:r>
-              <a:rPr lang="en-US" sz="1600" dirty="0">
-                <a:latin typeface="Consolas" panose="020B0609020204030204" pitchFamily="49" charset="0"/>
-              </a:rPr>
-              <a:t>✅ ✅</a:t>
-            </a:r>
-          </a:p>
-          <a:p>
-            <a:pPr algn="ctr"/>
-            <a:r>
-              <a:rPr lang="en-US" sz="1600" dirty="0">
-                <a:latin typeface="Consolas" panose="020B0609020204030204" pitchFamily="49" charset="0"/>
-              </a:rPr>
-              <a:t>✅ ✅</a:t>
-            </a:r>
-          </a:p>
-          <a:p>
-            <a:pPr algn="ctr"/>
-            <a:r>
-              <a:rPr lang="en-US" sz="1600" dirty="0">
-                <a:latin typeface="Consolas" panose="020B0609020204030204" pitchFamily="49" charset="0"/>
-              </a:rPr>
-              <a:t>✅ ✅</a:t>
-            </a:r>
-            <a:endParaRPr lang="en-US" sz="1600" dirty="0">
-              <a:effectLst/>
-              <a:latin typeface="Consolas" panose="020B0609020204030204" pitchFamily="49" charset="0"/>
-              <a:ea typeface="Times New Roman" panose="02020603050405020304" pitchFamily="18" charset="0"/>
-              <a:cs typeface="Segoe UI Emoji" panose="020B0502040204020203" pitchFamily="34" charset="0"/>
-            </a:endParaRPr>
-          </a:p>
-          <a:p>
-            <a:pPr algn="ctr"/>
-            <a:r>
-              <a:rPr lang="en-US" sz="1600" dirty="0">
-                <a:latin typeface="Consolas" panose="020B0609020204030204" pitchFamily="49" charset="0"/>
-              </a:rPr>
-              <a:t>✅ ✅</a:t>
-            </a:r>
-            <a:endParaRPr lang="en-US" sz="1600" dirty="0">
-              <a:effectLst/>
-              <a:latin typeface="Consolas" panose="020B0609020204030204" pitchFamily="49" charset="0"/>
-              <a:ea typeface="Times New Roman" panose="02020603050405020304" pitchFamily="18" charset="0"/>
-              <a:cs typeface="Segoe UI Emoji" panose="020B0502040204020203" pitchFamily="34" charset="0"/>
-            </a:endParaRPr>
-          </a:p>
-          <a:p>
-            <a:pPr algn="ctr"/>
-            <a:r>
-              <a:rPr lang="en-US" sz="1600" dirty="0">
-                <a:latin typeface="Consolas" panose="020B0609020204030204" pitchFamily="49" charset="0"/>
-              </a:rPr>
-              <a:t>✅⚠️✅</a:t>
-            </a:r>
-          </a:p>
-          <a:p>
-            <a:pPr algn="ctr"/>
-            <a:r>
-              <a:rPr lang="en-US" sz="1600" dirty="0">
-                <a:latin typeface="Consolas" panose="020B0609020204030204" pitchFamily="49" charset="0"/>
-              </a:rPr>
-              <a:t>✅⚠️✅</a:t>
-            </a:r>
-          </a:p>
-        </p:txBody>
-      </p:sp>
     </p:spTree>
     <p:extLst>
       <p:ext uri="{BB962C8B-B14F-4D97-AF65-F5344CB8AC3E}">
-        <p14:creationId xmlns:p14="http://schemas.microsoft.com/office/powerpoint/2010/main" val="823430750"/>
+        <p14:creationId xmlns:p14="http://schemas.microsoft.com/office/powerpoint/2010/main" val="3908784799"/>
       </p:ext>
     </p:extLst>
   </p:cSld>
@@ -19651,10 +19123,10 @@
       </p:grpSpPr>
       <p:sp>
         <p:nvSpPr>
-          <p:cNvPr id="7" name="Title 6">
-            <a:extLst>
-              <a:ext uri="{FF2B5EF4-FFF2-40B4-BE49-F238E27FC236}">
-                <a16:creationId xmlns:a16="http://schemas.microsoft.com/office/drawing/2014/main" id="{6D41E0BF-BF10-D86D-1989-42C0FA3B062E}"/>
+          <p:cNvPr id="2" name="Title 1">
+            <a:extLst>
+              <a:ext uri="{FF2B5EF4-FFF2-40B4-BE49-F238E27FC236}">
+                <a16:creationId xmlns:a16="http://schemas.microsoft.com/office/drawing/2014/main" id="{0E5F4130-313A-BCA5-0ED2-0AE9A0116128}"/>
               </a:ext>
             </a:extLst>
           </p:cNvPr>
@@ -19674,25 +19146,25 @@
           <a:p>
             <a:r>
               <a:rPr lang="en-US" dirty="0"/>
-              <a:t>P1144 </a:t>
-            </a:r>
-            <a:r>
-              <a:rPr lang="en-US" dirty="0" err="1"/>
-              <a:t>Subobject</a:t>
-            </a:r>
-            <a:r>
+              <a:t>Allowable Relocation Optimizations</a:t>
+            </a:r>
+            <a:br>
               <a:rPr lang="en-US" dirty="0"/>
-              <a:t> Relocation Swap Bug</a:t>
-            </a:r>
-          </a:p>
-        </p:txBody>
-      </p:sp>
-      <p:sp>
-        <p:nvSpPr>
-          <p:cNvPr id="4" name="Date Placeholder 3">
-            <a:extLst>
-              <a:ext uri="{FF2B5EF4-FFF2-40B4-BE49-F238E27FC236}">
-                <a16:creationId xmlns:a16="http://schemas.microsoft.com/office/drawing/2014/main" id="{BB9F3290-9507-1BD9-D509-973231958D82}"/>
+            </a:br>
+            <a:r>
+              <a:rPr lang="en-US" sz="3200" dirty="0"/>
+              <a:t>assuming bytewise-swappable trait appropriately applied</a:t>
+            </a:r>
+            <a:endParaRPr lang="en-US" dirty="0"/>
+          </a:p>
+        </p:txBody>
+      </p:sp>
+      <p:sp>
+        <p:nvSpPr>
+          <p:cNvPr id="3" name="Date Placeholder 2">
+            <a:extLst>
+              <a:ext uri="{FF2B5EF4-FFF2-40B4-BE49-F238E27FC236}">
+                <a16:creationId xmlns:a16="http://schemas.microsoft.com/office/drawing/2014/main" id="{1FBE742B-1930-90C0-C694-D13F82475A36}"/>
               </a:ext>
             </a:extLst>
           </p:cNvPr>
@@ -19708,9 +19180,9 @@
           <a:bodyPr/>
           <a:lstStyle/>
           <a:p>
-            <a:fld id="{D1A98742-6638-43AC-A30F-B0F4E802E4B2}" type="datetime1">
+            <a:fld id="{64601F53-FE17-4660-BE69-DE27478D4CCC}" type="datetime1">
               <a:rPr lang="en-US" smtClean="0"/>
-              <a:t>6/11/2024</a:t>
+              <a:t>6/19/2024</a:t>
             </a:fld>
             <a:endParaRPr lang="en-US"/>
           </a:p>
@@ -19718,10 +19190,10 @@
       </p:sp>
       <p:sp>
         <p:nvSpPr>
-          <p:cNvPr id="5" name="Footer Placeholder 4">
-            <a:extLst>
-              <a:ext uri="{FF2B5EF4-FFF2-40B4-BE49-F238E27FC236}">
-                <a16:creationId xmlns:a16="http://schemas.microsoft.com/office/drawing/2014/main" id="{BD99E7A0-AEBA-80A1-ED20-F8A519741E96}"/>
+          <p:cNvPr id="4" name="Footer Placeholder 3">
+            <a:extLst>
+              <a:ext uri="{FF2B5EF4-FFF2-40B4-BE49-F238E27FC236}">
+                <a16:creationId xmlns:a16="http://schemas.microsoft.com/office/drawing/2014/main" id="{5D621A38-A884-DA8F-9FF9-EC67C0ED2BE9}"/>
               </a:ext>
             </a:extLst>
           </p:cNvPr>
@@ -19738,7 +19210,7 @@
           <a:lstStyle/>
           <a:p>
             <a:r>
-              <a:rPr lang="en-US"/>
+              <a:rPr lang="en-US" dirty="0"/>
               <a:t>Pablo Halpern, 2024 (CC BY 4.0)</a:t>
             </a:r>
           </a:p>
@@ -19746,10 +19218,10 @@
       </p:sp>
       <p:sp>
         <p:nvSpPr>
-          <p:cNvPr id="6" name="Slide Number Placeholder 5">
-            <a:extLst>
-              <a:ext uri="{FF2B5EF4-FFF2-40B4-BE49-F238E27FC236}">
-                <a16:creationId xmlns:a16="http://schemas.microsoft.com/office/drawing/2014/main" id="{138E2BF3-F473-3161-59D2-9E9DA8C0E850}"/>
+          <p:cNvPr id="5" name="Slide Number Placeholder 4">
+            <a:extLst>
+              <a:ext uri="{FF2B5EF4-FFF2-40B4-BE49-F238E27FC236}">
+                <a16:creationId xmlns:a16="http://schemas.microsoft.com/office/drawing/2014/main" id="{7258AA1F-A011-72C8-B556-3B59B9A67FE4}"/>
               </a:ext>
             </a:extLst>
           </p:cNvPr>
@@ -19769,6 +19241,1247 @@
               <a:rPr lang="en-US" smtClean="0"/>
               <a:pPr/>
               <a:t>33</a:t>
+            </a:fld>
+            <a:endParaRPr lang="en-US"/>
+          </a:p>
+        </p:txBody>
+      </p:sp>
+      <p:sp>
+        <p:nvSpPr>
+          <p:cNvPr id="8" name="TextBox 7">
+            <a:extLst>
+              <a:ext uri="{FF2B5EF4-FFF2-40B4-BE49-F238E27FC236}">
+                <a16:creationId xmlns:a16="http://schemas.microsoft.com/office/drawing/2014/main" id="{DC258FC3-C611-4BAA-E8C9-9C5A22B234E7}"/>
+              </a:ext>
+            </a:extLst>
+          </p:cNvPr>
+          <p:cNvSpPr txBox="1"/>
+          <p:nvPr/>
+        </p:nvSpPr>
+        <p:spPr>
+          <a:xfrm>
+            <a:off x="3740796" y="2187781"/>
+            <a:ext cx="8012853" cy="4044697"/>
+          </a:xfrm>
+          <a:prstGeom prst="rect">
+            <a:avLst/>
+          </a:prstGeom>
+          <a:solidFill>
+            <a:schemeClr val="bg1"/>
+          </a:solidFill>
+          <a:ln w="19050">
+            <a:solidFill>
+              <a:schemeClr val="tx1"/>
+            </a:solidFill>
+          </a:ln>
+        </p:spPr>
+        <p:txBody>
+          <a:bodyPr wrap="square" rtlCol="0">
+            <a:spAutoFit/>
+          </a:bodyPr>
+          <a:lstStyle/>
+          <a:p>
+            <a:r>
+              <a:rPr lang="en-US" sz="1600" dirty="0">
+                <a:latin typeface="Consolas" panose="020B0609020204030204" pitchFamily="49" charset="0"/>
+              </a:rPr>
+              <a:t>set&lt;T&gt;, map&lt;T, U&gt;  </a:t>
+            </a:r>
+            <a:r>
+              <a:rPr lang="en-US" sz="1600" i="1" dirty="0"/>
+              <a:t>(using sentinel node)</a:t>
+            </a:r>
+          </a:p>
+          <a:p>
+            <a:r>
+              <a:rPr lang="en-US" sz="1600" dirty="0" err="1">
+                <a:latin typeface="Consolas" panose="020B0609020204030204" pitchFamily="49" charset="0"/>
+              </a:rPr>
+              <a:t>offset_ptr</a:t>
+            </a:r>
+            <a:r>
+              <a:rPr lang="en-US" sz="1600" dirty="0">
+                <a:latin typeface="Consolas" panose="020B0609020204030204" pitchFamily="49" charset="0"/>
+              </a:rPr>
+              <a:t>&lt;T&gt;</a:t>
+            </a:r>
+          </a:p>
+          <a:p>
+            <a:r>
+              <a:rPr lang="en-US" sz="1600" dirty="0">
+                <a:latin typeface="Consolas" panose="020B0609020204030204" pitchFamily="49" charset="0"/>
+              </a:rPr>
+              <a:t>tuple&lt;T&amp;&gt;, pair&lt;T&amp;, U&amp;&gt; </a:t>
+            </a:r>
+          </a:p>
+          <a:p>
+            <a:r>
+              <a:rPr lang="en-US" sz="1600" dirty="0" err="1">
+                <a:latin typeface="Consolas" panose="020B0609020204030204" pitchFamily="49" charset="0"/>
+              </a:rPr>
+              <a:t>pmr</a:t>
+            </a:r>
+            <a:r>
+              <a:rPr lang="en-US" sz="1600" dirty="0">
+                <a:latin typeface="Consolas" panose="020B0609020204030204" pitchFamily="49" charset="0"/>
+              </a:rPr>
+              <a:t>::vector&lt;T&gt;</a:t>
+            </a:r>
+          </a:p>
+          <a:p>
+            <a:r>
+              <a:rPr lang="en-US" sz="1600" dirty="0">
+                <a:latin typeface="Consolas" panose="020B0609020204030204" pitchFamily="49" charset="0"/>
+              </a:rPr>
+              <a:t>struct Unaware { </a:t>
+            </a:r>
+            <a:r>
+              <a:rPr lang="en-US" sz="1600" dirty="0" err="1">
+                <a:latin typeface="Consolas" panose="020B0609020204030204" pitchFamily="49" charset="0"/>
+              </a:rPr>
+              <a:t>pmr</a:t>
+            </a:r>
+            <a:r>
+              <a:rPr lang="en-US" sz="1600" dirty="0">
+                <a:latin typeface="Consolas" panose="020B0609020204030204" pitchFamily="49" charset="0"/>
+              </a:rPr>
+              <a:t>::vector&lt;T&gt; m_; };</a:t>
+            </a:r>
+          </a:p>
+          <a:p>
+            <a:r>
+              <a:rPr lang="en-US" sz="1600" dirty="0">
+                <a:latin typeface="Consolas" panose="020B0609020204030204" pitchFamily="49" charset="0"/>
+              </a:rPr>
+              <a:t>int</a:t>
+            </a:r>
+          </a:p>
+          <a:p>
+            <a:r>
+              <a:rPr lang="en-US" sz="1600" dirty="0">
+                <a:latin typeface="Consolas" panose="020B0609020204030204" pitchFamily="49" charset="0"/>
+              </a:rPr>
+              <a:t>vector&lt;T&gt;, deque&lt;T&gt;</a:t>
+            </a:r>
+          </a:p>
+          <a:p>
+            <a:pPr>
+              <a:spcBef>
+                <a:spcPts val="100"/>
+              </a:spcBef>
+            </a:pPr>
+            <a:r>
+              <a:rPr lang="en-US" sz="1600" dirty="0" err="1">
+                <a:latin typeface="Consolas" panose="020B0609020204030204" pitchFamily="49" charset="0"/>
+              </a:rPr>
+              <a:t>unique_ptr</a:t>
+            </a:r>
+            <a:r>
+              <a:rPr lang="en-US" sz="1600" dirty="0">
+                <a:latin typeface="Consolas" panose="020B0609020204030204" pitchFamily="49" charset="0"/>
+              </a:rPr>
+              <a:t>&lt;T&gt;</a:t>
+            </a:r>
+          </a:p>
+          <a:p>
+            <a:r>
+              <a:rPr lang="en-US" sz="1600" dirty="0" err="1">
+                <a:latin typeface="Consolas" panose="020B0609020204030204" pitchFamily="49" charset="0"/>
+              </a:rPr>
+              <a:t>shared_ptr</a:t>
+            </a:r>
+            <a:r>
+              <a:rPr lang="en-US" sz="1600" dirty="0">
+                <a:latin typeface="Consolas" panose="020B0609020204030204" pitchFamily="49" charset="0"/>
+              </a:rPr>
+              <a:t>&lt;T&gt;</a:t>
+            </a:r>
+          </a:p>
+          <a:p>
+            <a:r>
+              <a:rPr lang="en-US" sz="1600" dirty="0" err="1">
+                <a:latin typeface="Consolas" panose="020B0609020204030204" pitchFamily="49" charset="0"/>
+              </a:rPr>
+              <a:t>string_view</a:t>
+            </a:r>
+            <a:endParaRPr lang="en-US" sz="1600" dirty="0">
+              <a:latin typeface="Consolas" panose="020B0609020204030204" pitchFamily="49" charset="0"/>
+            </a:endParaRPr>
+          </a:p>
+          <a:p>
+            <a:r>
+              <a:rPr lang="en-US" sz="1600" dirty="0" err="1">
+                <a:latin typeface="Consolas" panose="020B0609020204030204" pitchFamily="49" charset="0"/>
+              </a:rPr>
+              <a:t>reference_wrapper</a:t>
+            </a:r>
+            <a:r>
+              <a:rPr lang="en-US" sz="1600" dirty="0">
+                <a:latin typeface="Consolas" panose="020B0609020204030204" pitchFamily="49" charset="0"/>
+              </a:rPr>
+              <a:t>&lt;T&gt;</a:t>
+            </a:r>
+          </a:p>
+          <a:p>
+            <a:r>
+              <a:rPr lang="en-US" sz="1600" dirty="0">
+                <a:latin typeface="Consolas" panose="020B0609020204030204" pitchFamily="49" charset="0"/>
+              </a:rPr>
+              <a:t>optional&lt;int&gt;</a:t>
+            </a:r>
+          </a:p>
+          <a:p>
+            <a:r>
+              <a:rPr lang="en-US" sz="1600" dirty="0">
+                <a:latin typeface="Consolas" panose="020B0609020204030204" pitchFamily="49" charset="0"/>
+              </a:rPr>
+              <a:t>optional&lt;T&amp;&gt;</a:t>
+            </a:r>
+          </a:p>
+          <a:p>
+            <a:r>
+              <a:rPr lang="en-US" sz="1600" dirty="0">
+                <a:latin typeface="Consolas" panose="020B0609020204030204" pitchFamily="49" charset="0"/>
+              </a:rPr>
+              <a:t>struct Composed { Composed(); </a:t>
+            </a:r>
+            <a:r>
+              <a:rPr lang="en-US" sz="1600" dirty="0" err="1">
+                <a:latin typeface="Consolas" panose="020B0609020204030204" pitchFamily="49" charset="0"/>
+              </a:rPr>
+              <a:t>unique_ptr</a:t>
+            </a:r>
+            <a:r>
+              <a:rPr lang="en-US" sz="1600" dirty="0">
+                <a:latin typeface="Consolas" panose="020B0609020204030204" pitchFamily="49" charset="0"/>
+              </a:rPr>
+              <a:t>&lt;T&gt; m_; };</a:t>
+            </a:r>
+          </a:p>
+          <a:p>
+            <a:r>
+              <a:rPr lang="en-US" sz="1600" dirty="0">
+                <a:latin typeface="Consolas" panose="020B0609020204030204" pitchFamily="49" charset="0"/>
+              </a:rPr>
+              <a:t>struct </a:t>
+            </a:r>
+            <a:r>
+              <a:rPr lang="en-US" sz="1600" dirty="0" err="1">
+                <a:latin typeface="Consolas" panose="020B0609020204030204" pitchFamily="49" charset="0"/>
+              </a:rPr>
+              <a:t>Cpy</a:t>
+            </a:r>
+            <a:r>
+              <a:rPr lang="en-US" sz="1600" dirty="0">
+                <a:latin typeface="Consolas" panose="020B0609020204030204" pitchFamily="49" charset="0"/>
+              </a:rPr>
+              <a:t> { int </a:t>
+            </a:r>
+            <a:r>
+              <a:rPr lang="en-US" sz="1600" dirty="0" err="1">
+                <a:latin typeface="Consolas" panose="020B0609020204030204" pitchFamily="49" charset="0"/>
+              </a:rPr>
+              <a:t>i</a:t>
+            </a:r>
+            <a:r>
+              <a:rPr lang="en-US" sz="1600" dirty="0">
+                <a:latin typeface="Consolas" panose="020B0609020204030204" pitchFamily="49" charset="0"/>
+              </a:rPr>
+              <a:t>; </a:t>
+            </a:r>
+            <a:r>
+              <a:rPr lang="en-US" sz="1600" dirty="0" err="1">
+                <a:latin typeface="Consolas" panose="020B0609020204030204" pitchFamily="49" charset="0"/>
+              </a:rPr>
+              <a:t>Cpy</a:t>
+            </a:r>
+            <a:r>
+              <a:rPr lang="en-US" sz="1600" dirty="0">
+                <a:latin typeface="Consolas" panose="020B0609020204030204" pitchFamily="49" charset="0"/>
+              </a:rPr>
+              <a:t>(const </a:t>
+            </a:r>
+            <a:r>
+              <a:rPr lang="en-US" sz="1600" dirty="0" err="1">
+                <a:latin typeface="Consolas" panose="020B0609020204030204" pitchFamily="49" charset="0"/>
+              </a:rPr>
+              <a:t>Cpy</a:t>
+            </a:r>
+            <a:r>
+              <a:rPr lang="en-US" sz="1600" dirty="0">
+                <a:latin typeface="Consolas" panose="020B0609020204030204" pitchFamily="49" charset="0"/>
+              </a:rPr>
+              <a:t>&amp;) = default; </a:t>
+            </a:r>
+            <a:r>
+              <a:rPr lang="en-US" sz="1600" dirty="0" err="1">
+                <a:solidFill>
+                  <a:srgbClr val="C00000"/>
+                </a:solidFill>
+                <a:latin typeface="Consolas" panose="020B0609020204030204" pitchFamily="49" charset="0"/>
+              </a:rPr>
+              <a:t>Cpy</a:t>
+            </a:r>
+            <a:r>
+              <a:rPr lang="en-US" sz="1600" dirty="0">
+                <a:solidFill>
+                  <a:srgbClr val="C00000"/>
+                </a:solidFill>
+                <a:latin typeface="Consolas" panose="020B0609020204030204" pitchFamily="49" charset="0"/>
+              </a:rPr>
+              <a:t>(</a:t>
+            </a:r>
+            <a:r>
+              <a:rPr lang="en-US" sz="1600" dirty="0" err="1">
+                <a:solidFill>
+                  <a:srgbClr val="C00000"/>
+                </a:solidFill>
+                <a:latin typeface="Consolas" panose="020B0609020204030204" pitchFamily="49" charset="0"/>
+              </a:rPr>
+              <a:t>Cpy</a:t>
+            </a:r>
+            <a:r>
+              <a:rPr lang="en-US" sz="1600" dirty="0">
+                <a:solidFill>
+                  <a:srgbClr val="C00000"/>
+                </a:solidFill>
+                <a:latin typeface="Consolas" panose="020B0609020204030204" pitchFamily="49" charset="0"/>
+              </a:rPr>
+              <a:t>&amp;&amp;) = delete;</a:t>
+            </a:r>
+            <a:r>
+              <a:rPr lang="en-US" sz="1600" dirty="0">
+                <a:latin typeface="Consolas" panose="020B0609020204030204" pitchFamily="49" charset="0"/>
+              </a:rPr>
+              <a:t> };</a:t>
+            </a:r>
+          </a:p>
+          <a:p>
+            <a:r>
+              <a:rPr lang="en-US" sz="1600" dirty="0">
+                <a:latin typeface="Consolas" panose="020B0609020204030204" pitchFamily="49" charset="0"/>
+              </a:rPr>
+              <a:t>struct </a:t>
+            </a:r>
+            <a:r>
+              <a:rPr lang="en-US" sz="1600" dirty="0" err="1">
+                <a:latin typeface="Consolas" panose="020B0609020204030204" pitchFamily="49" charset="0"/>
+              </a:rPr>
+              <a:t>Falso</a:t>
+            </a:r>
+            <a:r>
+              <a:rPr lang="en-US" sz="1600" dirty="0">
+                <a:latin typeface="Consolas" panose="020B0609020204030204" pitchFamily="49" charset="0"/>
+              </a:rPr>
+              <a:t> </a:t>
+            </a:r>
+            <a:r>
+              <a:rPr lang="en-US" sz="1600" dirty="0" err="1">
+                <a:solidFill>
+                  <a:srgbClr val="C00000"/>
+                </a:solidFill>
+                <a:latin typeface="Consolas" panose="020B0609020204030204" pitchFamily="49" charset="0"/>
+              </a:rPr>
+              <a:t>trivially_relocatable</a:t>
+            </a:r>
+            <a:r>
+              <a:rPr lang="en-US" sz="1600" dirty="0">
+                <a:solidFill>
+                  <a:srgbClr val="C00000"/>
+                </a:solidFill>
+                <a:latin typeface="Consolas" panose="020B0609020204030204" pitchFamily="49" charset="0"/>
+              </a:rPr>
+              <a:t>(false)</a:t>
+            </a:r>
+            <a:r>
+              <a:rPr lang="en-US" sz="1600" dirty="0">
+                <a:latin typeface="Consolas" panose="020B0609020204030204" pitchFamily="49" charset="0"/>
+              </a:rPr>
+              <a:t> {};</a:t>
+            </a:r>
+          </a:p>
+        </p:txBody>
+      </p:sp>
+      <p:sp>
+        <p:nvSpPr>
+          <p:cNvPr id="10" name="TextBox 9">
+            <a:extLst>
+              <a:ext uri="{FF2B5EF4-FFF2-40B4-BE49-F238E27FC236}">
+                <a16:creationId xmlns:a16="http://schemas.microsoft.com/office/drawing/2014/main" id="{9CC622BA-2523-35EC-BDC1-82BBD8F78F65}"/>
+              </a:ext>
+            </a:extLst>
+          </p:cNvPr>
+          <p:cNvSpPr txBox="1"/>
+          <p:nvPr/>
+        </p:nvSpPr>
+        <p:spPr>
+          <a:xfrm>
+            <a:off x="2472267" y="2187782"/>
+            <a:ext cx="1268529" cy="4031873"/>
+          </a:xfrm>
+          <a:prstGeom prst="rect">
+            <a:avLst/>
+          </a:prstGeom>
+          <a:solidFill>
+            <a:schemeClr val="bg1"/>
+          </a:solidFill>
+          <a:ln w="19050">
+            <a:solidFill>
+              <a:schemeClr val="tx1"/>
+            </a:solidFill>
+          </a:ln>
+        </p:spPr>
+        <p:txBody>
+          <a:bodyPr wrap="square" rtlCol="0">
+            <a:spAutoFit/>
+          </a:bodyPr>
+          <a:lstStyle/>
+          <a:p>
+            <a:pPr algn="ctr"/>
+            <a:r>
+              <a:rPr lang="en-US" sz="1600" dirty="0">
+                <a:effectLst/>
+                <a:latin typeface="Consolas" panose="020B0609020204030204" pitchFamily="49" charset="0"/>
+                <a:ea typeface="Times New Roman" panose="02020603050405020304" pitchFamily="18" charset="0"/>
+                <a:cs typeface="Segoe UI Emoji" panose="020B0502040204020203" pitchFamily="34" charset="0"/>
+              </a:rPr>
+              <a:t>❌</a:t>
+            </a:r>
+            <a:r>
+              <a:rPr lang="en-US" sz="1600" dirty="0">
+                <a:latin typeface="Consolas" panose="020B0609020204030204" pitchFamily="49" charset="0"/>
+              </a:rPr>
+              <a:t> </a:t>
+            </a:r>
+            <a:r>
+              <a:rPr lang="en-US" sz="1600" dirty="0">
+                <a:effectLst/>
+                <a:latin typeface="Consolas" panose="020B0609020204030204" pitchFamily="49" charset="0"/>
+                <a:ea typeface="Times New Roman" panose="02020603050405020304" pitchFamily="18" charset="0"/>
+                <a:cs typeface="Segoe UI Emoji" panose="020B0502040204020203" pitchFamily="34" charset="0"/>
+              </a:rPr>
+              <a:t>❌</a:t>
+            </a:r>
+            <a:endParaRPr lang="en-US" sz="1600" dirty="0">
+              <a:latin typeface="Consolas" panose="020B0609020204030204" pitchFamily="49" charset="0"/>
+            </a:endParaRPr>
+          </a:p>
+          <a:p>
+            <a:pPr algn="ctr"/>
+            <a:r>
+              <a:rPr lang="en-US" sz="1600" dirty="0">
+                <a:effectLst/>
+                <a:latin typeface="Consolas" panose="020B0609020204030204" pitchFamily="49" charset="0"/>
+                <a:ea typeface="Times New Roman" panose="02020603050405020304" pitchFamily="18" charset="0"/>
+                <a:cs typeface="Segoe UI Emoji" panose="020B0502040204020203" pitchFamily="34" charset="0"/>
+              </a:rPr>
+              <a:t>❌</a:t>
+            </a:r>
+            <a:r>
+              <a:rPr lang="en-US" sz="1600" dirty="0">
+                <a:latin typeface="Consolas" panose="020B0609020204030204" pitchFamily="49" charset="0"/>
+              </a:rPr>
+              <a:t> </a:t>
+            </a:r>
+            <a:r>
+              <a:rPr lang="en-US" sz="1600" dirty="0">
+                <a:effectLst/>
+                <a:latin typeface="Consolas" panose="020B0609020204030204" pitchFamily="49" charset="0"/>
+                <a:ea typeface="Times New Roman" panose="02020603050405020304" pitchFamily="18" charset="0"/>
+                <a:cs typeface="Segoe UI Emoji" panose="020B0502040204020203" pitchFamily="34" charset="0"/>
+              </a:rPr>
+              <a:t>❌</a:t>
+            </a:r>
+          </a:p>
+          <a:p>
+            <a:pPr algn="ctr"/>
+            <a:r>
+              <a:rPr lang="en-US" sz="1600" dirty="0">
+                <a:latin typeface="Consolas" panose="020B0609020204030204" pitchFamily="49" charset="0"/>
+              </a:rPr>
+              <a:t>✅ </a:t>
+            </a:r>
+            <a:r>
+              <a:rPr lang="en-US" sz="1600" dirty="0">
+                <a:effectLst/>
+                <a:latin typeface="Consolas" panose="020B0609020204030204" pitchFamily="49" charset="0"/>
+                <a:ea typeface="Times New Roman" panose="02020603050405020304" pitchFamily="18" charset="0"/>
+                <a:cs typeface="Segoe UI Emoji" panose="020B0502040204020203" pitchFamily="34" charset="0"/>
+              </a:rPr>
+              <a:t>❌</a:t>
+            </a:r>
+          </a:p>
+          <a:p>
+            <a:pPr algn="ctr"/>
+            <a:r>
+              <a:rPr lang="en-US" sz="1600" dirty="0">
+                <a:latin typeface="Consolas" panose="020B0609020204030204" pitchFamily="49" charset="0"/>
+              </a:rPr>
+              <a:t>✅ </a:t>
+            </a:r>
+            <a:r>
+              <a:rPr lang="en-US" sz="1600" dirty="0">
+                <a:effectLst/>
+                <a:latin typeface="Consolas" panose="020B0609020204030204" pitchFamily="49" charset="0"/>
+                <a:ea typeface="Times New Roman" panose="02020603050405020304" pitchFamily="18" charset="0"/>
+                <a:cs typeface="Segoe UI Emoji" panose="020B0502040204020203" pitchFamily="34" charset="0"/>
+              </a:rPr>
+              <a:t>❌</a:t>
+            </a:r>
+            <a:endParaRPr lang="en-US" sz="1600" dirty="0">
+              <a:latin typeface="Consolas" panose="020B0609020204030204" pitchFamily="49" charset="0"/>
+            </a:endParaRPr>
+          </a:p>
+          <a:p>
+            <a:pPr algn="ctr"/>
+            <a:r>
+              <a:rPr lang="en-US" sz="1600" dirty="0">
+                <a:latin typeface="Consolas" panose="020B0609020204030204" pitchFamily="49" charset="0"/>
+              </a:rPr>
+              <a:t>✅ </a:t>
+            </a:r>
+            <a:r>
+              <a:rPr lang="en-US" sz="1600" dirty="0">
+                <a:effectLst/>
+                <a:latin typeface="Consolas" panose="020B0609020204030204" pitchFamily="49" charset="0"/>
+                <a:ea typeface="Times New Roman" panose="02020603050405020304" pitchFamily="18" charset="0"/>
+                <a:cs typeface="Segoe UI Emoji" panose="020B0502040204020203" pitchFamily="34" charset="0"/>
+              </a:rPr>
+              <a:t>❌</a:t>
+            </a:r>
+            <a:endParaRPr lang="en-US" sz="1600" dirty="0">
+              <a:latin typeface="Consolas" panose="020B0609020204030204" pitchFamily="49" charset="0"/>
+            </a:endParaRPr>
+          </a:p>
+          <a:p>
+            <a:pPr algn="ctr"/>
+            <a:r>
+              <a:rPr lang="en-US" sz="1600" dirty="0">
+                <a:latin typeface="Consolas" panose="020B0609020204030204" pitchFamily="49" charset="0"/>
+              </a:rPr>
+              <a:t>✅ ✅</a:t>
+            </a:r>
+          </a:p>
+          <a:p>
+            <a:pPr algn="ctr"/>
+            <a:r>
+              <a:rPr lang="en-US" sz="1600" dirty="0">
+                <a:latin typeface="Consolas" panose="020B0609020204030204" pitchFamily="49" charset="0"/>
+              </a:rPr>
+              <a:t>✅ ✅</a:t>
+            </a:r>
+          </a:p>
+          <a:p>
+            <a:pPr algn="ctr"/>
+            <a:r>
+              <a:rPr lang="en-US" sz="1600" dirty="0">
+                <a:latin typeface="Consolas" panose="020B0609020204030204" pitchFamily="49" charset="0"/>
+              </a:rPr>
+              <a:t>✅ ✅</a:t>
+            </a:r>
+          </a:p>
+          <a:p>
+            <a:pPr algn="ctr"/>
+            <a:r>
+              <a:rPr lang="en-US" sz="1600" dirty="0">
+                <a:latin typeface="Consolas" panose="020B0609020204030204" pitchFamily="49" charset="0"/>
+              </a:rPr>
+              <a:t>✅ ✅</a:t>
+            </a:r>
+          </a:p>
+          <a:p>
+            <a:pPr algn="ctr"/>
+            <a:r>
+              <a:rPr lang="en-US" sz="1600" dirty="0">
+                <a:latin typeface="Consolas" panose="020B0609020204030204" pitchFamily="49" charset="0"/>
+              </a:rPr>
+              <a:t>✅ ✅</a:t>
+            </a:r>
+          </a:p>
+          <a:p>
+            <a:pPr algn="ctr"/>
+            <a:r>
+              <a:rPr lang="en-US" sz="1600" dirty="0">
+                <a:latin typeface="Consolas" panose="020B0609020204030204" pitchFamily="49" charset="0"/>
+              </a:rPr>
+              <a:t>✅ ✅</a:t>
+            </a:r>
+          </a:p>
+          <a:p>
+            <a:pPr algn="ctr"/>
+            <a:r>
+              <a:rPr lang="en-US" sz="1600" dirty="0">
+                <a:latin typeface="Consolas" panose="020B0609020204030204" pitchFamily="49" charset="0"/>
+              </a:rPr>
+              <a:t>✅ ✅</a:t>
+            </a:r>
+          </a:p>
+          <a:p>
+            <a:pPr algn="ctr"/>
+            <a:r>
+              <a:rPr lang="en-US" sz="1600" dirty="0">
+                <a:latin typeface="Consolas" panose="020B0609020204030204" pitchFamily="49" charset="0"/>
+              </a:rPr>
+              <a:t>✅ ✅</a:t>
+            </a:r>
+            <a:endParaRPr lang="en-US" sz="1600" dirty="0">
+              <a:effectLst/>
+              <a:latin typeface="Consolas" panose="020B0609020204030204" pitchFamily="49" charset="0"/>
+              <a:ea typeface="Times New Roman" panose="02020603050405020304" pitchFamily="18" charset="0"/>
+              <a:cs typeface="Segoe UI Emoji" panose="020B0502040204020203" pitchFamily="34" charset="0"/>
+            </a:endParaRPr>
+          </a:p>
+          <a:p>
+            <a:pPr algn="ctr"/>
+            <a:r>
+              <a:rPr lang="en-US" sz="1600" dirty="0">
+                <a:latin typeface="Consolas" panose="020B0609020204030204" pitchFamily="49" charset="0"/>
+              </a:rPr>
+              <a:t>✅ ✅</a:t>
+            </a:r>
+          </a:p>
+          <a:p>
+            <a:pPr algn="ctr"/>
+            <a:r>
+              <a:rPr lang="en-US" sz="1600" dirty="0">
+                <a:effectLst/>
+                <a:latin typeface="Consolas" panose="020B0609020204030204" pitchFamily="49" charset="0"/>
+                <a:ea typeface="Times New Roman" panose="02020603050405020304" pitchFamily="18" charset="0"/>
+                <a:cs typeface="Segoe UI Emoji" panose="020B0502040204020203" pitchFamily="34" charset="0"/>
+              </a:rPr>
+              <a:t>❌</a:t>
+            </a:r>
+            <a:r>
+              <a:rPr lang="en-US" sz="1600" dirty="0">
+                <a:latin typeface="Consolas" panose="020B0609020204030204" pitchFamily="49" charset="0"/>
+              </a:rPr>
+              <a:t> </a:t>
+            </a:r>
+            <a:r>
+              <a:rPr lang="en-US" sz="1600" dirty="0">
+                <a:effectLst/>
+                <a:latin typeface="Consolas" panose="020B0609020204030204" pitchFamily="49" charset="0"/>
+                <a:ea typeface="Times New Roman" panose="02020603050405020304" pitchFamily="18" charset="0"/>
+                <a:cs typeface="Segoe UI Emoji" panose="020B0502040204020203" pitchFamily="34" charset="0"/>
+              </a:rPr>
+              <a:t>❌</a:t>
+            </a:r>
+          </a:p>
+          <a:p>
+            <a:pPr algn="ctr"/>
+            <a:r>
+              <a:rPr lang="en-US" sz="1600" dirty="0">
+                <a:effectLst/>
+                <a:latin typeface="Consolas" panose="020B0609020204030204" pitchFamily="49" charset="0"/>
+                <a:ea typeface="Times New Roman" panose="02020603050405020304" pitchFamily="18" charset="0"/>
+                <a:cs typeface="Segoe UI Emoji" panose="020B0502040204020203" pitchFamily="34" charset="0"/>
+              </a:rPr>
+              <a:t>❌</a:t>
+            </a:r>
+            <a:r>
+              <a:rPr lang="en-US" sz="1600" dirty="0">
+                <a:latin typeface="Consolas" panose="020B0609020204030204" pitchFamily="49" charset="0"/>
+              </a:rPr>
+              <a:t> </a:t>
+            </a:r>
+            <a:r>
+              <a:rPr lang="en-US" sz="1600" dirty="0">
+                <a:effectLst/>
+                <a:latin typeface="Consolas" panose="020B0609020204030204" pitchFamily="49" charset="0"/>
+                <a:ea typeface="Times New Roman" panose="02020603050405020304" pitchFamily="18" charset="0"/>
+                <a:cs typeface="Segoe UI Emoji" panose="020B0502040204020203" pitchFamily="34" charset="0"/>
+              </a:rPr>
+              <a:t>❌</a:t>
+            </a:r>
+            <a:endParaRPr lang="en-US" sz="1600" dirty="0">
+              <a:latin typeface="Consolas" panose="020B0609020204030204" pitchFamily="49" charset="0"/>
+            </a:endParaRPr>
+          </a:p>
+        </p:txBody>
+      </p:sp>
+      <p:sp>
+        <p:nvSpPr>
+          <p:cNvPr id="11" name="TextBox 10">
+            <a:extLst>
+              <a:ext uri="{FF2B5EF4-FFF2-40B4-BE49-F238E27FC236}">
+                <a16:creationId xmlns:a16="http://schemas.microsoft.com/office/drawing/2014/main" id="{ED8339E8-81D7-B62D-1B5B-DA742B6C17EB}"/>
+              </a:ext>
+            </a:extLst>
+          </p:cNvPr>
+          <p:cNvSpPr txBox="1"/>
+          <p:nvPr/>
+        </p:nvSpPr>
+        <p:spPr>
+          <a:xfrm>
+            <a:off x="3740795" y="1540101"/>
+            <a:ext cx="6984604" cy="646331"/>
+          </a:xfrm>
+          <a:prstGeom prst="rect">
+            <a:avLst/>
+          </a:prstGeom>
+          <a:noFill/>
+        </p:spPr>
+        <p:txBody>
+          <a:bodyPr wrap="none" rtlCol="0">
+            <a:spAutoFit/>
+          </a:bodyPr>
+          <a:lstStyle/>
+          <a:p>
+            <a:r>
+              <a:rPr lang="en-US" dirty="0"/>
+              <a:t>R = Container-element relocation optimization, S = Swap optimization</a:t>
+            </a:r>
+            <a:br>
+              <a:rPr lang="en-US" dirty="0"/>
+            </a:br>
+            <a:r>
+              <a:rPr lang="en-US" dirty="0"/>
+              <a:t>⚠️ = Overrides programmer choice</a:t>
+            </a:r>
+          </a:p>
+        </p:txBody>
+      </p:sp>
+      <p:sp>
+        <p:nvSpPr>
+          <p:cNvPr id="13" name="TextBox 12">
+            <a:extLst>
+              <a:ext uri="{FF2B5EF4-FFF2-40B4-BE49-F238E27FC236}">
+                <a16:creationId xmlns:a16="http://schemas.microsoft.com/office/drawing/2014/main" id="{97BC83C7-9077-248C-DCA6-CB7E58C8D0B9}"/>
+              </a:ext>
+            </a:extLst>
+          </p:cNvPr>
+          <p:cNvSpPr txBox="1"/>
+          <p:nvPr/>
+        </p:nvSpPr>
+        <p:spPr>
+          <a:xfrm>
+            <a:off x="2472267" y="1600309"/>
+            <a:ext cx="1268529" cy="584775"/>
+          </a:xfrm>
+          <a:prstGeom prst="rect">
+            <a:avLst/>
+          </a:prstGeom>
+          <a:solidFill>
+            <a:schemeClr val="accent1">
+              <a:lumMod val="20000"/>
+              <a:lumOff val="80000"/>
+            </a:schemeClr>
+          </a:solidFill>
+          <a:ln w="19050">
+            <a:solidFill>
+              <a:schemeClr val="tx1"/>
+            </a:solidFill>
+          </a:ln>
+        </p:spPr>
+        <p:txBody>
+          <a:bodyPr wrap="square" rtlCol="0">
+            <a:spAutoFit/>
+          </a:bodyPr>
+          <a:lstStyle/>
+          <a:p>
+            <a:pPr algn="ctr"/>
+            <a:r>
+              <a:rPr lang="en-US" sz="1600" dirty="0"/>
+              <a:t>P2786/P3239</a:t>
+            </a:r>
+            <a:br>
+              <a:rPr lang="en-US" sz="1600" dirty="0"/>
+            </a:br>
+            <a:r>
+              <a:rPr lang="en-US" sz="1600" b="1" dirty="0"/>
+              <a:t>R      S</a:t>
+            </a:r>
+          </a:p>
+        </p:txBody>
+      </p:sp>
+      <p:sp>
+        <p:nvSpPr>
+          <p:cNvPr id="15" name="TextBox 14">
+            <a:extLst>
+              <a:ext uri="{FF2B5EF4-FFF2-40B4-BE49-F238E27FC236}">
+                <a16:creationId xmlns:a16="http://schemas.microsoft.com/office/drawing/2014/main" id="{433052DB-8E3D-A467-E7D9-8780A4F57003}"/>
+              </a:ext>
+            </a:extLst>
+          </p:cNvPr>
+          <p:cNvSpPr txBox="1"/>
+          <p:nvPr/>
+        </p:nvSpPr>
+        <p:spPr>
+          <a:xfrm>
+            <a:off x="1203738" y="1600309"/>
+            <a:ext cx="1268529" cy="584775"/>
+          </a:xfrm>
+          <a:prstGeom prst="rect">
+            <a:avLst/>
+          </a:prstGeom>
+          <a:solidFill>
+            <a:schemeClr val="accent1">
+              <a:lumMod val="20000"/>
+              <a:lumOff val="80000"/>
+            </a:schemeClr>
+          </a:solidFill>
+          <a:ln w="19050">
+            <a:solidFill>
+              <a:schemeClr val="tx1"/>
+            </a:solidFill>
+          </a:ln>
+        </p:spPr>
+        <p:txBody>
+          <a:bodyPr wrap="square" rtlCol="0">
+            <a:spAutoFit/>
+          </a:bodyPr>
+          <a:lstStyle/>
+          <a:p>
+            <a:pPr algn="ctr"/>
+            <a:r>
+              <a:rPr lang="en-US" sz="1600" dirty="0"/>
+              <a:t>P1144</a:t>
+            </a:r>
+            <a:br>
+              <a:rPr lang="en-US" sz="1600" dirty="0"/>
+            </a:br>
+            <a:r>
+              <a:rPr lang="en-US" sz="1600" b="1" dirty="0"/>
+              <a:t>R      S</a:t>
+            </a:r>
+          </a:p>
+        </p:txBody>
+      </p:sp>
+      <p:sp>
+        <p:nvSpPr>
+          <p:cNvPr id="16" name="TextBox 15">
+            <a:extLst>
+              <a:ext uri="{FF2B5EF4-FFF2-40B4-BE49-F238E27FC236}">
+                <a16:creationId xmlns:a16="http://schemas.microsoft.com/office/drawing/2014/main" id="{F577A179-C9D5-7292-7F37-65A845916F50}"/>
+              </a:ext>
+            </a:extLst>
+          </p:cNvPr>
+          <p:cNvSpPr txBox="1"/>
+          <p:nvPr/>
+        </p:nvSpPr>
+        <p:spPr>
+          <a:xfrm>
+            <a:off x="1203737" y="2185084"/>
+            <a:ext cx="1268529" cy="4031873"/>
+          </a:xfrm>
+          <a:prstGeom prst="rect">
+            <a:avLst/>
+          </a:prstGeom>
+          <a:solidFill>
+            <a:schemeClr val="bg1"/>
+          </a:solidFill>
+          <a:ln w="19050">
+            <a:solidFill>
+              <a:schemeClr val="tx1"/>
+            </a:solidFill>
+          </a:ln>
+        </p:spPr>
+        <p:txBody>
+          <a:bodyPr wrap="square" rtlCol="0">
+            <a:spAutoFit/>
+          </a:bodyPr>
+          <a:lstStyle/>
+          <a:p>
+            <a:pPr algn="ctr"/>
+            <a:r>
+              <a:rPr lang="en-US" sz="1600" dirty="0">
+                <a:effectLst/>
+                <a:latin typeface="Consolas" panose="020B0609020204030204" pitchFamily="49" charset="0"/>
+                <a:ea typeface="Times New Roman" panose="02020603050405020304" pitchFamily="18" charset="0"/>
+                <a:cs typeface="Segoe UI Emoji" panose="020B0502040204020203" pitchFamily="34" charset="0"/>
+              </a:rPr>
+              <a:t>❌</a:t>
+            </a:r>
+            <a:r>
+              <a:rPr lang="en-US" sz="1600" dirty="0">
+                <a:latin typeface="Consolas" panose="020B0609020204030204" pitchFamily="49" charset="0"/>
+              </a:rPr>
+              <a:t> </a:t>
+            </a:r>
+            <a:r>
+              <a:rPr lang="en-US" sz="1600" dirty="0">
+                <a:effectLst/>
+                <a:latin typeface="Consolas" panose="020B0609020204030204" pitchFamily="49" charset="0"/>
+                <a:ea typeface="Times New Roman" panose="02020603050405020304" pitchFamily="18" charset="0"/>
+                <a:cs typeface="Segoe UI Emoji" panose="020B0502040204020203" pitchFamily="34" charset="0"/>
+              </a:rPr>
+              <a:t>❌</a:t>
+            </a:r>
+            <a:endParaRPr lang="en-US" sz="1600" dirty="0">
+              <a:latin typeface="Consolas" panose="020B0609020204030204" pitchFamily="49" charset="0"/>
+            </a:endParaRPr>
+          </a:p>
+          <a:p>
+            <a:pPr algn="ctr"/>
+            <a:r>
+              <a:rPr lang="en-US" sz="1600" dirty="0">
+                <a:effectLst/>
+                <a:latin typeface="Consolas" panose="020B0609020204030204" pitchFamily="49" charset="0"/>
+                <a:ea typeface="Times New Roman" panose="02020603050405020304" pitchFamily="18" charset="0"/>
+                <a:cs typeface="Segoe UI Emoji" panose="020B0502040204020203" pitchFamily="34" charset="0"/>
+              </a:rPr>
+              <a:t>❌</a:t>
+            </a:r>
+            <a:r>
+              <a:rPr lang="en-US" sz="1600" dirty="0">
+                <a:latin typeface="Consolas" panose="020B0609020204030204" pitchFamily="49" charset="0"/>
+              </a:rPr>
+              <a:t> </a:t>
+            </a:r>
+            <a:r>
+              <a:rPr lang="en-US" sz="1600" dirty="0">
+                <a:effectLst/>
+                <a:latin typeface="Consolas" panose="020B0609020204030204" pitchFamily="49" charset="0"/>
+                <a:ea typeface="Times New Roman" panose="02020603050405020304" pitchFamily="18" charset="0"/>
+                <a:cs typeface="Segoe UI Emoji" panose="020B0502040204020203" pitchFamily="34" charset="0"/>
+              </a:rPr>
+              <a:t>❌</a:t>
+            </a:r>
+          </a:p>
+          <a:p>
+            <a:pPr algn="ctr"/>
+            <a:r>
+              <a:rPr lang="en-US" sz="1600" dirty="0">
+                <a:effectLst/>
+                <a:latin typeface="Consolas" panose="020B0609020204030204" pitchFamily="49" charset="0"/>
+                <a:ea typeface="Times New Roman" panose="02020603050405020304" pitchFamily="18" charset="0"/>
+                <a:cs typeface="Segoe UI Emoji" panose="020B0502040204020203" pitchFamily="34" charset="0"/>
+              </a:rPr>
+              <a:t>❌</a:t>
+            </a:r>
+            <a:r>
+              <a:rPr lang="en-US" sz="1600" dirty="0">
+                <a:latin typeface="Consolas" panose="020B0609020204030204" pitchFamily="49" charset="0"/>
+              </a:rPr>
+              <a:t> </a:t>
+            </a:r>
+            <a:r>
+              <a:rPr lang="en-US" sz="1600" dirty="0">
+                <a:effectLst/>
+                <a:latin typeface="Consolas" panose="020B0609020204030204" pitchFamily="49" charset="0"/>
+                <a:ea typeface="Times New Roman" panose="02020603050405020304" pitchFamily="18" charset="0"/>
+                <a:cs typeface="Segoe UI Emoji" panose="020B0502040204020203" pitchFamily="34" charset="0"/>
+              </a:rPr>
+              <a:t>❌</a:t>
+            </a:r>
+            <a:endParaRPr lang="en-US" sz="1600" dirty="0">
+              <a:latin typeface="Consolas" panose="020B0609020204030204" pitchFamily="49" charset="0"/>
+            </a:endParaRPr>
+          </a:p>
+          <a:p>
+            <a:pPr algn="ctr"/>
+            <a:r>
+              <a:rPr lang="en-US" sz="1600" dirty="0">
+                <a:effectLst/>
+                <a:latin typeface="Consolas" panose="020B0609020204030204" pitchFamily="49" charset="0"/>
+                <a:ea typeface="Times New Roman" panose="02020603050405020304" pitchFamily="18" charset="0"/>
+                <a:cs typeface="Segoe UI Emoji" panose="020B0502040204020203" pitchFamily="34" charset="0"/>
+              </a:rPr>
+              <a:t>❌</a:t>
+            </a:r>
+            <a:r>
+              <a:rPr lang="en-US" sz="1600" dirty="0">
+                <a:latin typeface="Consolas" panose="020B0609020204030204" pitchFamily="49" charset="0"/>
+              </a:rPr>
+              <a:t> </a:t>
+            </a:r>
+            <a:r>
+              <a:rPr lang="en-US" sz="1600" dirty="0">
+                <a:effectLst/>
+                <a:latin typeface="Consolas" panose="020B0609020204030204" pitchFamily="49" charset="0"/>
+                <a:ea typeface="Times New Roman" panose="02020603050405020304" pitchFamily="18" charset="0"/>
+                <a:cs typeface="Segoe UI Emoji" panose="020B0502040204020203" pitchFamily="34" charset="0"/>
+              </a:rPr>
+              <a:t>❌</a:t>
+            </a:r>
+            <a:endParaRPr lang="en-US" sz="1600" dirty="0">
+              <a:latin typeface="Consolas" panose="020B0609020204030204" pitchFamily="49" charset="0"/>
+            </a:endParaRPr>
+          </a:p>
+          <a:p>
+            <a:pPr algn="ctr"/>
+            <a:r>
+              <a:rPr lang="en-US" sz="1600" dirty="0">
+                <a:effectLst/>
+                <a:latin typeface="Consolas" panose="020B0609020204030204" pitchFamily="49" charset="0"/>
+                <a:ea typeface="Times New Roman" panose="02020603050405020304" pitchFamily="18" charset="0"/>
+                <a:cs typeface="Segoe UI Emoji" panose="020B0502040204020203" pitchFamily="34" charset="0"/>
+              </a:rPr>
+              <a:t>❌</a:t>
+            </a:r>
+            <a:r>
+              <a:rPr lang="en-US" sz="1600" dirty="0">
+                <a:latin typeface="Consolas" panose="020B0609020204030204" pitchFamily="49" charset="0"/>
+              </a:rPr>
+              <a:t> </a:t>
+            </a:r>
+            <a:r>
+              <a:rPr lang="en-US" sz="1600" dirty="0">
+                <a:effectLst/>
+                <a:latin typeface="Consolas" panose="020B0609020204030204" pitchFamily="49" charset="0"/>
+                <a:ea typeface="Times New Roman" panose="02020603050405020304" pitchFamily="18" charset="0"/>
+                <a:cs typeface="Segoe UI Emoji" panose="020B0502040204020203" pitchFamily="34" charset="0"/>
+              </a:rPr>
+              <a:t>❌</a:t>
+            </a:r>
+          </a:p>
+          <a:p>
+            <a:pPr algn="ctr"/>
+            <a:r>
+              <a:rPr lang="en-US" sz="1600" dirty="0">
+                <a:latin typeface="Consolas" panose="020B0609020204030204" pitchFamily="49" charset="0"/>
+              </a:rPr>
+              <a:t>✅ ✅</a:t>
+            </a:r>
+          </a:p>
+          <a:p>
+            <a:pPr algn="ctr"/>
+            <a:r>
+              <a:rPr lang="en-US" sz="1600" dirty="0">
+                <a:latin typeface="Consolas" panose="020B0609020204030204" pitchFamily="49" charset="0"/>
+              </a:rPr>
+              <a:t>✅ ✅</a:t>
+            </a:r>
+          </a:p>
+          <a:p>
+            <a:pPr algn="ctr"/>
+            <a:r>
+              <a:rPr lang="en-US" sz="1600" dirty="0">
+                <a:latin typeface="Consolas" panose="020B0609020204030204" pitchFamily="49" charset="0"/>
+              </a:rPr>
+              <a:t>✅ ✅</a:t>
+            </a:r>
+          </a:p>
+          <a:p>
+            <a:pPr algn="ctr"/>
+            <a:r>
+              <a:rPr lang="en-US" sz="1600" dirty="0">
+                <a:latin typeface="Consolas" panose="020B0609020204030204" pitchFamily="49" charset="0"/>
+              </a:rPr>
+              <a:t>✅ ✅</a:t>
+            </a:r>
+          </a:p>
+          <a:p>
+            <a:pPr algn="ctr"/>
+            <a:r>
+              <a:rPr lang="en-US" sz="1600" dirty="0">
+                <a:latin typeface="Consolas" panose="020B0609020204030204" pitchFamily="49" charset="0"/>
+              </a:rPr>
+              <a:t>✅ ✅</a:t>
+            </a:r>
+          </a:p>
+          <a:p>
+            <a:pPr algn="ctr"/>
+            <a:r>
+              <a:rPr lang="en-US" sz="1600" dirty="0">
+                <a:latin typeface="Consolas" panose="020B0609020204030204" pitchFamily="49" charset="0"/>
+              </a:rPr>
+              <a:t>✅ ✅</a:t>
+            </a:r>
+          </a:p>
+          <a:p>
+            <a:pPr algn="ctr"/>
+            <a:r>
+              <a:rPr lang="en-US" sz="1600" dirty="0">
+                <a:latin typeface="Consolas" panose="020B0609020204030204" pitchFamily="49" charset="0"/>
+              </a:rPr>
+              <a:t>✅ ✅</a:t>
+            </a:r>
+          </a:p>
+          <a:p>
+            <a:pPr algn="ctr"/>
+            <a:r>
+              <a:rPr lang="en-US" sz="1600" dirty="0">
+                <a:latin typeface="Consolas" panose="020B0609020204030204" pitchFamily="49" charset="0"/>
+              </a:rPr>
+              <a:t>✅ ✅</a:t>
+            </a:r>
+          </a:p>
+          <a:p>
+            <a:pPr algn="ctr"/>
+            <a:r>
+              <a:rPr lang="en-US" sz="1600" dirty="0">
+                <a:latin typeface="Consolas" panose="020B0609020204030204" pitchFamily="49" charset="0"/>
+              </a:rPr>
+              <a:t>✅ ✅</a:t>
+            </a:r>
+            <a:endParaRPr lang="en-US" sz="1600" dirty="0">
+              <a:effectLst/>
+              <a:latin typeface="Consolas" panose="020B0609020204030204" pitchFamily="49" charset="0"/>
+              <a:ea typeface="Times New Roman" panose="02020603050405020304" pitchFamily="18" charset="0"/>
+              <a:cs typeface="Segoe UI Emoji" panose="020B0502040204020203" pitchFamily="34" charset="0"/>
+            </a:endParaRPr>
+          </a:p>
+          <a:p>
+            <a:pPr algn="ctr"/>
+            <a:r>
+              <a:rPr lang="en-US" sz="1600" dirty="0">
+                <a:latin typeface="Consolas" panose="020B0609020204030204" pitchFamily="49" charset="0"/>
+              </a:rPr>
+              <a:t>✅⚠️✅</a:t>
+            </a:r>
+          </a:p>
+          <a:p>
+            <a:pPr algn="ctr"/>
+            <a:r>
+              <a:rPr lang="en-US" sz="1600" dirty="0">
+                <a:latin typeface="Consolas" panose="020B0609020204030204" pitchFamily="49" charset="0"/>
+              </a:rPr>
+              <a:t>✅⚠️✅</a:t>
+            </a:r>
+          </a:p>
+        </p:txBody>
+      </p:sp>
+    </p:spTree>
+    <p:extLst>
+      <p:ext uri="{BB962C8B-B14F-4D97-AF65-F5344CB8AC3E}">
+        <p14:creationId xmlns:p14="http://schemas.microsoft.com/office/powerpoint/2010/main" val="823430750"/>
+      </p:ext>
+    </p:extLst>
+  </p:cSld>
+  <p:clrMapOvr>
+    <a:masterClrMapping/>
+  </p:clrMapOvr>
+</p:sld>
+</file>
+
+<file path=ppt/slides/slide34.xml><?xml version="1.0" encoding="utf-8"?>
+<p:sld xmlns:a="http://schemas.openxmlformats.org/drawingml/2006/main" xmlns:r="http://schemas.openxmlformats.org/officeDocument/2006/relationships" xmlns:p="http://schemas.openxmlformats.org/presentationml/2006/main">
+  <p:cSld>
+    <p:spTree>
+      <p:nvGrpSpPr>
+        <p:cNvPr id="1" name=""/>
+        <p:cNvGrpSpPr/>
+        <p:nvPr/>
+      </p:nvGrpSpPr>
+      <p:grpSpPr>
+        <a:xfrm>
+          <a:off x="0" y="0"/>
+          <a:ext cx="0" cy="0"/>
+          <a:chOff x="0" y="0"/>
+          <a:chExt cx="0" cy="0"/>
+        </a:xfrm>
+      </p:grpSpPr>
+      <p:sp>
+        <p:nvSpPr>
+          <p:cNvPr id="7" name="Title 6">
+            <a:extLst>
+              <a:ext uri="{FF2B5EF4-FFF2-40B4-BE49-F238E27FC236}">
+                <a16:creationId xmlns:a16="http://schemas.microsoft.com/office/drawing/2014/main" id="{6D41E0BF-BF10-D86D-1989-42C0FA3B062E}"/>
+              </a:ext>
+            </a:extLst>
+          </p:cNvPr>
+          <p:cNvSpPr>
+            <a:spLocks noGrp="1"/>
+          </p:cNvSpPr>
+          <p:nvPr>
+            <p:ph type="title"/>
+          </p:nvPr>
+        </p:nvSpPr>
+        <p:spPr/>
+        <p:txBody>
+          <a:bodyPr>
+            <a:normAutofit/>
+          </a:bodyPr>
+          <a:lstStyle/>
+          <a:p>
+            <a:r>
+              <a:rPr lang="en-US" dirty="0"/>
+              <a:t>P1144 </a:t>
+            </a:r>
+            <a:r>
+              <a:rPr lang="en-US" dirty="0" err="1"/>
+              <a:t>Subobject</a:t>
+            </a:r>
+            <a:r>
+              <a:rPr lang="en-US" dirty="0"/>
+              <a:t> Relocation Swap Bug</a:t>
+            </a:r>
+          </a:p>
+        </p:txBody>
+      </p:sp>
+      <p:sp>
+        <p:nvSpPr>
+          <p:cNvPr id="4" name="Date Placeholder 3">
+            <a:extLst>
+              <a:ext uri="{FF2B5EF4-FFF2-40B4-BE49-F238E27FC236}">
+                <a16:creationId xmlns:a16="http://schemas.microsoft.com/office/drawing/2014/main" id="{BB9F3290-9507-1BD9-D509-973231958D82}"/>
+              </a:ext>
+            </a:extLst>
+          </p:cNvPr>
+          <p:cNvSpPr>
+            <a:spLocks noGrp="1"/>
+          </p:cNvSpPr>
+          <p:nvPr>
+            <p:ph type="dt" sz="half" idx="10"/>
+          </p:nvPr>
+        </p:nvSpPr>
+        <p:spPr/>
+        <p:txBody>
+          <a:bodyPr/>
+          <a:lstStyle/>
+          <a:p>
+            <a:fld id="{D1A98742-6638-43AC-A30F-B0F4E802E4B2}" type="datetime1">
+              <a:rPr lang="en-US" smtClean="0"/>
+              <a:t>6/19/2024</a:t>
+            </a:fld>
+            <a:endParaRPr lang="en-US"/>
+          </a:p>
+        </p:txBody>
+      </p:sp>
+      <p:sp>
+        <p:nvSpPr>
+          <p:cNvPr id="5" name="Footer Placeholder 4">
+            <a:extLst>
+              <a:ext uri="{FF2B5EF4-FFF2-40B4-BE49-F238E27FC236}">
+                <a16:creationId xmlns:a16="http://schemas.microsoft.com/office/drawing/2014/main" id="{BD99E7A0-AEBA-80A1-ED20-F8A519741E96}"/>
+              </a:ext>
+            </a:extLst>
+          </p:cNvPr>
+          <p:cNvSpPr>
+            <a:spLocks noGrp="1"/>
+          </p:cNvSpPr>
+          <p:nvPr>
+            <p:ph type="ftr" sz="quarter" idx="11"/>
+          </p:nvPr>
+        </p:nvSpPr>
+        <p:spPr/>
+        <p:txBody>
+          <a:bodyPr/>
+          <a:lstStyle/>
+          <a:p>
+            <a:r>
+              <a:rPr lang="en-US"/>
+              <a:t>Pablo Halpern, 2024 (CC BY 4.0)</a:t>
+            </a:r>
+          </a:p>
+        </p:txBody>
+      </p:sp>
+      <p:sp>
+        <p:nvSpPr>
+          <p:cNvPr id="6" name="Slide Number Placeholder 5">
+            <a:extLst>
+              <a:ext uri="{FF2B5EF4-FFF2-40B4-BE49-F238E27FC236}">
+                <a16:creationId xmlns:a16="http://schemas.microsoft.com/office/drawing/2014/main" id="{138E2BF3-F473-3161-59D2-9E9DA8C0E850}"/>
+              </a:ext>
+            </a:extLst>
+          </p:cNvPr>
+          <p:cNvSpPr>
+            <a:spLocks noGrp="1"/>
+          </p:cNvSpPr>
+          <p:nvPr>
+            <p:ph type="sldNum" sz="quarter" idx="12"/>
+          </p:nvPr>
+        </p:nvSpPr>
+        <p:spPr/>
+        <p:txBody>
+          <a:bodyPr/>
+          <a:lstStyle/>
+          <a:p>
+            <a:fld id="{D57F1E4F-1CFF-5643-939E-217C01CDF565}" type="slidenum">
+              <a:rPr lang="en-US" smtClean="0"/>
+              <a:pPr/>
+              <a:t>34</a:t>
             </a:fld>
             <a:endParaRPr lang="en-US"/>
           </a:p>
@@ -20925,339 +21638,6 @@
 </p:sld>
 </file>
 
-<file path=ppt/slides/slide34.xml><?xml version="1.0" encoding="utf-8"?>
-<p:sld xmlns:a="http://schemas.openxmlformats.org/drawingml/2006/main" xmlns:r="http://schemas.openxmlformats.org/officeDocument/2006/relationships" xmlns:p="http://schemas.openxmlformats.org/presentationml/2006/main">
-  <p:cSld>
-    <p:spTree>
-      <p:nvGrpSpPr>
-        <p:cNvPr id="1" name=""/>
-        <p:cNvGrpSpPr/>
-        <p:nvPr/>
-      </p:nvGrpSpPr>
-      <p:grpSpPr>
-        <a:xfrm>
-          <a:off x="0" y="0"/>
-          <a:ext cx="0" cy="0"/>
-          <a:chOff x="0" y="0"/>
-          <a:chExt cx="0" cy="0"/>
-        </a:xfrm>
-      </p:grpSpPr>
-      <p:sp>
-        <p:nvSpPr>
-          <p:cNvPr id="2" name="Title 1">
-            <a:extLst>
-              <a:ext uri="{FF2B5EF4-FFF2-40B4-BE49-F238E27FC236}">
-                <a16:creationId xmlns:a16="http://schemas.microsoft.com/office/drawing/2014/main" id="{55AA17B7-0C1D-5D9B-517A-F1A0FC41E10A}"/>
-              </a:ext>
-            </a:extLst>
-          </p:cNvPr>
-          <p:cNvSpPr>
-            <a:spLocks noGrp="1"/>
-          </p:cNvSpPr>
-          <p:nvPr>
-            <p:ph type="title"/>
-          </p:nvPr>
-        </p:nvSpPr>
-        <p:spPr/>
-        <p:txBody>
-          <a:bodyPr/>
-          <a:lstStyle/>
-          <a:p>
-            <a:r>
-              <a:rPr lang="en-US" dirty="0"/>
-              <a:t>Misconception #1</a:t>
-            </a:r>
-          </a:p>
-        </p:txBody>
-      </p:sp>
-      <p:sp>
-        <p:nvSpPr>
-          <p:cNvPr id="3" name="Content Placeholder 2">
-            <a:extLst>
-              <a:ext uri="{FF2B5EF4-FFF2-40B4-BE49-F238E27FC236}">
-                <a16:creationId xmlns:a16="http://schemas.microsoft.com/office/drawing/2014/main" id="{999606AB-36E0-EE24-A3FD-12F965B070D4}"/>
-              </a:ext>
-            </a:extLst>
-          </p:cNvPr>
-          <p:cNvSpPr>
-            <a:spLocks noGrp="1"/>
-          </p:cNvSpPr>
-          <p:nvPr>
-            <p:ph idx="1"/>
-          </p:nvPr>
-        </p:nvSpPr>
-        <p:spPr/>
-        <p:txBody>
-          <a:bodyPr/>
-          <a:lstStyle/>
-          <a:p>
-            <a:r>
-              <a:rPr lang="en-US" dirty="0">
-                <a:latin typeface="Courier New" panose="02070309020205020404" pitchFamily="49" charset="0"/>
-                <a:cs typeface="Courier New" panose="02070309020205020404" pitchFamily="49" charset="0"/>
-              </a:rPr>
-              <a:t>vector::insert</a:t>
-            </a:r>
-            <a:r>
-              <a:rPr lang="en-US" dirty="0"/>
-              <a:t> and </a:t>
-            </a:r>
-            <a:r>
-              <a:rPr lang="en-US" dirty="0">
-                <a:latin typeface="Courier New" panose="02070309020205020404" pitchFamily="49" charset="0"/>
-                <a:cs typeface="Courier New" panose="02070309020205020404" pitchFamily="49" charset="0"/>
-              </a:rPr>
-              <a:t>vector::erase</a:t>
-            </a:r>
-            <a:r>
-              <a:rPr lang="en-US" dirty="0"/>
-              <a:t> cannot use P2786 relocation because they depend on move assignment.</a:t>
-            </a:r>
-          </a:p>
-          <a:p>
-            <a:r>
-              <a:rPr lang="en-US" b="1" dirty="0"/>
-              <a:t>False</a:t>
-            </a:r>
-            <a:r>
-              <a:rPr lang="en-US" dirty="0"/>
-              <a:t>: The standard does not mandate move assignment. The complexity guarantees limit the number of assignments but, as for all complexity guarantees, it is an upper bound only, not an exact requirement, as described in the library prologue.</a:t>
-            </a:r>
-            <a:endParaRPr lang="en-US" b="1" dirty="0"/>
-          </a:p>
-        </p:txBody>
-      </p:sp>
-      <p:sp>
-        <p:nvSpPr>
-          <p:cNvPr id="4" name="Date Placeholder 3">
-            <a:extLst>
-              <a:ext uri="{FF2B5EF4-FFF2-40B4-BE49-F238E27FC236}">
-                <a16:creationId xmlns:a16="http://schemas.microsoft.com/office/drawing/2014/main" id="{4FB43699-FFC0-9B89-49C0-2AB6F9492AC0}"/>
-              </a:ext>
-            </a:extLst>
-          </p:cNvPr>
-          <p:cNvSpPr>
-            <a:spLocks noGrp="1"/>
-          </p:cNvSpPr>
-          <p:nvPr>
-            <p:ph type="dt" sz="half" idx="10"/>
-          </p:nvPr>
-        </p:nvSpPr>
-        <p:spPr/>
-        <p:txBody>
-          <a:bodyPr/>
-          <a:lstStyle/>
-          <a:p>
-            <a:fld id="{D1A98742-6638-43AC-A30F-B0F4E802E4B2}" type="datetime1">
-              <a:rPr lang="en-US" smtClean="0"/>
-              <a:t>6/14/2024</a:t>
-            </a:fld>
-            <a:endParaRPr lang="en-US"/>
-          </a:p>
-        </p:txBody>
-      </p:sp>
-      <p:sp>
-        <p:nvSpPr>
-          <p:cNvPr id="5" name="Footer Placeholder 4">
-            <a:extLst>
-              <a:ext uri="{FF2B5EF4-FFF2-40B4-BE49-F238E27FC236}">
-                <a16:creationId xmlns:a16="http://schemas.microsoft.com/office/drawing/2014/main" id="{CF4CCE55-AEBF-618F-B5C4-636252DAF095}"/>
-              </a:ext>
-            </a:extLst>
-          </p:cNvPr>
-          <p:cNvSpPr>
-            <a:spLocks noGrp="1"/>
-          </p:cNvSpPr>
-          <p:nvPr>
-            <p:ph type="ftr" sz="quarter" idx="11"/>
-          </p:nvPr>
-        </p:nvSpPr>
-        <p:spPr/>
-        <p:txBody>
-          <a:bodyPr/>
-          <a:lstStyle/>
-          <a:p>
-            <a:r>
-              <a:rPr lang="en-US"/>
-              <a:t>Pablo Halpern, 2024 (CC BY 4.0)</a:t>
-            </a:r>
-          </a:p>
-        </p:txBody>
-      </p:sp>
-      <p:sp>
-        <p:nvSpPr>
-          <p:cNvPr id="6" name="Slide Number Placeholder 5">
-            <a:extLst>
-              <a:ext uri="{FF2B5EF4-FFF2-40B4-BE49-F238E27FC236}">
-                <a16:creationId xmlns:a16="http://schemas.microsoft.com/office/drawing/2014/main" id="{DA3DD6F9-0FC2-BD9C-6270-3327AD26784E}"/>
-              </a:ext>
-            </a:extLst>
-          </p:cNvPr>
-          <p:cNvSpPr>
-            <a:spLocks noGrp="1"/>
-          </p:cNvSpPr>
-          <p:nvPr>
-            <p:ph type="sldNum" sz="quarter" idx="12"/>
-          </p:nvPr>
-        </p:nvSpPr>
-        <p:spPr/>
-        <p:txBody>
-          <a:bodyPr/>
-          <a:lstStyle/>
-          <a:p>
-            <a:fld id="{D57F1E4F-1CFF-5643-939E-217C01CDF565}" type="slidenum">
-              <a:rPr lang="en-US" smtClean="0"/>
-              <a:pPr/>
-              <a:t>34</a:t>
-            </a:fld>
-            <a:endParaRPr lang="en-US"/>
-          </a:p>
-        </p:txBody>
-      </p:sp>
-    </p:spTree>
-    <p:extLst>
-      <p:ext uri="{BB962C8B-B14F-4D97-AF65-F5344CB8AC3E}">
-        <p14:creationId xmlns:p14="http://schemas.microsoft.com/office/powerpoint/2010/main" val="251465635"/>
-      </p:ext>
-    </p:extLst>
-  </p:cSld>
-  <p:clrMapOvr>
-    <a:masterClrMapping/>
-  </p:clrMapOvr>
-  <p:timing>
-    <p:tnLst>
-      <p:par>
-        <p:cTn id="1" dur="indefinite" restart="never" nodeType="tmRoot">
-          <p:childTnLst>
-            <p:seq concurrent="1" nextAc="seek">
-              <p:cTn id="2" dur="indefinite" nodeType="mainSeq">
-                <p:childTnLst>
-                  <p:par>
-                    <p:cTn id="3" fill="hold">
-                      <p:stCondLst>
-                        <p:cond delay="indefinite"/>
-                      </p:stCondLst>
-                      <p:childTnLst>
-                        <p:par>
-                          <p:cTn id="4" fill="hold">
-                            <p:stCondLst>
-                              <p:cond delay="0"/>
-                            </p:stCondLst>
-                            <p:childTnLst>
-                              <p:par>
-                                <p:cTn id="5" presetID="1" presetClass="entr" presetSubtype="0" fill="hold" grpId="0" nodeType="clickEffect">
-                                  <p:stCondLst>
-                                    <p:cond delay="0"/>
-                                  </p:stCondLst>
-                                  <p:childTnLst>
-                                    <p:set>
-                                      <p:cBhvr>
-                                        <p:cTn id="6" dur="1" fill="hold">
-                                          <p:stCondLst>
-                                            <p:cond delay="0"/>
-                                          </p:stCondLst>
-                                        </p:cTn>
-                                        <p:tgtEl>
-                                          <p:spTgt spid="3">
-                                            <p:txEl>
-                                              <p:pRg st="0" end="0"/>
-                                            </p:txEl>
-                                          </p:spTgt>
-                                        </p:tgtEl>
-                                        <p:attrNameLst>
-                                          <p:attrName>style.visibility</p:attrName>
-                                        </p:attrNameLst>
-                                      </p:cBhvr>
-                                      <p:to>
-                                        <p:strVal val="visible"/>
-                                      </p:to>
-                                    </p:set>
-                                  </p:childTnLst>
-                                </p:cTn>
-                              </p:par>
-                            </p:childTnLst>
-                          </p:cTn>
-                        </p:par>
-                      </p:childTnLst>
-                    </p:cTn>
-                  </p:par>
-                  <p:par>
-                    <p:cTn id="7" fill="hold">
-                      <p:stCondLst>
-                        <p:cond delay="indefinite"/>
-                      </p:stCondLst>
-                      <p:childTnLst>
-                        <p:par>
-                          <p:cTn id="8" fill="hold">
-                            <p:stCondLst>
-                              <p:cond delay="0"/>
-                            </p:stCondLst>
-                            <p:childTnLst>
-                              <p:par>
-                                <p:cTn id="9" presetID="1" presetClass="entr" presetSubtype="0" fill="hold" grpId="0" nodeType="clickEffect">
-                                  <p:stCondLst>
-                                    <p:cond delay="0"/>
-                                  </p:stCondLst>
-                                  <p:childTnLst>
-                                    <p:set>
-                                      <p:cBhvr>
-                                        <p:cTn id="10" dur="1" fill="hold">
-                                          <p:stCondLst>
-                                            <p:cond delay="0"/>
-                                          </p:stCondLst>
-                                        </p:cTn>
-                                        <p:tgtEl>
-                                          <p:spTgt spid="3">
-                                            <p:txEl>
-                                              <p:pRg st="1" end="1"/>
-                                            </p:txEl>
-                                          </p:spTgt>
-                                        </p:tgtEl>
-                                        <p:attrNameLst>
-                                          <p:attrName>style.visibility</p:attrName>
-                                        </p:attrNameLst>
-                                      </p:cBhvr>
-                                      <p:to>
-                                        <p:strVal val="visible"/>
-                                      </p:to>
-                                    </p:set>
-                                  </p:childTnLst>
-                                </p:cTn>
-                              </p:par>
-                            </p:childTnLst>
-                          </p:cTn>
-                        </p:par>
-                      </p:childTnLst>
-                    </p:cTn>
-                  </p:par>
-                </p:childTnLst>
-              </p:cTn>
-              <p:prevCondLst>
-                <p:cond evt="onPrev" delay="0">
-                  <p:tgtEl>
-                    <p:sldTgt/>
-                  </p:tgtEl>
-                </p:cond>
-              </p:prevCondLst>
-              <p:nextCondLst>
-                <p:cond evt="onNext" delay="0">
-                  <p:tgtEl>
-                    <p:sldTgt/>
-                  </p:tgtEl>
-                </p:cond>
-              </p:nextCondLst>
-            </p:seq>
-          </p:childTnLst>
-        </p:cTn>
-      </p:par>
-    </p:tnLst>
-    <p:bldLst>
-      <p:bldP spid="3" grpId="0" build="p"/>
-    </p:bldLst>
-  </p:timing>
-</p:sld>
-</file>
-
 <file path=ppt/slides/slide35.xml><?xml version="1.0" encoding="utf-8"?>
 <p:sld xmlns:a="http://schemas.openxmlformats.org/drawingml/2006/main" xmlns:r="http://schemas.openxmlformats.org/officeDocument/2006/relationships" xmlns:p="http://schemas.openxmlformats.org/presentationml/2006/main">
   <p:cSld>
@@ -21280,7 +21660,7 @@
           <p:cNvPr id="2" name="Title 1">
             <a:extLst>
               <a:ext uri="{FF2B5EF4-FFF2-40B4-BE49-F238E27FC236}">
-                <a16:creationId xmlns:a16="http://schemas.microsoft.com/office/drawing/2014/main" id="{225F0004-5238-D262-9608-78A0736AE634}"/>
+                <a16:creationId xmlns:a16="http://schemas.microsoft.com/office/drawing/2014/main" id="{55AA17B7-0C1D-5D9B-517A-F1A0FC41E10A}"/>
               </a:ext>
             </a:extLst>
           </p:cNvPr>
@@ -21298,7 +21678,7 @@
           <a:p>
             <a:r>
               <a:rPr lang="en-US" dirty="0"/>
-              <a:t>Misconception #2</a:t>
+              <a:t>Misconception #1</a:t>
             </a:r>
           </a:p>
         </p:txBody>
@@ -21308,7 +21688,7 @@
           <p:cNvPr id="3" name="Content Placeholder 2">
             <a:extLst>
               <a:ext uri="{FF2B5EF4-FFF2-40B4-BE49-F238E27FC236}">
-                <a16:creationId xmlns:a16="http://schemas.microsoft.com/office/drawing/2014/main" id="{2916BC9D-0760-889D-8F34-7F28E8B4315B}"/>
+                <a16:creationId xmlns:a16="http://schemas.microsoft.com/office/drawing/2014/main" id="{999606AB-36E0-EE24-A3FD-12F965B070D4}"/>
               </a:ext>
             </a:extLst>
           </p:cNvPr>
@@ -21325,15 +21705,26 @@
           <a:lstStyle/>
           <a:p>
             <a:r>
-              <a:rPr lang="en-US" dirty="0" err="1">
+              <a:rPr lang="en-US" dirty="0">
                 <a:latin typeface="Courier New" panose="02070309020205020404" pitchFamily="49" charset="0"/>
                 <a:cs typeface="Courier New" panose="02070309020205020404" pitchFamily="49" charset="0"/>
               </a:rPr>
-              <a:t>pmr</a:t>
+              <a:t>vector::insert</a:t>
             </a:r>
             <a:r>
               <a:rPr lang="en-US" dirty="0"/>
-              <a:t> containers cannot be optimized using trivial relocation.</a:t>
+              <a:t> and </a:t>
+            </a:r>
+            <a:r>
+              <a:rPr lang="en-US" dirty="0">
+                <a:latin typeface="Courier New" panose="02070309020205020404" pitchFamily="49" charset="0"/>
+                <a:cs typeface="Courier New" panose="02070309020205020404" pitchFamily="49" charset="0"/>
+              </a:rPr>
+              <a:t>vector::erase</a:t>
+            </a:r>
+            <a:r>
+              <a:rPr lang="en-US" dirty="0"/>
+              <a:t> cannot use P2786 relocation because they depend on move assignment.</a:t>
             </a:r>
           </a:p>
           <a:p>
@@ -21343,34 +21734,9 @@
             </a:r>
             <a:r>
               <a:rPr lang="en-US" dirty="0"/>
-              <a:t>: Relocation is equivalent to move-construction followed by destruction of the source object; the allocator always moves during move construction. If Trivial relocation can be used for a non-</a:t>
-            </a:r>
-            <a:r>
-              <a:rPr lang="en-US" dirty="0" err="1"/>
-              <a:t>pmr</a:t>
-            </a:r>
-            <a:r>
-              <a:rPr lang="en-US" dirty="0"/>
-              <a:t> container, therefore it can be used for the corresponding </a:t>
-            </a:r>
-            <a:r>
-              <a:rPr lang="en-US" dirty="0" err="1"/>
-              <a:t>pmr</a:t>
-            </a:r>
-            <a:r>
-              <a:rPr lang="en-US" dirty="0"/>
-              <a:t> container.</a:t>
-            </a:r>
-            <a:br>
-              <a:rPr lang="en-US" dirty="0"/>
-            </a:br>
-            <a:br>
-              <a:rPr lang="en-US" dirty="0"/>
-            </a:br>
-            <a:r>
-              <a:rPr lang="en-US" dirty="0"/>
-              <a:t>P1144 makes this claim because it conflates relocation (which creates and destroys an object), with assignment and swapping (which do not).  P2786 keeps the concepts separate and avoids narrowing the universe of relocatable types unnecessarily.</a:t>
-            </a:r>
+              <a:t>: The standard does not mandate move assignment. The complexity guarantees limit the number of assignments but, as for all complexity guarantees, it is an upper bound only, not an exact requirement, as described in the library prologue.</a:t>
+            </a:r>
+            <a:endParaRPr lang="en-US" b="1" dirty="0"/>
           </a:p>
         </p:txBody>
       </p:sp>
@@ -21379,7 +21745,7 @@
           <p:cNvPr id="4" name="Date Placeholder 3">
             <a:extLst>
               <a:ext uri="{FF2B5EF4-FFF2-40B4-BE49-F238E27FC236}">
-                <a16:creationId xmlns:a16="http://schemas.microsoft.com/office/drawing/2014/main" id="{64DDCBC7-F98D-AF56-ECEF-7D4224EF3D76}"/>
+                <a16:creationId xmlns:a16="http://schemas.microsoft.com/office/drawing/2014/main" id="{4FB43699-FFC0-9B89-49C0-2AB6F9492AC0}"/>
               </a:ext>
             </a:extLst>
           </p:cNvPr>
@@ -21397,7 +21763,7 @@
           <a:p>
             <a:fld id="{D1A98742-6638-43AC-A30F-B0F4E802E4B2}" type="datetime1">
               <a:rPr lang="en-US" smtClean="0"/>
-              <a:t>6/14/2024</a:t>
+              <a:t>6/19/2024</a:t>
             </a:fld>
             <a:endParaRPr lang="en-US"/>
           </a:p>
@@ -21408,7 +21774,7 @@
           <p:cNvPr id="5" name="Footer Placeholder 4">
             <a:extLst>
               <a:ext uri="{FF2B5EF4-FFF2-40B4-BE49-F238E27FC236}">
-                <a16:creationId xmlns:a16="http://schemas.microsoft.com/office/drawing/2014/main" id="{BC68A32B-770B-BF60-7804-436A29C510C4}"/>
+                <a16:creationId xmlns:a16="http://schemas.microsoft.com/office/drawing/2014/main" id="{CF4CCE55-AEBF-618F-B5C4-636252DAF095}"/>
               </a:ext>
             </a:extLst>
           </p:cNvPr>
@@ -21436,7 +21802,7 @@
           <p:cNvPr id="6" name="Slide Number Placeholder 5">
             <a:extLst>
               <a:ext uri="{FF2B5EF4-FFF2-40B4-BE49-F238E27FC236}">
-                <a16:creationId xmlns:a16="http://schemas.microsoft.com/office/drawing/2014/main" id="{F4CFE560-0EB7-93F9-6B19-F332ADB99ABC}"/>
+                <a16:creationId xmlns:a16="http://schemas.microsoft.com/office/drawing/2014/main" id="{DA3DD6F9-0FC2-BD9C-6270-3327AD26784E}"/>
               </a:ext>
             </a:extLst>
           </p:cNvPr>
@@ -21464,7 +21830,7 @@
     </p:spTree>
     <p:extLst>
       <p:ext uri="{BB962C8B-B14F-4D97-AF65-F5344CB8AC3E}">
-        <p14:creationId xmlns:p14="http://schemas.microsoft.com/office/powerpoint/2010/main" val="1164556427"/>
+        <p14:creationId xmlns:p14="http://schemas.microsoft.com/office/powerpoint/2010/main" val="251465635"/>
       </p:ext>
     </p:extLst>
   </p:cSld>
@@ -21627,7 +21993,7 @@
           <p:cNvPr id="2" name="Title 1">
             <a:extLst>
               <a:ext uri="{FF2B5EF4-FFF2-40B4-BE49-F238E27FC236}">
-                <a16:creationId xmlns:a16="http://schemas.microsoft.com/office/drawing/2014/main" id="{0A404481-6909-3C40-5BCE-DEF176E52135}"/>
+                <a16:creationId xmlns:a16="http://schemas.microsoft.com/office/drawing/2014/main" id="{225F0004-5238-D262-9608-78A0736AE634}"/>
               </a:ext>
             </a:extLst>
           </p:cNvPr>
@@ -21645,7 +22011,7 @@
           <a:p>
             <a:r>
               <a:rPr lang="en-US" dirty="0"/>
-              <a:t>Misconception #3</a:t>
+              <a:t>Misconception #2</a:t>
             </a:r>
           </a:p>
         </p:txBody>
@@ -21655,7 +22021,7 @@
           <p:cNvPr id="3" name="Content Placeholder 2">
             <a:extLst>
               <a:ext uri="{FF2B5EF4-FFF2-40B4-BE49-F238E27FC236}">
-                <a16:creationId xmlns:a16="http://schemas.microsoft.com/office/drawing/2014/main" id="{37C5222A-A02D-0D17-EB57-83A92A66B5D9}"/>
+                <a16:creationId xmlns:a16="http://schemas.microsoft.com/office/drawing/2014/main" id="{2916BC9D-0760-889D-8F34-7F28E8B4315B}"/>
               </a:ext>
             </a:extLst>
           </p:cNvPr>
@@ -21668,12 +22034,21 @@
         </p:nvSpPr>
         <p:spPr/>
         <p:txBody>
-          <a:bodyPr/>
-          <a:lstStyle/>
-          <a:p>
+          <a:bodyPr>
+            <a:normAutofit/>
+          </a:bodyPr>
+          <a:lstStyle/>
+          <a:p>
+            <a:r>
+              <a:rPr lang="en-US" dirty="0" err="1">
+                <a:latin typeface="Courier New" panose="02070309020205020404" pitchFamily="49" charset="0"/>
+                <a:cs typeface="Courier New" panose="02070309020205020404" pitchFamily="49" charset="0"/>
+              </a:rPr>
+              <a:t>pmr</a:t>
+            </a:r>
             <a:r>
               <a:rPr lang="en-US" dirty="0"/>
-              <a:t>bytewise swaps of relocatable objects is always OK because types for which it would be problematic are rare or unimportant.</a:t>
+              <a:t> containers cannot be optimized using trivial relocation.</a:t>
             </a:r>
           </a:p>
           <a:p>
@@ -21683,9 +22058,44 @@
             </a:r>
             <a:r>
               <a:rPr lang="en-US" dirty="0"/>
-              <a:t>: Regardless of how rare, introducing UB into existing well-defined code is a non-starter.  It is better to have rules to make these types implicitly bytewise swappable when that is provably safe while allowing the programmer to assert that safety when the language/compiler cannot.</a:t>
-            </a:r>
-            <a:endParaRPr lang="en-US" b="1" dirty="0"/>
+              <a:t>: Relocation is equivalent to move-construction followed by destruction of the source object; the allocator always moves during move construction. If trivial relocation can be used for a non-</a:t>
+            </a:r>
+            <a:r>
+              <a:rPr lang="en-US" dirty="0" err="1">
+                <a:latin typeface="Courier New" panose="02070309020205020404" pitchFamily="49" charset="0"/>
+                <a:cs typeface="Courier New" panose="02070309020205020404" pitchFamily="49" charset="0"/>
+              </a:rPr>
+              <a:t>pmr</a:t>
+            </a:r>
+            <a:r>
+              <a:rPr lang="en-US" dirty="0"/>
+              <a:t> container, it can be used for the corresponding </a:t>
+            </a:r>
+            <a:r>
+              <a:rPr lang="en-US" dirty="0" err="1">
+                <a:latin typeface="Courier New" panose="02070309020205020404" pitchFamily="49" charset="0"/>
+                <a:cs typeface="Courier New" panose="02070309020205020404" pitchFamily="49" charset="0"/>
+              </a:rPr>
+              <a:t>pmr</a:t>
+            </a:r>
+            <a:r>
+              <a:rPr lang="en-US" dirty="0"/>
+              <a:t> container.</a:t>
+            </a:r>
+          </a:p>
+          <a:p>
+            <a:r>
+              <a:rPr lang="en-US" dirty="0"/>
+              <a:t>P1144 makes this claim because it conflates relocation (which creates and destroys an object), with assignment and swapping (which do not).  P2786 keeps the concepts </a:t>
+            </a:r>
+            <a:r>
+              <a:rPr lang="en-US"/>
+              <a:t>separate and so </a:t>
+            </a:r>
+            <a:r>
+              <a:rPr lang="en-US" dirty="0"/>
+              <a:t>avoids narrowing the universe of trivially relocatable types unnecessarily.</a:t>
+            </a:r>
           </a:p>
         </p:txBody>
       </p:sp>
@@ -21694,7 +22104,7 @@
           <p:cNvPr id="4" name="Date Placeholder 3">
             <a:extLst>
               <a:ext uri="{FF2B5EF4-FFF2-40B4-BE49-F238E27FC236}">
-                <a16:creationId xmlns:a16="http://schemas.microsoft.com/office/drawing/2014/main" id="{67DE7372-E376-6584-CFE8-7ACC6E520E89}"/>
+                <a16:creationId xmlns:a16="http://schemas.microsoft.com/office/drawing/2014/main" id="{64DDCBC7-F98D-AF56-ECEF-7D4224EF3D76}"/>
               </a:ext>
             </a:extLst>
           </p:cNvPr>
@@ -21712,7 +22122,7 @@
           <a:p>
             <a:fld id="{D1A98742-6638-43AC-A30F-B0F4E802E4B2}" type="datetime1">
               <a:rPr lang="en-US" smtClean="0"/>
-              <a:t>6/14/2024</a:t>
+              <a:t>6/19/2024</a:t>
             </a:fld>
             <a:endParaRPr lang="en-US"/>
           </a:p>
@@ -21723,7 +22133,7 @@
           <p:cNvPr id="5" name="Footer Placeholder 4">
             <a:extLst>
               <a:ext uri="{FF2B5EF4-FFF2-40B4-BE49-F238E27FC236}">
-                <a16:creationId xmlns:a16="http://schemas.microsoft.com/office/drawing/2014/main" id="{08943237-BF6A-AA20-2901-54D004C107D5}"/>
+                <a16:creationId xmlns:a16="http://schemas.microsoft.com/office/drawing/2014/main" id="{BC68A32B-770B-BF60-7804-436A29C510C4}"/>
               </a:ext>
             </a:extLst>
           </p:cNvPr>
@@ -21751,7 +22161,7 @@
           <p:cNvPr id="6" name="Slide Number Placeholder 5">
             <a:extLst>
               <a:ext uri="{FF2B5EF4-FFF2-40B4-BE49-F238E27FC236}">
-                <a16:creationId xmlns:a16="http://schemas.microsoft.com/office/drawing/2014/main" id="{C8FE2292-9B1C-0170-1B9D-C472C882E8FC}"/>
+                <a16:creationId xmlns:a16="http://schemas.microsoft.com/office/drawing/2014/main" id="{F4CFE560-0EB7-93F9-6B19-F332ADB99ABC}"/>
               </a:ext>
             </a:extLst>
           </p:cNvPr>
@@ -21779,7 +22189,7 @@
     </p:spTree>
     <p:extLst>
       <p:ext uri="{BB962C8B-B14F-4D97-AF65-F5344CB8AC3E}">
-        <p14:creationId xmlns:p14="http://schemas.microsoft.com/office/powerpoint/2010/main" val="3926514978"/>
+        <p14:creationId xmlns:p14="http://schemas.microsoft.com/office/powerpoint/2010/main" val="1164556427"/>
       </p:ext>
     </p:extLst>
   </p:cSld>
@@ -21892,6 +22302,55 @@
                       </p:childTnLst>
                     </p:cTn>
                   </p:par>
+                  <p:par>
+                    <p:cTn id="11" fill="hold">
+                      <p:stCondLst>
+                        <p:cond delay="indefinite"/>
+                      </p:stCondLst>
+                      <p:childTnLst>
+                        <p:par>
+                          <p:cTn id="12" fill="hold">
+                            <p:stCondLst>
+                              <p:cond delay="0"/>
+                            </p:stCondLst>
+                            <p:childTnLst>
+                              <p:par>
+                                <p:cTn id="13" presetID="1" presetClass="entr" presetSubtype="0" fill="hold" grpId="0" nodeType="clickEffect">
+                                  <p:stCondLst>
+                                    <p:cond delay="0"/>
+                                  </p:stCondLst>
+                                  <p:childTnLst>
+                                    <p:set>
+                                      <p:cBhvr>
+                                        <p:cTn id="14" dur="1" fill="hold">
+                                          <p:stCondLst>
+                                            <p:cond delay="0"/>
+                                          </p:stCondLst>
+                                        </p:cTn>
+                                        <p:tgtEl>
+                                          <p:spTgt spid="3">
+                                            <p:txEl>
+                                              <p:pRg st="2" end="2"/>
+                                            </p:txEl>
+                                          </p:spTgt>
+                                        </p:tgtEl>
+                                        <p:attrNameLst>
+                                          <p:attrName>style.visibility</p:attrName>
+                                        </p:attrNameLst>
+                                      </p:cBhvr>
+                                      <p:to>
+                                        <p:strVal val="visible"/>
+                                      </p:to>
+                                    </p:set>
+                                  </p:childTnLst>
+                                </p:cTn>
+                              </p:par>
+                            </p:childTnLst>
+                          </p:cTn>
+                        </p:par>
+                      </p:childTnLst>
+                    </p:cTn>
+                  </p:par>
                 </p:childTnLst>
               </p:cTn>
               <p:prevCondLst>
@@ -21942,7 +22401,7 @@
           <p:cNvPr id="2" name="Title 1">
             <a:extLst>
               <a:ext uri="{FF2B5EF4-FFF2-40B4-BE49-F238E27FC236}">
-                <a16:creationId xmlns:a16="http://schemas.microsoft.com/office/drawing/2014/main" id="{F6FE8D68-FA7F-8C0A-FE77-EAF01266F0D3}"/>
+                <a16:creationId xmlns:a16="http://schemas.microsoft.com/office/drawing/2014/main" id="{0A404481-6909-3C40-5BCE-DEF176E52135}"/>
               </a:ext>
             </a:extLst>
           </p:cNvPr>
@@ -21960,7 +22419,7 @@
           <a:p>
             <a:r>
               <a:rPr lang="en-US" dirty="0"/>
-              <a:t>FAQ #1</a:t>
+              <a:t>Misconception #3</a:t>
             </a:r>
           </a:p>
         </p:txBody>
@@ -21970,7 +22429,7 @@
           <p:cNvPr id="3" name="Content Placeholder 2">
             <a:extLst>
               <a:ext uri="{FF2B5EF4-FFF2-40B4-BE49-F238E27FC236}">
-                <a16:creationId xmlns:a16="http://schemas.microsoft.com/office/drawing/2014/main" id="{A239945F-2A9F-CCA8-B085-A3D621EB876D}"/>
+                <a16:creationId xmlns:a16="http://schemas.microsoft.com/office/drawing/2014/main" id="{37C5222A-A02D-0D17-EB57-83A92A66B5D9}"/>
               </a:ext>
             </a:extLst>
           </p:cNvPr>
@@ -21988,30 +22447,19 @@
           <a:p>
             <a:r>
               <a:rPr lang="en-US" dirty="0"/>
-              <a:t>Do we have implementation experience?</a:t>
-            </a:r>
-          </a:p>
-          <a:p>
+              <a:t>bytewise swaps of relocatable objects is always OK because types for which it would be problematic are rare or unimportant.</a:t>
+            </a:r>
+          </a:p>
+          <a:p>
+            <a:r>
+              <a:rPr lang="en-US" b="1" dirty="0"/>
+              <a:t>False</a:t>
+            </a:r>
             <a:r>
               <a:rPr lang="en-US" dirty="0"/>
-              <a:t>Yes: in </a:t>
-            </a:r>
-            <a:r>
-              <a:rPr lang="en-US" dirty="0" err="1"/>
-              <a:t>libc</a:t>
-            </a:r>
-            <a:r>
-              <a:rPr lang="en-US" dirty="0"/>
-              <a:t>++ and in Bloomberg libraries. Implementation of the implicit rules is ongoing in Clang and </a:t>
-            </a:r>
-            <a:r>
-              <a:rPr lang="en-US" dirty="0" err="1"/>
-              <a:t>gcc</a:t>
-            </a:r>
-            <a:r>
-              <a:rPr lang="en-US" dirty="0"/>
-              <a:t>.</a:t>
-            </a:r>
+              <a:t>: Regardless of how rare, introducing UB into existing well-defined code is a non-starter.  It is better to have rules to make these types implicitly bytewise swappable when that is provably safe while allowing the programmer to assert that safety when the language/compiler cannot.</a:t>
+            </a:r>
+            <a:endParaRPr lang="en-US" b="1" dirty="0"/>
           </a:p>
         </p:txBody>
       </p:sp>
@@ -22020,7 +22468,7 @@
           <p:cNvPr id="4" name="Date Placeholder 3">
             <a:extLst>
               <a:ext uri="{FF2B5EF4-FFF2-40B4-BE49-F238E27FC236}">
-                <a16:creationId xmlns:a16="http://schemas.microsoft.com/office/drawing/2014/main" id="{E6436A68-015C-F5F6-792F-BB992C45545D}"/>
+                <a16:creationId xmlns:a16="http://schemas.microsoft.com/office/drawing/2014/main" id="{67DE7372-E376-6584-CFE8-7ACC6E520E89}"/>
               </a:ext>
             </a:extLst>
           </p:cNvPr>
@@ -22038,7 +22486,7 @@
           <a:p>
             <a:fld id="{D1A98742-6638-43AC-A30F-B0F4E802E4B2}" type="datetime1">
               <a:rPr lang="en-US" smtClean="0"/>
-              <a:t>6/14/2024</a:t>
+              <a:t>6/19/2024</a:t>
             </a:fld>
             <a:endParaRPr lang="en-US"/>
           </a:p>
@@ -22049,7 +22497,7 @@
           <p:cNvPr id="5" name="Footer Placeholder 4">
             <a:extLst>
               <a:ext uri="{FF2B5EF4-FFF2-40B4-BE49-F238E27FC236}">
-                <a16:creationId xmlns:a16="http://schemas.microsoft.com/office/drawing/2014/main" id="{5081CEFE-BFF6-A09B-539E-861D84E26830}"/>
+                <a16:creationId xmlns:a16="http://schemas.microsoft.com/office/drawing/2014/main" id="{08943237-BF6A-AA20-2901-54D004C107D5}"/>
               </a:ext>
             </a:extLst>
           </p:cNvPr>
@@ -22077,7 +22525,7 @@
           <p:cNvPr id="6" name="Slide Number Placeholder 5">
             <a:extLst>
               <a:ext uri="{FF2B5EF4-FFF2-40B4-BE49-F238E27FC236}">
-                <a16:creationId xmlns:a16="http://schemas.microsoft.com/office/drawing/2014/main" id="{F8DAB9FA-0465-0479-0BCA-4F65A8EE7FC2}"/>
+                <a16:creationId xmlns:a16="http://schemas.microsoft.com/office/drawing/2014/main" id="{C8FE2292-9B1C-0170-1B9D-C472C882E8FC}"/>
               </a:ext>
             </a:extLst>
           </p:cNvPr>
@@ -22105,7 +22553,7 @@
     </p:spTree>
     <p:extLst>
       <p:ext uri="{BB962C8B-B14F-4D97-AF65-F5344CB8AC3E}">
-        <p14:creationId xmlns:p14="http://schemas.microsoft.com/office/powerpoint/2010/main" val="4120110206"/>
+        <p14:creationId xmlns:p14="http://schemas.microsoft.com/office/powerpoint/2010/main" val="3926514978"/>
       </p:ext>
     </p:extLst>
   </p:cSld>
@@ -22268,7 +22716,7 @@
           <p:cNvPr id="2" name="Title 1">
             <a:extLst>
               <a:ext uri="{FF2B5EF4-FFF2-40B4-BE49-F238E27FC236}">
-                <a16:creationId xmlns:a16="http://schemas.microsoft.com/office/drawing/2014/main" id="{141EF339-0C05-09BA-5DD3-73DAC7363411}"/>
+                <a16:creationId xmlns:a16="http://schemas.microsoft.com/office/drawing/2014/main" id="{F6FE8D68-FA7F-8C0A-FE77-EAF01266F0D3}"/>
               </a:ext>
             </a:extLst>
           </p:cNvPr>
@@ -22286,7 +22734,7 @@
           <a:p>
             <a:r>
               <a:rPr lang="en-US" dirty="0"/>
-              <a:t>FAQ #2</a:t>
+              <a:t>FAQ #1</a:t>
             </a:r>
           </a:p>
         </p:txBody>
@@ -22296,7 +22744,7 @@
           <p:cNvPr id="3" name="Content Placeholder 2">
             <a:extLst>
               <a:ext uri="{FF2B5EF4-FFF2-40B4-BE49-F238E27FC236}">
-                <a16:creationId xmlns:a16="http://schemas.microsoft.com/office/drawing/2014/main" id="{32ABDAAE-CFC6-0833-A920-9D307406B30A}"/>
+                <a16:creationId xmlns:a16="http://schemas.microsoft.com/office/drawing/2014/main" id="{A239945F-2A9F-CCA8-B085-A3D621EB876D}"/>
               </a:ext>
             </a:extLst>
           </p:cNvPr>
@@ -22314,24 +22762,29 @@
           <a:p>
             <a:r>
               <a:rPr lang="en-US" dirty="0"/>
-              <a:t>Can the </a:t>
-            </a:r>
-            <a:r>
-              <a:rPr lang="en-US" dirty="0" err="1">
-                <a:latin typeface="Courier New" panose="02070309020205020404" pitchFamily="49" charset="0"/>
-                <a:cs typeface="Courier New" panose="02070309020205020404" pitchFamily="49" charset="0"/>
-              </a:rPr>
-              <a:t>trivially_relocatable</a:t>
-            </a:r>
+              <a:t>Do we have implementation experience?</a:t>
+            </a:r>
+          </a:p>
+          <a:p>
             <a:r>
               <a:rPr lang="en-US" dirty="0"/>
-              <a:t> context-sensitive keyword be an attribute instead?</a:t>
-            </a:r>
-          </a:p>
-          <a:p>
+              <a:t>Yes: in </a:t>
+            </a:r>
+            <a:r>
+              <a:rPr lang="en-US" dirty="0" err="1"/>
+              <a:t>libc</a:t>
+            </a:r>
             <a:r>
               <a:rPr lang="en-US" dirty="0"/>
-              <a:t>No: It has semantic meaning and is part of the contract for a type.  Adding or removing the attribute from a correct program can change observable semantics.</a:t>
+              <a:t>++ and in Bloomberg libraries. Implementation of the implicit rules is ongoing in Clang and </a:t>
+            </a:r>
+            <a:r>
+              <a:rPr lang="en-US" dirty="0" err="1"/>
+              <a:t>gcc</a:t>
+            </a:r>
+            <a:r>
+              <a:rPr lang="en-US" dirty="0"/>
+              <a:t>.</a:t>
             </a:r>
           </a:p>
         </p:txBody>
@@ -22341,7 +22794,7 @@
           <p:cNvPr id="4" name="Date Placeholder 3">
             <a:extLst>
               <a:ext uri="{FF2B5EF4-FFF2-40B4-BE49-F238E27FC236}">
-                <a16:creationId xmlns:a16="http://schemas.microsoft.com/office/drawing/2014/main" id="{09C9B8C6-4F0A-1324-1627-F4D4E23B47D7}"/>
+                <a16:creationId xmlns:a16="http://schemas.microsoft.com/office/drawing/2014/main" id="{E6436A68-015C-F5F6-792F-BB992C45545D}"/>
               </a:ext>
             </a:extLst>
           </p:cNvPr>
@@ -22359,7 +22812,7 @@
           <a:p>
             <a:fld id="{D1A98742-6638-43AC-A30F-B0F4E802E4B2}" type="datetime1">
               <a:rPr lang="en-US" smtClean="0"/>
-              <a:t>6/14/2024</a:t>
+              <a:t>6/19/2024</a:t>
             </a:fld>
             <a:endParaRPr lang="en-US"/>
           </a:p>
@@ -22370,7 +22823,7 @@
           <p:cNvPr id="5" name="Footer Placeholder 4">
             <a:extLst>
               <a:ext uri="{FF2B5EF4-FFF2-40B4-BE49-F238E27FC236}">
-                <a16:creationId xmlns:a16="http://schemas.microsoft.com/office/drawing/2014/main" id="{C913D74F-4C1D-A400-54F3-47E2D5417188}"/>
+                <a16:creationId xmlns:a16="http://schemas.microsoft.com/office/drawing/2014/main" id="{5081CEFE-BFF6-A09B-539E-861D84E26830}"/>
               </a:ext>
             </a:extLst>
           </p:cNvPr>
@@ -22398,7 +22851,7 @@
           <p:cNvPr id="6" name="Slide Number Placeholder 5">
             <a:extLst>
               <a:ext uri="{FF2B5EF4-FFF2-40B4-BE49-F238E27FC236}">
-                <a16:creationId xmlns:a16="http://schemas.microsoft.com/office/drawing/2014/main" id="{B0975D0E-C12F-EAE2-FE00-8D80218C99D9}"/>
+                <a16:creationId xmlns:a16="http://schemas.microsoft.com/office/drawing/2014/main" id="{F8DAB9FA-0465-0479-0BCA-4F65A8EE7FC2}"/>
               </a:ext>
             </a:extLst>
           </p:cNvPr>
@@ -22426,7 +22879,7 @@
     </p:spTree>
     <p:extLst>
       <p:ext uri="{BB962C8B-B14F-4D97-AF65-F5344CB8AC3E}">
-        <p14:creationId xmlns:p14="http://schemas.microsoft.com/office/powerpoint/2010/main" val="2890942339"/>
+        <p14:creationId xmlns:p14="http://schemas.microsoft.com/office/powerpoint/2010/main" val="4120110206"/>
       </p:ext>
     </p:extLst>
   </p:cSld>
@@ -22589,7 +23042,7 @@
           <p:cNvPr id="2" name="Title 1">
             <a:extLst>
               <a:ext uri="{FF2B5EF4-FFF2-40B4-BE49-F238E27FC236}">
-                <a16:creationId xmlns:a16="http://schemas.microsoft.com/office/drawing/2014/main" id="{CBAAB446-2DC8-CD74-2D32-3A2D42BB04B2}"/>
+                <a16:creationId xmlns:a16="http://schemas.microsoft.com/office/drawing/2014/main" id="{141EF339-0C05-09BA-5DD3-73DAC7363411}"/>
               </a:ext>
             </a:extLst>
           </p:cNvPr>
@@ -22607,7 +23060,7 @@
           <a:p>
             <a:r>
               <a:rPr lang="en-US" dirty="0"/>
-              <a:t>FAQ #3</a:t>
+              <a:t>FAQ #2</a:t>
             </a:r>
           </a:p>
         </p:txBody>
@@ -22617,7 +23070,7 @@
           <p:cNvPr id="3" name="Content Placeholder 2">
             <a:extLst>
               <a:ext uri="{FF2B5EF4-FFF2-40B4-BE49-F238E27FC236}">
-                <a16:creationId xmlns:a16="http://schemas.microsoft.com/office/drawing/2014/main" id="{F14E4440-8995-6D4A-F846-64745381F86F}"/>
+                <a16:creationId xmlns:a16="http://schemas.microsoft.com/office/drawing/2014/main" id="{32ABDAAE-CFC6-0833-A920-9D307406B30A}"/>
               </a:ext>
             </a:extLst>
           </p:cNvPr>
@@ -22635,58 +23088,24 @@
           <a:p>
             <a:r>
               <a:rPr lang="en-US" dirty="0"/>
-              <a:t>Do these proposals allow one to create a trivially relocatable wrapper around a non-trivially relocatable object?</a:t>
-            </a:r>
-          </a:p>
-          <a:p>
+              <a:t>Can the </a:t>
+            </a:r>
+            <a:r>
+              <a:rPr lang="en-US" dirty="0" err="1">
+                <a:latin typeface="Courier New" panose="02070309020205020404" pitchFamily="49" charset="0"/>
+                <a:cs typeface="Courier New" panose="02070309020205020404" pitchFamily="49" charset="0"/>
+              </a:rPr>
+              <a:t>trivially_relocatable</a:t>
+            </a:r>
             <a:r>
               <a:rPr lang="en-US" dirty="0"/>
-              <a:t>No: Such permission would be a foot gun that violates the open-closed principle:</a:t>
-            </a:r>
-          </a:p>
-          <a:p>
-            <a:pPr lvl="1"/>
+              <a:t> context-sensitive keyword be an attribute instead?</a:t>
+            </a:r>
+          </a:p>
+          <a:p>
             <a:r>
               <a:rPr lang="en-US" dirty="0"/>
-              <a:t>Relocating a sub-object that is not trivially relocatable is UB</a:t>
-            </a:r>
-          </a:p>
-          <a:p>
-            <a:pPr lvl="1"/>
-            <a:r>
-              <a:rPr lang="en-US" dirty="0"/>
-              <a:t>Even if the </a:t>
-            </a:r>
-            <a:r>
-              <a:rPr lang="en-US" dirty="0" err="1"/>
-              <a:t>subobject</a:t>
-            </a:r>
-            <a:r>
-              <a:rPr lang="en-US" dirty="0"/>
-              <a:t> </a:t>
-            </a:r>
-            <a:r>
-              <a:rPr lang="en-US" i="1" dirty="0"/>
-              <a:t>should theoretically</a:t>
-            </a:r>
-            <a:r>
-              <a:rPr lang="en-US" dirty="0"/>
-              <a:t> be relocatable today, it might not be tomorrow.</a:t>
-            </a:r>
-          </a:p>
-          <a:p>
-            <a:pPr lvl="1"/>
-            <a:r>
-              <a:rPr lang="en-US" dirty="0"/>
-              <a:t>Some types might vary across implementations (e.g., MSVC std::list would be relocatable, but </a:t>
-            </a:r>
-            <a:r>
-              <a:rPr lang="en-US" dirty="0" err="1"/>
-              <a:t>libc</a:t>
-            </a:r>
-            <a:r>
-              <a:rPr lang="en-US" dirty="0"/>
-              <a:t>++ std::list cannot be).</a:t>
+              <a:t>No: It has semantic meaning and is part of the contract for a type.  Adding or removing the attribute from a correct program can change observable semantics.</a:t>
             </a:r>
           </a:p>
         </p:txBody>
@@ -22696,7 +23115,7 @@
           <p:cNvPr id="4" name="Date Placeholder 3">
             <a:extLst>
               <a:ext uri="{FF2B5EF4-FFF2-40B4-BE49-F238E27FC236}">
-                <a16:creationId xmlns:a16="http://schemas.microsoft.com/office/drawing/2014/main" id="{14BF87FD-13ED-AEBF-9117-54A9B368C794}"/>
+                <a16:creationId xmlns:a16="http://schemas.microsoft.com/office/drawing/2014/main" id="{09C9B8C6-4F0A-1324-1627-F4D4E23B47D7}"/>
               </a:ext>
             </a:extLst>
           </p:cNvPr>
@@ -22714,7 +23133,7 @@
           <a:p>
             <a:fld id="{D1A98742-6638-43AC-A30F-B0F4E802E4B2}" type="datetime1">
               <a:rPr lang="en-US" smtClean="0"/>
-              <a:t>6/14/2024</a:t>
+              <a:t>6/19/2024</a:t>
             </a:fld>
             <a:endParaRPr lang="en-US"/>
           </a:p>
@@ -22725,7 +23144,7 @@
           <p:cNvPr id="5" name="Footer Placeholder 4">
             <a:extLst>
               <a:ext uri="{FF2B5EF4-FFF2-40B4-BE49-F238E27FC236}">
-                <a16:creationId xmlns:a16="http://schemas.microsoft.com/office/drawing/2014/main" id="{B8FE76E1-56D0-0B2D-C699-DD1E8BCCC767}"/>
+                <a16:creationId xmlns:a16="http://schemas.microsoft.com/office/drawing/2014/main" id="{C913D74F-4C1D-A400-54F3-47E2D5417188}"/>
               </a:ext>
             </a:extLst>
           </p:cNvPr>
@@ -22753,7 +23172,7 @@
           <p:cNvPr id="6" name="Slide Number Placeholder 5">
             <a:extLst>
               <a:ext uri="{FF2B5EF4-FFF2-40B4-BE49-F238E27FC236}">
-                <a16:creationId xmlns:a16="http://schemas.microsoft.com/office/drawing/2014/main" id="{7C8F0F24-BB8D-2DD7-38E9-1C0D98F8F6EB}"/>
+                <a16:creationId xmlns:a16="http://schemas.microsoft.com/office/drawing/2014/main" id="{B0975D0E-C12F-EAE2-FE00-8D80218C99D9}"/>
               </a:ext>
             </a:extLst>
           </p:cNvPr>
@@ -22773,6 +23192,666 @@
               <a:rPr lang="en-US" smtClean="0"/>
               <a:pPr/>
               <a:t>39</a:t>
+            </a:fld>
+            <a:endParaRPr lang="en-US"/>
+          </a:p>
+        </p:txBody>
+      </p:sp>
+    </p:spTree>
+    <p:extLst>
+      <p:ext uri="{BB962C8B-B14F-4D97-AF65-F5344CB8AC3E}">
+        <p14:creationId xmlns:p14="http://schemas.microsoft.com/office/powerpoint/2010/main" val="2890942339"/>
+      </p:ext>
+    </p:extLst>
+  </p:cSld>
+  <p:clrMapOvr>
+    <a:masterClrMapping/>
+  </p:clrMapOvr>
+  <p:timing>
+    <p:tnLst>
+      <p:par>
+        <p:cTn id="1" dur="indefinite" restart="never" nodeType="tmRoot">
+          <p:childTnLst>
+            <p:seq concurrent="1" nextAc="seek">
+              <p:cTn id="2" dur="indefinite" nodeType="mainSeq">
+                <p:childTnLst>
+                  <p:par>
+                    <p:cTn id="3" fill="hold">
+                      <p:stCondLst>
+                        <p:cond delay="indefinite"/>
+                      </p:stCondLst>
+                      <p:childTnLst>
+                        <p:par>
+                          <p:cTn id="4" fill="hold">
+                            <p:stCondLst>
+                              <p:cond delay="0"/>
+                            </p:stCondLst>
+                            <p:childTnLst>
+                              <p:par>
+                                <p:cTn id="5" presetID="1" presetClass="entr" presetSubtype="0" fill="hold" grpId="0" nodeType="clickEffect">
+                                  <p:stCondLst>
+                                    <p:cond delay="0"/>
+                                  </p:stCondLst>
+                                  <p:childTnLst>
+                                    <p:set>
+                                      <p:cBhvr>
+                                        <p:cTn id="6" dur="1" fill="hold">
+                                          <p:stCondLst>
+                                            <p:cond delay="0"/>
+                                          </p:stCondLst>
+                                        </p:cTn>
+                                        <p:tgtEl>
+                                          <p:spTgt spid="3">
+                                            <p:txEl>
+                                              <p:pRg st="0" end="0"/>
+                                            </p:txEl>
+                                          </p:spTgt>
+                                        </p:tgtEl>
+                                        <p:attrNameLst>
+                                          <p:attrName>style.visibility</p:attrName>
+                                        </p:attrNameLst>
+                                      </p:cBhvr>
+                                      <p:to>
+                                        <p:strVal val="visible"/>
+                                      </p:to>
+                                    </p:set>
+                                  </p:childTnLst>
+                                </p:cTn>
+                              </p:par>
+                            </p:childTnLst>
+                          </p:cTn>
+                        </p:par>
+                      </p:childTnLst>
+                    </p:cTn>
+                  </p:par>
+                  <p:par>
+                    <p:cTn id="7" fill="hold">
+                      <p:stCondLst>
+                        <p:cond delay="indefinite"/>
+                      </p:stCondLst>
+                      <p:childTnLst>
+                        <p:par>
+                          <p:cTn id="8" fill="hold">
+                            <p:stCondLst>
+                              <p:cond delay="0"/>
+                            </p:stCondLst>
+                            <p:childTnLst>
+                              <p:par>
+                                <p:cTn id="9" presetID="1" presetClass="entr" presetSubtype="0" fill="hold" grpId="0" nodeType="clickEffect">
+                                  <p:stCondLst>
+                                    <p:cond delay="0"/>
+                                  </p:stCondLst>
+                                  <p:childTnLst>
+                                    <p:set>
+                                      <p:cBhvr>
+                                        <p:cTn id="10" dur="1" fill="hold">
+                                          <p:stCondLst>
+                                            <p:cond delay="0"/>
+                                          </p:stCondLst>
+                                        </p:cTn>
+                                        <p:tgtEl>
+                                          <p:spTgt spid="3">
+                                            <p:txEl>
+                                              <p:pRg st="1" end="1"/>
+                                            </p:txEl>
+                                          </p:spTgt>
+                                        </p:tgtEl>
+                                        <p:attrNameLst>
+                                          <p:attrName>style.visibility</p:attrName>
+                                        </p:attrNameLst>
+                                      </p:cBhvr>
+                                      <p:to>
+                                        <p:strVal val="visible"/>
+                                      </p:to>
+                                    </p:set>
+                                  </p:childTnLst>
+                                </p:cTn>
+                              </p:par>
+                            </p:childTnLst>
+                          </p:cTn>
+                        </p:par>
+                      </p:childTnLst>
+                    </p:cTn>
+                  </p:par>
+                </p:childTnLst>
+              </p:cTn>
+              <p:prevCondLst>
+                <p:cond evt="onPrev" delay="0">
+                  <p:tgtEl>
+                    <p:sldTgt/>
+                  </p:tgtEl>
+                </p:cond>
+              </p:prevCondLst>
+              <p:nextCondLst>
+                <p:cond evt="onNext" delay="0">
+                  <p:tgtEl>
+                    <p:sldTgt/>
+                  </p:tgtEl>
+                </p:cond>
+              </p:nextCondLst>
+            </p:seq>
+          </p:childTnLst>
+        </p:cTn>
+      </p:par>
+    </p:tnLst>
+    <p:bldLst>
+      <p:bldP spid="3" grpId="0" build="p"/>
+    </p:bldLst>
+  </p:timing>
+</p:sld>
+</file>
+
+<file path=ppt/slides/slide4.xml><?xml version="1.0" encoding="utf-8"?>
+<p:sld xmlns:a="http://schemas.openxmlformats.org/drawingml/2006/main" xmlns:r="http://schemas.openxmlformats.org/officeDocument/2006/relationships" xmlns:p="http://schemas.openxmlformats.org/presentationml/2006/main">
+  <p:cSld>
+    <p:spTree>
+      <p:nvGrpSpPr>
+        <p:cNvPr id="1" name=""/>
+        <p:cNvGrpSpPr/>
+        <p:nvPr/>
+      </p:nvGrpSpPr>
+      <p:grpSpPr>
+        <a:xfrm>
+          <a:off x="0" y="0"/>
+          <a:ext cx="0" cy="0"/>
+          <a:chOff x="0" y="0"/>
+          <a:chExt cx="0" cy="0"/>
+        </a:xfrm>
+      </p:grpSpPr>
+      <p:sp>
+        <p:nvSpPr>
+          <p:cNvPr id="2" name="Title 1">
+            <a:extLst>
+              <a:ext uri="{FF2B5EF4-FFF2-40B4-BE49-F238E27FC236}">
+                <a16:creationId xmlns:a16="http://schemas.microsoft.com/office/drawing/2014/main" id="{EEC271C9-3625-AA8D-0795-6E277825BB59}"/>
+              </a:ext>
+            </a:extLst>
+          </p:cNvPr>
+          <p:cNvSpPr>
+            <a:spLocks noGrp="1"/>
+          </p:cNvSpPr>
+          <p:nvPr>
+            <p:ph type="title"/>
+          </p:nvPr>
+        </p:nvSpPr>
+        <p:spPr/>
+        <p:txBody>
+          <a:bodyPr/>
+          <a:lstStyle/>
+          <a:p>
+            <a:r>
+              <a:rPr lang="en-US" dirty="0"/>
+              <a:t>What is Relocation?</a:t>
+            </a:r>
+          </a:p>
+        </p:txBody>
+      </p:sp>
+      <p:sp>
+        <p:nvSpPr>
+          <p:cNvPr id="3" name="Content Placeholder 2">
+            <a:extLst>
+              <a:ext uri="{FF2B5EF4-FFF2-40B4-BE49-F238E27FC236}">
+                <a16:creationId xmlns:a16="http://schemas.microsoft.com/office/drawing/2014/main" id="{C0B6FA88-08D6-FF04-596A-9085BD8BE6CD}"/>
+              </a:ext>
+            </a:extLst>
+          </p:cNvPr>
+          <p:cNvSpPr>
+            <a:spLocks noGrp="1"/>
+          </p:cNvSpPr>
+          <p:nvPr>
+            <p:ph idx="1"/>
+          </p:nvPr>
+        </p:nvSpPr>
+        <p:spPr>
+          <a:xfrm>
+            <a:off x="1484310" y="1887166"/>
+            <a:ext cx="10018713" cy="4344301"/>
+          </a:xfrm>
+        </p:spPr>
+        <p:txBody>
+          <a:bodyPr>
+            <a:normAutofit/>
+          </a:bodyPr>
+          <a:lstStyle/>
+          <a:p>
+            <a:r>
+              <a:rPr lang="en-US" dirty="0"/>
+              <a:t>From P2786:</a:t>
+            </a:r>
+          </a:p>
+          <a:p>
+            <a:pPr marL="365760" indent="-182880">
+              <a:buNone/>
+            </a:pPr>
+            <a:r>
+              <a:rPr lang="en-US" sz="2800" dirty="0"/>
+              <a:t>“ </a:t>
+            </a:r>
+            <a:r>
+              <a:rPr lang="en-US" dirty="0"/>
+              <a:t>To relocate a type from memory address </a:t>
+            </a:r>
+            <a:r>
+              <a:rPr lang="en-US" dirty="0" err="1"/>
+              <a:t>src</a:t>
+            </a:r>
+            <a:r>
+              <a:rPr lang="en-US" dirty="0"/>
+              <a:t> to memory address </a:t>
+            </a:r>
+            <a:r>
+              <a:rPr lang="en-US" dirty="0" err="1"/>
+              <a:t>dst</a:t>
+            </a:r>
+            <a:r>
+              <a:rPr lang="en-US" dirty="0"/>
+              <a:t> means to perform an operation or series of operations such that an object equivalent (often identical) to that which existed at address </a:t>
+            </a:r>
+            <a:r>
+              <a:rPr lang="en-US" i="1" dirty="0" err="1"/>
+              <a:t>src</a:t>
+            </a:r>
+            <a:r>
+              <a:rPr lang="en-US" dirty="0"/>
+              <a:t> exists at address </a:t>
+            </a:r>
+            <a:r>
+              <a:rPr lang="en-US" i="1" dirty="0" err="1"/>
+              <a:t>dst</a:t>
+            </a:r>
+            <a:r>
+              <a:rPr lang="en-US" dirty="0"/>
+              <a:t>, that the lifetime of the object at address </a:t>
+            </a:r>
+            <a:r>
+              <a:rPr lang="en-US" i="1" dirty="0" err="1"/>
+              <a:t>dst</a:t>
+            </a:r>
+            <a:r>
+              <a:rPr lang="en-US" dirty="0"/>
+              <a:t> has begun, and that the lifetime of the object at address </a:t>
+            </a:r>
+            <a:r>
+              <a:rPr lang="en-US" i="1" dirty="0" err="1"/>
+              <a:t>src</a:t>
+            </a:r>
+            <a:r>
+              <a:rPr lang="en-US" dirty="0"/>
+              <a:t> has ended.</a:t>
+            </a:r>
+            <a:r>
+              <a:rPr lang="en-US" sz="2800" dirty="0"/>
+              <a:t>”</a:t>
+            </a:r>
+          </a:p>
+          <a:p>
+            <a:r>
+              <a:rPr lang="en-US" dirty="0"/>
+              <a:t>For most types, relocating </a:t>
+            </a:r>
+            <a:r>
+              <a:rPr lang="en-US" i="1" dirty="0" err="1"/>
+              <a:t>src</a:t>
+            </a:r>
+            <a:r>
+              <a:rPr lang="en-US" dirty="0"/>
+              <a:t> to </a:t>
+            </a:r>
+            <a:r>
+              <a:rPr lang="en-US" i="1" dirty="0" err="1"/>
+              <a:t>dst</a:t>
+            </a:r>
+            <a:r>
+              <a:rPr lang="en-US" dirty="0"/>
+              <a:t> is equivalent to move-constructing </a:t>
+            </a:r>
+            <a:r>
+              <a:rPr lang="en-US" i="1" dirty="0" err="1"/>
+              <a:t>dst</a:t>
+            </a:r>
+            <a:r>
+              <a:rPr lang="en-US" dirty="0"/>
+              <a:t> from </a:t>
+            </a:r>
+            <a:r>
+              <a:rPr lang="en-US" i="1" dirty="0" err="1"/>
+              <a:t>src</a:t>
+            </a:r>
+            <a:r>
+              <a:rPr lang="en-US" dirty="0"/>
+              <a:t>, then destroying </a:t>
+            </a:r>
+            <a:r>
+              <a:rPr lang="en-US" i="1" dirty="0" err="1"/>
+              <a:t>src</a:t>
+            </a:r>
+            <a:r>
+              <a:rPr lang="en-US" dirty="0"/>
+              <a:t>.</a:t>
+            </a:r>
+          </a:p>
+          <a:p>
+            <a:r>
+              <a:rPr lang="en-US" dirty="0"/>
+              <a:t>We relocate objects into an address where no object currently exists (i.e., </a:t>
+            </a:r>
+            <a:r>
+              <a:rPr lang="en-US" i="1" dirty="0"/>
+              <a:t>uninitialized memory</a:t>
+            </a:r>
+            <a:r>
+              <a:rPr lang="en-US" dirty="0"/>
+              <a:t>); we start with one object and end with one object.</a:t>
+            </a:r>
+          </a:p>
+        </p:txBody>
+      </p:sp>
+      <p:sp>
+        <p:nvSpPr>
+          <p:cNvPr id="4" name="Date Placeholder 3">
+            <a:extLst>
+              <a:ext uri="{FF2B5EF4-FFF2-40B4-BE49-F238E27FC236}">
+                <a16:creationId xmlns:a16="http://schemas.microsoft.com/office/drawing/2014/main" id="{CD105BEB-4585-49B1-5065-92CDB8EB832B}"/>
+              </a:ext>
+            </a:extLst>
+          </p:cNvPr>
+          <p:cNvSpPr>
+            <a:spLocks noGrp="1"/>
+          </p:cNvSpPr>
+          <p:nvPr>
+            <p:ph type="dt" sz="half" idx="10"/>
+          </p:nvPr>
+        </p:nvSpPr>
+        <p:spPr/>
+        <p:txBody>
+          <a:bodyPr/>
+          <a:lstStyle/>
+          <a:p>
+            <a:fld id="{D1A98742-6638-43AC-A30F-B0F4E802E4B2}" type="datetime1">
+              <a:rPr lang="en-US" smtClean="0"/>
+              <a:t>6/19/2024</a:t>
+            </a:fld>
+            <a:endParaRPr lang="en-US"/>
+          </a:p>
+        </p:txBody>
+      </p:sp>
+      <p:sp>
+        <p:nvSpPr>
+          <p:cNvPr id="5" name="Footer Placeholder 4">
+            <a:extLst>
+              <a:ext uri="{FF2B5EF4-FFF2-40B4-BE49-F238E27FC236}">
+                <a16:creationId xmlns:a16="http://schemas.microsoft.com/office/drawing/2014/main" id="{B6DBDFE3-479D-7887-3869-F3BBCEAEADC3}"/>
+              </a:ext>
+            </a:extLst>
+          </p:cNvPr>
+          <p:cNvSpPr>
+            <a:spLocks noGrp="1"/>
+          </p:cNvSpPr>
+          <p:nvPr>
+            <p:ph type="ftr" sz="quarter" idx="11"/>
+          </p:nvPr>
+        </p:nvSpPr>
+        <p:spPr/>
+        <p:txBody>
+          <a:bodyPr/>
+          <a:lstStyle/>
+          <a:p>
+            <a:r>
+              <a:rPr lang="en-US"/>
+              <a:t>Pablo Halpern, 2024 (CC BY 4.0)</a:t>
+            </a:r>
+          </a:p>
+        </p:txBody>
+      </p:sp>
+      <p:sp>
+        <p:nvSpPr>
+          <p:cNvPr id="6" name="Slide Number Placeholder 5">
+            <a:extLst>
+              <a:ext uri="{FF2B5EF4-FFF2-40B4-BE49-F238E27FC236}">
+                <a16:creationId xmlns:a16="http://schemas.microsoft.com/office/drawing/2014/main" id="{8B5C9DCD-886A-6C9A-4276-A4588E324EAC}"/>
+              </a:ext>
+            </a:extLst>
+          </p:cNvPr>
+          <p:cNvSpPr>
+            <a:spLocks noGrp="1"/>
+          </p:cNvSpPr>
+          <p:nvPr>
+            <p:ph type="sldNum" sz="quarter" idx="12"/>
+          </p:nvPr>
+        </p:nvSpPr>
+        <p:spPr/>
+        <p:txBody>
+          <a:bodyPr/>
+          <a:lstStyle/>
+          <a:p>
+            <a:fld id="{D57F1E4F-1CFF-5643-939E-217C01CDF565}" type="slidenum">
+              <a:rPr lang="en-US" smtClean="0"/>
+              <a:pPr/>
+              <a:t>4</a:t>
+            </a:fld>
+            <a:endParaRPr lang="en-US"/>
+          </a:p>
+        </p:txBody>
+      </p:sp>
+    </p:spTree>
+    <p:extLst>
+      <p:ext uri="{BB962C8B-B14F-4D97-AF65-F5344CB8AC3E}">
+        <p14:creationId xmlns:p14="http://schemas.microsoft.com/office/powerpoint/2010/main" val="1073498124"/>
+      </p:ext>
+    </p:extLst>
+  </p:cSld>
+  <p:clrMapOvr>
+    <a:masterClrMapping/>
+  </p:clrMapOvr>
+</p:sld>
+</file>
+
+<file path=ppt/slides/slide40.xml><?xml version="1.0" encoding="utf-8"?>
+<p:sld xmlns:a="http://schemas.openxmlformats.org/drawingml/2006/main" xmlns:r="http://schemas.openxmlformats.org/officeDocument/2006/relationships" xmlns:p="http://schemas.openxmlformats.org/presentationml/2006/main">
+  <p:cSld>
+    <p:spTree>
+      <p:nvGrpSpPr>
+        <p:cNvPr id="1" name=""/>
+        <p:cNvGrpSpPr/>
+        <p:nvPr/>
+      </p:nvGrpSpPr>
+      <p:grpSpPr>
+        <a:xfrm>
+          <a:off x="0" y="0"/>
+          <a:ext cx="0" cy="0"/>
+          <a:chOff x="0" y="0"/>
+          <a:chExt cx="0" cy="0"/>
+        </a:xfrm>
+      </p:grpSpPr>
+      <p:sp>
+        <p:nvSpPr>
+          <p:cNvPr id="2" name="Title 1">
+            <a:extLst>
+              <a:ext uri="{FF2B5EF4-FFF2-40B4-BE49-F238E27FC236}">
+                <a16:creationId xmlns:a16="http://schemas.microsoft.com/office/drawing/2014/main" id="{CBAAB446-2DC8-CD74-2D32-3A2D42BB04B2}"/>
+              </a:ext>
+            </a:extLst>
+          </p:cNvPr>
+          <p:cNvSpPr>
+            <a:spLocks noGrp="1"/>
+          </p:cNvSpPr>
+          <p:nvPr>
+            <p:ph type="title"/>
+          </p:nvPr>
+        </p:nvSpPr>
+        <p:spPr/>
+        <p:txBody>
+          <a:bodyPr/>
+          <a:lstStyle/>
+          <a:p>
+            <a:r>
+              <a:rPr lang="en-US" dirty="0"/>
+              <a:t>FAQ #3</a:t>
+            </a:r>
+          </a:p>
+        </p:txBody>
+      </p:sp>
+      <p:sp>
+        <p:nvSpPr>
+          <p:cNvPr id="3" name="Content Placeholder 2">
+            <a:extLst>
+              <a:ext uri="{FF2B5EF4-FFF2-40B4-BE49-F238E27FC236}">
+                <a16:creationId xmlns:a16="http://schemas.microsoft.com/office/drawing/2014/main" id="{F14E4440-8995-6D4A-F846-64745381F86F}"/>
+              </a:ext>
+            </a:extLst>
+          </p:cNvPr>
+          <p:cNvSpPr>
+            <a:spLocks noGrp="1"/>
+          </p:cNvSpPr>
+          <p:nvPr>
+            <p:ph idx="1"/>
+          </p:nvPr>
+        </p:nvSpPr>
+        <p:spPr/>
+        <p:txBody>
+          <a:bodyPr/>
+          <a:lstStyle/>
+          <a:p>
+            <a:r>
+              <a:rPr lang="en-US" dirty="0"/>
+              <a:t>Do these proposals allow one to create a trivially relocatable wrapper around a non-trivially relocatable object?</a:t>
+            </a:r>
+          </a:p>
+          <a:p>
+            <a:r>
+              <a:rPr lang="en-US" dirty="0"/>
+              <a:t>No: Such permission would be a foot gun that violates the open-closed principle:</a:t>
+            </a:r>
+          </a:p>
+          <a:p>
+            <a:pPr lvl="1"/>
+            <a:r>
+              <a:rPr lang="en-US" dirty="0"/>
+              <a:t>Relocating a sub-object that is not trivially relocatable is UB</a:t>
+            </a:r>
+          </a:p>
+          <a:p>
+            <a:pPr lvl="1"/>
+            <a:r>
+              <a:rPr lang="en-US" dirty="0"/>
+              <a:t>Even if the </a:t>
+            </a:r>
+            <a:r>
+              <a:rPr lang="en-US" dirty="0" err="1"/>
+              <a:t>subobject</a:t>
+            </a:r>
+            <a:r>
+              <a:rPr lang="en-US" dirty="0"/>
+              <a:t> </a:t>
+            </a:r>
+            <a:r>
+              <a:rPr lang="en-US" i="1" dirty="0"/>
+              <a:t>should theoretically</a:t>
+            </a:r>
+            <a:r>
+              <a:rPr lang="en-US" dirty="0"/>
+              <a:t> be relocatable today, it might not be tomorrow.</a:t>
+            </a:r>
+          </a:p>
+          <a:p>
+            <a:pPr lvl="1"/>
+            <a:r>
+              <a:rPr lang="en-US" dirty="0"/>
+              <a:t>Some types might vary across implementations (e.g., MSVC std::list would be relocatable, but </a:t>
+            </a:r>
+            <a:r>
+              <a:rPr lang="en-US" dirty="0" err="1"/>
+              <a:t>libc</a:t>
+            </a:r>
+            <a:r>
+              <a:rPr lang="en-US" dirty="0"/>
+              <a:t>++ std::list cannot be).</a:t>
+            </a:r>
+          </a:p>
+        </p:txBody>
+      </p:sp>
+      <p:sp>
+        <p:nvSpPr>
+          <p:cNvPr id="4" name="Date Placeholder 3">
+            <a:extLst>
+              <a:ext uri="{FF2B5EF4-FFF2-40B4-BE49-F238E27FC236}">
+                <a16:creationId xmlns:a16="http://schemas.microsoft.com/office/drawing/2014/main" id="{14BF87FD-13ED-AEBF-9117-54A9B368C794}"/>
+              </a:ext>
+            </a:extLst>
+          </p:cNvPr>
+          <p:cNvSpPr>
+            <a:spLocks noGrp="1"/>
+          </p:cNvSpPr>
+          <p:nvPr>
+            <p:ph type="dt" sz="half" idx="10"/>
+          </p:nvPr>
+        </p:nvSpPr>
+        <p:spPr/>
+        <p:txBody>
+          <a:bodyPr/>
+          <a:lstStyle/>
+          <a:p>
+            <a:fld id="{D1A98742-6638-43AC-A30F-B0F4E802E4B2}" type="datetime1">
+              <a:rPr lang="en-US" smtClean="0"/>
+              <a:t>6/19/2024</a:t>
+            </a:fld>
+            <a:endParaRPr lang="en-US"/>
+          </a:p>
+        </p:txBody>
+      </p:sp>
+      <p:sp>
+        <p:nvSpPr>
+          <p:cNvPr id="5" name="Footer Placeholder 4">
+            <a:extLst>
+              <a:ext uri="{FF2B5EF4-FFF2-40B4-BE49-F238E27FC236}">
+                <a16:creationId xmlns:a16="http://schemas.microsoft.com/office/drawing/2014/main" id="{B8FE76E1-56D0-0B2D-C699-DD1E8BCCC767}"/>
+              </a:ext>
+            </a:extLst>
+          </p:cNvPr>
+          <p:cNvSpPr>
+            <a:spLocks noGrp="1"/>
+          </p:cNvSpPr>
+          <p:nvPr>
+            <p:ph type="ftr" sz="quarter" idx="11"/>
+          </p:nvPr>
+        </p:nvSpPr>
+        <p:spPr/>
+        <p:txBody>
+          <a:bodyPr/>
+          <a:lstStyle/>
+          <a:p>
+            <a:r>
+              <a:rPr lang="en-US"/>
+              <a:t>Pablo Halpern, 2024 (CC BY 4.0)</a:t>
+            </a:r>
+          </a:p>
+        </p:txBody>
+      </p:sp>
+      <p:sp>
+        <p:nvSpPr>
+          <p:cNvPr id="6" name="Slide Number Placeholder 5">
+            <a:extLst>
+              <a:ext uri="{FF2B5EF4-FFF2-40B4-BE49-F238E27FC236}">
+                <a16:creationId xmlns:a16="http://schemas.microsoft.com/office/drawing/2014/main" id="{7C8F0F24-BB8D-2DD7-38E9-1C0D98F8F6EB}"/>
+              </a:ext>
+            </a:extLst>
+          </p:cNvPr>
+          <p:cNvSpPr>
+            <a:spLocks noGrp="1"/>
+          </p:cNvSpPr>
+          <p:nvPr>
+            <p:ph type="sldNum" sz="quarter" idx="12"/>
+          </p:nvPr>
+        </p:nvSpPr>
+        <p:spPr/>
+        <p:txBody>
+          <a:bodyPr/>
+          <a:lstStyle/>
+          <a:p>
+            <a:fld id="{D57F1E4F-1CFF-5643-939E-217C01CDF565}" type="slidenum">
+              <a:rPr lang="en-US" smtClean="0"/>
+              <a:pPr/>
+              <a:t>40</a:t>
             </a:fld>
             <a:endParaRPr lang="en-US"/>
           </a:p>
@@ -23015,7 +24094,7 @@
 </p:sld>
 </file>
 
-<file path=ppt/slides/slide4.xml><?xml version="1.0" encoding="utf-8"?>
+<file path=ppt/slides/slide41.xml><?xml version="1.0" encoding="utf-8"?>
 <p:sld xmlns:a="http://schemas.openxmlformats.org/drawingml/2006/main" xmlns:r="http://schemas.openxmlformats.org/officeDocument/2006/relationships" xmlns:p="http://schemas.openxmlformats.org/presentationml/2006/main">
   <p:cSld>
     <p:spTree>
@@ -23037,311 +24116,6 @@
           <p:cNvPr id="2" name="Title 1">
             <a:extLst>
               <a:ext uri="{FF2B5EF4-FFF2-40B4-BE49-F238E27FC236}">
-                <a16:creationId xmlns:a16="http://schemas.microsoft.com/office/drawing/2014/main" id="{EEC271C9-3625-AA8D-0795-6E277825BB59}"/>
-              </a:ext>
-            </a:extLst>
-          </p:cNvPr>
-          <p:cNvSpPr>
-            <a:spLocks noGrp="1"/>
-          </p:cNvSpPr>
-          <p:nvPr>
-            <p:ph type="title"/>
-          </p:nvPr>
-        </p:nvSpPr>
-        <p:spPr/>
-        <p:txBody>
-          <a:bodyPr/>
-          <a:lstStyle/>
-          <a:p>
-            <a:r>
-              <a:rPr lang="en-US" dirty="0"/>
-              <a:t>What is Relocation?</a:t>
-            </a:r>
-          </a:p>
-        </p:txBody>
-      </p:sp>
-      <p:sp>
-        <p:nvSpPr>
-          <p:cNvPr id="3" name="Content Placeholder 2">
-            <a:extLst>
-              <a:ext uri="{FF2B5EF4-FFF2-40B4-BE49-F238E27FC236}">
-                <a16:creationId xmlns:a16="http://schemas.microsoft.com/office/drawing/2014/main" id="{C0B6FA88-08D6-FF04-596A-9085BD8BE6CD}"/>
-              </a:ext>
-            </a:extLst>
-          </p:cNvPr>
-          <p:cNvSpPr>
-            <a:spLocks noGrp="1"/>
-          </p:cNvSpPr>
-          <p:nvPr>
-            <p:ph idx="1"/>
-          </p:nvPr>
-        </p:nvSpPr>
-        <p:spPr>
-          <a:xfrm>
-            <a:off x="1484310" y="1887166"/>
-            <a:ext cx="10018713" cy="4344301"/>
-          </a:xfrm>
-        </p:spPr>
-        <p:txBody>
-          <a:bodyPr>
-            <a:normAutofit/>
-          </a:bodyPr>
-          <a:lstStyle/>
-          <a:p>
-            <a:r>
-              <a:rPr lang="en-US" dirty="0"/>
-              <a:t>From P2786:</a:t>
-            </a:r>
-          </a:p>
-          <a:p>
-            <a:pPr marL="365760" indent="-182880">
-              <a:buNone/>
-            </a:pPr>
-            <a:r>
-              <a:rPr lang="en-US" sz="2800" dirty="0"/>
-              <a:t>“ </a:t>
-            </a:r>
-            <a:r>
-              <a:rPr lang="en-US" dirty="0"/>
-              <a:t>To relocate a type from memory address </a:t>
-            </a:r>
-            <a:r>
-              <a:rPr lang="en-US" dirty="0" err="1"/>
-              <a:t>src</a:t>
-            </a:r>
-            <a:r>
-              <a:rPr lang="en-US" dirty="0"/>
-              <a:t> to memory address </a:t>
-            </a:r>
-            <a:r>
-              <a:rPr lang="en-US" dirty="0" err="1"/>
-              <a:t>dst</a:t>
-            </a:r>
-            <a:r>
-              <a:rPr lang="en-US" dirty="0"/>
-              <a:t> means to perform an operation or series of operations such that an object equivalent (often identical) to that which existed at address </a:t>
-            </a:r>
-            <a:r>
-              <a:rPr lang="en-US" i="1" dirty="0" err="1"/>
-              <a:t>src</a:t>
-            </a:r>
-            <a:r>
-              <a:rPr lang="en-US" dirty="0"/>
-              <a:t> exists at address </a:t>
-            </a:r>
-            <a:r>
-              <a:rPr lang="en-US" i="1" dirty="0" err="1"/>
-              <a:t>dst</a:t>
-            </a:r>
-            <a:r>
-              <a:rPr lang="en-US" dirty="0"/>
-              <a:t>, that the lifetime of the object at address </a:t>
-            </a:r>
-            <a:r>
-              <a:rPr lang="en-US" i="1" dirty="0" err="1"/>
-              <a:t>dst</a:t>
-            </a:r>
-            <a:r>
-              <a:rPr lang="en-US" dirty="0"/>
-              <a:t> has begun, and that the lifetime of the object at address </a:t>
-            </a:r>
-            <a:r>
-              <a:rPr lang="en-US" i="1" dirty="0" err="1"/>
-              <a:t>src</a:t>
-            </a:r>
-            <a:r>
-              <a:rPr lang="en-US" dirty="0"/>
-              <a:t> has ended.</a:t>
-            </a:r>
-            <a:r>
-              <a:rPr lang="en-US" sz="2800" dirty="0"/>
-              <a:t>”</a:t>
-            </a:r>
-          </a:p>
-          <a:p>
-            <a:r>
-              <a:rPr lang="en-US" dirty="0"/>
-              <a:t>For most types, relocating </a:t>
-            </a:r>
-            <a:r>
-              <a:rPr lang="en-US" i="1" dirty="0" err="1"/>
-              <a:t>src</a:t>
-            </a:r>
-            <a:r>
-              <a:rPr lang="en-US" dirty="0"/>
-              <a:t> to </a:t>
-            </a:r>
-            <a:r>
-              <a:rPr lang="en-US" i="1" dirty="0" err="1"/>
-              <a:t>dst</a:t>
-            </a:r>
-            <a:r>
-              <a:rPr lang="en-US" dirty="0"/>
-              <a:t> is equivalent to move-constructing </a:t>
-            </a:r>
-            <a:r>
-              <a:rPr lang="en-US" i="1" dirty="0" err="1"/>
-              <a:t>dst</a:t>
-            </a:r>
-            <a:r>
-              <a:rPr lang="en-US" dirty="0"/>
-              <a:t> from </a:t>
-            </a:r>
-            <a:r>
-              <a:rPr lang="en-US" i="1" dirty="0" err="1"/>
-              <a:t>src</a:t>
-            </a:r>
-            <a:r>
-              <a:rPr lang="en-US" dirty="0"/>
-              <a:t>, then destroying </a:t>
-            </a:r>
-            <a:r>
-              <a:rPr lang="en-US" i="1" dirty="0" err="1"/>
-              <a:t>src</a:t>
-            </a:r>
-            <a:r>
-              <a:rPr lang="en-US" dirty="0"/>
-              <a:t>.</a:t>
-            </a:r>
-          </a:p>
-          <a:p>
-            <a:r>
-              <a:rPr lang="en-US" dirty="0"/>
-              <a:t>We relocate objects into an address where no object currently exists (i.e., </a:t>
-            </a:r>
-            <a:r>
-              <a:rPr lang="en-US" i="1" dirty="0"/>
-              <a:t>uninitialized memory</a:t>
-            </a:r>
-            <a:r>
-              <a:rPr lang="en-US" dirty="0"/>
-              <a:t>); we start with one object and end with one object.</a:t>
-            </a:r>
-          </a:p>
-        </p:txBody>
-      </p:sp>
-      <p:sp>
-        <p:nvSpPr>
-          <p:cNvPr id="4" name="Date Placeholder 3">
-            <a:extLst>
-              <a:ext uri="{FF2B5EF4-FFF2-40B4-BE49-F238E27FC236}">
-                <a16:creationId xmlns:a16="http://schemas.microsoft.com/office/drawing/2014/main" id="{CD105BEB-4585-49B1-5065-92CDB8EB832B}"/>
-              </a:ext>
-            </a:extLst>
-          </p:cNvPr>
-          <p:cNvSpPr>
-            <a:spLocks noGrp="1"/>
-          </p:cNvSpPr>
-          <p:nvPr>
-            <p:ph type="dt" sz="half" idx="10"/>
-          </p:nvPr>
-        </p:nvSpPr>
-        <p:spPr/>
-        <p:txBody>
-          <a:bodyPr/>
-          <a:lstStyle/>
-          <a:p>
-            <a:fld id="{D1A98742-6638-43AC-A30F-B0F4E802E4B2}" type="datetime1">
-              <a:rPr lang="en-US" smtClean="0"/>
-              <a:t>6/11/2024</a:t>
-            </a:fld>
-            <a:endParaRPr lang="en-US"/>
-          </a:p>
-        </p:txBody>
-      </p:sp>
-      <p:sp>
-        <p:nvSpPr>
-          <p:cNvPr id="5" name="Footer Placeholder 4">
-            <a:extLst>
-              <a:ext uri="{FF2B5EF4-FFF2-40B4-BE49-F238E27FC236}">
-                <a16:creationId xmlns:a16="http://schemas.microsoft.com/office/drawing/2014/main" id="{B6DBDFE3-479D-7887-3869-F3BBCEAEADC3}"/>
-              </a:ext>
-            </a:extLst>
-          </p:cNvPr>
-          <p:cNvSpPr>
-            <a:spLocks noGrp="1"/>
-          </p:cNvSpPr>
-          <p:nvPr>
-            <p:ph type="ftr" sz="quarter" idx="11"/>
-          </p:nvPr>
-        </p:nvSpPr>
-        <p:spPr/>
-        <p:txBody>
-          <a:bodyPr/>
-          <a:lstStyle/>
-          <a:p>
-            <a:r>
-              <a:rPr lang="en-US"/>
-              <a:t>Pablo Halpern, 2024 (CC BY 4.0)</a:t>
-            </a:r>
-          </a:p>
-        </p:txBody>
-      </p:sp>
-      <p:sp>
-        <p:nvSpPr>
-          <p:cNvPr id="6" name="Slide Number Placeholder 5">
-            <a:extLst>
-              <a:ext uri="{FF2B5EF4-FFF2-40B4-BE49-F238E27FC236}">
-                <a16:creationId xmlns:a16="http://schemas.microsoft.com/office/drawing/2014/main" id="{8B5C9DCD-886A-6C9A-4276-A4588E324EAC}"/>
-              </a:ext>
-            </a:extLst>
-          </p:cNvPr>
-          <p:cNvSpPr>
-            <a:spLocks noGrp="1"/>
-          </p:cNvSpPr>
-          <p:nvPr>
-            <p:ph type="sldNum" sz="quarter" idx="12"/>
-          </p:nvPr>
-        </p:nvSpPr>
-        <p:spPr/>
-        <p:txBody>
-          <a:bodyPr/>
-          <a:lstStyle/>
-          <a:p>
-            <a:fld id="{D57F1E4F-1CFF-5643-939E-217C01CDF565}" type="slidenum">
-              <a:rPr lang="en-US" smtClean="0"/>
-              <a:pPr/>
-              <a:t>4</a:t>
-            </a:fld>
-            <a:endParaRPr lang="en-US"/>
-          </a:p>
-        </p:txBody>
-      </p:sp>
-    </p:spTree>
-    <p:extLst>
-      <p:ext uri="{BB962C8B-B14F-4D97-AF65-F5344CB8AC3E}">
-        <p14:creationId xmlns:p14="http://schemas.microsoft.com/office/powerpoint/2010/main" val="1073498124"/>
-      </p:ext>
-    </p:extLst>
-  </p:cSld>
-  <p:clrMapOvr>
-    <a:masterClrMapping/>
-  </p:clrMapOvr>
-</p:sld>
-</file>
-
-<file path=ppt/slides/slide40.xml><?xml version="1.0" encoding="utf-8"?>
-<p:sld xmlns:a="http://schemas.openxmlformats.org/drawingml/2006/main" xmlns:r="http://schemas.openxmlformats.org/officeDocument/2006/relationships" xmlns:p="http://schemas.openxmlformats.org/presentationml/2006/main">
-  <p:cSld>
-    <p:spTree>
-      <p:nvGrpSpPr>
-        <p:cNvPr id="1" name=""/>
-        <p:cNvGrpSpPr/>
-        <p:nvPr/>
-      </p:nvGrpSpPr>
-      <p:grpSpPr>
-        <a:xfrm>
-          <a:off x="0" y="0"/>
-          <a:ext cx="0" cy="0"/>
-          <a:chOff x="0" y="0"/>
-          <a:chExt cx="0" cy="0"/>
-        </a:xfrm>
-      </p:grpSpPr>
-      <p:sp>
-        <p:nvSpPr>
-          <p:cNvPr id="2" name="Title 1">
-            <a:extLst>
-              <a:ext uri="{FF2B5EF4-FFF2-40B4-BE49-F238E27FC236}">
                 <a16:creationId xmlns:a16="http://schemas.microsoft.com/office/drawing/2014/main" id="{12EDF1D6-F9B7-A8E5-0718-A164497A9142}"/>
               </a:ext>
             </a:extLst>
@@ -23440,7 +24214,7 @@
           <a:p>
             <a:fld id="{D1A98742-6638-43AC-A30F-B0F4E802E4B2}" type="datetime1">
               <a:rPr lang="en-US" smtClean="0"/>
-              <a:t>6/14/2024</a:t>
+              <a:t>6/19/2024</a:t>
             </a:fld>
             <a:endParaRPr lang="en-US"/>
           </a:p>
@@ -23498,7 +24272,7 @@
             <a:fld id="{D57F1E4F-1CFF-5643-939E-217C01CDF565}" type="slidenum">
               <a:rPr lang="en-US" smtClean="0"/>
               <a:pPr/>
-              <a:t>40</a:t>
+              <a:t>41</a:t>
             </a:fld>
             <a:endParaRPr lang="en-US"/>
           </a:p>
@@ -23697,7 +24471,7 @@
 </p:sld>
 </file>
 
-<file path=ppt/slides/slide41.xml><?xml version="1.0" encoding="utf-8"?>
+<file path=ppt/slides/slide42.xml><?xml version="1.0" encoding="utf-8"?>
 <p:sld xmlns:a="http://schemas.openxmlformats.org/drawingml/2006/main" xmlns:r="http://schemas.openxmlformats.org/officeDocument/2006/relationships" xmlns:p="http://schemas.openxmlformats.org/presentationml/2006/main">
   <p:cSld>
     <p:spTree>
@@ -23819,7 +24593,7 @@
           <a:p>
             <a:fld id="{D1A98742-6638-43AC-A30F-B0F4E802E4B2}" type="datetime1">
               <a:rPr lang="en-US" smtClean="0"/>
-              <a:t>6/14/2024</a:t>
+              <a:t>6/19/2024</a:t>
             </a:fld>
             <a:endParaRPr lang="en-US"/>
           </a:p>
@@ -23859,176 +24633,6 @@
             <a:extLst>
               <a:ext uri="{FF2B5EF4-FFF2-40B4-BE49-F238E27FC236}">
                 <a16:creationId xmlns:a16="http://schemas.microsoft.com/office/drawing/2014/main" id="{A7CE7591-380A-CD31-A810-8683E71C5B86}"/>
-              </a:ext>
-            </a:extLst>
-          </p:cNvPr>
-          <p:cNvSpPr>
-            <a:spLocks noGrp="1"/>
-          </p:cNvSpPr>
-          <p:nvPr>
-            <p:ph type="sldNum" sz="quarter" idx="12"/>
-          </p:nvPr>
-        </p:nvSpPr>
-        <p:spPr/>
-        <p:txBody>
-          <a:bodyPr/>
-          <a:lstStyle/>
-          <a:p>
-            <a:fld id="{D57F1E4F-1CFF-5643-939E-217C01CDF565}" type="slidenum">
-              <a:rPr lang="en-US" smtClean="0"/>
-              <a:pPr/>
-              <a:t>41</a:t>
-            </a:fld>
-            <a:endParaRPr lang="en-US"/>
-          </a:p>
-        </p:txBody>
-      </p:sp>
-    </p:spTree>
-    <p:extLst>
-      <p:ext uri="{BB962C8B-B14F-4D97-AF65-F5344CB8AC3E}">
-        <p14:creationId xmlns:p14="http://schemas.microsoft.com/office/powerpoint/2010/main" val="2868739181"/>
-      </p:ext>
-    </p:extLst>
-  </p:cSld>
-  <p:clrMapOvr>
-    <a:masterClrMapping/>
-  </p:clrMapOvr>
-</p:sld>
-</file>
-
-<file path=ppt/slides/slide42.xml><?xml version="1.0" encoding="utf-8"?>
-<p:sld xmlns:a="http://schemas.openxmlformats.org/drawingml/2006/main" xmlns:r="http://schemas.openxmlformats.org/officeDocument/2006/relationships" xmlns:p="http://schemas.openxmlformats.org/presentationml/2006/main" show="0">
-  <p:cSld>
-    <p:spTree>
-      <p:nvGrpSpPr>
-        <p:cNvPr id="1" name=""/>
-        <p:cNvGrpSpPr/>
-        <p:nvPr/>
-      </p:nvGrpSpPr>
-      <p:grpSpPr>
-        <a:xfrm>
-          <a:off x="0" y="0"/>
-          <a:ext cx="0" cy="0"/>
-          <a:chOff x="0" y="0"/>
-          <a:chExt cx="0" cy="0"/>
-        </a:xfrm>
-      </p:grpSpPr>
-      <p:sp>
-        <p:nvSpPr>
-          <p:cNvPr id="2" name="Title 1">
-            <a:extLst>
-              <a:ext uri="{FF2B5EF4-FFF2-40B4-BE49-F238E27FC236}">
-                <a16:creationId xmlns:a16="http://schemas.microsoft.com/office/drawing/2014/main" id="{965F59A7-F9E4-DE14-F6A7-F6AB7653A487}"/>
-              </a:ext>
-            </a:extLst>
-          </p:cNvPr>
-          <p:cNvSpPr>
-            <a:spLocks noGrp="1"/>
-          </p:cNvSpPr>
-          <p:nvPr>
-            <p:ph type="title"/>
-          </p:nvPr>
-        </p:nvSpPr>
-        <p:spPr/>
-        <p:txBody>
-          <a:bodyPr/>
-          <a:lstStyle/>
-          <a:p>
-            <a:r>
-              <a:rPr lang="en-US" dirty="0"/>
-              <a:t>Deleted slides</a:t>
-            </a:r>
-          </a:p>
-        </p:txBody>
-      </p:sp>
-      <p:sp>
-        <p:nvSpPr>
-          <p:cNvPr id="3" name="Text Placeholder 2">
-            <a:extLst>
-              <a:ext uri="{FF2B5EF4-FFF2-40B4-BE49-F238E27FC236}">
-                <a16:creationId xmlns:a16="http://schemas.microsoft.com/office/drawing/2014/main" id="{448C3A5C-FBB5-8193-3BE1-F886C5218C86}"/>
-              </a:ext>
-            </a:extLst>
-          </p:cNvPr>
-          <p:cNvSpPr>
-            <a:spLocks noGrp="1"/>
-          </p:cNvSpPr>
-          <p:nvPr>
-            <p:ph type="body" idx="1"/>
-          </p:nvPr>
-        </p:nvSpPr>
-        <p:spPr/>
-        <p:txBody>
-          <a:bodyPr/>
-          <a:lstStyle/>
-          <a:p>
-            <a:endParaRPr lang="en-US"/>
-          </a:p>
-        </p:txBody>
-      </p:sp>
-      <p:sp>
-        <p:nvSpPr>
-          <p:cNvPr id="4" name="Date Placeholder 3">
-            <a:extLst>
-              <a:ext uri="{FF2B5EF4-FFF2-40B4-BE49-F238E27FC236}">
-                <a16:creationId xmlns:a16="http://schemas.microsoft.com/office/drawing/2014/main" id="{40282BA8-35AF-C732-23B0-41C9E4635B01}"/>
-              </a:ext>
-            </a:extLst>
-          </p:cNvPr>
-          <p:cNvSpPr>
-            <a:spLocks noGrp="1"/>
-          </p:cNvSpPr>
-          <p:nvPr>
-            <p:ph type="dt" sz="half" idx="10"/>
-          </p:nvPr>
-        </p:nvSpPr>
-        <p:spPr/>
-        <p:txBody>
-          <a:bodyPr/>
-          <a:lstStyle/>
-          <a:p>
-            <a:fld id="{E04F68CC-AE29-43DC-8C36-74D991BDD660}" type="datetime1">
-              <a:rPr lang="en-US" smtClean="0"/>
-              <a:t>6/14/2024</a:t>
-            </a:fld>
-            <a:endParaRPr lang="en-US"/>
-          </a:p>
-        </p:txBody>
-      </p:sp>
-      <p:sp>
-        <p:nvSpPr>
-          <p:cNvPr id="5" name="Footer Placeholder 4">
-            <a:extLst>
-              <a:ext uri="{FF2B5EF4-FFF2-40B4-BE49-F238E27FC236}">
-                <a16:creationId xmlns:a16="http://schemas.microsoft.com/office/drawing/2014/main" id="{7C314DDF-4C2A-C2FA-DAA5-807BEB98F4A9}"/>
-              </a:ext>
-            </a:extLst>
-          </p:cNvPr>
-          <p:cNvSpPr>
-            <a:spLocks noGrp="1"/>
-          </p:cNvSpPr>
-          <p:nvPr>
-            <p:ph type="ftr" sz="quarter" idx="11"/>
-          </p:nvPr>
-        </p:nvSpPr>
-        <p:spPr/>
-        <p:txBody>
-          <a:bodyPr/>
-          <a:lstStyle/>
-          <a:p>
-            <a:r>
-              <a:rPr lang="en-US"/>
-              <a:t>Pablo Halpern, 2024 (CC BY 4.0)</a:t>
-            </a:r>
-          </a:p>
-        </p:txBody>
-      </p:sp>
-      <p:sp>
-        <p:nvSpPr>
-          <p:cNvPr id="6" name="Slide Number Placeholder 5">
-            <a:extLst>
-              <a:ext uri="{FF2B5EF4-FFF2-40B4-BE49-F238E27FC236}">
-                <a16:creationId xmlns:a16="http://schemas.microsoft.com/office/drawing/2014/main" id="{158FC6F4-CEB1-A7DF-9BDA-22EB1B0157F9}"/>
               </a:ext>
             </a:extLst>
           </p:cNvPr>
@@ -24056,7 +24660,7 @@
     </p:spTree>
     <p:extLst>
       <p:ext uri="{BB962C8B-B14F-4D97-AF65-F5344CB8AC3E}">
-        <p14:creationId xmlns:p14="http://schemas.microsoft.com/office/powerpoint/2010/main" val="3747419683"/>
+        <p14:creationId xmlns:p14="http://schemas.microsoft.com/office/powerpoint/2010/main" val="2868739181"/>
       </p:ext>
     </p:extLst>
   </p:cSld>
@@ -24088,7 +24692,7 @@
           <p:cNvPr id="2" name="Title 1">
             <a:extLst>
               <a:ext uri="{FF2B5EF4-FFF2-40B4-BE49-F238E27FC236}">
-                <a16:creationId xmlns:a16="http://schemas.microsoft.com/office/drawing/2014/main" id="{467B5CFB-AF45-FFEF-76D4-C48AA8105C6F}"/>
+                <a16:creationId xmlns:a16="http://schemas.microsoft.com/office/drawing/2014/main" id="{965F59A7-F9E4-DE14-F6A7-F6AB7653A487}"/>
               </a:ext>
             </a:extLst>
           </p:cNvPr>
@@ -24106,78 +24710,33 @@
           <a:p>
             <a:r>
               <a:rPr lang="en-US" dirty="0"/>
-              <a:t>Throwing the Baby out with the Bathwater</a:t>
-            </a:r>
-          </a:p>
-        </p:txBody>
-      </p:sp>
-      <p:sp>
-        <p:nvSpPr>
-          <p:cNvPr id="3" name="Content Placeholder 2">
-            <a:extLst>
-              <a:ext uri="{FF2B5EF4-FFF2-40B4-BE49-F238E27FC236}">
-                <a16:creationId xmlns:a16="http://schemas.microsoft.com/office/drawing/2014/main" id="{AD728CAD-0E09-6EEA-48E3-5717311C259B}"/>
-              </a:ext>
-            </a:extLst>
-          </p:cNvPr>
-          <p:cNvSpPr>
-            <a:spLocks noGrp="1"/>
-          </p:cNvSpPr>
-          <p:nvPr>
-            <p:ph idx="1"/>
+              <a:t>Deleted slides</a:t>
+            </a:r>
+          </a:p>
+        </p:txBody>
+      </p:sp>
+      <p:sp>
+        <p:nvSpPr>
+          <p:cNvPr id="3" name="Text Placeholder 2">
+            <a:extLst>
+              <a:ext uri="{FF2B5EF4-FFF2-40B4-BE49-F238E27FC236}">
+                <a16:creationId xmlns:a16="http://schemas.microsoft.com/office/drawing/2014/main" id="{448C3A5C-FBB5-8193-3BE1-F886C5218C86}"/>
+              </a:ext>
+            </a:extLst>
+          </p:cNvPr>
+          <p:cNvSpPr>
+            <a:spLocks noGrp="1"/>
+          </p:cNvSpPr>
+          <p:nvPr>
+            <p:ph type="body" idx="1"/>
           </p:nvPr>
         </p:nvSpPr>
         <p:spPr/>
         <p:txBody>
-          <a:bodyPr>
-            <a:normAutofit/>
-          </a:bodyPr>
-          <a:lstStyle/>
-          <a:p>
-            <a:pPr marL="0" indent="0">
-              <a:buNone/>
-            </a:pPr>
-            <a:r>
-              <a:rPr lang="en-US" sz="2800" b="1" dirty="0"/>
-              <a:t>Couldn't we restrict implicit relocatability to types not having user-provided assignment operators, as P1144 does?</a:t>
-            </a:r>
-          </a:p>
-          <a:p>
-            <a:r>
-              <a:rPr lang="en-US" dirty="0"/>
-              <a:t>Doing so would create an arbitrary connection between relocation and assignment.</a:t>
-            </a:r>
-          </a:p>
-          <a:p>
-            <a:r>
-              <a:rPr lang="en-US" dirty="0"/>
-              <a:t>Why limit all relocation and swap optimizations to what can be achieved in the library by </a:t>
-            </a:r>
-            <a:r>
-              <a:rPr lang="en-US" dirty="0">
-                <a:latin typeface="Courier New" panose="02070309020205020404" pitchFamily="49" charset="0"/>
-                <a:cs typeface="Courier New" panose="02070309020205020404" pitchFamily="49" charset="0"/>
-              </a:rPr>
-              <a:t>std::swap</a:t>
-            </a:r>
-            <a:r>
-              <a:rPr lang="en-US" dirty="0"/>
-              <a:t>?</a:t>
-            </a:r>
-          </a:p>
-          <a:p>
-            <a:pPr lvl="1"/>
-            <a:r>
-              <a:rPr lang="en-US" dirty="0"/>
-              <a:t>Separate operations should be controlled by separate traits.</a:t>
-            </a:r>
-          </a:p>
-          <a:p>
-            <a:pPr lvl="1"/>
-            <a:r>
-              <a:rPr lang="en-US" dirty="0"/>
-              <a:t>Even P3236 agrees that many otherwise-relocatable types are excluded by P1144's overly narrow definition.</a:t>
-            </a:r>
+          <a:bodyPr/>
+          <a:lstStyle/>
+          <a:p>
+            <a:endParaRPr lang="en-US"/>
           </a:p>
         </p:txBody>
       </p:sp>
@@ -24186,7 +24745,7 @@
           <p:cNvPr id="4" name="Date Placeholder 3">
             <a:extLst>
               <a:ext uri="{FF2B5EF4-FFF2-40B4-BE49-F238E27FC236}">
-                <a16:creationId xmlns:a16="http://schemas.microsoft.com/office/drawing/2014/main" id="{055B9CCE-83AC-C875-0D54-BA93679EE7E6}"/>
+                <a16:creationId xmlns:a16="http://schemas.microsoft.com/office/drawing/2014/main" id="{40282BA8-35AF-C732-23B0-41C9E4635B01}"/>
               </a:ext>
             </a:extLst>
           </p:cNvPr>
@@ -24202,9 +24761,9 @@
           <a:bodyPr/>
           <a:lstStyle/>
           <a:p>
-            <a:fld id="{D1A98742-6638-43AC-A30F-B0F4E802E4B2}" type="datetime1">
+            <a:fld id="{E04F68CC-AE29-43DC-8C36-74D991BDD660}" type="datetime1">
               <a:rPr lang="en-US" smtClean="0"/>
-              <a:t>6/14/2024</a:t>
+              <a:t>6/19/2024</a:t>
             </a:fld>
             <a:endParaRPr lang="en-US"/>
           </a:p>
@@ -24215,7 +24774,7 @@
           <p:cNvPr id="5" name="Footer Placeholder 4">
             <a:extLst>
               <a:ext uri="{FF2B5EF4-FFF2-40B4-BE49-F238E27FC236}">
-                <a16:creationId xmlns:a16="http://schemas.microsoft.com/office/drawing/2014/main" id="{7ECD938B-DB9A-1DB9-4DBA-FAA92FF18B2F}"/>
+                <a16:creationId xmlns:a16="http://schemas.microsoft.com/office/drawing/2014/main" id="{7C314DDF-4C2A-C2FA-DAA5-807BEB98F4A9}"/>
               </a:ext>
             </a:extLst>
           </p:cNvPr>
@@ -24243,7 +24802,7 @@
           <p:cNvPr id="6" name="Slide Number Placeholder 5">
             <a:extLst>
               <a:ext uri="{FF2B5EF4-FFF2-40B4-BE49-F238E27FC236}">
-                <a16:creationId xmlns:a16="http://schemas.microsoft.com/office/drawing/2014/main" id="{A21389DD-769E-2F4B-2C10-FE4305E50DDB}"/>
+                <a16:creationId xmlns:a16="http://schemas.microsoft.com/office/drawing/2014/main" id="{158FC6F4-CEB1-A7DF-9BDA-22EB1B0157F9}"/>
               </a:ext>
             </a:extLst>
           </p:cNvPr>
@@ -24271,7 +24830,7 @@
     </p:spTree>
     <p:extLst>
       <p:ext uri="{BB962C8B-B14F-4D97-AF65-F5344CB8AC3E}">
-        <p14:creationId xmlns:p14="http://schemas.microsoft.com/office/powerpoint/2010/main" val="1040966145"/>
+        <p14:creationId xmlns:p14="http://schemas.microsoft.com/office/powerpoint/2010/main" val="3747419683"/>
       </p:ext>
     </p:extLst>
   </p:cSld>
@@ -24303,7 +24862,7 @@
           <p:cNvPr id="2" name="Title 1">
             <a:extLst>
               <a:ext uri="{FF2B5EF4-FFF2-40B4-BE49-F238E27FC236}">
-                <a16:creationId xmlns:a16="http://schemas.microsoft.com/office/drawing/2014/main" id="{18913358-EE50-B736-027E-E07E1ECD9506}"/>
+                <a16:creationId xmlns:a16="http://schemas.microsoft.com/office/drawing/2014/main" id="{467B5CFB-AF45-FFEF-76D4-C48AA8105C6F}"/>
               </a:ext>
             </a:extLst>
           </p:cNvPr>
@@ -24321,17 +24880,87 @@
           <a:p>
             <a:r>
               <a:rPr lang="en-US" dirty="0"/>
-              <a:t>Relocatable but not Assignable</a:t>
-            </a:r>
-          </a:p>
-        </p:txBody>
-      </p:sp>
-      <p:sp>
-        <p:nvSpPr>
-          <p:cNvPr id="3" name="Date Placeholder 2">
-            <a:extLst>
-              <a:ext uri="{FF2B5EF4-FFF2-40B4-BE49-F238E27FC236}">
-                <a16:creationId xmlns:a16="http://schemas.microsoft.com/office/drawing/2014/main" id="{1E519BB2-AC19-530C-2589-77429B830F8F}"/>
+              <a:t>Throwing the Baby out with the Bathwater</a:t>
+            </a:r>
+          </a:p>
+        </p:txBody>
+      </p:sp>
+      <p:sp>
+        <p:nvSpPr>
+          <p:cNvPr id="3" name="Content Placeholder 2">
+            <a:extLst>
+              <a:ext uri="{FF2B5EF4-FFF2-40B4-BE49-F238E27FC236}">
+                <a16:creationId xmlns:a16="http://schemas.microsoft.com/office/drawing/2014/main" id="{AD728CAD-0E09-6EEA-48E3-5717311C259B}"/>
+              </a:ext>
+            </a:extLst>
+          </p:cNvPr>
+          <p:cNvSpPr>
+            <a:spLocks noGrp="1"/>
+          </p:cNvSpPr>
+          <p:nvPr>
+            <p:ph idx="1"/>
+          </p:nvPr>
+        </p:nvSpPr>
+        <p:spPr/>
+        <p:txBody>
+          <a:bodyPr>
+            <a:normAutofit/>
+          </a:bodyPr>
+          <a:lstStyle/>
+          <a:p>
+            <a:pPr marL="0" indent="0">
+              <a:buNone/>
+            </a:pPr>
+            <a:r>
+              <a:rPr lang="en-US" sz="2800" b="1" dirty="0"/>
+              <a:t>Couldn't we restrict implicit relocatability to types not having user-provided assignment operators, as P1144 does?</a:t>
+            </a:r>
+          </a:p>
+          <a:p>
+            <a:r>
+              <a:rPr lang="en-US" dirty="0"/>
+              <a:t>Doing so would create an arbitrary connection between relocation and assignment.</a:t>
+            </a:r>
+          </a:p>
+          <a:p>
+            <a:r>
+              <a:rPr lang="en-US" dirty="0"/>
+              <a:t>Why limit all relocation and swap optimizations to what can be achieved in the library by </a:t>
+            </a:r>
+            <a:r>
+              <a:rPr lang="en-US" dirty="0">
+                <a:latin typeface="Courier New" panose="02070309020205020404" pitchFamily="49" charset="0"/>
+                <a:cs typeface="Courier New" panose="02070309020205020404" pitchFamily="49" charset="0"/>
+              </a:rPr>
+              <a:t>std::swap</a:t>
+            </a:r>
+            <a:r>
+              <a:rPr lang="en-US" dirty="0"/>
+              <a:t>?</a:t>
+            </a:r>
+          </a:p>
+          <a:p>
+            <a:pPr lvl="1"/>
+            <a:r>
+              <a:rPr lang="en-US" dirty="0"/>
+              <a:t>Separate operations should be controlled by separate traits.</a:t>
+            </a:r>
+          </a:p>
+          <a:p>
+            <a:pPr lvl="1"/>
+            <a:r>
+              <a:rPr lang="en-US" dirty="0"/>
+              <a:t>Even P3236 agrees that many otherwise-relocatable types are excluded by P1144's overly narrow definition.</a:t>
+            </a:r>
+          </a:p>
+        </p:txBody>
+      </p:sp>
+      <p:sp>
+        <p:nvSpPr>
+          <p:cNvPr id="4" name="Date Placeholder 3">
+            <a:extLst>
+              <a:ext uri="{FF2B5EF4-FFF2-40B4-BE49-F238E27FC236}">
+                <a16:creationId xmlns:a16="http://schemas.microsoft.com/office/drawing/2014/main" id="{055B9CCE-83AC-C875-0D54-BA93679EE7E6}"/>
               </a:ext>
             </a:extLst>
           </p:cNvPr>
@@ -24347,9 +24976,9 @@
           <a:bodyPr/>
           <a:lstStyle/>
           <a:p>
-            <a:fld id="{64601F53-FE17-4660-BE69-DE27478D4CCC}" type="datetime1">
+            <a:fld id="{D1A98742-6638-43AC-A30F-B0F4E802E4B2}" type="datetime1">
               <a:rPr lang="en-US" smtClean="0"/>
-              <a:t>6/14/2024</a:t>
+              <a:t>6/19/2024</a:t>
             </a:fld>
             <a:endParaRPr lang="en-US"/>
           </a:p>
@@ -24357,10 +24986,10 @@
       </p:sp>
       <p:sp>
         <p:nvSpPr>
-          <p:cNvPr id="4" name="Footer Placeholder 3">
-            <a:extLst>
-              <a:ext uri="{FF2B5EF4-FFF2-40B4-BE49-F238E27FC236}">
-                <a16:creationId xmlns:a16="http://schemas.microsoft.com/office/drawing/2014/main" id="{FAF3881C-A0D0-9AAA-3248-FFBAFDB0E144}"/>
+          <p:cNvPr id="5" name="Footer Placeholder 4">
+            <a:extLst>
+              <a:ext uri="{FF2B5EF4-FFF2-40B4-BE49-F238E27FC236}">
+                <a16:creationId xmlns:a16="http://schemas.microsoft.com/office/drawing/2014/main" id="{7ECD938B-DB9A-1DB9-4DBA-FAA92FF18B2F}"/>
               </a:ext>
             </a:extLst>
           </p:cNvPr>
@@ -24385,10 +25014,10 @@
       </p:sp>
       <p:sp>
         <p:nvSpPr>
-          <p:cNvPr id="5" name="Slide Number Placeholder 4">
-            <a:extLst>
-              <a:ext uri="{FF2B5EF4-FFF2-40B4-BE49-F238E27FC236}">
-                <a16:creationId xmlns:a16="http://schemas.microsoft.com/office/drawing/2014/main" id="{E6B72F16-2AC8-E0F0-4CE6-EB6BE4B21099}"/>
+          <p:cNvPr id="6" name="Slide Number Placeholder 5">
+            <a:extLst>
+              <a:ext uri="{FF2B5EF4-FFF2-40B4-BE49-F238E27FC236}">
+                <a16:creationId xmlns:a16="http://schemas.microsoft.com/office/drawing/2014/main" id="{A21389DD-769E-2F4B-2C10-FE4305E50DDB}"/>
               </a:ext>
             </a:extLst>
           </p:cNvPr>
@@ -24413,503 +25042,10 @@
           </a:p>
         </p:txBody>
       </p:sp>
-      <p:sp>
-        <p:nvSpPr>
-          <p:cNvPr id="6" name="Rectangle 5">
-            <a:extLst>
-              <a:ext uri="{FF2B5EF4-FFF2-40B4-BE49-F238E27FC236}">
-                <a16:creationId xmlns:a16="http://schemas.microsoft.com/office/drawing/2014/main" id="{7FF1BBC3-6E46-5718-F8AF-474D76902454}"/>
-              </a:ext>
-            </a:extLst>
-          </p:cNvPr>
-          <p:cNvSpPr/>
-          <p:nvPr/>
-        </p:nvSpPr>
-        <p:spPr>
-          <a:xfrm>
-            <a:off x="1484310" y="1876212"/>
-            <a:ext cx="9760864" cy="3975947"/>
-          </a:xfrm>
-          <a:prstGeom prst="rect">
-            <a:avLst/>
-          </a:prstGeom>
-        </p:spPr>
-        <p:style>
-          <a:lnRef idx="2">
-            <a:schemeClr val="dk1">
-              <a:shade val="15000"/>
-            </a:schemeClr>
-          </a:lnRef>
-          <a:fillRef idx="1">
-            <a:schemeClr val="dk1"/>
-          </a:fillRef>
-          <a:effectRef idx="0">
-            <a:schemeClr val="dk1"/>
-          </a:effectRef>
-          <a:fontRef idx="minor">
-            <a:schemeClr val="lt1"/>
-          </a:fontRef>
-        </p:style>
-        <p:txBody>
-          <a:bodyPr rtlCol="0" anchor="t"/>
-          <a:lstStyle/>
-          <a:p>
-            <a:r>
-              <a:rPr lang="en-US" dirty="0">
-                <a:latin typeface="Consolas" panose="020B0609020204030204" pitchFamily="49" charset="0"/>
-              </a:rPr>
-              <a:t>class </a:t>
-            </a:r>
-            <a:r>
-              <a:rPr lang="en-US" dirty="0" err="1">
-                <a:latin typeface="Consolas" panose="020B0609020204030204" pitchFamily="49" charset="0"/>
-              </a:rPr>
-              <a:t>UniqueID</a:t>
-            </a:r>
-            <a:r>
-              <a:rPr lang="en-US" dirty="0">
-                <a:latin typeface="Consolas" panose="020B0609020204030204" pitchFamily="49" charset="0"/>
-              </a:rPr>
-              <a:t> </a:t>
-            </a:r>
-            <a:r>
-              <a:rPr lang="en-US" dirty="0" err="1">
-                <a:solidFill>
-                  <a:srgbClr val="FFFF00"/>
-                </a:solidFill>
-                <a:latin typeface="Consolas" panose="020B0609020204030204" pitchFamily="49" charset="0"/>
-              </a:rPr>
-              <a:t>trivially_relocatable</a:t>
-            </a:r>
-            <a:endParaRPr lang="en-US" dirty="0">
-              <a:solidFill>
-                <a:srgbClr val="FFFF00"/>
-              </a:solidFill>
-              <a:latin typeface="Consolas" panose="020B0609020204030204" pitchFamily="49" charset="0"/>
-            </a:endParaRPr>
-          </a:p>
-          <a:p>
-            <a:r>
-              <a:rPr lang="en-US" dirty="0">
-                <a:latin typeface="Consolas" panose="020B0609020204030204" pitchFamily="49" charset="0"/>
-              </a:rPr>
-              <a:t>{</a:t>
-            </a:r>
-          </a:p>
-          <a:p>
-            <a:r>
-              <a:rPr lang="en-US" dirty="0">
-                <a:latin typeface="Consolas" panose="020B0609020204030204" pitchFamily="49" charset="0"/>
-              </a:rPr>
-              <a:t>  </a:t>
-            </a:r>
-            <a:r>
-              <a:rPr lang="en-US" dirty="0">
-                <a:solidFill>
-                  <a:srgbClr val="FFFF00"/>
-                </a:solidFill>
-                <a:latin typeface="Consolas" panose="020B0609020204030204" pitchFamily="49" charset="0"/>
-              </a:rPr>
-              <a:t>const</a:t>
-            </a:r>
-            <a:r>
-              <a:rPr lang="en-US" dirty="0">
-                <a:latin typeface="Consolas" panose="020B0609020204030204" pitchFamily="49" charset="0"/>
-              </a:rPr>
-              <a:t> long </a:t>
-            </a:r>
-            <a:r>
-              <a:rPr lang="en-US" dirty="0" err="1">
-                <a:latin typeface="Consolas" panose="020B0609020204030204" pitchFamily="49" charset="0"/>
-              </a:rPr>
-              <a:t>long</a:t>
-            </a:r>
-            <a:r>
-              <a:rPr lang="en-US" dirty="0">
-                <a:latin typeface="Consolas" panose="020B0609020204030204" pitchFamily="49" charset="0"/>
-              </a:rPr>
-              <a:t>  </a:t>
-            </a:r>
-            <a:r>
-              <a:rPr lang="en-US" dirty="0" err="1">
-                <a:latin typeface="Consolas" panose="020B0609020204030204" pitchFamily="49" charset="0"/>
-              </a:rPr>
-              <a:t>m_id</a:t>
-            </a:r>
-            <a:r>
-              <a:rPr lang="en-US" dirty="0">
-                <a:latin typeface="Consolas" panose="020B0609020204030204" pitchFamily="49" charset="0"/>
-              </a:rPr>
-              <a:t>;</a:t>
-            </a:r>
-          </a:p>
-          <a:p>
-            <a:r>
-              <a:rPr lang="en-US" dirty="0">
-                <a:latin typeface="Consolas" panose="020B0609020204030204" pitchFamily="49" charset="0"/>
-              </a:rPr>
-              <a:t>  static long </a:t>
-            </a:r>
-            <a:r>
-              <a:rPr lang="en-US" dirty="0" err="1">
-                <a:latin typeface="Consolas" panose="020B0609020204030204" pitchFamily="49" charset="0"/>
-              </a:rPr>
-              <a:t>long</a:t>
-            </a:r>
-            <a:r>
-              <a:rPr lang="en-US" dirty="0">
-                <a:latin typeface="Consolas" panose="020B0609020204030204" pitchFamily="49" charset="0"/>
-              </a:rPr>
-              <a:t> </a:t>
-            </a:r>
-            <a:r>
-              <a:rPr lang="en-US" dirty="0" err="1">
-                <a:latin typeface="Consolas" panose="020B0609020204030204" pitchFamily="49" charset="0"/>
-              </a:rPr>
-              <a:t>s_nextId</a:t>
-            </a:r>
-            <a:r>
-              <a:rPr lang="en-US" dirty="0">
-                <a:latin typeface="Consolas" panose="020B0609020204030204" pitchFamily="49" charset="0"/>
-              </a:rPr>
-              <a:t>;</a:t>
-            </a:r>
-          </a:p>
-          <a:p>
-            <a:endParaRPr lang="en-US" dirty="0">
-              <a:latin typeface="Consolas" panose="020B0609020204030204" pitchFamily="49" charset="0"/>
-            </a:endParaRPr>
-          </a:p>
-          <a:p>
-            <a:r>
-              <a:rPr lang="en-US" dirty="0">
-                <a:latin typeface="Consolas" panose="020B0609020204030204" pitchFamily="49" charset="0"/>
-              </a:rPr>
-              <a:t>public:</a:t>
-            </a:r>
-          </a:p>
-          <a:p>
-            <a:r>
-              <a:rPr lang="en-US" dirty="0">
-                <a:latin typeface="Consolas" panose="020B0609020204030204" pitchFamily="49" charset="0"/>
-              </a:rPr>
-              <a:t>  </a:t>
-            </a:r>
-            <a:r>
-              <a:rPr lang="en-US" dirty="0" err="1">
-                <a:latin typeface="Consolas" panose="020B0609020204030204" pitchFamily="49" charset="0"/>
-              </a:rPr>
-              <a:t>UniqueID</a:t>
-            </a:r>
-            <a:r>
-              <a:rPr lang="en-US" dirty="0">
-                <a:latin typeface="Consolas" panose="020B0609020204030204" pitchFamily="49" charset="0"/>
-              </a:rPr>
-              <a:t>() : </a:t>
-            </a:r>
-            <a:r>
-              <a:rPr lang="en-US" dirty="0" err="1">
-                <a:latin typeface="Consolas" panose="020B0609020204030204" pitchFamily="49" charset="0"/>
-              </a:rPr>
-              <a:t>m_id</a:t>
-            </a:r>
-            <a:r>
-              <a:rPr lang="en-US" dirty="0">
-                <a:latin typeface="Consolas" panose="020B0609020204030204" pitchFamily="49" charset="0"/>
-              </a:rPr>
-              <a:t>(++</a:t>
-            </a:r>
-            <a:r>
-              <a:rPr lang="en-US" dirty="0" err="1">
-                <a:latin typeface="Consolas" panose="020B0609020204030204" pitchFamily="49" charset="0"/>
-              </a:rPr>
-              <a:t>s_nextId</a:t>
-            </a:r>
-            <a:r>
-              <a:rPr lang="en-US" dirty="0">
-                <a:latin typeface="Consolas" panose="020B0609020204030204" pitchFamily="49" charset="0"/>
-              </a:rPr>
-              <a:t>) { }</a:t>
-            </a:r>
-          </a:p>
-          <a:p>
-            <a:r>
-              <a:rPr lang="en-US" dirty="0">
-                <a:latin typeface="Consolas" panose="020B0609020204030204" pitchFamily="49" charset="0"/>
-              </a:rPr>
-              <a:t>  </a:t>
-            </a:r>
-            <a:r>
-              <a:rPr lang="en-US" dirty="0" err="1">
-                <a:latin typeface="Consolas" panose="020B0609020204030204" pitchFamily="49" charset="0"/>
-              </a:rPr>
-              <a:t>UniqueID</a:t>
-            </a:r>
-            <a:r>
-              <a:rPr lang="en-US" dirty="0">
-                <a:latin typeface="Consolas" panose="020B0609020204030204" pitchFamily="49" charset="0"/>
-              </a:rPr>
-              <a:t>(const </a:t>
-            </a:r>
-            <a:r>
-              <a:rPr lang="en-US" dirty="0" err="1">
-                <a:latin typeface="Consolas" panose="020B0609020204030204" pitchFamily="49" charset="0"/>
-              </a:rPr>
-              <a:t>UniqueID</a:t>
-            </a:r>
-            <a:r>
-              <a:rPr lang="en-US" dirty="0">
-                <a:latin typeface="Consolas" panose="020B0609020204030204" pitchFamily="49" charset="0"/>
-              </a:rPr>
-              <a:t>&amp; </a:t>
-            </a:r>
-            <a:r>
-              <a:rPr lang="en-US" dirty="0" err="1">
-                <a:latin typeface="Consolas" panose="020B0609020204030204" pitchFamily="49" charset="0"/>
-              </a:rPr>
-              <a:t>rhs</a:t>
-            </a:r>
-            <a:r>
-              <a:rPr lang="en-US" dirty="0">
-                <a:latin typeface="Consolas" panose="020B0609020204030204" pitchFamily="49" charset="0"/>
-              </a:rPr>
-              <a:t>) : </a:t>
-            </a:r>
-            <a:r>
-              <a:rPr lang="en-US" dirty="0" err="1">
-                <a:latin typeface="Consolas" panose="020B0609020204030204" pitchFamily="49" charset="0"/>
-              </a:rPr>
-              <a:t>m_id</a:t>
-            </a:r>
-            <a:r>
-              <a:rPr lang="en-US" dirty="0">
-                <a:latin typeface="Consolas" panose="020B0609020204030204" pitchFamily="49" charset="0"/>
-              </a:rPr>
-              <a:t>(++</a:t>
-            </a:r>
-            <a:r>
-              <a:rPr lang="en-US" dirty="0" err="1">
-                <a:latin typeface="Consolas" panose="020B0609020204030204" pitchFamily="49" charset="0"/>
-              </a:rPr>
-              <a:t>s_nextId</a:t>
-            </a:r>
-            <a:r>
-              <a:rPr lang="en-US" dirty="0">
-                <a:latin typeface="Consolas" panose="020B0609020204030204" pitchFamily="49" charset="0"/>
-              </a:rPr>
-              <a:t>) { }</a:t>
-            </a:r>
-          </a:p>
-          <a:p>
-            <a:r>
-              <a:rPr lang="en-US" dirty="0">
-                <a:latin typeface="Consolas" panose="020B0609020204030204" pitchFamily="49" charset="0"/>
-              </a:rPr>
-              <a:t>  </a:t>
-            </a:r>
-            <a:r>
-              <a:rPr lang="en-US" dirty="0" err="1">
-                <a:latin typeface="Consolas" panose="020B0609020204030204" pitchFamily="49" charset="0"/>
-              </a:rPr>
-              <a:t>UniqueID</a:t>
-            </a:r>
-            <a:r>
-              <a:rPr lang="en-US" dirty="0">
-                <a:latin typeface="Consolas" panose="020B0609020204030204" pitchFamily="49" charset="0"/>
-              </a:rPr>
-              <a:t>(</a:t>
-            </a:r>
-            <a:r>
-              <a:rPr lang="en-US" dirty="0" err="1">
-                <a:latin typeface="Consolas" panose="020B0609020204030204" pitchFamily="49" charset="0"/>
-              </a:rPr>
-              <a:t>UniqueID</a:t>
-            </a:r>
-            <a:r>
-              <a:rPr lang="en-US" dirty="0">
-                <a:latin typeface="Consolas" panose="020B0609020204030204" pitchFamily="49" charset="0"/>
-              </a:rPr>
-              <a:t>&amp;&amp; </a:t>
-            </a:r>
-            <a:r>
-              <a:rPr lang="en-US" dirty="0" err="1">
-                <a:latin typeface="Consolas" panose="020B0609020204030204" pitchFamily="49" charset="0"/>
-              </a:rPr>
-              <a:t>rhs</a:t>
-            </a:r>
-            <a:r>
-              <a:rPr lang="en-US" dirty="0">
-                <a:latin typeface="Consolas" panose="020B0609020204030204" pitchFamily="49" charset="0"/>
-              </a:rPr>
-              <a:t>) : </a:t>
-            </a:r>
-            <a:r>
-              <a:rPr lang="en-US" dirty="0" err="1">
-                <a:latin typeface="Consolas" panose="020B0609020204030204" pitchFamily="49" charset="0"/>
-              </a:rPr>
-              <a:t>m_id</a:t>
-            </a:r>
-            <a:r>
-              <a:rPr lang="en-US" dirty="0">
-                <a:latin typeface="Consolas" panose="020B0609020204030204" pitchFamily="49" charset="0"/>
-              </a:rPr>
-              <a:t>(</a:t>
-            </a:r>
-            <a:r>
-              <a:rPr lang="en-US" dirty="0" err="1">
-                <a:latin typeface="Consolas" panose="020B0609020204030204" pitchFamily="49" charset="0"/>
-              </a:rPr>
-              <a:t>rhs.m_id</a:t>
-            </a:r>
-            <a:r>
-              <a:rPr lang="en-US" dirty="0">
-                <a:latin typeface="Consolas" panose="020B0609020204030204" pitchFamily="49" charset="0"/>
-              </a:rPr>
-              <a:t>) { </a:t>
-            </a:r>
-            <a:r>
-              <a:rPr lang="en-US" dirty="0" err="1">
-                <a:latin typeface="Consolas" panose="020B0609020204030204" pitchFamily="49" charset="0"/>
-              </a:rPr>
-              <a:t>rhs.m_id</a:t>
-            </a:r>
-            <a:r>
-              <a:rPr lang="en-US" dirty="0">
-                <a:latin typeface="Consolas" panose="020B0609020204030204" pitchFamily="49" charset="0"/>
-              </a:rPr>
-              <a:t> = ++</a:t>
-            </a:r>
-            <a:r>
-              <a:rPr lang="en-US" dirty="0" err="1">
-                <a:latin typeface="Consolas" panose="020B0609020204030204" pitchFamily="49" charset="0"/>
-              </a:rPr>
-              <a:t>s_nextId</a:t>
-            </a:r>
-            <a:r>
-              <a:rPr lang="en-US" dirty="0">
-                <a:latin typeface="Consolas" panose="020B0609020204030204" pitchFamily="49" charset="0"/>
-              </a:rPr>
-              <a:t>; }</a:t>
-            </a:r>
-          </a:p>
-          <a:p>
-            <a:endParaRPr lang="en-US" dirty="0">
-              <a:latin typeface="Consolas" panose="020B0609020204030204" pitchFamily="49" charset="0"/>
-            </a:endParaRPr>
-          </a:p>
-          <a:p>
-            <a:r>
-              <a:rPr lang="en-US" dirty="0">
-                <a:latin typeface="Consolas" panose="020B0609020204030204" pitchFamily="49" charset="0"/>
-              </a:rPr>
-              <a:t>  </a:t>
-            </a:r>
-            <a:r>
-              <a:rPr lang="en-US" dirty="0" err="1">
-                <a:latin typeface="Consolas" panose="020B0609020204030204" pitchFamily="49" charset="0"/>
-              </a:rPr>
-              <a:t>UniqueID</a:t>
-            </a:r>
-            <a:r>
-              <a:rPr lang="en-US" dirty="0">
-                <a:latin typeface="Consolas" panose="020B0609020204030204" pitchFamily="49" charset="0"/>
-              </a:rPr>
-              <a:t>&amp; </a:t>
-            </a:r>
-            <a:r>
-              <a:rPr lang="en-US" dirty="0">
-                <a:solidFill>
-                  <a:srgbClr val="FFFF00"/>
-                </a:solidFill>
-                <a:latin typeface="Consolas" panose="020B0609020204030204" pitchFamily="49" charset="0"/>
-              </a:rPr>
-              <a:t>operator=</a:t>
-            </a:r>
-            <a:r>
-              <a:rPr lang="en-US" dirty="0">
-                <a:latin typeface="Consolas" panose="020B0609020204030204" pitchFamily="49" charset="0"/>
-              </a:rPr>
-              <a:t>(const </a:t>
-            </a:r>
-            <a:r>
-              <a:rPr lang="en-US" dirty="0" err="1">
-                <a:latin typeface="Consolas" panose="020B0609020204030204" pitchFamily="49" charset="0"/>
-              </a:rPr>
-              <a:t>UniqueID</a:t>
-            </a:r>
-            <a:r>
-              <a:rPr lang="en-US" dirty="0">
-                <a:latin typeface="Consolas" panose="020B0609020204030204" pitchFamily="49" charset="0"/>
-              </a:rPr>
-              <a:t>&amp;) </a:t>
-            </a:r>
-            <a:r>
-              <a:rPr lang="en-US" dirty="0">
-                <a:solidFill>
-                  <a:srgbClr val="FFFF00"/>
-                </a:solidFill>
-                <a:latin typeface="Consolas" panose="020B0609020204030204" pitchFamily="49" charset="0"/>
-              </a:rPr>
-              <a:t>= delete</a:t>
-            </a:r>
-            <a:r>
-              <a:rPr lang="en-US" dirty="0">
-                <a:latin typeface="Consolas" panose="020B0609020204030204" pitchFamily="49" charset="0"/>
-              </a:rPr>
-              <a:t>;  // Redundant but harmless</a:t>
-            </a:r>
-          </a:p>
-          <a:p>
-            <a:endParaRPr lang="en-US" dirty="0">
-              <a:latin typeface="Consolas" panose="020B0609020204030204" pitchFamily="49" charset="0"/>
-            </a:endParaRPr>
-          </a:p>
-          <a:p>
-            <a:r>
-              <a:rPr lang="en-US" dirty="0">
-                <a:latin typeface="Consolas" panose="020B0609020204030204" pitchFamily="49" charset="0"/>
-              </a:rPr>
-              <a:t>  long </a:t>
-            </a:r>
-            <a:r>
-              <a:rPr lang="en-US" dirty="0" err="1">
-                <a:latin typeface="Consolas" panose="020B0609020204030204" pitchFamily="49" charset="0"/>
-              </a:rPr>
-              <a:t>long</a:t>
-            </a:r>
-            <a:r>
-              <a:rPr lang="en-US" dirty="0">
-                <a:latin typeface="Consolas" panose="020B0609020204030204" pitchFamily="49" charset="0"/>
-              </a:rPr>
-              <a:t> id() const { return </a:t>
-            </a:r>
-            <a:r>
-              <a:rPr lang="en-US" dirty="0" err="1">
-                <a:latin typeface="Consolas" panose="020B0609020204030204" pitchFamily="49" charset="0"/>
-              </a:rPr>
-              <a:t>m_id</a:t>
-            </a:r>
-            <a:r>
-              <a:rPr lang="en-US" dirty="0">
-                <a:latin typeface="Consolas" panose="020B0609020204030204" pitchFamily="49" charset="0"/>
-              </a:rPr>
-              <a:t>; }</a:t>
-            </a:r>
-          </a:p>
-          <a:p>
-            <a:r>
-              <a:rPr lang="en-US" dirty="0">
-                <a:latin typeface="Consolas" panose="020B0609020204030204" pitchFamily="49" charset="0"/>
-              </a:rPr>
-              <a:t>};</a:t>
-            </a:r>
-          </a:p>
-        </p:txBody>
-      </p:sp>
     </p:spTree>
     <p:extLst>
       <p:ext uri="{BB962C8B-B14F-4D97-AF65-F5344CB8AC3E}">
-        <p14:creationId xmlns:p14="http://schemas.microsoft.com/office/powerpoint/2010/main" val="1883253941"/>
+        <p14:creationId xmlns:p14="http://schemas.microsoft.com/office/powerpoint/2010/main" val="1040966145"/>
       </p:ext>
     </p:extLst>
   </p:cSld>
@@ -24938,10 +25074,10 @@
       </p:grpSpPr>
       <p:sp>
         <p:nvSpPr>
-          <p:cNvPr id="7" name="Title 6">
-            <a:extLst>
-              <a:ext uri="{FF2B5EF4-FFF2-40B4-BE49-F238E27FC236}">
-                <a16:creationId xmlns:a16="http://schemas.microsoft.com/office/drawing/2014/main" id="{6D41E0BF-BF10-D86D-1989-42C0FA3B062E}"/>
+          <p:cNvPr id="2" name="Title 1">
+            <a:extLst>
+              <a:ext uri="{FF2B5EF4-FFF2-40B4-BE49-F238E27FC236}">
+                <a16:creationId xmlns:a16="http://schemas.microsoft.com/office/drawing/2014/main" id="{18913358-EE50-B736-027E-E07E1ECD9506}"/>
               </a:ext>
             </a:extLst>
           </p:cNvPr>
@@ -24954,24 +25090,22 @@
         </p:nvSpPr>
         <p:spPr/>
         <p:txBody>
-          <a:bodyPr>
-            <a:normAutofit/>
-          </a:bodyPr>
+          <a:bodyPr/>
           <a:lstStyle/>
           <a:p>
             <a:r>
               <a:rPr lang="en-US" dirty="0"/>
-              <a:t>Should this be Implicitly Relocatable?</a:t>
-            </a:r>
-          </a:p>
-        </p:txBody>
-      </p:sp>
-      <p:sp>
-        <p:nvSpPr>
-          <p:cNvPr id="4" name="Date Placeholder 3">
-            <a:extLst>
-              <a:ext uri="{FF2B5EF4-FFF2-40B4-BE49-F238E27FC236}">
-                <a16:creationId xmlns:a16="http://schemas.microsoft.com/office/drawing/2014/main" id="{BB9F3290-9507-1BD9-D509-973231958D82}"/>
+              <a:t>Relocatable but not Assignable</a:t>
+            </a:r>
+          </a:p>
+        </p:txBody>
+      </p:sp>
+      <p:sp>
+        <p:nvSpPr>
+          <p:cNvPr id="3" name="Date Placeholder 2">
+            <a:extLst>
+              <a:ext uri="{FF2B5EF4-FFF2-40B4-BE49-F238E27FC236}">
+                <a16:creationId xmlns:a16="http://schemas.microsoft.com/office/drawing/2014/main" id="{1E519BB2-AC19-530C-2589-77429B830F8F}"/>
               </a:ext>
             </a:extLst>
           </p:cNvPr>
@@ -24987,9 +25121,9 @@
           <a:bodyPr/>
           <a:lstStyle/>
           <a:p>
-            <a:fld id="{D1A98742-6638-43AC-A30F-B0F4E802E4B2}" type="datetime1">
+            <a:fld id="{64601F53-FE17-4660-BE69-DE27478D4CCC}" type="datetime1">
               <a:rPr lang="en-US" smtClean="0"/>
-              <a:t>6/14/2024</a:t>
+              <a:t>6/19/2024</a:t>
             </a:fld>
             <a:endParaRPr lang="en-US"/>
           </a:p>
@@ -24997,10 +25131,10 @@
       </p:sp>
       <p:sp>
         <p:nvSpPr>
-          <p:cNvPr id="5" name="Footer Placeholder 4">
-            <a:extLst>
-              <a:ext uri="{FF2B5EF4-FFF2-40B4-BE49-F238E27FC236}">
-                <a16:creationId xmlns:a16="http://schemas.microsoft.com/office/drawing/2014/main" id="{BD99E7A0-AEBA-80A1-ED20-F8A519741E96}"/>
+          <p:cNvPr id="4" name="Footer Placeholder 3">
+            <a:extLst>
+              <a:ext uri="{FF2B5EF4-FFF2-40B4-BE49-F238E27FC236}">
+                <a16:creationId xmlns:a16="http://schemas.microsoft.com/office/drawing/2014/main" id="{FAF3881C-A0D0-9AAA-3248-FFBAFDB0E144}"/>
               </a:ext>
             </a:extLst>
           </p:cNvPr>
@@ -25025,10 +25159,10 @@
       </p:sp>
       <p:sp>
         <p:nvSpPr>
-          <p:cNvPr id="6" name="Slide Number Placeholder 5">
-            <a:extLst>
-              <a:ext uri="{FF2B5EF4-FFF2-40B4-BE49-F238E27FC236}">
-                <a16:creationId xmlns:a16="http://schemas.microsoft.com/office/drawing/2014/main" id="{138E2BF3-F473-3161-59D2-9E9DA8C0E850}"/>
+          <p:cNvPr id="5" name="Slide Number Placeholder 4">
+            <a:extLst>
+              <a:ext uri="{FF2B5EF4-FFF2-40B4-BE49-F238E27FC236}">
+                <a16:creationId xmlns:a16="http://schemas.microsoft.com/office/drawing/2014/main" id="{E6B72F16-2AC8-E0F0-4CE6-EB6BE4B21099}"/>
               </a:ext>
             </a:extLst>
           </p:cNvPr>
@@ -25048,6 +25182,646 @@
               <a:rPr lang="en-US" smtClean="0"/>
               <a:pPr/>
               <a:t>45</a:t>
+            </a:fld>
+            <a:endParaRPr lang="en-US"/>
+          </a:p>
+        </p:txBody>
+      </p:sp>
+      <p:sp>
+        <p:nvSpPr>
+          <p:cNvPr id="6" name="Rectangle 5">
+            <a:extLst>
+              <a:ext uri="{FF2B5EF4-FFF2-40B4-BE49-F238E27FC236}">
+                <a16:creationId xmlns:a16="http://schemas.microsoft.com/office/drawing/2014/main" id="{7FF1BBC3-6E46-5718-F8AF-474D76902454}"/>
+              </a:ext>
+            </a:extLst>
+          </p:cNvPr>
+          <p:cNvSpPr/>
+          <p:nvPr/>
+        </p:nvSpPr>
+        <p:spPr>
+          <a:xfrm>
+            <a:off x="1484310" y="1876212"/>
+            <a:ext cx="9760864" cy="3975947"/>
+          </a:xfrm>
+          <a:prstGeom prst="rect">
+            <a:avLst/>
+          </a:prstGeom>
+        </p:spPr>
+        <p:style>
+          <a:lnRef idx="2">
+            <a:schemeClr val="dk1">
+              <a:shade val="15000"/>
+            </a:schemeClr>
+          </a:lnRef>
+          <a:fillRef idx="1">
+            <a:schemeClr val="dk1"/>
+          </a:fillRef>
+          <a:effectRef idx="0">
+            <a:schemeClr val="dk1"/>
+          </a:effectRef>
+          <a:fontRef idx="minor">
+            <a:schemeClr val="lt1"/>
+          </a:fontRef>
+        </p:style>
+        <p:txBody>
+          <a:bodyPr rtlCol="0" anchor="t"/>
+          <a:lstStyle/>
+          <a:p>
+            <a:r>
+              <a:rPr lang="en-US" dirty="0">
+                <a:latin typeface="Consolas" panose="020B0609020204030204" pitchFamily="49" charset="0"/>
+              </a:rPr>
+              <a:t>class </a:t>
+            </a:r>
+            <a:r>
+              <a:rPr lang="en-US" dirty="0" err="1">
+                <a:latin typeface="Consolas" panose="020B0609020204030204" pitchFamily="49" charset="0"/>
+              </a:rPr>
+              <a:t>UniqueID</a:t>
+            </a:r>
+            <a:r>
+              <a:rPr lang="en-US" dirty="0">
+                <a:latin typeface="Consolas" panose="020B0609020204030204" pitchFamily="49" charset="0"/>
+              </a:rPr>
+              <a:t> </a:t>
+            </a:r>
+            <a:r>
+              <a:rPr lang="en-US" dirty="0" err="1">
+                <a:solidFill>
+                  <a:srgbClr val="FFFF00"/>
+                </a:solidFill>
+                <a:latin typeface="Consolas" panose="020B0609020204030204" pitchFamily="49" charset="0"/>
+              </a:rPr>
+              <a:t>trivially_relocatable</a:t>
+            </a:r>
+            <a:endParaRPr lang="en-US" dirty="0">
+              <a:solidFill>
+                <a:srgbClr val="FFFF00"/>
+              </a:solidFill>
+              <a:latin typeface="Consolas" panose="020B0609020204030204" pitchFamily="49" charset="0"/>
+            </a:endParaRPr>
+          </a:p>
+          <a:p>
+            <a:r>
+              <a:rPr lang="en-US" dirty="0">
+                <a:latin typeface="Consolas" panose="020B0609020204030204" pitchFamily="49" charset="0"/>
+              </a:rPr>
+              <a:t>{</a:t>
+            </a:r>
+          </a:p>
+          <a:p>
+            <a:r>
+              <a:rPr lang="en-US" dirty="0">
+                <a:latin typeface="Consolas" panose="020B0609020204030204" pitchFamily="49" charset="0"/>
+              </a:rPr>
+              <a:t>  </a:t>
+            </a:r>
+            <a:r>
+              <a:rPr lang="en-US" dirty="0">
+                <a:solidFill>
+                  <a:srgbClr val="FFFF00"/>
+                </a:solidFill>
+                <a:latin typeface="Consolas" panose="020B0609020204030204" pitchFamily="49" charset="0"/>
+              </a:rPr>
+              <a:t>const</a:t>
+            </a:r>
+            <a:r>
+              <a:rPr lang="en-US" dirty="0">
+                <a:latin typeface="Consolas" panose="020B0609020204030204" pitchFamily="49" charset="0"/>
+              </a:rPr>
+              <a:t> long </a:t>
+            </a:r>
+            <a:r>
+              <a:rPr lang="en-US" dirty="0" err="1">
+                <a:latin typeface="Consolas" panose="020B0609020204030204" pitchFamily="49" charset="0"/>
+              </a:rPr>
+              <a:t>long</a:t>
+            </a:r>
+            <a:r>
+              <a:rPr lang="en-US" dirty="0">
+                <a:latin typeface="Consolas" panose="020B0609020204030204" pitchFamily="49" charset="0"/>
+              </a:rPr>
+              <a:t>  </a:t>
+            </a:r>
+            <a:r>
+              <a:rPr lang="en-US" dirty="0" err="1">
+                <a:latin typeface="Consolas" panose="020B0609020204030204" pitchFamily="49" charset="0"/>
+              </a:rPr>
+              <a:t>m_id</a:t>
+            </a:r>
+            <a:r>
+              <a:rPr lang="en-US" dirty="0">
+                <a:latin typeface="Consolas" panose="020B0609020204030204" pitchFamily="49" charset="0"/>
+              </a:rPr>
+              <a:t>;</a:t>
+            </a:r>
+          </a:p>
+          <a:p>
+            <a:r>
+              <a:rPr lang="en-US" dirty="0">
+                <a:latin typeface="Consolas" panose="020B0609020204030204" pitchFamily="49" charset="0"/>
+              </a:rPr>
+              <a:t>  static long </a:t>
+            </a:r>
+            <a:r>
+              <a:rPr lang="en-US" dirty="0" err="1">
+                <a:latin typeface="Consolas" panose="020B0609020204030204" pitchFamily="49" charset="0"/>
+              </a:rPr>
+              <a:t>long</a:t>
+            </a:r>
+            <a:r>
+              <a:rPr lang="en-US" dirty="0">
+                <a:latin typeface="Consolas" panose="020B0609020204030204" pitchFamily="49" charset="0"/>
+              </a:rPr>
+              <a:t> </a:t>
+            </a:r>
+            <a:r>
+              <a:rPr lang="en-US" dirty="0" err="1">
+                <a:latin typeface="Consolas" panose="020B0609020204030204" pitchFamily="49" charset="0"/>
+              </a:rPr>
+              <a:t>s_nextId</a:t>
+            </a:r>
+            <a:r>
+              <a:rPr lang="en-US" dirty="0">
+                <a:latin typeface="Consolas" panose="020B0609020204030204" pitchFamily="49" charset="0"/>
+              </a:rPr>
+              <a:t>;</a:t>
+            </a:r>
+          </a:p>
+          <a:p>
+            <a:endParaRPr lang="en-US" dirty="0">
+              <a:latin typeface="Consolas" panose="020B0609020204030204" pitchFamily="49" charset="0"/>
+            </a:endParaRPr>
+          </a:p>
+          <a:p>
+            <a:r>
+              <a:rPr lang="en-US" dirty="0">
+                <a:latin typeface="Consolas" panose="020B0609020204030204" pitchFamily="49" charset="0"/>
+              </a:rPr>
+              <a:t>public:</a:t>
+            </a:r>
+          </a:p>
+          <a:p>
+            <a:r>
+              <a:rPr lang="en-US" dirty="0">
+                <a:latin typeface="Consolas" panose="020B0609020204030204" pitchFamily="49" charset="0"/>
+              </a:rPr>
+              <a:t>  </a:t>
+            </a:r>
+            <a:r>
+              <a:rPr lang="en-US" dirty="0" err="1">
+                <a:latin typeface="Consolas" panose="020B0609020204030204" pitchFamily="49" charset="0"/>
+              </a:rPr>
+              <a:t>UniqueID</a:t>
+            </a:r>
+            <a:r>
+              <a:rPr lang="en-US" dirty="0">
+                <a:latin typeface="Consolas" panose="020B0609020204030204" pitchFamily="49" charset="0"/>
+              </a:rPr>
+              <a:t>() : </a:t>
+            </a:r>
+            <a:r>
+              <a:rPr lang="en-US" dirty="0" err="1">
+                <a:latin typeface="Consolas" panose="020B0609020204030204" pitchFamily="49" charset="0"/>
+              </a:rPr>
+              <a:t>m_id</a:t>
+            </a:r>
+            <a:r>
+              <a:rPr lang="en-US" dirty="0">
+                <a:latin typeface="Consolas" panose="020B0609020204030204" pitchFamily="49" charset="0"/>
+              </a:rPr>
+              <a:t>(++</a:t>
+            </a:r>
+            <a:r>
+              <a:rPr lang="en-US" dirty="0" err="1">
+                <a:latin typeface="Consolas" panose="020B0609020204030204" pitchFamily="49" charset="0"/>
+              </a:rPr>
+              <a:t>s_nextId</a:t>
+            </a:r>
+            <a:r>
+              <a:rPr lang="en-US" dirty="0">
+                <a:latin typeface="Consolas" panose="020B0609020204030204" pitchFamily="49" charset="0"/>
+              </a:rPr>
+              <a:t>) { }</a:t>
+            </a:r>
+          </a:p>
+          <a:p>
+            <a:r>
+              <a:rPr lang="en-US" dirty="0">
+                <a:latin typeface="Consolas" panose="020B0609020204030204" pitchFamily="49" charset="0"/>
+              </a:rPr>
+              <a:t>  </a:t>
+            </a:r>
+            <a:r>
+              <a:rPr lang="en-US" dirty="0" err="1">
+                <a:latin typeface="Consolas" panose="020B0609020204030204" pitchFamily="49" charset="0"/>
+              </a:rPr>
+              <a:t>UniqueID</a:t>
+            </a:r>
+            <a:r>
+              <a:rPr lang="en-US" dirty="0">
+                <a:latin typeface="Consolas" panose="020B0609020204030204" pitchFamily="49" charset="0"/>
+              </a:rPr>
+              <a:t>(const </a:t>
+            </a:r>
+            <a:r>
+              <a:rPr lang="en-US" dirty="0" err="1">
+                <a:latin typeface="Consolas" panose="020B0609020204030204" pitchFamily="49" charset="0"/>
+              </a:rPr>
+              <a:t>UniqueID</a:t>
+            </a:r>
+            <a:r>
+              <a:rPr lang="en-US" dirty="0">
+                <a:latin typeface="Consolas" panose="020B0609020204030204" pitchFamily="49" charset="0"/>
+              </a:rPr>
+              <a:t>&amp; </a:t>
+            </a:r>
+            <a:r>
+              <a:rPr lang="en-US" dirty="0" err="1">
+                <a:latin typeface="Consolas" panose="020B0609020204030204" pitchFamily="49" charset="0"/>
+              </a:rPr>
+              <a:t>rhs</a:t>
+            </a:r>
+            <a:r>
+              <a:rPr lang="en-US" dirty="0">
+                <a:latin typeface="Consolas" panose="020B0609020204030204" pitchFamily="49" charset="0"/>
+              </a:rPr>
+              <a:t>) : </a:t>
+            </a:r>
+            <a:r>
+              <a:rPr lang="en-US" dirty="0" err="1">
+                <a:latin typeface="Consolas" panose="020B0609020204030204" pitchFamily="49" charset="0"/>
+              </a:rPr>
+              <a:t>m_id</a:t>
+            </a:r>
+            <a:r>
+              <a:rPr lang="en-US" dirty="0">
+                <a:latin typeface="Consolas" panose="020B0609020204030204" pitchFamily="49" charset="0"/>
+              </a:rPr>
+              <a:t>(++</a:t>
+            </a:r>
+            <a:r>
+              <a:rPr lang="en-US" dirty="0" err="1">
+                <a:latin typeface="Consolas" panose="020B0609020204030204" pitchFamily="49" charset="0"/>
+              </a:rPr>
+              <a:t>s_nextId</a:t>
+            </a:r>
+            <a:r>
+              <a:rPr lang="en-US" dirty="0">
+                <a:latin typeface="Consolas" panose="020B0609020204030204" pitchFamily="49" charset="0"/>
+              </a:rPr>
+              <a:t>) { }</a:t>
+            </a:r>
+          </a:p>
+          <a:p>
+            <a:r>
+              <a:rPr lang="en-US" dirty="0">
+                <a:latin typeface="Consolas" panose="020B0609020204030204" pitchFamily="49" charset="0"/>
+              </a:rPr>
+              <a:t>  </a:t>
+            </a:r>
+            <a:r>
+              <a:rPr lang="en-US" dirty="0" err="1">
+                <a:latin typeface="Consolas" panose="020B0609020204030204" pitchFamily="49" charset="0"/>
+              </a:rPr>
+              <a:t>UniqueID</a:t>
+            </a:r>
+            <a:r>
+              <a:rPr lang="en-US" dirty="0">
+                <a:latin typeface="Consolas" panose="020B0609020204030204" pitchFamily="49" charset="0"/>
+              </a:rPr>
+              <a:t>(</a:t>
+            </a:r>
+            <a:r>
+              <a:rPr lang="en-US" dirty="0" err="1">
+                <a:latin typeface="Consolas" panose="020B0609020204030204" pitchFamily="49" charset="0"/>
+              </a:rPr>
+              <a:t>UniqueID</a:t>
+            </a:r>
+            <a:r>
+              <a:rPr lang="en-US" dirty="0">
+                <a:latin typeface="Consolas" panose="020B0609020204030204" pitchFamily="49" charset="0"/>
+              </a:rPr>
+              <a:t>&amp;&amp; </a:t>
+            </a:r>
+            <a:r>
+              <a:rPr lang="en-US" dirty="0" err="1">
+                <a:latin typeface="Consolas" panose="020B0609020204030204" pitchFamily="49" charset="0"/>
+              </a:rPr>
+              <a:t>rhs</a:t>
+            </a:r>
+            <a:r>
+              <a:rPr lang="en-US" dirty="0">
+                <a:latin typeface="Consolas" panose="020B0609020204030204" pitchFamily="49" charset="0"/>
+              </a:rPr>
+              <a:t>) : </a:t>
+            </a:r>
+            <a:r>
+              <a:rPr lang="en-US" dirty="0" err="1">
+                <a:latin typeface="Consolas" panose="020B0609020204030204" pitchFamily="49" charset="0"/>
+              </a:rPr>
+              <a:t>m_id</a:t>
+            </a:r>
+            <a:r>
+              <a:rPr lang="en-US" dirty="0">
+                <a:latin typeface="Consolas" panose="020B0609020204030204" pitchFamily="49" charset="0"/>
+              </a:rPr>
+              <a:t>(</a:t>
+            </a:r>
+            <a:r>
+              <a:rPr lang="en-US" dirty="0" err="1">
+                <a:latin typeface="Consolas" panose="020B0609020204030204" pitchFamily="49" charset="0"/>
+              </a:rPr>
+              <a:t>rhs.m_id</a:t>
+            </a:r>
+            <a:r>
+              <a:rPr lang="en-US" dirty="0">
+                <a:latin typeface="Consolas" panose="020B0609020204030204" pitchFamily="49" charset="0"/>
+              </a:rPr>
+              <a:t>) { </a:t>
+            </a:r>
+            <a:r>
+              <a:rPr lang="en-US" dirty="0" err="1">
+                <a:latin typeface="Consolas" panose="020B0609020204030204" pitchFamily="49" charset="0"/>
+              </a:rPr>
+              <a:t>rhs.m_id</a:t>
+            </a:r>
+            <a:r>
+              <a:rPr lang="en-US" dirty="0">
+                <a:latin typeface="Consolas" panose="020B0609020204030204" pitchFamily="49" charset="0"/>
+              </a:rPr>
+              <a:t> = ++</a:t>
+            </a:r>
+            <a:r>
+              <a:rPr lang="en-US" dirty="0" err="1">
+                <a:latin typeface="Consolas" panose="020B0609020204030204" pitchFamily="49" charset="0"/>
+              </a:rPr>
+              <a:t>s_nextId</a:t>
+            </a:r>
+            <a:r>
+              <a:rPr lang="en-US" dirty="0">
+                <a:latin typeface="Consolas" panose="020B0609020204030204" pitchFamily="49" charset="0"/>
+              </a:rPr>
+              <a:t>; }</a:t>
+            </a:r>
+          </a:p>
+          <a:p>
+            <a:endParaRPr lang="en-US" dirty="0">
+              <a:latin typeface="Consolas" panose="020B0609020204030204" pitchFamily="49" charset="0"/>
+            </a:endParaRPr>
+          </a:p>
+          <a:p>
+            <a:r>
+              <a:rPr lang="en-US" dirty="0">
+                <a:latin typeface="Consolas" panose="020B0609020204030204" pitchFamily="49" charset="0"/>
+              </a:rPr>
+              <a:t>  </a:t>
+            </a:r>
+            <a:r>
+              <a:rPr lang="en-US" dirty="0" err="1">
+                <a:latin typeface="Consolas" panose="020B0609020204030204" pitchFamily="49" charset="0"/>
+              </a:rPr>
+              <a:t>UniqueID</a:t>
+            </a:r>
+            <a:r>
+              <a:rPr lang="en-US" dirty="0">
+                <a:latin typeface="Consolas" panose="020B0609020204030204" pitchFamily="49" charset="0"/>
+              </a:rPr>
+              <a:t>&amp; </a:t>
+            </a:r>
+            <a:r>
+              <a:rPr lang="en-US" dirty="0">
+                <a:solidFill>
+                  <a:srgbClr val="FFFF00"/>
+                </a:solidFill>
+                <a:latin typeface="Consolas" panose="020B0609020204030204" pitchFamily="49" charset="0"/>
+              </a:rPr>
+              <a:t>operator=</a:t>
+            </a:r>
+            <a:r>
+              <a:rPr lang="en-US" dirty="0">
+                <a:latin typeface="Consolas" panose="020B0609020204030204" pitchFamily="49" charset="0"/>
+              </a:rPr>
+              <a:t>(const </a:t>
+            </a:r>
+            <a:r>
+              <a:rPr lang="en-US" dirty="0" err="1">
+                <a:latin typeface="Consolas" panose="020B0609020204030204" pitchFamily="49" charset="0"/>
+              </a:rPr>
+              <a:t>UniqueID</a:t>
+            </a:r>
+            <a:r>
+              <a:rPr lang="en-US" dirty="0">
+                <a:latin typeface="Consolas" panose="020B0609020204030204" pitchFamily="49" charset="0"/>
+              </a:rPr>
+              <a:t>&amp;) </a:t>
+            </a:r>
+            <a:r>
+              <a:rPr lang="en-US" dirty="0">
+                <a:solidFill>
+                  <a:srgbClr val="FFFF00"/>
+                </a:solidFill>
+                <a:latin typeface="Consolas" panose="020B0609020204030204" pitchFamily="49" charset="0"/>
+              </a:rPr>
+              <a:t>= delete</a:t>
+            </a:r>
+            <a:r>
+              <a:rPr lang="en-US" dirty="0">
+                <a:latin typeface="Consolas" panose="020B0609020204030204" pitchFamily="49" charset="0"/>
+              </a:rPr>
+              <a:t>;  // Redundant but harmless</a:t>
+            </a:r>
+          </a:p>
+          <a:p>
+            <a:endParaRPr lang="en-US" dirty="0">
+              <a:latin typeface="Consolas" panose="020B0609020204030204" pitchFamily="49" charset="0"/>
+            </a:endParaRPr>
+          </a:p>
+          <a:p>
+            <a:r>
+              <a:rPr lang="en-US" dirty="0">
+                <a:latin typeface="Consolas" panose="020B0609020204030204" pitchFamily="49" charset="0"/>
+              </a:rPr>
+              <a:t>  long </a:t>
+            </a:r>
+            <a:r>
+              <a:rPr lang="en-US" dirty="0" err="1">
+                <a:latin typeface="Consolas" panose="020B0609020204030204" pitchFamily="49" charset="0"/>
+              </a:rPr>
+              <a:t>long</a:t>
+            </a:r>
+            <a:r>
+              <a:rPr lang="en-US" dirty="0">
+                <a:latin typeface="Consolas" panose="020B0609020204030204" pitchFamily="49" charset="0"/>
+              </a:rPr>
+              <a:t> id() const { return </a:t>
+            </a:r>
+            <a:r>
+              <a:rPr lang="en-US" dirty="0" err="1">
+                <a:latin typeface="Consolas" panose="020B0609020204030204" pitchFamily="49" charset="0"/>
+              </a:rPr>
+              <a:t>m_id</a:t>
+            </a:r>
+            <a:r>
+              <a:rPr lang="en-US" dirty="0">
+                <a:latin typeface="Consolas" panose="020B0609020204030204" pitchFamily="49" charset="0"/>
+              </a:rPr>
+              <a:t>; }</a:t>
+            </a:r>
+          </a:p>
+          <a:p>
+            <a:r>
+              <a:rPr lang="en-US" dirty="0">
+                <a:latin typeface="Consolas" panose="020B0609020204030204" pitchFamily="49" charset="0"/>
+              </a:rPr>
+              <a:t>};</a:t>
+            </a:r>
+          </a:p>
+        </p:txBody>
+      </p:sp>
+    </p:spTree>
+    <p:extLst>
+      <p:ext uri="{BB962C8B-B14F-4D97-AF65-F5344CB8AC3E}">
+        <p14:creationId xmlns:p14="http://schemas.microsoft.com/office/powerpoint/2010/main" val="1883253941"/>
+      </p:ext>
+    </p:extLst>
+  </p:cSld>
+  <p:clrMapOvr>
+    <a:masterClrMapping/>
+  </p:clrMapOvr>
+</p:sld>
+</file>
+
+<file path=ppt/slides/slide46.xml><?xml version="1.0" encoding="utf-8"?>
+<p:sld xmlns:a="http://schemas.openxmlformats.org/drawingml/2006/main" xmlns:r="http://schemas.openxmlformats.org/officeDocument/2006/relationships" xmlns:p="http://schemas.openxmlformats.org/presentationml/2006/main" show="0">
+  <p:cSld>
+    <p:spTree>
+      <p:nvGrpSpPr>
+        <p:cNvPr id="1" name=""/>
+        <p:cNvGrpSpPr/>
+        <p:nvPr/>
+      </p:nvGrpSpPr>
+      <p:grpSpPr>
+        <a:xfrm>
+          <a:off x="0" y="0"/>
+          <a:ext cx="0" cy="0"/>
+          <a:chOff x="0" y="0"/>
+          <a:chExt cx="0" cy="0"/>
+        </a:xfrm>
+      </p:grpSpPr>
+      <p:sp>
+        <p:nvSpPr>
+          <p:cNvPr id="7" name="Title 6">
+            <a:extLst>
+              <a:ext uri="{FF2B5EF4-FFF2-40B4-BE49-F238E27FC236}">
+                <a16:creationId xmlns:a16="http://schemas.microsoft.com/office/drawing/2014/main" id="{6D41E0BF-BF10-D86D-1989-42C0FA3B062E}"/>
+              </a:ext>
+            </a:extLst>
+          </p:cNvPr>
+          <p:cNvSpPr>
+            <a:spLocks noGrp="1"/>
+          </p:cNvSpPr>
+          <p:nvPr>
+            <p:ph type="title"/>
+          </p:nvPr>
+        </p:nvSpPr>
+        <p:spPr/>
+        <p:txBody>
+          <a:bodyPr>
+            <a:normAutofit/>
+          </a:bodyPr>
+          <a:lstStyle/>
+          <a:p>
+            <a:r>
+              <a:rPr lang="en-US" dirty="0"/>
+              <a:t>Should this be Implicitly Relocatable?</a:t>
+            </a:r>
+          </a:p>
+        </p:txBody>
+      </p:sp>
+      <p:sp>
+        <p:nvSpPr>
+          <p:cNvPr id="4" name="Date Placeholder 3">
+            <a:extLst>
+              <a:ext uri="{FF2B5EF4-FFF2-40B4-BE49-F238E27FC236}">
+                <a16:creationId xmlns:a16="http://schemas.microsoft.com/office/drawing/2014/main" id="{BB9F3290-9507-1BD9-D509-973231958D82}"/>
+              </a:ext>
+            </a:extLst>
+          </p:cNvPr>
+          <p:cNvSpPr>
+            <a:spLocks noGrp="1"/>
+          </p:cNvSpPr>
+          <p:nvPr>
+            <p:ph type="dt" sz="half" idx="10"/>
+          </p:nvPr>
+        </p:nvSpPr>
+        <p:spPr/>
+        <p:txBody>
+          <a:bodyPr/>
+          <a:lstStyle/>
+          <a:p>
+            <a:fld id="{D1A98742-6638-43AC-A30F-B0F4E802E4B2}" type="datetime1">
+              <a:rPr lang="en-US" smtClean="0"/>
+              <a:t>6/19/2024</a:t>
+            </a:fld>
+            <a:endParaRPr lang="en-US"/>
+          </a:p>
+        </p:txBody>
+      </p:sp>
+      <p:sp>
+        <p:nvSpPr>
+          <p:cNvPr id="5" name="Footer Placeholder 4">
+            <a:extLst>
+              <a:ext uri="{FF2B5EF4-FFF2-40B4-BE49-F238E27FC236}">
+                <a16:creationId xmlns:a16="http://schemas.microsoft.com/office/drawing/2014/main" id="{BD99E7A0-AEBA-80A1-ED20-F8A519741E96}"/>
+              </a:ext>
+            </a:extLst>
+          </p:cNvPr>
+          <p:cNvSpPr>
+            <a:spLocks noGrp="1"/>
+          </p:cNvSpPr>
+          <p:nvPr>
+            <p:ph type="ftr" sz="quarter" idx="11"/>
+          </p:nvPr>
+        </p:nvSpPr>
+        <p:spPr/>
+        <p:txBody>
+          <a:bodyPr/>
+          <a:lstStyle/>
+          <a:p>
+            <a:r>
+              <a:rPr lang="en-US"/>
+              <a:t>Pablo Halpern, 2024 (CC BY 4.0)</a:t>
+            </a:r>
+          </a:p>
+        </p:txBody>
+      </p:sp>
+      <p:sp>
+        <p:nvSpPr>
+          <p:cNvPr id="6" name="Slide Number Placeholder 5">
+            <a:extLst>
+              <a:ext uri="{FF2B5EF4-FFF2-40B4-BE49-F238E27FC236}">
+                <a16:creationId xmlns:a16="http://schemas.microsoft.com/office/drawing/2014/main" id="{138E2BF3-F473-3161-59D2-9E9DA8C0E850}"/>
+              </a:ext>
+            </a:extLst>
+          </p:cNvPr>
+          <p:cNvSpPr>
+            <a:spLocks noGrp="1"/>
+          </p:cNvSpPr>
+          <p:nvPr>
+            <p:ph type="sldNum" sz="quarter" idx="12"/>
+          </p:nvPr>
+        </p:nvSpPr>
+        <p:spPr/>
+        <p:txBody>
+          <a:bodyPr/>
+          <a:lstStyle/>
+          <a:p>
+            <a:fld id="{D57F1E4F-1CFF-5643-939E-217C01CDF565}" type="slidenum">
+              <a:rPr lang="en-US" smtClean="0"/>
+              <a:pPr/>
+              <a:t>46</a:t>
             </a:fld>
             <a:endParaRPr lang="en-US"/>
           </a:p>
@@ -25861,7 +26635,7 @@
           <a:p>
             <a:fld id="{D1A98742-6638-43AC-A30F-B0F4E802E4B2}" type="datetime1">
               <a:rPr lang="en-US" smtClean="0"/>
-              <a:t>6/11/2024</a:t>
+              <a:t>6/19/2024</a:t>
             </a:fld>
             <a:endParaRPr lang="en-US"/>
           </a:p>
@@ -26133,7 +26907,7 @@
           <a:p>
             <a:fld id="{D1A98742-6638-43AC-A30F-B0F4E802E4B2}" type="datetime1">
               <a:rPr lang="en-US" smtClean="0"/>
-              <a:t>6/11/2024</a:t>
+              <a:t>6/19/2024</a:t>
             </a:fld>
             <a:endParaRPr lang="en-US"/>
           </a:p>
@@ -26410,7 +27184,7 @@
           <a:p>
             <a:fld id="{D1A98742-6638-43AC-A30F-B0F4E802E4B2}" type="datetime1">
               <a:rPr lang="en-US" smtClean="0"/>
-              <a:t>6/11/2024</a:t>
+              <a:t>6/19/2024</a:t>
             </a:fld>
             <a:endParaRPr lang="en-US"/>
           </a:p>
@@ -27844,7 +28618,7 @@
           <a:p>
             <a:fld id="{D1A98742-6638-43AC-A30F-B0F4E802E4B2}" type="datetime1">
               <a:rPr lang="en-US" smtClean="0"/>
-              <a:t>6/11/2024</a:t>
+              <a:t>6/19/2024</a:t>
             </a:fld>
             <a:endParaRPr lang="en-US"/>
           </a:p>
@@ -28817,7 +29591,7 @@
           <a:p>
             <a:fld id="{64601F53-FE17-4660-BE69-DE27478D4CCC}" type="datetime1">
               <a:rPr lang="en-US" smtClean="0"/>
-              <a:t>6/11/2024</a:t>
+              <a:t>6/19/2024</a:t>
             </a:fld>
             <a:endParaRPr lang="en-US"/>
           </a:p>

--- a/relocate/Trivial Relocation - St. Louis 06-2024.pptx
+++ b/relocate/Trivial Relocation - St. Louis 06-2024.pptx
@@ -242,7 +242,7 @@
           <a:p>
             <a:fld id="{CEFB5EEE-3E28-483D-83CF-7CFBAD280CA5}" type="datetimeFigureOut">
               <a:rPr lang="en-US" smtClean="0"/>
-              <a:t>6/19/2024</a:t>
+              <a:t>6/25/2024</a:t>
             </a:fld>
             <a:endParaRPr lang="en-US"/>
           </a:p>
@@ -507,6 +507,90 @@
     </a:lvl9pPr>
   </p:notesStyle>
 </p:notesMaster>
+</file>
+
+<file path=ppt/notesSlides/notesSlide1.xml><?xml version="1.0" encoding="utf-8"?>
+<p:notes xmlns:a="http://schemas.openxmlformats.org/drawingml/2006/main" xmlns:r="http://schemas.openxmlformats.org/officeDocument/2006/relationships" xmlns:p="http://schemas.openxmlformats.org/presentationml/2006/main">
+  <p:cSld>
+    <p:spTree>
+      <p:nvGrpSpPr>
+        <p:cNvPr id="1" name=""/>
+        <p:cNvGrpSpPr/>
+        <p:nvPr/>
+      </p:nvGrpSpPr>
+      <p:grpSpPr>
+        <a:xfrm>
+          <a:off x="0" y="0"/>
+          <a:ext cx="0" cy="0"/>
+          <a:chOff x="0" y="0"/>
+          <a:chExt cx="0" cy="0"/>
+        </a:xfrm>
+      </p:grpSpPr>
+      <p:sp>
+        <p:nvSpPr>
+          <p:cNvPr id="2" name="Slide Image Placeholder 1"/>
+          <p:cNvSpPr>
+            <a:spLocks noGrp="1" noRot="1" noChangeAspect="1"/>
+          </p:cNvSpPr>
+          <p:nvPr>
+            <p:ph type="sldImg"/>
+          </p:nvPr>
+        </p:nvSpPr>
+        <p:spPr/>
+      </p:sp>
+      <p:sp>
+        <p:nvSpPr>
+          <p:cNvPr id="3" name="Notes Placeholder 2"/>
+          <p:cNvSpPr>
+            <a:spLocks noGrp="1"/>
+          </p:cNvSpPr>
+          <p:nvPr>
+            <p:ph type="body" idx="1"/>
+          </p:nvPr>
+        </p:nvSpPr>
+        <p:spPr/>
+        <p:txBody>
+          <a:bodyPr/>
+          <a:lstStyle/>
+          <a:p>
+            <a:endParaRPr lang="en-US" dirty="0"/>
+          </a:p>
+        </p:txBody>
+      </p:sp>
+      <p:sp>
+        <p:nvSpPr>
+          <p:cNvPr id="4" name="Slide Number Placeholder 3"/>
+          <p:cNvSpPr>
+            <a:spLocks noGrp="1"/>
+          </p:cNvSpPr>
+          <p:nvPr>
+            <p:ph type="sldNum" sz="quarter" idx="5"/>
+          </p:nvPr>
+        </p:nvSpPr>
+        <p:spPr/>
+        <p:txBody>
+          <a:bodyPr/>
+          <a:lstStyle/>
+          <a:p>
+            <a:fld id="{D887240D-8D0E-46A5-956C-D9220330C76B}" type="slidenum">
+              <a:rPr lang="en-US" smtClean="0"/>
+              <a:t>39</a:t>
+            </a:fld>
+            <a:endParaRPr lang="en-US"/>
+          </a:p>
+        </p:txBody>
+      </p:sp>
+    </p:spTree>
+    <p:extLst>
+      <p:ext uri="{BB962C8B-B14F-4D97-AF65-F5344CB8AC3E}">
+        <p14:creationId xmlns:p14="http://schemas.microsoft.com/office/powerpoint/2010/main" val="3966459934"/>
+      </p:ext>
+    </p:extLst>
+  </p:cSld>
+  <p:clrMapOvr>
+    <a:masterClrMapping/>
+  </p:clrMapOvr>
+</p:notes>
 </file>
 
 <file path=ppt/slideLayouts/slideLayout1.xml><?xml version="1.0" encoding="utf-8"?>
@@ -1009,7 +1093,7 @@
           <a:p>
             <a:fld id="{02C5BE3E-DC87-4987-AF70-1F906EC5439D}" type="datetime1">
               <a:rPr lang="en-US" smtClean="0"/>
-              <a:t>6/19/2024</a:t>
+              <a:t>6/25/2024</a:t>
             </a:fld>
             <a:endParaRPr lang="en-US"/>
           </a:p>
@@ -1302,7 +1386,7 @@
           <a:p>
             <a:fld id="{23D892F7-AA30-4A4C-B959-E3F3A9EC8524}" type="datetime1">
               <a:rPr lang="en-US" smtClean="0"/>
-              <a:t>6/19/2024</a:t>
+              <a:t>6/25/2024</a:t>
             </a:fld>
             <a:endParaRPr lang="en-US"/>
           </a:p>
@@ -1548,7 +1632,7 @@
           <a:p>
             <a:fld id="{272C4D85-EDE8-4C6C-815F-2FEBAB7C380E}" type="datetime1">
               <a:rPr lang="en-US" smtClean="0"/>
-              <a:t>6/19/2024</a:t>
+              <a:t>6/25/2024</a:t>
             </a:fld>
             <a:endParaRPr lang="en-US"/>
           </a:p>
@@ -2086,7 +2170,7 @@
           <a:p>
             <a:fld id="{4F67D4DA-9BCF-452F-B904-BB8D0316B67C}" type="datetime1">
               <a:rPr lang="en-US" smtClean="0"/>
-              <a:t>6/19/2024</a:t>
+              <a:t>6/25/2024</a:t>
             </a:fld>
             <a:endParaRPr lang="en-US"/>
           </a:p>
@@ -2332,7 +2416,7 @@
           <a:p>
             <a:fld id="{E2226ABC-75D3-4A22-ADAE-704E445553F8}" type="datetime1">
               <a:rPr lang="en-US" smtClean="0"/>
-              <a:t>6/19/2024</a:t>
+              <a:t>6/25/2024</a:t>
             </a:fld>
             <a:endParaRPr lang="en-US"/>
           </a:p>
@@ -2862,7 +2946,7 @@
           <a:p>
             <a:fld id="{B3EB47DD-4F4F-4521-809A-910C6446A8E9}" type="datetime1">
               <a:rPr lang="en-US" smtClean="0"/>
-              <a:t>6/19/2024</a:t>
+              <a:t>6/25/2024</a:t>
             </a:fld>
             <a:endParaRPr lang="en-US"/>
           </a:p>
@@ -3157,7 +3241,7 @@
           <a:p>
             <a:fld id="{D5C1893C-E788-48A8-9A18-B793B108C2CE}" type="datetime1">
               <a:rPr lang="en-US" smtClean="0"/>
-              <a:t>6/19/2024</a:t>
+              <a:t>6/25/2024</a:t>
             </a:fld>
             <a:endParaRPr lang="en-US"/>
           </a:p>
@@ -3328,7 +3412,7 @@
           <a:p>
             <a:fld id="{89F61247-4C9D-47C0-9657-80C96CCB02A1}" type="datetime1">
               <a:rPr lang="en-US" smtClean="0"/>
-              <a:t>6/19/2024</a:t>
+              <a:t>6/25/2024</a:t>
             </a:fld>
             <a:endParaRPr lang="en-US"/>
           </a:p>
@@ -3505,7 +3589,7 @@
           <a:p>
             <a:fld id="{2BB2F593-965F-47F8-9F01-94BF3B3362FD}" type="datetime1">
               <a:rPr lang="en-US" smtClean="0"/>
-              <a:t>6/19/2024</a:t>
+              <a:t>6/25/2024</a:t>
             </a:fld>
             <a:endParaRPr lang="en-US"/>
           </a:p>
@@ -3687,7 +3771,7 @@
           <a:p>
             <a:fld id="{D1A98742-6638-43AC-A30F-B0F4E802E4B2}" type="datetime1">
               <a:rPr lang="en-US" smtClean="0"/>
-              <a:t>6/19/2024</a:t>
+              <a:t>6/25/2024</a:t>
             </a:fld>
             <a:endParaRPr lang="en-US"/>
           </a:p>
@@ -3941,7 +4025,7 @@
           <a:p>
             <a:fld id="{E04F68CC-AE29-43DC-8C36-74D991BDD660}" type="datetime1">
               <a:rPr lang="en-US" smtClean="0"/>
-              <a:t>6/19/2024</a:t>
+              <a:t>6/25/2024</a:t>
             </a:fld>
             <a:endParaRPr lang="en-US"/>
           </a:p>
@@ -4239,7 +4323,7 @@
           <a:p>
             <a:fld id="{06ABA9E8-E98F-4A61-AF76-7349863B9923}" type="datetime1">
               <a:rPr lang="en-US" smtClean="0"/>
-              <a:t>6/19/2024</a:t>
+              <a:t>6/25/2024</a:t>
             </a:fld>
             <a:endParaRPr lang="en-US"/>
           </a:p>
@@ -4697,7 +4781,7 @@
           <a:p>
             <a:fld id="{508BABE2-3DC8-4D39-B4AF-CCF82C82E0F0}" type="datetime1">
               <a:rPr lang="en-US" smtClean="0"/>
-              <a:t>6/19/2024</a:t>
+              <a:t>6/25/2024</a:t>
             </a:fld>
             <a:endParaRPr lang="en-US"/>
           </a:p>
@@ -4833,7 +4917,7 @@
           <a:p>
             <a:fld id="{64601F53-FE17-4660-BE69-DE27478D4CCC}" type="datetime1">
               <a:rPr lang="en-US" smtClean="0"/>
-              <a:t>6/19/2024</a:t>
+              <a:t>6/25/2024</a:t>
             </a:fld>
             <a:endParaRPr lang="en-US"/>
           </a:p>
@@ -4942,7 +5026,7 @@
           <a:p>
             <a:fld id="{DDF66756-33DB-4322-A7AB-33F3A7E33A2D}" type="datetime1">
               <a:rPr lang="en-US" smtClean="0"/>
-              <a:t>6/19/2024</a:t>
+              <a:t>6/25/2024</a:t>
             </a:fld>
             <a:endParaRPr lang="en-US"/>
           </a:p>
@@ -5232,7 +5316,7 @@
           <a:p>
             <a:fld id="{E9CE1D7A-DAAA-4183-B469-EDEECE92431D}" type="datetime1">
               <a:rPr lang="en-US" smtClean="0"/>
-              <a:t>6/19/2024</a:t>
+              <a:t>6/25/2024</a:t>
             </a:fld>
             <a:endParaRPr lang="en-US"/>
           </a:p>
@@ -5520,7 +5604,7 @@
           <a:p>
             <a:fld id="{E393BBCA-9B99-451E-A2F9-AA382E63F3EB}" type="datetime1">
               <a:rPr lang="en-US" smtClean="0"/>
-              <a:t>6/19/2024</a:t>
+              <a:t>6/25/2024</a:t>
             </a:fld>
             <a:endParaRPr lang="en-US"/>
           </a:p>
@@ -6047,7 +6131,7 @@
           <a:p>
             <a:fld id="{D6E2F156-B823-4FCD-8500-2C801BEF89A0}" type="datetime1">
               <a:rPr lang="en-US" smtClean="0"/>
-              <a:t>6/19/2024</a:t>
+              <a:t>6/25/2024</a:t>
             </a:fld>
             <a:endParaRPr lang="en-US"/>
           </a:p>
@@ -6794,7 +6878,7 @@
           <a:p>
             <a:fld id="{64601F53-FE17-4660-BE69-DE27478D4CCC}" type="datetime1">
               <a:rPr lang="en-US" smtClean="0"/>
-              <a:t>6/19/2024</a:t>
+              <a:t>6/25/2024</a:t>
             </a:fld>
             <a:endParaRPr lang="en-US"/>
           </a:p>
@@ -7380,7 +7464,7 @@
           <a:p>
             <a:fld id="{64601F53-FE17-4660-BE69-DE27478D4CCC}" type="datetime1">
               <a:rPr lang="en-US" smtClean="0"/>
-              <a:t>6/19/2024</a:t>
+              <a:t>6/25/2024</a:t>
             </a:fld>
             <a:endParaRPr lang="en-US"/>
           </a:p>
@@ -7872,7 +7956,7 @@
           <a:p>
             <a:fld id="{64601F53-FE17-4660-BE69-DE27478D4CCC}" type="datetime1">
               <a:rPr lang="en-US" smtClean="0"/>
-              <a:t>6/19/2024</a:t>
+              <a:t>6/25/2024</a:t>
             </a:fld>
             <a:endParaRPr lang="en-US"/>
           </a:p>
@@ -8472,7 +8556,7 @@
           <a:p>
             <a:fld id="{64601F53-FE17-4660-BE69-DE27478D4CCC}" type="datetime1">
               <a:rPr lang="en-US" smtClean="0"/>
-              <a:t>6/19/2024</a:t>
+              <a:t>6/25/2024</a:t>
             </a:fld>
             <a:endParaRPr lang="en-US"/>
           </a:p>
@@ -9245,7 +9329,7 @@
           <a:p>
             <a:fld id="{64601F53-FE17-4660-BE69-DE27478D4CCC}" type="datetime1">
               <a:rPr lang="en-US" smtClean="0"/>
-              <a:t>6/19/2024</a:t>
+              <a:t>6/25/2024</a:t>
             </a:fld>
             <a:endParaRPr lang="en-US"/>
           </a:p>
@@ -10008,7 +10092,7 @@
           <a:p>
             <a:fld id="{64601F53-FE17-4660-BE69-DE27478D4CCC}" type="datetime1">
               <a:rPr lang="en-US" smtClean="0"/>
-              <a:t>6/19/2024</a:t>
+              <a:t>6/25/2024</a:t>
             </a:fld>
             <a:endParaRPr lang="en-US"/>
           </a:p>
@@ -10778,7 +10862,7 @@
           <a:p>
             <a:fld id="{D1A98742-6638-43AC-A30F-B0F4E802E4B2}" type="datetime1">
               <a:rPr lang="en-US" smtClean="0"/>
-              <a:t>6/19/2024</a:t>
+              <a:t>6/25/2024</a:t>
             </a:fld>
             <a:endParaRPr lang="en-US"/>
           </a:p>
@@ -10988,7 +11072,7 @@
           <a:p>
             <a:fld id="{D1A98742-6638-43AC-A30F-B0F4E802E4B2}" type="datetime1">
               <a:rPr lang="en-US" smtClean="0"/>
-              <a:t>6/19/2024</a:t>
+              <a:t>6/25/2024</a:t>
             </a:fld>
             <a:endParaRPr lang="en-US"/>
           </a:p>
@@ -11171,15 +11255,7 @@
             </a:r>
             <a:r>
               <a:rPr lang="en-US" dirty="0"/>
-              <a:t>: In LEWG (Split out and built </a:t>
-            </a:r>
-            <a:r>
-              <a:rPr lang="en-US" dirty="0" err="1"/>
-              <a:t>built</a:t>
-            </a:r>
-            <a:r>
-              <a:rPr lang="en-US" dirty="0"/>
-              <a:t> on top of P2786.  Where these facilities overlap with P1144, they are nearly identical.)</a:t>
+              <a:t>: In LEWG (Split out and built on top of P2786.  Where these facilities overlap with P1144, they are very similar.)</a:t>
             </a:r>
           </a:p>
           <a:p>
@@ -11249,7 +11325,7 @@
           <a:p>
             <a:fld id="{D1A98742-6638-43AC-A30F-B0F4E802E4B2}" type="datetime1">
               <a:rPr lang="en-US" smtClean="0"/>
-              <a:t>6/19/2024</a:t>
+              <a:t>6/25/2024</a:t>
             </a:fld>
             <a:endParaRPr lang="en-US"/>
           </a:p>
@@ -11464,7 +11540,7 @@
           <a:p>
             <a:fld id="{D1A98742-6638-43AC-A30F-B0F4E802E4B2}" type="datetime1">
               <a:rPr lang="en-US" smtClean="0"/>
-              <a:t>6/19/2024</a:t>
+              <a:t>6/25/2024</a:t>
             </a:fld>
             <a:endParaRPr lang="en-US"/>
           </a:p>
@@ -11680,7 +11756,7 @@
           <a:p>
             <a:fld id="{D1A98742-6638-43AC-A30F-B0F4E802E4B2}" type="datetime1">
               <a:rPr lang="en-US" smtClean="0"/>
-              <a:t>6/19/2024</a:t>
+              <a:t>6/25/2024</a:t>
             </a:fld>
             <a:endParaRPr lang="en-US"/>
           </a:p>
@@ -11832,7 +11908,7 @@
           <a:p>
             <a:r>
               <a:rPr lang="en-US" dirty="0"/>
-              <a:t>Trivially copiable types are trivially relocatable</a:t>
+              <a:t>Trivially copyable types are trivially relocatable (unless marked otherwise)</a:t>
             </a:r>
           </a:p>
           <a:p>
@@ -11951,7 +12027,7 @@
           <a:p>
             <a:fld id="{D1A98742-6638-43AC-A30F-B0F4E802E4B2}" type="datetime1">
               <a:rPr lang="en-US" smtClean="0"/>
-              <a:t>6/19/2024</a:t>
+              <a:t>6/25/2024</a:t>
             </a:fld>
             <a:endParaRPr lang="en-US"/>
           </a:p>
@@ -12096,7 +12172,7 @@
           <a:p>
             <a:fld id="{64601F53-FE17-4660-BE69-DE27478D4CCC}" type="datetime1">
               <a:rPr lang="en-US" smtClean="0"/>
-              <a:t>6/19/2024</a:t>
+              <a:t>6/25/2024</a:t>
             </a:fld>
             <a:endParaRPr lang="en-US"/>
           </a:p>
@@ -12814,7 +12890,7 @@
           <a:p>
             <a:fld id="{D1A98742-6638-43AC-A30F-B0F4E802E4B2}" type="datetime1">
               <a:rPr lang="en-US" smtClean="0"/>
-              <a:t>6/19/2024</a:t>
+              <a:t>6/25/2024</a:t>
             </a:fld>
             <a:endParaRPr lang="en-US"/>
           </a:p>
@@ -13261,7 +13337,7 @@
           <a:p>
             <a:fld id="{D1A98742-6638-43AC-A30F-B0F4E802E4B2}" type="datetime1">
               <a:rPr lang="en-US" smtClean="0"/>
-              <a:t>6/19/2024</a:t>
+              <a:t>6/25/2024</a:t>
             </a:fld>
             <a:endParaRPr lang="en-US"/>
           </a:p>
@@ -13495,7 +13571,7 @@
           <a:p>
             <a:fld id="{D1A98742-6638-43AC-A30F-B0F4E802E4B2}" type="datetime1">
               <a:rPr lang="en-US" smtClean="0"/>
-              <a:t>6/19/2024</a:t>
+              <a:t>6/25/2024</a:t>
             </a:fld>
             <a:endParaRPr lang="en-US"/>
           </a:p>
@@ -14037,7 +14113,7 @@
           <a:p>
             <a:fld id="{D1A98742-6638-43AC-A30F-B0F4E802E4B2}" type="datetime1">
               <a:rPr lang="en-US" smtClean="0"/>
-              <a:t>6/19/2024</a:t>
+              <a:t>6/25/2024</a:t>
             </a:fld>
             <a:endParaRPr lang="en-US"/>
           </a:p>
@@ -14206,7 +14282,7 @@
           <a:p>
             <a:r>
               <a:rPr lang="en-US" dirty="0"/>
-              <a:t>Swap differs from relocation in that the objects being swapped are not constructed or destroyed.</a:t>
+              <a:t>Swap differs from relocation in that the objects being swapped are neither constructed nor destroyed.</a:t>
             </a:r>
           </a:p>
           <a:p>
@@ -14321,7 +14397,7 @@
           <a:p>
             <a:fld id="{D1A98742-6638-43AC-A30F-B0F4E802E4B2}" type="datetime1">
               <a:rPr lang="en-US" smtClean="0"/>
-              <a:t>6/19/2024</a:t>
+              <a:t>6/25/2024</a:t>
             </a:fld>
             <a:endParaRPr lang="en-US"/>
           </a:p>
@@ -14537,7 +14613,7 @@
           <a:p>
             <a:fld id="{D1A98742-6638-43AC-A30F-B0F4E802E4B2}" type="datetime1">
               <a:rPr lang="en-US" smtClean="0"/>
-              <a:t>6/19/2024</a:t>
+              <a:t>6/25/2024</a:t>
             </a:fld>
             <a:endParaRPr lang="en-US" dirty="0"/>
           </a:p>
@@ -15766,7 +15842,7 @@
           <a:p>
             <a:fld id="{D1A98742-6638-43AC-A30F-B0F4E802E4B2}" type="datetime1">
               <a:rPr lang="en-US" smtClean="0"/>
-              <a:t>6/19/2024</a:t>
+              <a:t>6/25/2024</a:t>
             </a:fld>
             <a:endParaRPr lang="en-US" dirty="0"/>
           </a:p>
@@ -16252,7 +16328,7 @@
           <a:p>
             <a:fld id="{D1A98742-6638-43AC-A30F-B0F4E802E4B2}" type="datetime1">
               <a:rPr lang="en-US" smtClean="0"/>
-              <a:t>6/19/2024</a:t>
+              <a:t>6/25/2024</a:t>
             </a:fld>
             <a:endParaRPr lang="en-US" dirty="0"/>
           </a:p>
@@ -16523,14 +16599,6 @@
               <a:rPr lang="en-US" dirty="0">
                 <a:latin typeface="Consolas" panose="020B0609020204030204" pitchFamily="49" charset="0"/>
               </a:rPr>
-              <a:t>using std::swap;</a:t>
-            </a:r>
-          </a:p>
-          <a:p>
-            <a:r>
-              <a:rPr lang="en-US" dirty="0">
-                <a:latin typeface="Consolas" panose="020B0609020204030204" pitchFamily="49" charset="0"/>
-              </a:rPr>
               <a:t>class C {</a:t>
             </a:r>
           </a:p>
@@ -16564,15 +16632,15 @@
               <a:rPr lang="en-US" dirty="0">
                 <a:latin typeface="Consolas" panose="020B0609020204030204" pitchFamily="49" charset="0"/>
               </a:rPr>
-              <a:t>)</a:t>
-            </a:r>
-          </a:p>
-          <a:p>
-            <a:r>
-              <a:rPr lang="en-US" dirty="0">
-                <a:latin typeface="Consolas" panose="020B0609020204030204" pitchFamily="49" charset="0"/>
-              </a:rPr>
-              <a:t>    { auto l = std::tie(x, y), r = std::tie(</a:t>
+              <a:t>) {</a:t>
+            </a:r>
+          </a:p>
+          <a:p>
+            <a:r>
+              <a:rPr lang="en-US" dirty="0">
+                <a:latin typeface="Consolas" panose="020B0609020204030204" pitchFamily="49" charset="0"/>
+              </a:rPr>
+              <a:t>    auto l = std::tie(x, y), r = std::tie(</a:t>
             </a:r>
             <a:r>
               <a:rPr lang="en-US" dirty="0" err="1">
@@ -16596,7 +16664,7 @@
               <a:rPr lang="en-US" dirty="0">
                 <a:latin typeface="Consolas" panose="020B0609020204030204" pitchFamily="49" charset="0"/>
               </a:rPr>
-              <a:t>); </a:t>
+              <a:t>); std::</a:t>
             </a:r>
             <a:r>
               <a:rPr lang="en-US" dirty="0">
@@ -16611,7 +16679,15 @@
               <a:rPr lang="en-US" dirty="0">
                 <a:latin typeface="Consolas" panose="020B0609020204030204" pitchFamily="49" charset="0"/>
               </a:rPr>
-              <a:t>; }</a:t>
+              <a:t>;</a:t>
+            </a:r>
+          </a:p>
+          <a:p>
+            <a:r>
+              <a:rPr lang="en-US" dirty="0">
+                <a:latin typeface="Consolas" panose="020B0609020204030204" pitchFamily="49" charset="0"/>
+              </a:rPr>
+              <a:t>  }</a:t>
             </a:r>
           </a:p>
           <a:p>
@@ -16638,13 +16714,13 @@
         </p:nvSpPr>
         <p:spPr>
           <a:xfrm>
-            <a:off x="6493666" y="4468705"/>
+            <a:off x="6615586" y="4455158"/>
             <a:ext cx="4438242" cy="643466"/>
           </a:xfrm>
           <a:prstGeom prst="wedgeRoundRectCallout">
             <a:avLst>
-              <a:gd name="adj1" fmla="val 20127"/>
-              <a:gd name="adj2" fmla="val 125840"/>
+              <a:gd name="adj1" fmla="val 25163"/>
+              <a:gd name="adj2" fmla="val 101630"/>
               <a:gd name="adj3" fmla="val 16667"/>
             </a:avLst>
           </a:prstGeom>
@@ -17189,7 +17265,7 @@
               <a:rPr lang="en-US" dirty="0">
                 <a:cs typeface="Courier New" panose="02070309020205020404" pitchFamily="49" charset="0"/>
               </a:rPr>
-              <a:t> is not an implicit-lifetime, trivially copiable type.</a:t>
+              <a:t> is not an implicit-lifetime, trivially copyable type.</a:t>
             </a:r>
           </a:p>
           <a:p>
@@ -17276,7 +17352,7 @@
           <a:p>
             <a:fld id="{D1A98742-6638-43AC-A30F-B0F4E802E4B2}" type="datetime1">
               <a:rPr lang="en-US" smtClean="0"/>
-              <a:t>6/19/2024</a:t>
+              <a:t>6/25/2024</a:t>
             </a:fld>
             <a:endParaRPr lang="en-US"/>
           </a:p>
@@ -17832,7 +17908,7 @@
           <a:p>
             <a:fld id="{D1A98742-6638-43AC-A30F-B0F4E802E4B2}" type="datetime1">
               <a:rPr lang="en-US" smtClean="0"/>
-              <a:t>6/19/2024</a:t>
+              <a:t>6/25/2024</a:t>
             </a:fld>
             <a:endParaRPr lang="en-US"/>
           </a:p>
@@ -17986,7 +18062,18 @@
           <a:p>
             <a:r>
               <a:rPr lang="en-US" dirty="0"/>
-              <a:t>P2786/P3239: Permits relocating move optimizations within containers but no relocating swap optimizations.</a:t>
+              <a:t>P2786/P3239: Permits relocating move optimizations for </a:t>
+            </a:r>
+            <a:r>
+              <a:rPr lang="en-US" dirty="0" err="1">
+                <a:latin typeface="Courier New" panose="02070309020205020404" pitchFamily="49" charset="0"/>
+                <a:cs typeface="Courier New" panose="02070309020205020404" pitchFamily="49" charset="0"/>
+              </a:rPr>
+              <a:t>ValueWithId</a:t>
+            </a:r>
+            <a:r>
+              <a:rPr lang="en-US" dirty="0"/>
+              <a:t> within containers but not relocating swap optimizations.</a:t>
             </a:r>
           </a:p>
           <a:p>
@@ -18031,7 +18118,7 @@
           <a:p>
             <a:fld id="{64601F53-FE17-4660-BE69-DE27478D4CCC}" type="datetime1">
               <a:rPr lang="en-US" smtClean="0"/>
-              <a:t>6/19/2024</a:t>
+              <a:t>6/25/2024</a:t>
             </a:fld>
             <a:endParaRPr lang="en-US"/>
           </a:p>
@@ -19027,7 +19114,7 @@
           <a:p>
             <a:fld id="{D1A98742-6638-43AC-A30F-B0F4E802E4B2}" type="datetime1">
               <a:rPr lang="en-US" smtClean="0"/>
-              <a:t>6/19/2024</a:t>
+              <a:t>6/25/2024</a:t>
             </a:fld>
             <a:endParaRPr lang="en-US"/>
           </a:p>
@@ -19182,7 +19269,7 @@
           <a:p>
             <a:fld id="{64601F53-FE17-4660-BE69-DE27478D4CCC}" type="datetime1">
               <a:rPr lang="en-US" smtClean="0"/>
-              <a:t>6/19/2024</a:t>
+              <a:t>6/25/2024</a:t>
             </a:fld>
             <a:endParaRPr lang="en-US"/>
           </a:p>
@@ -19435,7 +19522,21 @@
               <a:rPr lang="en-US" sz="1600" dirty="0">
                 <a:latin typeface="Consolas" panose="020B0609020204030204" pitchFamily="49" charset="0"/>
               </a:rPr>
-              <a:t>optional&lt;T&amp;&gt;</a:t>
+              <a:t>optional&lt;T</a:t>
+            </a:r>
+            <a:r>
+              <a:rPr lang="en-US" sz="1600">
+                <a:latin typeface="Consolas" panose="020B0609020204030204" pitchFamily="49" charset="0"/>
+              </a:rPr>
+              <a:t>&amp;&gt;  </a:t>
+            </a:r>
+            <a:r>
+              <a:rPr lang="en-US" sz="1600" i="1"/>
+              <a:t>(as proposed in </a:t>
+            </a:r>
+            <a:r>
+              <a:rPr lang="en-US" sz="1600" i="1" dirty="0"/>
+              <a:t>P2988)</a:t>
             </a:r>
           </a:p>
           <a:p>
@@ -19914,7 +20015,7 @@
         <p:spPr>
           <a:xfrm>
             <a:off x="3740795" y="1540101"/>
-            <a:ext cx="6984604" cy="646331"/>
+            <a:ext cx="7564891" cy="646331"/>
           </a:xfrm>
           <a:prstGeom prst="rect">
             <a:avLst/>
@@ -19929,7 +20030,18 @@
           <a:p>
             <a:r>
               <a:rPr lang="en-US" dirty="0"/>
-              <a:t>R = Container-element relocation optimization, S = Swap optimization</a:t>
+              <a:t>R = Container-element relocation optimization, S = </a:t>
+            </a:r>
+            <a:r>
+              <a:rPr lang="en-US" dirty="0">
+                <a:latin typeface="Courier New" panose="02070309020205020404" pitchFamily="49" charset="0"/>
+                <a:cs typeface="Courier New" panose="02070309020205020404" pitchFamily="49" charset="0"/>
+              </a:rPr>
+              <a:t>std::swap</a:t>
+            </a:r>
+            <a:r>
+              <a:rPr lang="en-US" dirty="0"/>
+              <a:t> optimization</a:t>
             </a:r>
             <a:br>
               <a:rPr lang="en-US" dirty="0"/>
@@ -20423,7 +20535,7 @@
           <a:p>
             <a:fld id="{D1A98742-6638-43AC-A30F-B0F4E802E4B2}" type="datetime1">
               <a:rPr lang="en-US" smtClean="0"/>
-              <a:t>6/19/2024</a:t>
+              <a:t>6/25/2024</a:t>
             </a:fld>
             <a:endParaRPr lang="en-US"/>
           </a:p>
@@ -21763,7 +21875,7 @@
           <a:p>
             <a:fld id="{D1A98742-6638-43AC-A30F-B0F4E802E4B2}" type="datetime1">
               <a:rPr lang="en-US" smtClean="0"/>
-              <a:t>6/19/2024</a:t>
+              <a:t>6/25/2024</a:t>
             </a:fld>
             <a:endParaRPr lang="en-US"/>
           </a:p>
@@ -22122,7 +22234,7 @@
           <a:p>
             <a:fld id="{D1A98742-6638-43AC-A30F-B0F4E802E4B2}" type="datetime1">
               <a:rPr lang="en-US" smtClean="0"/>
-              <a:t>6/19/2024</a:t>
+              <a:t>6/25/2024</a:t>
             </a:fld>
             <a:endParaRPr lang="en-US"/>
           </a:p>
@@ -22486,7 +22598,7 @@
           <a:p>
             <a:fld id="{D1A98742-6638-43AC-A30F-B0F4E802E4B2}" type="datetime1">
               <a:rPr lang="en-US" smtClean="0"/>
-              <a:t>6/19/2024</a:t>
+              <a:t>6/25/2024</a:t>
             </a:fld>
             <a:endParaRPr lang="en-US"/>
           </a:p>
@@ -22812,7 +22924,7 @@
           <a:p>
             <a:fld id="{D1A98742-6638-43AC-A30F-B0F4E802E4B2}" type="datetime1">
               <a:rPr lang="en-US" smtClean="0"/>
-              <a:t>6/19/2024</a:t>
+              <a:t>6/25/2024</a:t>
             </a:fld>
             <a:endParaRPr lang="en-US"/>
           </a:p>
@@ -23105,7 +23217,18 @@
           <a:p>
             <a:r>
               <a:rPr lang="en-US" dirty="0"/>
-              <a:t>No: It has semantic meaning and is part of the contract for a type.  Adding or removing the attribute from a correct program can change observable semantics.</a:t>
+              <a:t>No: It has semantic meaning and is part of the contract for a type.  Adding or removing the attribute from a correct program can change observable semantics, e.g., the result of </a:t>
+            </a:r>
+            <a:r>
+              <a:rPr lang="en-US" dirty="0" err="1">
+                <a:latin typeface="Courier New" panose="02070309020205020404" pitchFamily="49" charset="0"/>
+                <a:cs typeface="Courier New" panose="02070309020205020404" pitchFamily="49" charset="0"/>
+              </a:rPr>
+              <a:t>is_trivially_relocatable_v</a:t>
+            </a:r>
+            <a:r>
+              <a:rPr lang="en-US" dirty="0"/>
+              <a:t>.</a:t>
             </a:r>
           </a:p>
         </p:txBody>
@@ -23133,7 +23256,7 @@
           <a:p>
             <a:fld id="{D1A98742-6638-43AC-A30F-B0F4E802E4B2}" type="datetime1">
               <a:rPr lang="en-US" smtClean="0"/>
-              <a:t>6/19/2024</a:t>
+              <a:t>6/25/2024</a:t>
             </a:fld>
             <a:endParaRPr lang="en-US"/>
           </a:p>
@@ -23569,7 +23692,7 @@
           <a:p>
             <a:fld id="{D1A98742-6638-43AC-A30F-B0F4E802E4B2}" type="datetime1">
               <a:rPr lang="en-US" smtClean="0"/>
-              <a:t>6/19/2024</a:t>
+              <a:t>6/25/2024</a:t>
             </a:fld>
             <a:endParaRPr lang="en-US"/>
           </a:p>
@@ -23707,9 +23830,16 @@
             <p:ph idx="1"/>
           </p:nvPr>
         </p:nvSpPr>
-        <p:spPr/>
-        <p:txBody>
-          <a:bodyPr/>
+        <p:spPr>
+          <a:xfrm>
+            <a:off x="1484310" y="1887167"/>
+            <a:ext cx="10018713" cy="4357846"/>
+          </a:xfrm>
+        </p:spPr>
+        <p:txBody>
+          <a:bodyPr>
+            <a:normAutofit/>
+          </a:bodyPr>
           <a:lstStyle/>
           <a:p>
             <a:r>
@@ -23757,7 +23887,18 @@
             <a:pPr lvl="1"/>
             <a:r>
               <a:rPr lang="en-US" dirty="0"/>
-              <a:t>Some types might vary across implementations (e.g., MSVC std::list would be relocatable, but </a:t>
+              <a:t>Some types might vary across implementations (e.g., </a:t>
+            </a:r>
+            <a:r>
+              <a:rPr lang="en-US" dirty="0">
+                <a:latin typeface="Courier New" panose="02070309020205020404" pitchFamily="49" charset="0"/>
+                <a:cs typeface="Courier New" panose="02070309020205020404" pitchFamily="49" charset="0"/>
+              </a:rPr>
+              <a:t>std::list</a:t>
+            </a:r>
+            <a:r>
+              <a:rPr lang="en-US" dirty="0"/>
+              <a:t> could b trivially relocatable using the current MSVC implementation, but not using the current </a:t>
             </a:r>
             <a:r>
               <a:rPr lang="en-US" dirty="0" err="1"/>
@@ -23765,7 +23906,7 @@
             </a:r>
             <a:r>
               <a:rPr lang="en-US" dirty="0"/>
-              <a:t>++ std::list cannot be).</a:t>
+              <a:t>++ implementation).</a:t>
             </a:r>
           </a:p>
         </p:txBody>
@@ -23793,7 +23934,7 @@
           <a:p>
             <a:fld id="{D1A98742-6638-43AC-A30F-B0F4E802E4B2}" type="datetime1">
               <a:rPr lang="en-US" smtClean="0"/>
-              <a:t>6/19/2024</a:t>
+              <a:t>6/25/2024</a:t>
             </a:fld>
             <a:endParaRPr lang="en-US"/>
           </a:p>
@@ -24214,7 +24355,7 @@
           <a:p>
             <a:fld id="{D1A98742-6638-43AC-A30F-B0F4E802E4B2}" type="datetime1">
               <a:rPr lang="en-US" smtClean="0"/>
-              <a:t>6/19/2024</a:t>
+              <a:t>6/25/2024</a:t>
             </a:fld>
             <a:endParaRPr lang="en-US"/>
           </a:p>
@@ -24593,7 +24734,7 @@
           <a:p>
             <a:fld id="{D1A98742-6638-43AC-A30F-B0F4E802E4B2}" type="datetime1">
               <a:rPr lang="en-US" smtClean="0"/>
-              <a:t>6/19/2024</a:t>
+              <a:t>6/25/2024</a:t>
             </a:fld>
             <a:endParaRPr lang="en-US"/>
           </a:p>
@@ -24763,7 +24904,7 @@
           <a:p>
             <a:fld id="{E04F68CC-AE29-43DC-8C36-74D991BDD660}" type="datetime1">
               <a:rPr lang="en-US" smtClean="0"/>
-              <a:t>6/19/2024</a:t>
+              <a:t>6/25/2024</a:t>
             </a:fld>
             <a:endParaRPr lang="en-US"/>
           </a:p>
@@ -24978,7 +25119,7 @@
           <a:p>
             <a:fld id="{D1A98742-6638-43AC-A30F-B0F4E802E4B2}" type="datetime1">
               <a:rPr lang="en-US" smtClean="0"/>
-              <a:t>6/19/2024</a:t>
+              <a:t>6/25/2024</a:t>
             </a:fld>
             <a:endParaRPr lang="en-US"/>
           </a:p>
@@ -25123,7 +25264,7 @@
           <a:p>
             <a:fld id="{64601F53-FE17-4660-BE69-DE27478D4CCC}" type="datetime1">
               <a:rPr lang="en-US" smtClean="0"/>
-              <a:t>6/19/2024</a:t>
+              <a:t>6/25/2024</a:t>
             </a:fld>
             <a:endParaRPr lang="en-US"/>
           </a:p>
@@ -25763,7 +25904,7 @@
           <a:p>
             <a:fld id="{D1A98742-6638-43AC-A30F-B0F4E802E4B2}" type="datetime1">
               <a:rPr lang="en-US" smtClean="0"/>
-              <a:t>6/19/2024</a:t>
+              <a:t>6/25/2024</a:t>
             </a:fld>
             <a:endParaRPr lang="en-US"/>
           </a:p>
@@ -26564,20 +26705,39 @@
             <p:ph idx="1"/>
           </p:nvPr>
         </p:nvSpPr>
-        <p:spPr/>
-        <p:txBody>
-          <a:bodyPr/>
+        <p:spPr>
+          <a:xfrm>
+            <a:off x="1484310" y="1887167"/>
+            <a:ext cx="10018713" cy="4340518"/>
+          </a:xfrm>
+        </p:spPr>
+        <p:txBody>
+          <a:bodyPr>
+            <a:normAutofit lnSpcReduction="10000"/>
+          </a:bodyPr>
           <a:lstStyle/>
           <a:p>
             <a:r>
               <a:rPr lang="en-US" dirty="0"/>
-              <a:t>Conceptually, starting the lifetime of the destination object and ending the lifetime of the source object is an atomic operation.</a:t>
-            </a:r>
+              <a:t>Relocation moves an element (e.g., within a collection) to a new address, invalidating references to the old location.</a:t>
+            </a:r>
+          </a:p>
+          <a:p>
+            <a:endParaRPr lang="en-US" dirty="0"/>
+          </a:p>
+          <a:p>
+            <a:endParaRPr lang="en-US" dirty="0"/>
           </a:p>
           <a:p>
             <a:r>
               <a:rPr lang="en-US" dirty="0"/>
-              <a:t>A type can have a throwing move constructor (or no move constructor) yet be </a:t>
+              <a:t>Starting the lifetime of the new object and ending the lifetime of the original object is conceptually an atomic operation.</a:t>
+            </a:r>
+          </a:p>
+          <a:p>
+            <a:r>
+              <a:rPr lang="en-US" dirty="0"/>
+              <a:t>A type can have a deleted or throwing move constructor yet be </a:t>
             </a:r>
             <a:r>
               <a:rPr lang="en-US" dirty="0" err="1"/>
@@ -26635,7 +26795,7 @@
           <a:p>
             <a:fld id="{D1A98742-6638-43AC-A30F-B0F4E802E4B2}" type="datetime1">
               <a:rPr lang="en-US" smtClean="0"/>
-              <a:t>6/19/2024</a:t>
+              <a:t>6/26/2024</a:t>
             </a:fld>
             <a:endParaRPr lang="en-US"/>
           </a:p>
@@ -26696,6 +26856,170 @@
               <a:t>5</a:t>
             </a:fld>
             <a:endParaRPr lang="en-US"/>
+          </a:p>
+        </p:txBody>
+      </p:sp>
+      <p:sp>
+        <p:nvSpPr>
+          <p:cNvPr id="7" name="Rectangle: Rounded Corners 6">
+            <a:extLst>
+              <a:ext uri="{FF2B5EF4-FFF2-40B4-BE49-F238E27FC236}">
+                <a16:creationId xmlns:a16="http://schemas.microsoft.com/office/drawing/2014/main" id="{A4DC4C55-6772-05C7-3C6E-61A47214AD6C}"/>
+              </a:ext>
+            </a:extLst>
+          </p:cNvPr>
+          <p:cNvSpPr/>
+          <p:nvPr/>
+        </p:nvSpPr>
+        <p:spPr>
+          <a:xfrm>
+            <a:off x="3235911" y="2676627"/>
+            <a:ext cx="1264609" cy="841618"/>
+          </a:xfrm>
+          <a:prstGeom prst="roundRect">
+            <a:avLst/>
+          </a:prstGeom>
+          <a:noFill/>
+          <a:ln w="38100">
+            <a:solidFill>
+              <a:srgbClr val="00B0F0"/>
+            </a:solidFill>
+            <a:prstDash val="sysDot"/>
+          </a:ln>
+        </p:spPr>
+        <p:style>
+          <a:lnRef idx="2">
+            <a:schemeClr val="accent6"/>
+          </a:lnRef>
+          <a:fillRef idx="1">
+            <a:schemeClr val="lt1"/>
+          </a:fillRef>
+          <a:effectRef idx="0">
+            <a:schemeClr val="accent6"/>
+          </a:effectRef>
+          <a:fontRef idx="minor">
+            <a:schemeClr val="dk1"/>
+          </a:fontRef>
+        </p:style>
+        <p:txBody>
+          <a:bodyPr rtlCol="0" anchor="ctr"/>
+          <a:lstStyle/>
+          <a:p>
+            <a:endParaRPr lang="en-US" b="1" dirty="0">
+              <a:solidFill>
+                <a:srgbClr val="7030A0"/>
+              </a:solidFill>
+              <a:latin typeface="Consolas" panose="020B0609020204030204" pitchFamily="49" charset="0"/>
+            </a:endParaRPr>
+          </a:p>
+        </p:txBody>
+      </p:sp>
+      <p:sp>
+        <p:nvSpPr>
+          <p:cNvPr id="9" name="Arrow: Right 8">
+            <a:extLst>
+              <a:ext uri="{FF2B5EF4-FFF2-40B4-BE49-F238E27FC236}">
+                <a16:creationId xmlns:a16="http://schemas.microsoft.com/office/drawing/2014/main" id="{428F54BB-33E5-2E9E-3DA9-DD6D530E8BE9}"/>
+              </a:ext>
+            </a:extLst>
+          </p:cNvPr>
+          <p:cNvSpPr/>
+          <p:nvPr/>
+        </p:nvSpPr>
+        <p:spPr>
+          <a:xfrm>
+            <a:off x="4820575" y="2836830"/>
+            <a:ext cx="2479955" cy="537099"/>
+          </a:xfrm>
+          <a:prstGeom prst="rightArrow">
+            <a:avLst/>
+          </a:prstGeom>
+        </p:spPr>
+        <p:style>
+          <a:lnRef idx="2">
+            <a:schemeClr val="accent1">
+              <a:shade val="15000"/>
+            </a:schemeClr>
+          </a:lnRef>
+          <a:fillRef idx="1">
+            <a:schemeClr val="accent1"/>
+          </a:fillRef>
+          <a:effectRef idx="0">
+            <a:schemeClr val="accent1"/>
+          </a:effectRef>
+          <a:fontRef idx="minor">
+            <a:schemeClr val="lt1"/>
+          </a:fontRef>
+        </p:style>
+        <p:txBody>
+          <a:bodyPr rtlCol="0" anchor="ctr"/>
+          <a:lstStyle/>
+          <a:p>
+            <a:pPr algn="ctr"/>
+            <a:r>
+              <a:rPr lang="en-US" b="1" dirty="0"/>
+              <a:t>Relocate</a:t>
+            </a:r>
+          </a:p>
+        </p:txBody>
+      </p:sp>
+      <p:sp>
+        <p:nvSpPr>
+          <p:cNvPr id="8" name="Rectangle: Rounded Corners 7">
+            <a:extLst>
+              <a:ext uri="{FF2B5EF4-FFF2-40B4-BE49-F238E27FC236}">
+                <a16:creationId xmlns:a16="http://schemas.microsoft.com/office/drawing/2014/main" id="{0309C284-4FDA-2877-26EF-ED9B38EBA029}"/>
+              </a:ext>
+            </a:extLst>
+          </p:cNvPr>
+          <p:cNvSpPr/>
+          <p:nvPr/>
+        </p:nvSpPr>
+        <p:spPr>
+          <a:xfrm>
+            <a:off x="3235911" y="2676627"/>
+            <a:ext cx="1264609" cy="841618"/>
+          </a:xfrm>
+          <a:prstGeom prst="roundRect">
+            <a:avLst/>
+          </a:prstGeom>
+          <a:solidFill>
+            <a:schemeClr val="bg1"/>
+          </a:solidFill>
+          <a:ln w="38100">
+            <a:solidFill>
+              <a:srgbClr val="00B0F0"/>
+            </a:solidFill>
+          </a:ln>
+        </p:spPr>
+        <p:style>
+          <a:lnRef idx="2">
+            <a:schemeClr val="accent6"/>
+          </a:lnRef>
+          <a:fillRef idx="1">
+            <a:schemeClr val="lt1"/>
+          </a:fillRef>
+          <a:effectRef idx="0">
+            <a:schemeClr val="accent6"/>
+          </a:effectRef>
+          <a:fontRef idx="minor">
+            <a:schemeClr val="dk1"/>
+          </a:fontRef>
+        </p:style>
+        <p:txBody>
+          <a:bodyPr rtlCol="0" anchor="ctr"/>
+          <a:lstStyle/>
+          <a:p>
+            <a:pPr algn="ctr"/>
+            <a:r>
+              <a:rPr lang="en-US" dirty="0"/>
+              <a:t>element</a:t>
+            </a:r>
+            <a:endParaRPr lang="en-US" b="1" dirty="0">
+              <a:solidFill>
+                <a:srgbClr val="7030A0"/>
+              </a:solidFill>
+            </a:endParaRPr>
           </a:p>
         </p:txBody>
       </p:sp>
@@ -26709,6 +27033,378 @@
   <p:clrMapOvr>
     <a:masterClrMapping/>
   </p:clrMapOvr>
+  <p:timing>
+    <p:tnLst>
+      <p:par>
+        <p:cTn id="1" dur="indefinite" restart="never" nodeType="tmRoot">
+          <p:childTnLst>
+            <p:seq concurrent="1" nextAc="seek">
+              <p:cTn id="2" dur="indefinite" nodeType="mainSeq">
+                <p:childTnLst>
+                  <p:par>
+                    <p:cTn id="3" fill="hold">
+                      <p:stCondLst>
+                        <p:cond delay="indefinite"/>
+                      </p:stCondLst>
+                      <p:childTnLst>
+                        <p:par>
+                          <p:cTn id="4" fill="hold">
+                            <p:stCondLst>
+                              <p:cond delay="0"/>
+                            </p:stCondLst>
+                            <p:childTnLst>
+                              <p:par>
+                                <p:cTn id="5" presetID="1" presetClass="entr" presetSubtype="0" fill="hold" grpId="0" nodeType="clickEffect">
+                                  <p:stCondLst>
+                                    <p:cond delay="0"/>
+                                  </p:stCondLst>
+                                  <p:childTnLst>
+                                    <p:set>
+                                      <p:cBhvr>
+                                        <p:cTn id="6" dur="1" fill="hold">
+                                          <p:stCondLst>
+                                            <p:cond delay="0"/>
+                                          </p:stCondLst>
+                                        </p:cTn>
+                                        <p:tgtEl>
+                                          <p:spTgt spid="3">
+                                            <p:txEl>
+                                              <p:pRg st="0" end="0"/>
+                                            </p:txEl>
+                                          </p:spTgt>
+                                        </p:tgtEl>
+                                        <p:attrNameLst>
+                                          <p:attrName>style.visibility</p:attrName>
+                                        </p:attrNameLst>
+                                      </p:cBhvr>
+                                      <p:to>
+                                        <p:strVal val="visible"/>
+                                      </p:to>
+                                    </p:set>
+                                  </p:childTnLst>
+                                </p:cTn>
+                              </p:par>
+                            </p:childTnLst>
+                          </p:cTn>
+                        </p:par>
+                      </p:childTnLst>
+                    </p:cTn>
+                  </p:par>
+                  <p:par>
+                    <p:cTn id="7" fill="hold">
+                      <p:stCondLst>
+                        <p:cond delay="indefinite"/>
+                      </p:stCondLst>
+                      <p:childTnLst>
+                        <p:par>
+                          <p:cTn id="8" fill="hold">
+                            <p:stCondLst>
+                              <p:cond delay="0"/>
+                            </p:stCondLst>
+                            <p:childTnLst>
+                              <p:par>
+                                <p:cTn id="9" presetID="1" presetClass="entr" presetSubtype="0" fill="hold" grpId="1" nodeType="clickEffect">
+                                  <p:stCondLst>
+                                    <p:cond delay="0"/>
+                                  </p:stCondLst>
+                                  <p:childTnLst>
+                                    <p:set>
+                                      <p:cBhvr>
+                                        <p:cTn id="10" dur="1" fill="hold">
+                                          <p:stCondLst>
+                                            <p:cond delay="0"/>
+                                          </p:stCondLst>
+                                        </p:cTn>
+                                        <p:tgtEl>
+                                          <p:spTgt spid="8"/>
+                                        </p:tgtEl>
+                                        <p:attrNameLst>
+                                          <p:attrName>style.visibility</p:attrName>
+                                        </p:attrNameLst>
+                                      </p:cBhvr>
+                                      <p:to>
+                                        <p:strVal val="visible"/>
+                                      </p:to>
+                                    </p:set>
+                                  </p:childTnLst>
+                                </p:cTn>
+                              </p:par>
+                              <p:par>
+                                <p:cTn id="11" presetID="1" presetClass="entr" presetSubtype="0" fill="hold" grpId="0" nodeType="withEffect">
+                                  <p:stCondLst>
+                                    <p:cond delay="0"/>
+                                  </p:stCondLst>
+                                  <p:childTnLst>
+                                    <p:set>
+                                      <p:cBhvr>
+                                        <p:cTn id="12" dur="1" fill="hold">
+                                          <p:stCondLst>
+                                            <p:cond delay="0"/>
+                                          </p:stCondLst>
+                                        </p:cTn>
+                                        <p:tgtEl>
+                                          <p:spTgt spid="7"/>
+                                        </p:tgtEl>
+                                        <p:attrNameLst>
+                                          <p:attrName>style.visibility</p:attrName>
+                                        </p:attrNameLst>
+                                      </p:cBhvr>
+                                      <p:to>
+                                        <p:strVal val="visible"/>
+                                      </p:to>
+                                    </p:set>
+                                  </p:childTnLst>
+                                </p:cTn>
+                              </p:par>
+                            </p:childTnLst>
+                          </p:cTn>
+                        </p:par>
+                        <p:par>
+                          <p:cTn id="13" fill="hold">
+                            <p:stCondLst>
+                              <p:cond delay="0"/>
+                            </p:stCondLst>
+                            <p:childTnLst>
+                              <p:par>
+                                <p:cTn id="14" presetID="1" presetClass="entr" presetSubtype="0" fill="hold" grpId="0" nodeType="afterEffect">
+                                  <p:stCondLst>
+                                    <p:cond delay="500"/>
+                                  </p:stCondLst>
+                                  <p:childTnLst>
+                                    <p:set>
+                                      <p:cBhvr>
+                                        <p:cTn id="15" dur="1" fill="hold">
+                                          <p:stCondLst>
+                                            <p:cond delay="0"/>
+                                          </p:stCondLst>
+                                        </p:cTn>
+                                        <p:tgtEl>
+                                          <p:spTgt spid="9"/>
+                                        </p:tgtEl>
+                                        <p:attrNameLst>
+                                          <p:attrName>style.visibility</p:attrName>
+                                        </p:attrNameLst>
+                                      </p:cBhvr>
+                                      <p:to>
+                                        <p:strVal val="visible"/>
+                                      </p:to>
+                                    </p:set>
+                                  </p:childTnLst>
+                                </p:cTn>
+                              </p:par>
+                            </p:childTnLst>
+                          </p:cTn>
+                        </p:par>
+                        <p:par>
+                          <p:cTn id="16" fill="hold">
+                            <p:stCondLst>
+                              <p:cond delay="500"/>
+                            </p:stCondLst>
+                            <p:childTnLst>
+                              <p:par>
+                                <p:cTn id="17" presetID="63" presetClass="path" presetSubtype="0" accel="50000" decel="50000" fill="hold" grpId="0" nodeType="afterEffect">
+                                  <p:stCondLst>
+                                    <p:cond delay="0"/>
+                                  </p:stCondLst>
+                                  <p:childTnLst>
+                                    <p:animMotion origin="layout" path="M 2.5E-6 -3.7037E-7 L 0.35312 -3.7037E-7 " pathEditMode="relative" rAng="0" ptsTypes="AA">
+                                      <p:cBhvr>
+                                        <p:cTn id="18" dur="2000" fill="hold"/>
+                                        <p:tgtEl>
+                                          <p:spTgt spid="8"/>
+                                        </p:tgtEl>
+                                        <p:attrNameLst>
+                                          <p:attrName>ppt_x</p:attrName>
+                                          <p:attrName>ppt_y</p:attrName>
+                                        </p:attrNameLst>
+                                      </p:cBhvr>
+                                      <p:rCtr x="17656" y="0"/>
+                                    </p:animMotion>
+                                  </p:childTnLst>
+                                </p:cTn>
+                              </p:par>
+                            </p:childTnLst>
+                          </p:cTn>
+                        </p:par>
+                      </p:childTnLst>
+                    </p:cTn>
+                  </p:par>
+                  <p:par>
+                    <p:cTn id="19" fill="hold">
+                      <p:stCondLst>
+                        <p:cond delay="indefinite"/>
+                      </p:stCondLst>
+                      <p:childTnLst>
+                        <p:par>
+                          <p:cTn id="20" fill="hold">
+                            <p:stCondLst>
+                              <p:cond delay="0"/>
+                            </p:stCondLst>
+                            <p:childTnLst>
+                              <p:par>
+                                <p:cTn id="21" presetID="1" presetClass="entr" presetSubtype="0" fill="hold" grpId="0" nodeType="clickEffect">
+                                  <p:stCondLst>
+                                    <p:cond delay="0"/>
+                                  </p:stCondLst>
+                                  <p:childTnLst>
+                                    <p:set>
+                                      <p:cBhvr>
+                                        <p:cTn id="22" dur="1" fill="hold">
+                                          <p:stCondLst>
+                                            <p:cond delay="0"/>
+                                          </p:stCondLst>
+                                        </p:cTn>
+                                        <p:tgtEl>
+                                          <p:spTgt spid="3">
+                                            <p:txEl>
+                                              <p:pRg st="3" end="3"/>
+                                            </p:txEl>
+                                          </p:spTgt>
+                                        </p:tgtEl>
+                                        <p:attrNameLst>
+                                          <p:attrName>style.visibility</p:attrName>
+                                        </p:attrNameLst>
+                                      </p:cBhvr>
+                                      <p:to>
+                                        <p:strVal val="visible"/>
+                                      </p:to>
+                                    </p:set>
+                                  </p:childTnLst>
+                                </p:cTn>
+                              </p:par>
+                            </p:childTnLst>
+                          </p:cTn>
+                        </p:par>
+                      </p:childTnLst>
+                    </p:cTn>
+                  </p:par>
+                  <p:par>
+                    <p:cTn id="23" fill="hold">
+                      <p:stCondLst>
+                        <p:cond delay="indefinite"/>
+                      </p:stCondLst>
+                      <p:childTnLst>
+                        <p:par>
+                          <p:cTn id="24" fill="hold">
+                            <p:stCondLst>
+                              <p:cond delay="0"/>
+                            </p:stCondLst>
+                            <p:childTnLst>
+                              <p:par>
+                                <p:cTn id="25" presetID="1" presetClass="entr" presetSubtype="0" fill="hold" grpId="0" nodeType="clickEffect">
+                                  <p:stCondLst>
+                                    <p:cond delay="0"/>
+                                  </p:stCondLst>
+                                  <p:childTnLst>
+                                    <p:set>
+                                      <p:cBhvr>
+                                        <p:cTn id="26" dur="1" fill="hold">
+                                          <p:stCondLst>
+                                            <p:cond delay="0"/>
+                                          </p:stCondLst>
+                                        </p:cTn>
+                                        <p:tgtEl>
+                                          <p:spTgt spid="3">
+                                            <p:txEl>
+                                              <p:pRg st="4" end="4"/>
+                                            </p:txEl>
+                                          </p:spTgt>
+                                        </p:tgtEl>
+                                        <p:attrNameLst>
+                                          <p:attrName>style.visibility</p:attrName>
+                                        </p:attrNameLst>
+                                      </p:cBhvr>
+                                      <p:to>
+                                        <p:strVal val="visible"/>
+                                      </p:to>
+                                    </p:set>
+                                  </p:childTnLst>
+                                </p:cTn>
+                              </p:par>
+                            </p:childTnLst>
+                          </p:cTn>
+                        </p:par>
+                      </p:childTnLst>
+                    </p:cTn>
+                  </p:par>
+                  <p:par>
+                    <p:cTn id="27" fill="hold">
+                      <p:stCondLst>
+                        <p:cond delay="indefinite"/>
+                      </p:stCondLst>
+                      <p:childTnLst>
+                        <p:par>
+                          <p:cTn id="28" fill="hold">
+                            <p:stCondLst>
+                              <p:cond delay="0"/>
+                            </p:stCondLst>
+                            <p:childTnLst>
+                              <p:par>
+                                <p:cTn id="29" presetID="1" presetClass="entr" presetSubtype="0" fill="hold" grpId="0" nodeType="clickEffect">
+                                  <p:stCondLst>
+                                    <p:cond delay="0"/>
+                                  </p:stCondLst>
+                                  <p:childTnLst>
+                                    <p:set>
+                                      <p:cBhvr>
+                                        <p:cTn id="30" dur="1" fill="hold">
+                                          <p:stCondLst>
+                                            <p:cond delay="0"/>
+                                          </p:stCondLst>
+                                        </p:cTn>
+                                        <p:tgtEl>
+                                          <p:spTgt spid="3">
+                                            <p:txEl>
+                                              <p:pRg st="5" end="5"/>
+                                            </p:txEl>
+                                          </p:spTgt>
+                                        </p:tgtEl>
+                                        <p:attrNameLst>
+                                          <p:attrName>style.visibility</p:attrName>
+                                        </p:attrNameLst>
+                                      </p:cBhvr>
+                                      <p:to>
+                                        <p:strVal val="visible"/>
+                                      </p:to>
+                                    </p:set>
+                                  </p:childTnLst>
+                                </p:cTn>
+                              </p:par>
+                            </p:childTnLst>
+                          </p:cTn>
+                        </p:par>
+                      </p:childTnLst>
+                    </p:cTn>
+                  </p:par>
+                </p:childTnLst>
+              </p:cTn>
+              <p:prevCondLst>
+                <p:cond evt="onPrev" delay="0">
+                  <p:tgtEl>
+                    <p:sldTgt/>
+                  </p:tgtEl>
+                </p:cond>
+              </p:prevCondLst>
+              <p:nextCondLst>
+                <p:cond evt="onNext" delay="0">
+                  <p:tgtEl>
+                    <p:sldTgt/>
+                  </p:tgtEl>
+                </p:cond>
+              </p:nextCondLst>
+            </p:seq>
+          </p:childTnLst>
+        </p:cTn>
+      </p:par>
+    </p:tnLst>
+    <p:bldLst>
+      <p:bldP spid="3" grpId="0" uiExpand="1" build="p"/>
+      <p:bldP spid="7" grpId="0" animBg="1"/>
+      <p:bldP spid="9" grpId="0" uiExpand="1" animBg="1"/>
+      <p:bldP spid="8" grpId="0" animBg="1"/>
+      <p:bldP spid="8" grpId="1" animBg="1"/>
+    </p:bldLst>
+  </p:timing>
 </p:sld>
 </file>
 
@@ -26775,8 +27471,8 @@
         </p:nvSpPr>
         <p:spPr>
           <a:xfrm>
-            <a:off x="1484310" y="1887166"/>
-            <a:ext cx="10018713" cy="4127553"/>
+            <a:off x="1484310" y="1797728"/>
+            <a:ext cx="10018713" cy="4425519"/>
           </a:xfrm>
         </p:spPr>
         <p:txBody>
@@ -26801,55 +27497,66 @@
           <a:p>
             <a:r>
               <a:rPr lang="en-US" dirty="0"/>
-              <a:t>The implementation can optimize trivial relocation using byte copies.</a:t>
-            </a:r>
-          </a:p>
-          <a:p>
-            <a:r>
-              <a:rPr lang="en-US" dirty="0"/>
-              <a:t>Goals pf P2786 et al.:</a:t>
-            </a:r>
-          </a:p>
-          <a:p>
-            <a:pPr lvl="1"/>
-            <a:r>
-              <a:rPr lang="en-US" dirty="0"/>
-              <a:t>Define trivial relocation syntax and semantics </a:t>
-            </a:r>
-            <a:r>
-              <a:rPr lang="en-US" b="1" dirty="0"/>
-              <a:t>consistent with core language</a:t>
-            </a:r>
-          </a:p>
-          <a:p>
-            <a:pPr lvl="1"/>
-            <a:r>
-              <a:rPr lang="en-US" dirty="0"/>
-              <a:t>Available to users and library authors</a:t>
-            </a:r>
-          </a:p>
-          <a:p>
-            <a:pPr lvl="1"/>
-            <a:r>
-              <a:rPr lang="en-US" dirty="0"/>
-              <a:t>Usable on a wide variety of types, e.g., </a:t>
+              <a:t>The implementation can optimize trivial relocation by copying the object representation (equivalent to </a:t>
             </a:r>
             <a:r>
               <a:rPr lang="en-US" dirty="0" err="1">
                 <a:latin typeface="Courier New" panose="02070309020205020404" pitchFamily="49" charset="0"/>
                 <a:cs typeface="Courier New" panose="02070309020205020404" pitchFamily="49" charset="0"/>
               </a:rPr>
-              <a:t>unique_ptr</a:t>
+              <a:t>memcpy</a:t>
             </a:r>
             <a:r>
               <a:rPr lang="en-US" dirty="0"/>
-              <a:t>, </a:t>
+              <a:t> for typical implementations).</a:t>
+            </a:r>
+          </a:p>
+          <a:p>
+            <a:r>
+              <a:rPr lang="en-US" dirty="0"/>
+              <a:t>Goals pf P2786 et al.:</a:t>
+            </a:r>
+          </a:p>
+          <a:p>
+            <a:pPr lvl="1"/>
+            <a:r>
+              <a:rPr lang="en-US" dirty="0"/>
+              <a:t>Define trivial relocation syntax and semantics </a:t>
+            </a:r>
+            <a:r>
+              <a:rPr lang="en-US" b="1" dirty="0"/>
+              <a:t>consistent with core language</a:t>
+            </a:r>
+          </a:p>
+          <a:p>
+            <a:pPr lvl="1"/>
+            <a:r>
+              <a:rPr lang="en-US" dirty="0"/>
+              <a:t>Available to users and library authors</a:t>
+            </a:r>
+          </a:p>
+          <a:p>
+            <a:pPr lvl="1"/>
+            <a:r>
+              <a:rPr lang="en-US" dirty="0"/>
+              <a:t>Usable on a wide variety of types, e.g., </a:t>
             </a:r>
             <a:r>
               <a:rPr lang="en-US" dirty="0" err="1">
                 <a:latin typeface="Courier New" panose="02070309020205020404" pitchFamily="49" charset="0"/>
                 <a:cs typeface="Courier New" panose="02070309020205020404" pitchFamily="49" charset="0"/>
               </a:rPr>
+              <a:t>unique_ptr</a:t>
+            </a:r>
+            <a:r>
+              <a:rPr lang="en-US" dirty="0"/>
+              <a:t>, </a:t>
+            </a:r>
+            <a:r>
+              <a:rPr lang="en-US" dirty="0" err="1">
+                <a:latin typeface="Courier New" panose="02070309020205020404" pitchFamily="49" charset="0"/>
+                <a:cs typeface="Courier New" panose="02070309020205020404" pitchFamily="49" charset="0"/>
+              </a:rPr>
               <a:t>pmr</a:t>
             </a:r>
             <a:r>
@@ -26872,7 +27579,7 @@
             <a:pPr lvl="1"/>
             <a:r>
               <a:rPr lang="en-US" dirty="0"/>
-              <a:t>Implicitly enabled for safe cases (e.g., trivially copiable types)</a:t>
+              <a:t>Implicitly enabled for safe cases (e.g., trivially copyable types)</a:t>
             </a:r>
           </a:p>
           <a:p>
@@ -26907,7 +27614,7 @@
           <a:p>
             <a:fld id="{D1A98742-6638-43AC-A30F-B0F4E802E4B2}" type="datetime1">
               <a:rPr lang="en-US" smtClean="0"/>
-              <a:t>6/19/2024</a:t>
+              <a:t>6/25/2024</a:t>
             </a:fld>
             <a:endParaRPr lang="en-US"/>
           </a:p>
@@ -26935,7 +27642,7 @@
           <a:lstStyle/>
           <a:p>
             <a:r>
-              <a:rPr lang="en-US"/>
+              <a:rPr lang="en-US" dirty="0"/>
               <a:t>Pablo Halpern, 2024 (CC BY 4.0)</a:t>
             </a:r>
           </a:p>
@@ -27184,7 +27891,7 @@
           <a:p>
             <a:fld id="{D1A98742-6638-43AC-A30F-B0F4E802E4B2}" type="datetime1">
               <a:rPr lang="en-US" smtClean="0"/>
-              <a:t>6/19/2024</a:t>
+              <a:t>6/25/2024</a:t>
             </a:fld>
             <a:endParaRPr lang="en-US"/>
           </a:p>
@@ -28571,7 +29278,7 @@
                   <a:srgbClr val="7030A0"/>
                 </a:solidFill>
               </a:rPr>
-              <a:t> is neither implicit-lifetime nor trivially copiable, but it could be </a:t>
+              <a:t> is neither implicit-lifetime nor trivially copyable, but it could be </a:t>
             </a:r>
             <a:r>
               <a:rPr lang="en-US" b="1" i="1" dirty="0">
@@ -28618,7 +29325,7 @@
           <a:p>
             <a:fld id="{D1A98742-6638-43AC-A30F-B0F4E802E4B2}" type="datetime1">
               <a:rPr lang="en-US" smtClean="0"/>
-              <a:t>6/19/2024</a:t>
+              <a:t>6/25/2024</a:t>
             </a:fld>
             <a:endParaRPr lang="en-US"/>
           </a:p>
@@ -29591,7 +30298,7 @@
           <a:p>
             <a:fld id="{64601F53-FE17-4660-BE69-DE27478D4CCC}" type="datetime1">
               <a:rPr lang="en-US" smtClean="0"/>
-              <a:t>6/19/2024</a:t>
+              <a:t>6/25/2024</a:t>
             </a:fld>
             <a:endParaRPr lang="en-US"/>
           </a:p>
@@ -29769,10 +30476,12 @@
           <a:prstGeom prst="roundRect">
             <a:avLst/>
           </a:prstGeom>
+          <a:noFill/>
           <a:ln w="38100">
             <a:solidFill>
               <a:srgbClr val="00B0F0"/>
             </a:solidFill>
+            <a:prstDash val="sysDot"/>
           </a:ln>
         </p:spPr>
         <p:style>
@@ -29793,53 +30502,12 @@
           <a:bodyPr rtlCol="0" anchor="ctr"/>
           <a:lstStyle/>
           <a:p>
-            <a:r>
-              <a:rPr lang="en-US" dirty="0" err="1">
-                <a:latin typeface="Consolas" panose="020B0609020204030204" pitchFamily="49" charset="0"/>
-              </a:rPr>
-              <a:t>m_ptr</a:t>
-            </a:r>
-            <a:r>
-              <a:rPr lang="en-US" dirty="0">
-                <a:latin typeface="Consolas" panose="020B0609020204030204" pitchFamily="49" charset="0"/>
-              </a:rPr>
-              <a:t>     = </a:t>
-            </a:r>
-            <a:r>
-              <a:rPr lang="en-US" b="1" dirty="0">
-                <a:solidFill>
-                  <a:srgbClr val="7030A0"/>
-                </a:solidFill>
-                <a:latin typeface="Consolas" panose="020B0609020204030204" pitchFamily="49" charset="0"/>
-              </a:rPr>
-              <a:t>A</a:t>
-            </a:r>
-            <a:br>
-              <a:rPr lang="en-US" dirty="0">
-                <a:latin typeface="Consolas" panose="020B0609020204030204" pitchFamily="49" charset="0"/>
-              </a:rPr>
-            </a:br>
-            <a:r>
-              <a:rPr lang="en-US" dirty="0" err="1">
-                <a:latin typeface="Consolas" panose="020B0609020204030204" pitchFamily="49" charset="0"/>
-              </a:rPr>
-              <a:t>m_own_ptr</a:t>
-            </a:r>
-            <a:r>
-              <a:rPr lang="en-US" dirty="0">
-                <a:latin typeface="Consolas" panose="020B0609020204030204" pitchFamily="49" charset="0"/>
-              </a:rPr>
-              <a:t> = </a:t>
-            </a:r>
-            <a:r>
-              <a:rPr lang="en-US" b="1" dirty="0">
-                <a:solidFill>
-                  <a:srgbClr val="7030A0"/>
-                </a:solidFill>
-                <a:latin typeface="Consolas" panose="020B0609020204030204" pitchFamily="49" charset="0"/>
-              </a:rPr>
-              <a:t>B</a:t>
-            </a:r>
+            <a:endParaRPr lang="en-US" b="1" dirty="0">
+              <a:solidFill>
+                <a:srgbClr val="7030A0"/>
+              </a:solidFill>
+              <a:latin typeface="Consolas" panose="020B0609020204030204" pitchFamily="49" charset="0"/>
+            </a:endParaRPr>
           </a:p>
         </p:txBody>
       </p:sp>

--- a/relocate/Trivial Relocation - St. Louis 06-2024.pptx
+++ b/relocate/Trivial Relocation - St. Louis 06-2024.pptx
@@ -6731,7 +6731,7 @@
           <a:p>
             <a:r>
               <a:rPr lang="en-US" dirty="0"/>
-              <a:t>St. Louis, June, 2024</a:t>
+              <a:t>St. Louis, June 28, 2024</a:t>
             </a:r>
             <a:endParaRPr lang="en-US" dirty="0">
               <a:hlinkClick r:id="rId2"/>
@@ -11419,13 +11419,13 @@
           <a:p>
             <a:r>
               <a:rPr lang="en-US" dirty="0"/>
-              <a:t>Efficient vector growth</a:t>
+              <a:t>Relocating vector elements during vector growth by byte copy is more efficient than move-constructing then destroying individual objects.</a:t>
             </a:r>
           </a:p>
           <a:p>
             <a:r>
               <a:rPr lang="en-US" dirty="0"/>
-              <a:t>Types such as some implementations of </a:t>
+              <a:t>Types having  throwing move constructors, such as some implementations of </a:t>
             </a:r>
             <a:r>
               <a:rPr lang="en-US" dirty="0">
@@ -11436,13 +11436,13 @@
             </a:r>
             <a:r>
               <a:rPr lang="en-US" dirty="0"/>
-              <a:t>, having  throwing move constructors.</a:t>
+              <a:t>, can often be trivially relocated, which is a non-allocating and non-throwing operation.</a:t>
             </a:r>
           </a:p>
           <a:p>
             <a:r>
               <a:rPr lang="en-US" dirty="0"/>
-              <a:t>Move construction of types like </a:t>
+              <a:t>When a type like </a:t>
             </a:r>
             <a:r>
               <a:rPr lang="en-US" dirty="0" err="1">
@@ -11453,7 +11453,7 @@
             </a:r>
             <a:r>
               <a:rPr lang="en-US" dirty="0"/>
-              <a:t>, where the moved-from container is empty, with elements left in a destructed state.</a:t>
+              <a:t>, is moved, its elements can often be trivially relocated (leaving the moved-from container empty) rather than moved element-by-element (leaving the moved-from container full of moved-from objects).</a:t>
             </a:r>
           </a:p>
           <a:p>
@@ -13381,7 +13381,7 @@
         <p:spPr>
           <a:xfrm>
             <a:off x="1484310" y="3217333"/>
-            <a:ext cx="9760864" cy="2221656"/>
+            <a:ext cx="9760864" cy="2396068"/>
           </a:xfrm>
           <a:prstGeom prst="rect">
             <a:avLst/>
@@ -13420,7 +13420,7 @@
                 </a:solidFill>
                 <a:latin typeface="Consolas" panose="020B0609020204030204" pitchFamily="49" charset="0"/>
               </a:rPr>
-              <a:t>Trivially relocatable if node cannot point to itself</a:t>
+              <a:t>Not trivially relocatable if node might point to itself</a:t>
             </a:r>
           </a:p>
           <a:p>
@@ -13466,8 +13466,22 @@
               <a:rPr lang="en-US" dirty="0">
                 <a:latin typeface="Consolas" panose="020B0609020204030204" pitchFamily="49" charset="0"/>
               </a:rPr>
-              <a:t>(</a:t>
-            </a:r>
+              <a:t>(std::</a:t>
+            </a:r>
+            <a:r>
+              <a:rPr lang="en-US" dirty="0" err="1">
+                <a:latin typeface="Consolas" panose="020B0609020204030204" pitchFamily="49" charset="0"/>
+              </a:rPr>
+              <a:t>is_trivially_relocatable_v</a:t>
+            </a:r>
+            <a:r>
+              <a:rPr lang="en-US" dirty="0">
+                <a:latin typeface="Consolas" panose="020B0609020204030204" pitchFamily="49" charset="0"/>
+              </a:rPr>
+              <a:t>&lt;T&gt; &amp;&amp;</a:t>
+            </a:r>
+          </a:p>
+          <a:p>
             <a:r>
               <a:rPr lang="en-US" dirty="0">
                 <a:solidFill>
@@ -13475,7 +13489,7 @@
                 </a:solidFill>
                 <a:latin typeface="Consolas" panose="020B0609020204030204" pitchFamily="49" charset="0"/>
               </a:rPr>
-              <a:t>! </a:t>
+              <a:t>                                  ! </a:t>
             </a:r>
             <a:r>
               <a:rPr lang="en-US" dirty="0" err="1">
@@ -13902,7 +13916,12 @@
             <p:ph idx="1"/>
           </p:nvPr>
         </p:nvSpPr>
-        <p:spPr/>
+        <p:spPr>
+          <a:xfrm>
+            <a:off x="1484310" y="1887166"/>
+            <a:ext cx="10018713" cy="4183433"/>
+          </a:xfrm>
+        </p:spPr>
         <p:txBody>
           <a:bodyPr>
             <a:normAutofit/>
@@ -13955,7 +13974,18 @@
           <a:p>
             <a:r>
               <a:rPr lang="en-US" dirty="0"/>
-              <a:t>Requires compiler "magic" to manage object lifetimes without constructors and destructors.</a:t>
+              <a:t>Requires compiler "magic" to manage object lifetimes without constructors and destructors.  Like </a:t>
+            </a:r>
+            <a:r>
+              <a:rPr lang="en-US" dirty="0">
+                <a:latin typeface="Courier New" panose="02070309020205020404" pitchFamily="49" charset="0"/>
+                <a:cs typeface="Courier New" panose="02070309020205020404" pitchFamily="49" charset="0"/>
+              </a:rPr>
+              <a:t>std::launder</a:t>
+            </a:r>
+            <a:r>
+              <a:rPr lang="en-US" dirty="0"/>
+              <a:t>, the "magic" adds no runtime cost.</a:t>
             </a:r>
           </a:p>
         </p:txBody>
@@ -25121,7 +25151,15 @@
           <a:p>
             <a:r>
               <a:rPr lang="en-US" dirty="0"/>
-              <a:t>Swap design (P3239) did not make the pre-meeting mailing deadline; we are happy to bring a complete design and wording to a future telecom.</a:t>
+              <a:t>Swap design (P3239) still has a </a:t>
+            </a:r>
+            <a:r>
+              <a:rPr lang="en-US"/>
+              <a:t>few rough edges; </a:t>
+            </a:r>
+            <a:r>
+              <a:rPr lang="en-US" dirty="0"/>
+              <a:t>we are happy to bring a complete design and wording to a future telecom.</a:t>
             </a:r>
           </a:p>
         </p:txBody>
@@ -28054,7 +28092,7 @@
           <a:p>
             <a:r>
               <a:rPr lang="en-US" dirty="0"/>
-              <a:t>Goals pf P2786 et al.:</a:t>
+              <a:t>Goals of P2786 et al.:</a:t>
             </a:r>
           </a:p>
           <a:p>
@@ -30950,6 +30988,19 @@
                 <a:cs typeface="Courier New" panose="02070309020205020404" pitchFamily="49" charset="0"/>
               </a:rPr>
               <a:t>… but using </a:t>
+            </a:r>
+            <a:r>
+              <a:rPr lang="en-US" dirty="0" err="1">
+                <a:latin typeface="Courier New" panose="02070309020205020404" pitchFamily="49" charset="0"/>
+                <a:cs typeface="Courier New" panose="02070309020205020404" pitchFamily="49" charset="0"/>
+              </a:rPr>
+              <a:t>memcpy</a:t>
+            </a:r>
+            <a:r>
+              <a:rPr lang="en-US" dirty="0">
+                <a:cs typeface="Courier New" panose="02070309020205020404" pitchFamily="49" charset="0"/>
+              </a:rPr>
+              <a:t> or </a:t>
             </a:r>
             <a:r>
               <a:rPr lang="en-US" dirty="0" err="1">

--- a/relocate/Trivial Relocation - St. Louis 06-2024.pptx
+++ b/relocate/Trivial Relocation - St. Louis 06-2024.pptx
@@ -25151,15 +25151,7 @@
           <a:p>
             <a:r>
               <a:rPr lang="en-US" dirty="0"/>
-              <a:t>Swap design (P3239) still has a </a:t>
-            </a:r>
-            <a:r>
-              <a:rPr lang="en-US"/>
-              <a:t>few rough edges; </a:t>
-            </a:r>
-            <a:r>
-              <a:rPr lang="en-US" dirty="0"/>
-              <a:t>we are happy to bring a complete design and wording to a future telecom.</a:t>
+              <a:t>Swap design (P3239) still has a few rough edges; we are happy to bring a complete design and wording to a future telecom.</a:t>
             </a:r>
           </a:p>
         </p:txBody>
